--- a/Implementierung.pptx
+++ b/Implementierung.pptx
@@ -7,6 +7,9 @@
   <p:sldIdLst>
     <p:sldId id="256" r:id="rId2"/>
     <p:sldId id="257" r:id="rId3"/>
+    <p:sldId id="258" r:id="rId4"/>
+    <p:sldId id="259" r:id="rId5"/>
+    <p:sldId id="260" r:id="rId6"/>
   </p:sldIdLst>
   <p:sldSz cx="12192000" cy="6858000"/>
   <p:notesSz cx="6858000" cy="9144000"/>
@@ -105,10 +108,1509 @@
       </a:defRPr>
     </a:lvl9pPr>
   </p:defaultTextStyle>
+  <p:extLst>
+    <p:ext uri="{EFAFB233-063F-42B5-8137-9DF3F51BA10A}">
+      <p15:sldGuideLst xmlns:p15="http://schemas.microsoft.com/office/powerpoint/2012/main"/>
+    </p:ext>
+  </p:extLst>
 </p:presentation>
 </file>
 
 <file path=ppt/diagrams/colors1.xml><?xml version="1.0" encoding="utf-8"?>
+<dgm:colorsDef xmlns:dgm="http://schemas.openxmlformats.org/drawingml/2006/diagram" xmlns:a="http://schemas.openxmlformats.org/drawingml/2006/main" uniqueId="urn:microsoft.com/office/officeart/2005/8/colors/accent1_2">
+  <dgm:title val=""/>
+  <dgm:desc val=""/>
+  <dgm:catLst>
+    <dgm:cat type="accent1" pri="11200"/>
+  </dgm:catLst>
+  <dgm:styleLbl name="node0">
+    <dgm:fillClrLst meth="repeat">
+      <a:schemeClr val="accent1"/>
+    </dgm:fillClrLst>
+    <dgm:linClrLst meth="repeat">
+      <a:schemeClr val="lt1"/>
+    </dgm:linClrLst>
+    <dgm:effectClrLst/>
+    <dgm:txLinClrLst/>
+    <dgm:txFillClrLst/>
+    <dgm:txEffectClrLst/>
+  </dgm:styleLbl>
+  <dgm:styleLbl name="alignNode1">
+    <dgm:fillClrLst meth="repeat">
+      <a:schemeClr val="accent1"/>
+    </dgm:fillClrLst>
+    <dgm:linClrLst meth="repeat">
+      <a:schemeClr val="accent1"/>
+    </dgm:linClrLst>
+    <dgm:effectClrLst/>
+    <dgm:txLinClrLst/>
+    <dgm:txFillClrLst/>
+    <dgm:txEffectClrLst/>
+  </dgm:styleLbl>
+  <dgm:styleLbl name="node1">
+    <dgm:fillClrLst meth="repeat">
+      <a:schemeClr val="accent1"/>
+    </dgm:fillClrLst>
+    <dgm:linClrLst meth="repeat">
+      <a:schemeClr val="lt1"/>
+    </dgm:linClrLst>
+    <dgm:effectClrLst/>
+    <dgm:txLinClrLst/>
+    <dgm:txFillClrLst/>
+    <dgm:txEffectClrLst/>
+  </dgm:styleLbl>
+  <dgm:styleLbl name="lnNode1">
+    <dgm:fillClrLst meth="repeat">
+      <a:schemeClr val="accent1"/>
+    </dgm:fillClrLst>
+    <dgm:linClrLst meth="repeat">
+      <a:schemeClr val="lt1"/>
+    </dgm:linClrLst>
+    <dgm:effectClrLst/>
+    <dgm:txLinClrLst/>
+    <dgm:txFillClrLst/>
+    <dgm:txEffectClrLst/>
+  </dgm:styleLbl>
+  <dgm:styleLbl name="vennNode1">
+    <dgm:fillClrLst meth="repeat">
+      <a:schemeClr val="accent1">
+        <a:alpha val="50000"/>
+      </a:schemeClr>
+    </dgm:fillClrLst>
+    <dgm:linClrLst meth="repeat">
+      <a:schemeClr val="lt1"/>
+    </dgm:linClrLst>
+    <dgm:effectClrLst/>
+    <dgm:txLinClrLst/>
+    <dgm:txFillClrLst/>
+    <dgm:txEffectClrLst/>
+  </dgm:styleLbl>
+  <dgm:styleLbl name="node2">
+    <dgm:fillClrLst meth="repeat">
+      <a:schemeClr val="accent1"/>
+    </dgm:fillClrLst>
+    <dgm:linClrLst meth="repeat">
+      <a:schemeClr val="lt1"/>
+    </dgm:linClrLst>
+    <dgm:effectClrLst/>
+    <dgm:txLinClrLst/>
+    <dgm:txFillClrLst/>
+    <dgm:txEffectClrLst/>
+  </dgm:styleLbl>
+  <dgm:styleLbl name="node3">
+    <dgm:fillClrLst meth="repeat">
+      <a:schemeClr val="accent1"/>
+    </dgm:fillClrLst>
+    <dgm:linClrLst meth="repeat">
+      <a:schemeClr val="lt1"/>
+    </dgm:linClrLst>
+    <dgm:effectClrLst/>
+    <dgm:txLinClrLst/>
+    <dgm:txFillClrLst/>
+    <dgm:txEffectClrLst/>
+  </dgm:styleLbl>
+  <dgm:styleLbl name="node4">
+    <dgm:fillClrLst meth="repeat">
+      <a:schemeClr val="accent1"/>
+    </dgm:fillClrLst>
+    <dgm:linClrLst meth="repeat">
+      <a:schemeClr val="lt1"/>
+    </dgm:linClrLst>
+    <dgm:effectClrLst/>
+    <dgm:txLinClrLst/>
+    <dgm:txFillClrLst/>
+    <dgm:txEffectClrLst/>
+  </dgm:styleLbl>
+  <dgm:styleLbl name="fgImgPlace1">
+    <dgm:fillClrLst meth="repeat">
+      <a:schemeClr val="accent1">
+        <a:tint val="50000"/>
+      </a:schemeClr>
+    </dgm:fillClrLst>
+    <dgm:linClrLst meth="repeat">
+      <a:schemeClr val="lt1"/>
+    </dgm:linClrLst>
+    <dgm:effectClrLst/>
+    <dgm:txLinClrLst/>
+    <dgm:txFillClrLst meth="repeat">
+      <a:schemeClr val="lt1"/>
+    </dgm:txFillClrLst>
+    <dgm:txEffectClrLst/>
+  </dgm:styleLbl>
+  <dgm:styleLbl name="alignImgPlace1">
+    <dgm:fillClrLst meth="repeat">
+      <a:schemeClr val="accent1">
+        <a:tint val="50000"/>
+      </a:schemeClr>
+    </dgm:fillClrLst>
+    <dgm:linClrLst meth="repeat">
+      <a:schemeClr val="lt1"/>
+    </dgm:linClrLst>
+    <dgm:effectClrLst/>
+    <dgm:txLinClrLst/>
+    <dgm:txFillClrLst meth="repeat">
+      <a:schemeClr val="lt1"/>
+    </dgm:txFillClrLst>
+    <dgm:txEffectClrLst/>
+  </dgm:styleLbl>
+  <dgm:styleLbl name="bgImgPlace1">
+    <dgm:fillClrLst meth="repeat">
+      <a:schemeClr val="accent1">
+        <a:tint val="50000"/>
+      </a:schemeClr>
+    </dgm:fillClrLst>
+    <dgm:linClrLst meth="repeat">
+      <a:schemeClr val="lt1"/>
+    </dgm:linClrLst>
+    <dgm:effectClrLst/>
+    <dgm:txLinClrLst/>
+    <dgm:txFillClrLst meth="repeat">
+      <a:schemeClr val="lt1"/>
+    </dgm:txFillClrLst>
+    <dgm:txEffectClrLst/>
+  </dgm:styleLbl>
+  <dgm:styleLbl name="sibTrans2D1">
+    <dgm:fillClrLst meth="repeat">
+      <a:schemeClr val="accent1">
+        <a:tint val="60000"/>
+      </a:schemeClr>
+    </dgm:fillClrLst>
+    <dgm:linClrLst meth="repeat">
+      <a:schemeClr val="accent1">
+        <a:tint val="60000"/>
+      </a:schemeClr>
+    </dgm:linClrLst>
+    <dgm:effectClrLst/>
+    <dgm:txLinClrLst/>
+    <dgm:txFillClrLst/>
+    <dgm:txEffectClrLst/>
+  </dgm:styleLbl>
+  <dgm:styleLbl name="fgSibTrans2D1">
+    <dgm:fillClrLst meth="repeat">
+      <a:schemeClr val="accent1">
+        <a:tint val="60000"/>
+      </a:schemeClr>
+    </dgm:fillClrLst>
+    <dgm:linClrLst meth="repeat">
+      <a:schemeClr val="accent1">
+        <a:tint val="60000"/>
+      </a:schemeClr>
+    </dgm:linClrLst>
+    <dgm:effectClrLst/>
+    <dgm:txLinClrLst/>
+    <dgm:txFillClrLst/>
+    <dgm:txEffectClrLst/>
+  </dgm:styleLbl>
+  <dgm:styleLbl name="bgSibTrans2D1">
+    <dgm:fillClrLst meth="repeat">
+      <a:schemeClr val="accent1">
+        <a:tint val="60000"/>
+      </a:schemeClr>
+    </dgm:fillClrLst>
+    <dgm:linClrLst meth="repeat">
+      <a:schemeClr val="accent1">
+        <a:tint val="60000"/>
+      </a:schemeClr>
+    </dgm:linClrLst>
+    <dgm:effectClrLst/>
+    <dgm:txLinClrLst/>
+    <dgm:txFillClrLst/>
+    <dgm:txEffectClrLst/>
+  </dgm:styleLbl>
+  <dgm:styleLbl name="sibTrans1D1">
+    <dgm:fillClrLst meth="repeat">
+      <a:schemeClr val="accent1"/>
+    </dgm:fillClrLst>
+    <dgm:linClrLst meth="repeat">
+      <a:schemeClr val="accent1"/>
+    </dgm:linClrLst>
+    <dgm:effectClrLst/>
+    <dgm:txLinClrLst/>
+    <dgm:txFillClrLst meth="repeat">
+      <a:schemeClr val="tx1"/>
+    </dgm:txFillClrLst>
+    <dgm:txEffectClrLst/>
+  </dgm:styleLbl>
+  <dgm:styleLbl name="callout">
+    <dgm:fillClrLst meth="repeat">
+      <a:schemeClr val="accent1"/>
+    </dgm:fillClrLst>
+    <dgm:linClrLst meth="repeat">
+      <a:schemeClr val="accent1">
+        <a:tint val="50000"/>
+      </a:schemeClr>
+    </dgm:linClrLst>
+    <dgm:effectClrLst/>
+    <dgm:txLinClrLst/>
+    <dgm:txFillClrLst meth="repeat">
+      <a:schemeClr val="tx1"/>
+    </dgm:txFillClrLst>
+    <dgm:txEffectClrLst/>
+  </dgm:styleLbl>
+  <dgm:styleLbl name="asst0">
+    <dgm:fillClrLst meth="repeat">
+      <a:schemeClr val="accent1"/>
+    </dgm:fillClrLst>
+    <dgm:linClrLst meth="repeat">
+      <a:schemeClr val="lt1"/>
+    </dgm:linClrLst>
+    <dgm:effectClrLst/>
+    <dgm:txLinClrLst/>
+    <dgm:txFillClrLst/>
+    <dgm:txEffectClrLst/>
+  </dgm:styleLbl>
+  <dgm:styleLbl name="asst1">
+    <dgm:fillClrLst meth="repeat">
+      <a:schemeClr val="accent1"/>
+    </dgm:fillClrLst>
+    <dgm:linClrLst meth="repeat">
+      <a:schemeClr val="lt1"/>
+    </dgm:linClrLst>
+    <dgm:effectClrLst/>
+    <dgm:txLinClrLst/>
+    <dgm:txFillClrLst/>
+    <dgm:txEffectClrLst/>
+  </dgm:styleLbl>
+  <dgm:styleLbl name="asst2">
+    <dgm:fillClrLst meth="repeat">
+      <a:schemeClr val="accent1"/>
+    </dgm:fillClrLst>
+    <dgm:linClrLst meth="repeat">
+      <a:schemeClr val="lt1"/>
+    </dgm:linClrLst>
+    <dgm:effectClrLst/>
+    <dgm:txLinClrLst/>
+    <dgm:txFillClrLst/>
+    <dgm:txEffectClrLst/>
+  </dgm:styleLbl>
+  <dgm:styleLbl name="asst3">
+    <dgm:fillClrLst meth="repeat">
+      <a:schemeClr val="accent1"/>
+    </dgm:fillClrLst>
+    <dgm:linClrLst meth="repeat">
+      <a:schemeClr val="lt1"/>
+    </dgm:linClrLst>
+    <dgm:effectClrLst/>
+    <dgm:txLinClrLst/>
+    <dgm:txFillClrLst/>
+    <dgm:txEffectClrLst/>
+  </dgm:styleLbl>
+  <dgm:styleLbl name="asst4">
+    <dgm:fillClrLst meth="repeat">
+      <a:schemeClr val="accent1"/>
+    </dgm:fillClrLst>
+    <dgm:linClrLst meth="repeat">
+      <a:schemeClr val="lt1"/>
+    </dgm:linClrLst>
+    <dgm:effectClrLst/>
+    <dgm:txLinClrLst/>
+    <dgm:txFillClrLst/>
+    <dgm:txEffectClrLst/>
+  </dgm:styleLbl>
+  <dgm:styleLbl name="parChTrans2D1">
+    <dgm:fillClrLst meth="repeat">
+      <a:schemeClr val="accent1">
+        <a:tint val="60000"/>
+      </a:schemeClr>
+    </dgm:fillClrLst>
+    <dgm:linClrLst meth="repeat">
+      <a:schemeClr val="accent1">
+        <a:tint val="60000"/>
+      </a:schemeClr>
+    </dgm:linClrLst>
+    <dgm:effectClrLst/>
+    <dgm:txLinClrLst/>
+    <dgm:txFillClrLst meth="repeat">
+      <a:schemeClr val="lt1"/>
+    </dgm:txFillClrLst>
+    <dgm:txEffectClrLst/>
+  </dgm:styleLbl>
+  <dgm:styleLbl name="parChTrans2D2">
+    <dgm:fillClrLst meth="repeat">
+      <a:schemeClr val="accent1"/>
+    </dgm:fillClrLst>
+    <dgm:linClrLst meth="repeat">
+      <a:schemeClr val="accent1"/>
+    </dgm:linClrLst>
+    <dgm:effectClrLst/>
+    <dgm:txLinClrLst/>
+    <dgm:txFillClrLst meth="repeat">
+      <a:schemeClr val="lt1"/>
+    </dgm:txFillClrLst>
+    <dgm:txEffectClrLst/>
+  </dgm:styleLbl>
+  <dgm:styleLbl name="parChTrans2D3">
+    <dgm:fillClrLst meth="repeat">
+      <a:schemeClr val="accent1"/>
+    </dgm:fillClrLst>
+    <dgm:linClrLst meth="repeat">
+      <a:schemeClr val="accent1"/>
+    </dgm:linClrLst>
+    <dgm:effectClrLst/>
+    <dgm:txLinClrLst/>
+    <dgm:txFillClrLst meth="repeat">
+      <a:schemeClr val="lt1"/>
+    </dgm:txFillClrLst>
+    <dgm:txEffectClrLst/>
+  </dgm:styleLbl>
+  <dgm:styleLbl name="parChTrans2D4">
+    <dgm:fillClrLst meth="repeat">
+      <a:schemeClr val="accent1"/>
+    </dgm:fillClrLst>
+    <dgm:linClrLst meth="repeat">
+      <a:schemeClr val="accent1"/>
+    </dgm:linClrLst>
+    <dgm:effectClrLst/>
+    <dgm:txLinClrLst/>
+    <dgm:txFillClrLst meth="repeat">
+      <a:schemeClr val="lt1"/>
+    </dgm:txFillClrLst>
+    <dgm:txEffectClrLst/>
+  </dgm:styleLbl>
+  <dgm:styleLbl name="parChTrans1D1">
+    <dgm:fillClrLst meth="repeat">
+      <a:schemeClr val="accent1"/>
+    </dgm:fillClrLst>
+    <dgm:linClrLst meth="repeat">
+      <a:schemeClr val="accent1">
+        <a:shade val="60000"/>
+      </a:schemeClr>
+    </dgm:linClrLst>
+    <dgm:effectClrLst/>
+    <dgm:txLinClrLst/>
+    <dgm:txFillClrLst meth="repeat">
+      <a:schemeClr val="tx1"/>
+    </dgm:txFillClrLst>
+    <dgm:txEffectClrLst/>
+  </dgm:styleLbl>
+  <dgm:styleLbl name="parChTrans1D2">
+    <dgm:fillClrLst meth="repeat">
+      <a:schemeClr val="accent1"/>
+    </dgm:fillClrLst>
+    <dgm:linClrLst meth="repeat">
+      <a:schemeClr val="accent1">
+        <a:shade val="60000"/>
+      </a:schemeClr>
+    </dgm:linClrLst>
+    <dgm:effectClrLst/>
+    <dgm:txLinClrLst/>
+    <dgm:txFillClrLst meth="repeat">
+      <a:schemeClr val="tx1"/>
+    </dgm:txFillClrLst>
+    <dgm:txEffectClrLst/>
+  </dgm:styleLbl>
+  <dgm:styleLbl name="parChTrans1D3">
+    <dgm:fillClrLst meth="repeat">
+      <a:schemeClr val="accent1"/>
+    </dgm:fillClrLst>
+    <dgm:linClrLst meth="repeat">
+      <a:schemeClr val="accent1">
+        <a:shade val="80000"/>
+      </a:schemeClr>
+    </dgm:linClrLst>
+    <dgm:effectClrLst/>
+    <dgm:txLinClrLst/>
+    <dgm:txFillClrLst meth="repeat">
+      <a:schemeClr val="tx1"/>
+    </dgm:txFillClrLst>
+    <dgm:txEffectClrLst/>
+  </dgm:styleLbl>
+  <dgm:styleLbl name="parChTrans1D4">
+    <dgm:fillClrLst meth="repeat">
+      <a:schemeClr val="accent1"/>
+    </dgm:fillClrLst>
+    <dgm:linClrLst meth="repeat">
+      <a:schemeClr val="accent1">
+        <a:shade val="80000"/>
+      </a:schemeClr>
+    </dgm:linClrLst>
+    <dgm:effectClrLst/>
+    <dgm:txLinClrLst/>
+    <dgm:txFillClrLst meth="repeat">
+      <a:schemeClr val="tx1"/>
+    </dgm:txFillClrLst>
+    <dgm:txEffectClrLst/>
+  </dgm:styleLbl>
+  <dgm:styleLbl name="fgAcc1">
+    <dgm:fillClrLst meth="repeat">
+      <a:schemeClr val="lt1">
+        <a:alpha val="90000"/>
+      </a:schemeClr>
+    </dgm:fillClrLst>
+    <dgm:linClrLst meth="repeat">
+      <a:schemeClr val="accent1"/>
+    </dgm:linClrLst>
+    <dgm:effectClrLst/>
+    <dgm:txLinClrLst/>
+    <dgm:txFillClrLst meth="repeat">
+      <a:schemeClr val="dk1"/>
+    </dgm:txFillClrLst>
+    <dgm:txEffectClrLst/>
+  </dgm:styleLbl>
+  <dgm:styleLbl name="conFgAcc1">
+    <dgm:fillClrLst meth="repeat">
+      <a:schemeClr val="lt1">
+        <a:alpha val="90000"/>
+      </a:schemeClr>
+    </dgm:fillClrLst>
+    <dgm:linClrLst meth="repeat">
+      <a:schemeClr val="accent1"/>
+    </dgm:linClrLst>
+    <dgm:effectClrLst/>
+    <dgm:txLinClrLst/>
+    <dgm:txFillClrLst meth="repeat">
+      <a:schemeClr val="dk1"/>
+    </dgm:txFillClrLst>
+    <dgm:txEffectClrLst/>
+  </dgm:styleLbl>
+  <dgm:styleLbl name="alignAcc1">
+    <dgm:fillClrLst meth="repeat">
+      <a:schemeClr val="lt1">
+        <a:alpha val="90000"/>
+      </a:schemeClr>
+    </dgm:fillClrLst>
+    <dgm:linClrLst meth="repeat">
+      <a:schemeClr val="accent1"/>
+    </dgm:linClrLst>
+    <dgm:effectClrLst/>
+    <dgm:txLinClrLst/>
+    <dgm:txFillClrLst meth="repeat">
+      <a:schemeClr val="dk1"/>
+    </dgm:txFillClrLst>
+    <dgm:txEffectClrLst/>
+  </dgm:styleLbl>
+  <dgm:styleLbl name="trAlignAcc1">
+    <dgm:fillClrLst meth="repeat">
+      <a:schemeClr val="lt1">
+        <a:alpha val="40000"/>
+      </a:schemeClr>
+    </dgm:fillClrLst>
+    <dgm:linClrLst meth="repeat">
+      <a:schemeClr val="accent1"/>
+    </dgm:linClrLst>
+    <dgm:effectClrLst/>
+    <dgm:txLinClrLst/>
+    <dgm:txFillClrLst meth="repeat">
+      <a:schemeClr val="dk1"/>
+    </dgm:txFillClrLst>
+    <dgm:txEffectClrLst/>
+  </dgm:styleLbl>
+  <dgm:styleLbl name="bgAcc1">
+    <dgm:fillClrLst meth="repeat">
+      <a:schemeClr val="lt1">
+        <a:alpha val="90000"/>
+      </a:schemeClr>
+    </dgm:fillClrLst>
+    <dgm:linClrLst meth="repeat">
+      <a:schemeClr val="accent1"/>
+    </dgm:linClrLst>
+    <dgm:effectClrLst/>
+    <dgm:txLinClrLst/>
+    <dgm:txFillClrLst meth="repeat">
+      <a:schemeClr val="dk1"/>
+    </dgm:txFillClrLst>
+    <dgm:txEffectClrLst/>
+  </dgm:styleLbl>
+  <dgm:styleLbl name="solidFgAcc1">
+    <dgm:fillClrLst meth="repeat">
+      <a:schemeClr val="lt1"/>
+    </dgm:fillClrLst>
+    <dgm:linClrLst meth="repeat">
+      <a:schemeClr val="accent1"/>
+    </dgm:linClrLst>
+    <dgm:effectClrLst/>
+    <dgm:txLinClrLst/>
+    <dgm:txFillClrLst meth="repeat">
+      <a:schemeClr val="dk1"/>
+    </dgm:txFillClrLst>
+    <dgm:txEffectClrLst/>
+  </dgm:styleLbl>
+  <dgm:styleLbl name="solidAlignAcc1">
+    <dgm:fillClrLst meth="repeat">
+      <a:schemeClr val="lt1"/>
+    </dgm:fillClrLst>
+    <dgm:linClrLst meth="repeat">
+      <a:schemeClr val="accent1"/>
+    </dgm:linClrLst>
+    <dgm:effectClrLst/>
+    <dgm:txLinClrLst/>
+    <dgm:txFillClrLst meth="repeat">
+      <a:schemeClr val="dk1"/>
+    </dgm:txFillClrLst>
+    <dgm:txEffectClrLst/>
+  </dgm:styleLbl>
+  <dgm:styleLbl name="solidBgAcc1">
+    <dgm:fillClrLst meth="repeat">
+      <a:schemeClr val="lt1"/>
+    </dgm:fillClrLst>
+    <dgm:linClrLst meth="repeat">
+      <a:schemeClr val="accent1"/>
+    </dgm:linClrLst>
+    <dgm:effectClrLst/>
+    <dgm:txLinClrLst/>
+    <dgm:txFillClrLst meth="repeat">
+      <a:schemeClr val="dk1"/>
+    </dgm:txFillClrLst>
+    <dgm:txEffectClrLst/>
+  </dgm:styleLbl>
+  <dgm:styleLbl name="fgAccFollowNode1">
+    <dgm:fillClrLst meth="repeat">
+      <a:schemeClr val="accent1">
+        <a:alpha val="90000"/>
+        <a:tint val="40000"/>
+      </a:schemeClr>
+    </dgm:fillClrLst>
+    <dgm:linClrLst meth="repeat">
+      <a:schemeClr val="accent1">
+        <a:alpha val="90000"/>
+        <a:tint val="40000"/>
+      </a:schemeClr>
+    </dgm:linClrLst>
+    <dgm:effectClrLst/>
+    <dgm:txLinClrLst/>
+    <dgm:txFillClrLst meth="repeat">
+      <a:schemeClr val="dk1"/>
+    </dgm:txFillClrLst>
+    <dgm:txEffectClrLst/>
+  </dgm:styleLbl>
+  <dgm:styleLbl name="alignAccFollowNode1">
+    <dgm:fillClrLst meth="repeat">
+      <a:schemeClr val="accent1">
+        <a:alpha val="90000"/>
+        <a:tint val="40000"/>
+      </a:schemeClr>
+    </dgm:fillClrLst>
+    <dgm:linClrLst meth="repeat">
+      <a:schemeClr val="accent1">
+        <a:alpha val="90000"/>
+        <a:tint val="40000"/>
+      </a:schemeClr>
+    </dgm:linClrLst>
+    <dgm:effectClrLst/>
+    <dgm:txLinClrLst/>
+    <dgm:txFillClrLst meth="repeat">
+      <a:schemeClr val="dk1"/>
+    </dgm:txFillClrLst>
+    <dgm:txEffectClrLst/>
+  </dgm:styleLbl>
+  <dgm:styleLbl name="bgAccFollowNode1">
+    <dgm:fillClrLst meth="repeat">
+      <a:schemeClr val="accent1">
+        <a:alpha val="90000"/>
+        <a:tint val="40000"/>
+      </a:schemeClr>
+    </dgm:fillClrLst>
+    <dgm:linClrLst meth="repeat">
+      <a:schemeClr val="accent1">
+        <a:alpha val="90000"/>
+        <a:tint val="40000"/>
+      </a:schemeClr>
+    </dgm:linClrLst>
+    <dgm:effectClrLst/>
+    <dgm:txLinClrLst/>
+    <dgm:txFillClrLst meth="repeat">
+      <a:schemeClr val="dk1"/>
+    </dgm:txFillClrLst>
+    <dgm:txEffectClrLst/>
+  </dgm:styleLbl>
+  <dgm:styleLbl name="fgAcc0">
+    <dgm:fillClrLst meth="repeat">
+      <a:schemeClr val="lt1">
+        <a:alpha val="90000"/>
+      </a:schemeClr>
+    </dgm:fillClrLst>
+    <dgm:linClrLst meth="repeat">
+      <a:schemeClr val="accent1"/>
+    </dgm:linClrLst>
+    <dgm:effectClrLst/>
+    <dgm:txLinClrLst/>
+    <dgm:txFillClrLst meth="repeat">
+      <a:schemeClr val="dk1"/>
+    </dgm:txFillClrLst>
+    <dgm:txEffectClrLst/>
+  </dgm:styleLbl>
+  <dgm:styleLbl name="fgAcc2">
+    <dgm:fillClrLst meth="repeat">
+      <a:schemeClr val="lt1">
+        <a:alpha val="90000"/>
+      </a:schemeClr>
+    </dgm:fillClrLst>
+    <dgm:linClrLst meth="repeat">
+      <a:schemeClr val="accent1"/>
+    </dgm:linClrLst>
+    <dgm:effectClrLst/>
+    <dgm:txLinClrLst/>
+    <dgm:txFillClrLst meth="repeat">
+      <a:schemeClr val="dk1"/>
+    </dgm:txFillClrLst>
+    <dgm:txEffectClrLst/>
+  </dgm:styleLbl>
+  <dgm:styleLbl name="fgAcc3">
+    <dgm:fillClrLst meth="repeat">
+      <a:schemeClr val="lt1">
+        <a:alpha val="90000"/>
+      </a:schemeClr>
+    </dgm:fillClrLst>
+    <dgm:linClrLst meth="repeat">
+      <a:schemeClr val="accent1"/>
+    </dgm:linClrLst>
+    <dgm:effectClrLst/>
+    <dgm:txLinClrLst/>
+    <dgm:txFillClrLst meth="repeat">
+      <a:schemeClr val="dk1"/>
+    </dgm:txFillClrLst>
+    <dgm:txEffectClrLst/>
+  </dgm:styleLbl>
+  <dgm:styleLbl name="fgAcc4">
+    <dgm:fillClrLst meth="repeat">
+      <a:schemeClr val="lt1">
+        <a:alpha val="90000"/>
+      </a:schemeClr>
+    </dgm:fillClrLst>
+    <dgm:linClrLst meth="repeat">
+      <a:schemeClr val="accent1"/>
+    </dgm:linClrLst>
+    <dgm:effectClrLst/>
+    <dgm:txLinClrLst/>
+    <dgm:txFillClrLst meth="repeat">
+      <a:schemeClr val="dk1"/>
+    </dgm:txFillClrLst>
+    <dgm:txEffectClrLst/>
+  </dgm:styleLbl>
+  <dgm:styleLbl name="bgShp">
+    <dgm:fillClrLst meth="repeat">
+      <a:schemeClr val="accent1">
+        <a:tint val="40000"/>
+      </a:schemeClr>
+    </dgm:fillClrLst>
+    <dgm:linClrLst meth="repeat">
+      <a:schemeClr val="accent1"/>
+    </dgm:linClrLst>
+    <dgm:effectClrLst/>
+    <dgm:txLinClrLst/>
+    <dgm:txFillClrLst meth="repeat">
+      <a:schemeClr val="dk1"/>
+    </dgm:txFillClrLst>
+    <dgm:txEffectClrLst/>
+  </dgm:styleLbl>
+  <dgm:styleLbl name="dkBgShp">
+    <dgm:fillClrLst meth="repeat">
+      <a:schemeClr val="accent1">
+        <a:shade val="80000"/>
+      </a:schemeClr>
+    </dgm:fillClrLst>
+    <dgm:linClrLst meth="repeat">
+      <a:schemeClr val="accent1"/>
+    </dgm:linClrLst>
+    <dgm:effectClrLst/>
+    <dgm:txLinClrLst/>
+    <dgm:txFillClrLst meth="repeat">
+      <a:schemeClr val="lt1"/>
+    </dgm:txFillClrLst>
+    <dgm:txEffectClrLst/>
+  </dgm:styleLbl>
+  <dgm:styleLbl name="trBgShp">
+    <dgm:fillClrLst meth="repeat">
+      <a:schemeClr val="accent1">
+        <a:tint val="50000"/>
+        <a:alpha val="40000"/>
+      </a:schemeClr>
+    </dgm:fillClrLst>
+    <dgm:linClrLst meth="repeat">
+      <a:schemeClr val="accent1"/>
+    </dgm:linClrLst>
+    <dgm:effectClrLst/>
+    <dgm:txLinClrLst/>
+    <dgm:txFillClrLst meth="repeat">
+      <a:schemeClr val="lt1"/>
+    </dgm:txFillClrLst>
+    <dgm:txEffectClrLst/>
+  </dgm:styleLbl>
+  <dgm:styleLbl name="fgShp">
+    <dgm:fillClrLst meth="repeat">
+      <a:schemeClr val="accent1">
+        <a:tint val="60000"/>
+      </a:schemeClr>
+    </dgm:fillClrLst>
+    <dgm:linClrLst meth="repeat">
+      <a:schemeClr val="lt1"/>
+    </dgm:linClrLst>
+    <dgm:effectClrLst/>
+    <dgm:txLinClrLst/>
+    <dgm:txFillClrLst meth="repeat">
+      <a:schemeClr val="dk1"/>
+    </dgm:txFillClrLst>
+    <dgm:txEffectClrLst/>
+  </dgm:styleLbl>
+  <dgm:styleLbl name="revTx">
+    <dgm:fillClrLst meth="repeat">
+      <a:schemeClr val="lt1">
+        <a:alpha val="0"/>
+      </a:schemeClr>
+    </dgm:fillClrLst>
+    <dgm:linClrLst meth="repeat">
+      <a:schemeClr val="dk1">
+        <a:alpha val="0"/>
+      </a:schemeClr>
+    </dgm:linClrLst>
+    <dgm:effectClrLst/>
+    <dgm:txLinClrLst/>
+    <dgm:txFillClrLst meth="repeat">
+      <a:schemeClr val="tx1"/>
+    </dgm:txFillClrLst>
+    <dgm:txEffectClrLst/>
+  </dgm:styleLbl>
+</dgm:colorsDef>
+</file>
+
+<file path=ppt/diagrams/colors2.xml><?xml version="1.0" encoding="utf-8"?>
+<dgm:colorsDef xmlns:dgm="http://schemas.openxmlformats.org/drawingml/2006/diagram" xmlns:a="http://schemas.openxmlformats.org/drawingml/2006/main" uniqueId="urn:microsoft.com/office/officeart/2005/8/colors/accent1_2">
+  <dgm:title val=""/>
+  <dgm:desc val=""/>
+  <dgm:catLst>
+    <dgm:cat type="accent1" pri="11200"/>
+  </dgm:catLst>
+  <dgm:styleLbl name="node0">
+    <dgm:fillClrLst meth="repeat">
+      <a:schemeClr val="accent1"/>
+    </dgm:fillClrLst>
+    <dgm:linClrLst meth="repeat">
+      <a:schemeClr val="lt1"/>
+    </dgm:linClrLst>
+    <dgm:effectClrLst/>
+    <dgm:txLinClrLst/>
+    <dgm:txFillClrLst/>
+    <dgm:txEffectClrLst/>
+  </dgm:styleLbl>
+  <dgm:styleLbl name="alignNode1">
+    <dgm:fillClrLst meth="repeat">
+      <a:schemeClr val="accent1"/>
+    </dgm:fillClrLst>
+    <dgm:linClrLst meth="repeat">
+      <a:schemeClr val="accent1"/>
+    </dgm:linClrLst>
+    <dgm:effectClrLst/>
+    <dgm:txLinClrLst/>
+    <dgm:txFillClrLst/>
+    <dgm:txEffectClrLst/>
+  </dgm:styleLbl>
+  <dgm:styleLbl name="node1">
+    <dgm:fillClrLst meth="repeat">
+      <a:schemeClr val="accent1"/>
+    </dgm:fillClrLst>
+    <dgm:linClrLst meth="repeat">
+      <a:schemeClr val="lt1"/>
+    </dgm:linClrLst>
+    <dgm:effectClrLst/>
+    <dgm:txLinClrLst/>
+    <dgm:txFillClrLst/>
+    <dgm:txEffectClrLst/>
+  </dgm:styleLbl>
+  <dgm:styleLbl name="lnNode1">
+    <dgm:fillClrLst meth="repeat">
+      <a:schemeClr val="accent1"/>
+    </dgm:fillClrLst>
+    <dgm:linClrLst meth="repeat">
+      <a:schemeClr val="lt1"/>
+    </dgm:linClrLst>
+    <dgm:effectClrLst/>
+    <dgm:txLinClrLst/>
+    <dgm:txFillClrLst/>
+    <dgm:txEffectClrLst/>
+  </dgm:styleLbl>
+  <dgm:styleLbl name="vennNode1">
+    <dgm:fillClrLst meth="repeat">
+      <a:schemeClr val="accent1">
+        <a:alpha val="50000"/>
+      </a:schemeClr>
+    </dgm:fillClrLst>
+    <dgm:linClrLst meth="repeat">
+      <a:schemeClr val="lt1"/>
+    </dgm:linClrLst>
+    <dgm:effectClrLst/>
+    <dgm:txLinClrLst/>
+    <dgm:txFillClrLst/>
+    <dgm:txEffectClrLst/>
+  </dgm:styleLbl>
+  <dgm:styleLbl name="node2">
+    <dgm:fillClrLst meth="repeat">
+      <a:schemeClr val="accent1"/>
+    </dgm:fillClrLst>
+    <dgm:linClrLst meth="repeat">
+      <a:schemeClr val="lt1"/>
+    </dgm:linClrLst>
+    <dgm:effectClrLst/>
+    <dgm:txLinClrLst/>
+    <dgm:txFillClrLst/>
+    <dgm:txEffectClrLst/>
+  </dgm:styleLbl>
+  <dgm:styleLbl name="node3">
+    <dgm:fillClrLst meth="repeat">
+      <a:schemeClr val="accent1"/>
+    </dgm:fillClrLst>
+    <dgm:linClrLst meth="repeat">
+      <a:schemeClr val="lt1"/>
+    </dgm:linClrLst>
+    <dgm:effectClrLst/>
+    <dgm:txLinClrLst/>
+    <dgm:txFillClrLst/>
+    <dgm:txEffectClrLst/>
+  </dgm:styleLbl>
+  <dgm:styleLbl name="node4">
+    <dgm:fillClrLst meth="repeat">
+      <a:schemeClr val="accent1"/>
+    </dgm:fillClrLst>
+    <dgm:linClrLst meth="repeat">
+      <a:schemeClr val="lt1"/>
+    </dgm:linClrLst>
+    <dgm:effectClrLst/>
+    <dgm:txLinClrLst/>
+    <dgm:txFillClrLst/>
+    <dgm:txEffectClrLst/>
+  </dgm:styleLbl>
+  <dgm:styleLbl name="fgImgPlace1">
+    <dgm:fillClrLst meth="repeat">
+      <a:schemeClr val="accent1">
+        <a:tint val="50000"/>
+      </a:schemeClr>
+    </dgm:fillClrLst>
+    <dgm:linClrLst meth="repeat">
+      <a:schemeClr val="lt1"/>
+    </dgm:linClrLst>
+    <dgm:effectClrLst/>
+    <dgm:txLinClrLst/>
+    <dgm:txFillClrLst meth="repeat">
+      <a:schemeClr val="lt1"/>
+    </dgm:txFillClrLst>
+    <dgm:txEffectClrLst/>
+  </dgm:styleLbl>
+  <dgm:styleLbl name="alignImgPlace1">
+    <dgm:fillClrLst meth="repeat">
+      <a:schemeClr val="accent1">
+        <a:tint val="50000"/>
+      </a:schemeClr>
+    </dgm:fillClrLst>
+    <dgm:linClrLst meth="repeat">
+      <a:schemeClr val="lt1"/>
+    </dgm:linClrLst>
+    <dgm:effectClrLst/>
+    <dgm:txLinClrLst/>
+    <dgm:txFillClrLst meth="repeat">
+      <a:schemeClr val="lt1"/>
+    </dgm:txFillClrLst>
+    <dgm:txEffectClrLst/>
+  </dgm:styleLbl>
+  <dgm:styleLbl name="bgImgPlace1">
+    <dgm:fillClrLst meth="repeat">
+      <a:schemeClr val="accent1">
+        <a:tint val="50000"/>
+      </a:schemeClr>
+    </dgm:fillClrLst>
+    <dgm:linClrLst meth="repeat">
+      <a:schemeClr val="lt1"/>
+    </dgm:linClrLst>
+    <dgm:effectClrLst/>
+    <dgm:txLinClrLst/>
+    <dgm:txFillClrLst meth="repeat">
+      <a:schemeClr val="lt1"/>
+    </dgm:txFillClrLst>
+    <dgm:txEffectClrLst/>
+  </dgm:styleLbl>
+  <dgm:styleLbl name="sibTrans2D1">
+    <dgm:fillClrLst meth="repeat">
+      <a:schemeClr val="accent1">
+        <a:tint val="60000"/>
+      </a:schemeClr>
+    </dgm:fillClrLst>
+    <dgm:linClrLst meth="repeat">
+      <a:schemeClr val="accent1">
+        <a:tint val="60000"/>
+      </a:schemeClr>
+    </dgm:linClrLst>
+    <dgm:effectClrLst/>
+    <dgm:txLinClrLst/>
+    <dgm:txFillClrLst/>
+    <dgm:txEffectClrLst/>
+  </dgm:styleLbl>
+  <dgm:styleLbl name="fgSibTrans2D1">
+    <dgm:fillClrLst meth="repeat">
+      <a:schemeClr val="accent1">
+        <a:tint val="60000"/>
+      </a:schemeClr>
+    </dgm:fillClrLst>
+    <dgm:linClrLst meth="repeat">
+      <a:schemeClr val="accent1">
+        <a:tint val="60000"/>
+      </a:schemeClr>
+    </dgm:linClrLst>
+    <dgm:effectClrLst/>
+    <dgm:txLinClrLst/>
+    <dgm:txFillClrLst/>
+    <dgm:txEffectClrLst/>
+  </dgm:styleLbl>
+  <dgm:styleLbl name="bgSibTrans2D1">
+    <dgm:fillClrLst meth="repeat">
+      <a:schemeClr val="accent1">
+        <a:tint val="60000"/>
+      </a:schemeClr>
+    </dgm:fillClrLst>
+    <dgm:linClrLst meth="repeat">
+      <a:schemeClr val="accent1">
+        <a:tint val="60000"/>
+      </a:schemeClr>
+    </dgm:linClrLst>
+    <dgm:effectClrLst/>
+    <dgm:txLinClrLst/>
+    <dgm:txFillClrLst/>
+    <dgm:txEffectClrLst/>
+  </dgm:styleLbl>
+  <dgm:styleLbl name="sibTrans1D1">
+    <dgm:fillClrLst meth="repeat">
+      <a:schemeClr val="accent1"/>
+    </dgm:fillClrLst>
+    <dgm:linClrLst meth="repeat">
+      <a:schemeClr val="accent1"/>
+    </dgm:linClrLst>
+    <dgm:effectClrLst/>
+    <dgm:txLinClrLst/>
+    <dgm:txFillClrLst meth="repeat">
+      <a:schemeClr val="tx1"/>
+    </dgm:txFillClrLst>
+    <dgm:txEffectClrLst/>
+  </dgm:styleLbl>
+  <dgm:styleLbl name="callout">
+    <dgm:fillClrLst meth="repeat">
+      <a:schemeClr val="accent1"/>
+    </dgm:fillClrLst>
+    <dgm:linClrLst meth="repeat">
+      <a:schemeClr val="accent1">
+        <a:tint val="50000"/>
+      </a:schemeClr>
+    </dgm:linClrLst>
+    <dgm:effectClrLst/>
+    <dgm:txLinClrLst/>
+    <dgm:txFillClrLst meth="repeat">
+      <a:schemeClr val="tx1"/>
+    </dgm:txFillClrLst>
+    <dgm:txEffectClrLst/>
+  </dgm:styleLbl>
+  <dgm:styleLbl name="asst0">
+    <dgm:fillClrLst meth="repeat">
+      <a:schemeClr val="accent1"/>
+    </dgm:fillClrLst>
+    <dgm:linClrLst meth="repeat">
+      <a:schemeClr val="lt1"/>
+    </dgm:linClrLst>
+    <dgm:effectClrLst/>
+    <dgm:txLinClrLst/>
+    <dgm:txFillClrLst/>
+    <dgm:txEffectClrLst/>
+  </dgm:styleLbl>
+  <dgm:styleLbl name="asst1">
+    <dgm:fillClrLst meth="repeat">
+      <a:schemeClr val="accent1"/>
+    </dgm:fillClrLst>
+    <dgm:linClrLst meth="repeat">
+      <a:schemeClr val="lt1"/>
+    </dgm:linClrLst>
+    <dgm:effectClrLst/>
+    <dgm:txLinClrLst/>
+    <dgm:txFillClrLst/>
+    <dgm:txEffectClrLst/>
+  </dgm:styleLbl>
+  <dgm:styleLbl name="asst2">
+    <dgm:fillClrLst meth="repeat">
+      <a:schemeClr val="accent1"/>
+    </dgm:fillClrLst>
+    <dgm:linClrLst meth="repeat">
+      <a:schemeClr val="lt1"/>
+    </dgm:linClrLst>
+    <dgm:effectClrLst/>
+    <dgm:txLinClrLst/>
+    <dgm:txFillClrLst/>
+    <dgm:txEffectClrLst/>
+  </dgm:styleLbl>
+  <dgm:styleLbl name="asst3">
+    <dgm:fillClrLst meth="repeat">
+      <a:schemeClr val="accent1"/>
+    </dgm:fillClrLst>
+    <dgm:linClrLst meth="repeat">
+      <a:schemeClr val="lt1"/>
+    </dgm:linClrLst>
+    <dgm:effectClrLst/>
+    <dgm:txLinClrLst/>
+    <dgm:txFillClrLst/>
+    <dgm:txEffectClrLst/>
+  </dgm:styleLbl>
+  <dgm:styleLbl name="asst4">
+    <dgm:fillClrLst meth="repeat">
+      <a:schemeClr val="accent1"/>
+    </dgm:fillClrLst>
+    <dgm:linClrLst meth="repeat">
+      <a:schemeClr val="lt1"/>
+    </dgm:linClrLst>
+    <dgm:effectClrLst/>
+    <dgm:txLinClrLst/>
+    <dgm:txFillClrLst/>
+    <dgm:txEffectClrLst/>
+  </dgm:styleLbl>
+  <dgm:styleLbl name="parChTrans2D1">
+    <dgm:fillClrLst meth="repeat">
+      <a:schemeClr val="accent1">
+        <a:tint val="60000"/>
+      </a:schemeClr>
+    </dgm:fillClrLst>
+    <dgm:linClrLst meth="repeat">
+      <a:schemeClr val="accent1">
+        <a:tint val="60000"/>
+      </a:schemeClr>
+    </dgm:linClrLst>
+    <dgm:effectClrLst/>
+    <dgm:txLinClrLst/>
+    <dgm:txFillClrLst meth="repeat">
+      <a:schemeClr val="lt1"/>
+    </dgm:txFillClrLst>
+    <dgm:txEffectClrLst/>
+  </dgm:styleLbl>
+  <dgm:styleLbl name="parChTrans2D2">
+    <dgm:fillClrLst meth="repeat">
+      <a:schemeClr val="accent1"/>
+    </dgm:fillClrLst>
+    <dgm:linClrLst meth="repeat">
+      <a:schemeClr val="accent1"/>
+    </dgm:linClrLst>
+    <dgm:effectClrLst/>
+    <dgm:txLinClrLst/>
+    <dgm:txFillClrLst meth="repeat">
+      <a:schemeClr val="lt1"/>
+    </dgm:txFillClrLst>
+    <dgm:txEffectClrLst/>
+  </dgm:styleLbl>
+  <dgm:styleLbl name="parChTrans2D3">
+    <dgm:fillClrLst meth="repeat">
+      <a:schemeClr val="accent1"/>
+    </dgm:fillClrLst>
+    <dgm:linClrLst meth="repeat">
+      <a:schemeClr val="accent1"/>
+    </dgm:linClrLst>
+    <dgm:effectClrLst/>
+    <dgm:txLinClrLst/>
+    <dgm:txFillClrLst meth="repeat">
+      <a:schemeClr val="lt1"/>
+    </dgm:txFillClrLst>
+    <dgm:txEffectClrLst/>
+  </dgm:styleLbl>
+  <dgm:styleLbl name="parChTrans2D4">
+    <dgm:fillClrLst meth="repeat">
+      <a:schemeClr val="accent1"/>
+    </dgm:fillClrLst>
+    <dgm:linClrLst meth="repeat">
+      <a:schemeClr val="accent1"/>
+    </dgm:linClrLst>
+    <dgm:effectClrLst/>
+    <dgm:txLinClrLst/>
+    <dgm:txFillClrLst meth="repeat">
+      <a:schemeClr val="lt1"/>
+    </dgm:txFillClrLst>
+    <dgm:txEffectClrLst/>
+  </dgm:styleLbl>
+  <dgm:styleLbl name="parChTrans1D1">
+    <dgm:fillClrLst meth="repeat">
+      <a:schemeClr val="accent1"/>
+    </dgm:fillClrLst>
+    <dgm:linClrLst meth="repeat">
+      <a:schemeClr val="accent1">
+        <a:shade val="60000"/>
+      </a:schemeClr>
+    </dgm:linClrLst>
+    <dgm:effectClrLst/>
+    <dgm:txLinClrLst/>
+    <dgm:txFillClrLst meth="repeat">
+      <a:schemeClr val="tx1"/>
+    </dgm:txFillClrLst>
+    <dgm:txEffectClrLst/>
+  </dgm:styleLbl>
+  <dgm:styleLbl name="parChTrans1D2">
+    <dgm:fillClrLst meth="repeat">
+      <a:schemeClr val="accent1"/>
+    </dgm:fillClrLst>
+    <dgm:linClrLst meth="repeat">
+      <a:schemeClr val="accent1">
+        <a:shade val="60000"/>
+      </a:schemeClr>
+    </dgm:linClrLst>
+    <dgm:effectClrLst/>
+    <dgm:txLinClrLst/>
+    <dgm:txFillClrLst meth="repeat">
+      <a:schemeClr val="tx1"/>
+    </dgm:txFillClrLst>
+    <dgm:txEffectClrLst/>
+  </dgm:styleLbl>
+  <dgm:styleLbl name="parChTrans1D3">
+    <dgm:fillClrLst meth="repeat">
+      <a:schemeClr val="accent1"/>
+    </dgm:fillClrLst>
+    <dgm:linClrLst meth="repeat">
+      <a:schemeClr val="accent1">
+        <a:shade val="80000"/>
+      </a:schemeClr>
+    </dgm:linClrLst>
+    <dgm:effectClrLst/>
+    <dgm:txLinClrLst/>
+    <dgm:txFillClrLst meth="repeat">
+      <a:schemeClr val="tx1"/>
+    </dgm:txFillClrLst>
+    <dgm:txEffectClrLst/>
+  </dgm:styleLbl>
+  <dgm:styleLbl name="parChTrans1D4">
+    <dgm:fillClrLst meth="repeat">
+      <a:schemeClr val="accent1"/>
+    </dgm:fillClrLst>
+    <dgm:linClrLst meth="repeat">
+      <a:schemeClr val="accent1">
+        <a:shade val="80000"/>
+      </a:schemeClr>
+    </dgm:linClrLst>
+    <dgm:effectClrLst/>
+    <dgm:txLinClrLst/>
+    <dgm:txFillClrLst meth="repeat">
+      <a:schemeClr val="tx1"/>
+    </dgm:txFillClrLst>
+    <dgm:txEffectClrLst/>
+  </dgm:styleLbl>
+  <dgm:styleLbl name="fgAcc1">
+    <dgm:fillClrLst meth="repeat">
+      <a:schemeClr val="lt1">
+        <a:alpha val="90000"/>
+      </a:schemeClr>
+    </dgm:fillClrLst>
+    <dgm:linClrLst meth="repeat">
+      <a:schemeClr val="accent1"/>
+    </dgm:linClrLst>
+    <dgm:effectClrLst/>
+    <dgm:txLinClrLst/>
+    <dgm:txFillClrLst meth="repeat">
+      <a:schemeClr val="dk1"/>
+    </dgm:txFillClrLst>
+    <dgm:txEffectClrLst/>
+  </dgm:styleLbl>
+  <dgm:styleLbl name="conFgAcc1">
+    <dgm:fillClrLst meth="repeat">
+      <a:schemeClr val="lt1">
+        <a:alpha val="90000"/>
+      </a:schemeClr>
+    </dgm:fillClrLst>
+    <dgm:linClrLst meth="repeat">
+      <a:schemeClr val="accent1"/>
+    </dgm:linClrLst>
+    <dgm:effectClrLst/>
+    <dgm:txLinClrLst/>
+    <dgm:txFillClrLst meth="repeat">
+      <a:schemeClr val="dk1"/>
+    </dgm:txFillClrLst>
+    <dgm:txEffectClrLst/>
+  </dgm:styleLbl>
+  <dgm:styleLbl name="alignAcc1">
+    <dgm:fillClrLst meth="repeat">
+      <a:schemeClr val="lt1">
+        <a:alpha val="90000"/>
+      </a:schemeClr>
+    </dgm:fillClrLst>
+    <dgm:linClrLst meth="repeat">
+      <a:schemeClr val="accent1"/>
+    </dgm:linClrLst>
+    <dgm:effectClrLst/>
+    <dgm:txLinClrLst/>
+    <dgm:txFillClrLst meth="repeat">
+      <a:schemeClr val="dk1"/>
+    </dgm:txFillClrLst>
+    <dgm:txEffectClrLst/>
+  </dgm:styleLbl>
+  <dgm:styleLbl name="trAlignAcc1">
+    <dgm:fillClrLst meth="repeat">
+      <a:schemeClr val="lt1">
+        <a:alpha val="40000"/>
+      </a:schemeClr>
+    </dgm:fillClrLst>
+    <dgm:linClrLst meth="repeat">
+      <a:schemeClr val="accent1"/>
+    </dgm:linClrLst>
+    <dgm:effectClrLst/>
+    <dgm:txLinClrLst/>
+    <dgm:txFillClrLst meth="repeat">
+      <a:schemeClr val="dk1"/>
+    </dgm:txFillClrLst>
+    <dgm:txEffectClrLst/>
+  </dgm:styleLbl>
+  <dgm:styleLbl name="bgAcc1">
+    <dgm:fillClrLst meth="repeat">
+      <a:schemeClr val="lt1">
+        <a:alpha val="90000"/>
+      </a:schemeClr>
+    </dgm:fillClrLst>
+    <dgm:linClrLst meth="repeat">
+      <a:schemeClr val="accent1"/>
+    </dgm:linClrLst>
+    <dgm:effectClrLst/>
+    <dgm:txLinClrLst/>
+    <dgm:txFillClrLst meth="repeat">
+      <a:schemeClr val="dk1"/>
+    </dgm:txFillClrLst>
+    <dgm:txEffectClrLst/>
+  </dgm:styleLbl>
+  <dgm:styleLbl name="solidFgAcc1">
+    <dgm:fillClrLst meth="repeat">
+      <a:schemeClr val="lt1"/>
+    </dgm:fillClrLst>
+    <dgm:linClrLst meth="repeat">
+      <a:schemeClr val="accent1"/>
+    </dgm:linClrLst>
+    <dgm:effectClrLst/>
+    <dgm:txLinClrLst/>
+    <dgm:txFillClrLst meth="repeat">
+      <a:schemeClr val="dk1"/>
+    </dgm:txFillClrLst>
+    <dgm:txEffectClrLst/>
+  </dgm:styleLbl>
+  <dgm:styleLbl name="solidAlignAcc1">
+    <dgm:fillClrLst meth="repeat">
+      <a:schemeClr val="lt1"/>
+    </dgm:fillClrLst>
+    <dgm:linClrLst meth="repeat">
+      <a:schemeClr val="accent1"/>
+    </dgm:linClrLst>
+    <dgm:effectClrLst/>
+    <dgm:txLinClrLst/>
+    <dgm:txFillClrLst meth="repeat">
+      <a:schemeClr val="dk1"/>
+    </dgm:txFillClrLst>
+    <dgm:txEffectClrLst/>
+  </dgm:styleLbl>
+  <dgm:styleLbl name="solidBgAcc1">
+    <dgm:fillClrLst meth="repeat">
+      <a:schemeClr val="lt1"/>
+    </dgm:fillClrLst>
+    <dgm:linClrLst meth="repeat">
+      <a:schemeClr val="accent1"/>
+    </dgm:linClrLst>
+    <dgm:effectClrLst/>
+    <dgm:txLinClrLst/>
+    <dgm:txFillClrLst meth="repeat">
+      <a:schemeClr val="dk1"/>
+    </dgm:txFillClrLst>
+    <dgm:txEffectClrLst/>
+  </dgm:styleLbl>
+  <dgm:styleLbl name="fgAccFollowNode1">
+    <dgm:fillClrLst meth="repeat">
+      <a:schemeClr val="accent1">
+        <a:alpha val="90000"/>
+        <a:tint val="40000"/>
+      </a:schemeClr>
+    </dgm:fillClrLst>
+    <dgm:linClrLst meth="repeat">
+      <a:schemeClr val="accent1">
+        <a:alpha val="90000"/>
+        <a:tint val="40000"/>
+      </a:schemeClr>
+    </dgm:linClrLst>
+    <dgm:effectClrLst/>
+    <dgm:txLinClrLst/>
+    <dgm:txFillClrLst meth="repeat">
+      <a:schemeClr val="dk1"/>
+    </dgm:txFillClrLst>
+    <dgm:txEffectClrLst/>
+  </dgm:styleLbl>
+  <dgm:styleLbl name="alignAccFollowNode1">
+    <dgm:fillClrLst meth="repeat">
+      <a:schemeClr val="accent1">
+        <a:alpha val="90000"/>
+        <a:tint val="40000"/>
+      </a:schemeClr>
+    </dgm:fillClrLst>
+    <dgm:linClrLst meth="repeat">
+      <a:schemeClr val="accent1">
+        <a:alpha val="90000"/>
+        <a:tint val="40000"/>
+      </a:schemeClr>
+    </dgm:linClrLst>
+    <dgm:effectClrLst/>
+    <dgm:txLinClrLst/>
+    <dgm:txFillClrLst meth="repeat">
+      <a:schemeClr val="dk1"/>
+    </dgm:txFillClrLst>
+    <dgm:txEffectClrLst/>
+  </dgm:styleLbl>
+  <dgm:styleLbl name="bgAccFollowNode1">
+    <dgm:fillClrLst meth="repeat">
+      <a:schemeClr val="accent1">
+        <a:alpha val="90000"/>
+        <a:tint val="40000"/>
+      </a:schemeClr>
+    </dgm:fillClrLst>
+    <dgm:linClrLst meth="repeat">
+      <a:schemeClr val="accent1">
+        <a:alpha val="90000"/>
+        <a:tint val="40000"/>
+      </a:schemeClr>
+    </dgm:linClrLst>
+    <dgm:effectClrLst/>
+    <dgm:txLinClrLst/>
+    <dgm:txFillClrLst meth="repeat">
+      <a:schemeClr val="dk1"/>
+    </dgm:txFillClrLst>
+    <dgm:txEffectClrLst/>
+  </dgm:styleLbl>
+  <dgm:styleLbl name="fgAcc0">
+    <dgm:fillClrLst meth="repeat">
+      <a:schemeClr val="lt1">
+        <a:alpha val="90000"/>
+      </a:schemeClr>
+    </dgm:fillClrLst>
+    <dgm:linClrLst meth="repeat">
+      <a:schemeClr val="accent1"/>
+    </dgm:linClrLst>
+    <dgm:effectClrLst/>
+    <dgm:txLinClrLst/>
+    <dgm:txFillClrLst meth="repeat">
+      <a:schemeClr val="dk1"/>
+    </dgm:txFillClrLst>
+    <dgm:txEffectClrLst/>
+  </dgm:styleLbl>
+  <dgm:styleLbl name="fgAcc2">
+    <dgm:fillClrLst meth="repeat">
+      <a:schemeClr val="lt1">
+        <a:alpha val="90000"/>
+      </a:schemeClr>
+    </dgm:fillClrLst>
+    <dgm:linClrLst meth="repeat">
+      <a:schemeClr val="accent1"/>
+    </dgm:linClrLst>
+    <dgm:effectClrLst/>
+    <dgm:txLinClrLst/>
+    <dgm:txFillClrLst meth="repeat">
+      <a:schemeClr val="dk1"/>
+    </dgm:txFillClrLst>
+    <dgm:txEffectClrLst/>
+  </dgm:styleLbl>
+  <dgm:styleLbl name="fgAcc3">
+    <dgm:fillClrLst meth="repeat">
+      <a:schemeClr val="lt1">
+        <a:alpha val="90000"/>
+      </a:schemeClr>
+    </dgm:fillClrLst>
+    <dgm:linClrLst meth="repeat">
+      <a:schemeClr val="accent1"/>
+    </dgm:linClrLst>
+    <dgm:effectClrLst/>
+    <dgm:txLinClrLst/>
+    <dgm:txFillClrLst meth="repeat">
+      <a:schemeClr val="dk1"/>
+    </dgm:txFillClrLst>
+    <dgm:txEffectClrLst/>
+  </dgm:styleLbl>
+  <dgm:styleLbl name="fgAcc4">
+    <dgm:fillClrLst meth="repeat">
+      <a:schemeClr val="lt1">
+        <a:alpha val="90000"/>
+      </a:schemeClr>
+    </dgm:fillClrLst>
+    <dgm:linClrLst meth="repeat">
+      <a:schemeClr val="accent1"/>
+    </dgm:linClrLst>
+    <dgm:effectClrLst/>
+    <dgm:txLinClrLst/>
+    <dgm:txFillClrLst meth="repeat">
+      <a:schemeClr val="dk1"/>
+    </dgm:txFillClrLst>
+    <dgm:txEffectClrLst/>
+  </dgm:styleLbl>
+  <dgm:styleLbl name="bgShp">
+    <dgm:fillClrLst meth="repeat">
+      <a:schemeClr val="accent1">
+        <a:tint val="40000"/>
+      </a:schemeClr>
+    </dgm:fillClrLst>
+    <dgm:linClrLst meth="repeat">
+      <a:schemeClr val="accent1"/>
+    </dgm:linClrLst>
+    <dgm:effectClrLst/>
+    <dgm:txLinClrLst/>
+    <dgm:txFillClrLst meth="repeat">
+      <a:schemeClr val="dk1"/>
+    </dgm:txFillClrLst>
+    <dgm:txEffectClrLst/>
+  </dgm:styleLbl>
+  <dgm:styleLbl name="dkBgShp">
+    <dgm:fillClrLst meth="repeat">
+      <a:schemeClr val="accent1">
+        <a:shade val="80000"/>
+      </a:schemeClr>
+    </dgm:fillClrLst>
+    <dgm:linClrLst meth="repeat">
+      <a:schemeClr val="accent1"/>
+    </dgm:linClrLst>
+    <dgm:effectClrLst/>
+    <dgm:txLinClrLst/>
+    <dgm:txFillClrLst meth="repeat">
+      <a:schemeClr val="lt1"/>
+    </dgm:txFillClrLst>
+    <dgm:txEffectClrLst/>
+  </dgm:styleLbl>
+  <dgm:styleLbl name="trBgShp">
+    <dgm:fillClrLst meth="repeat">
+      <a:schemeClr val="accent1">
+        <a:tint val="50000"/>
+        <a:alpha val="40000"/>
+      </a:schemeClr>
+    </dgm:fillClrLst>
+    <dgm:linClrLst meth="repeat">
+      <a:schemeClr val="accent1"/>
+    </dgm:linClrLst>
+    <dgm:effectClrLst/>
+    <dgm:txLinClrLst/>
+    <dgm:txFillClrLst meth="repeat">
+      <a:schemeClr val="lt1"/>
+    </dgm:txFillClrLst>
+    <dgm:txEffectClrLst/>
+  </dgm:styleLbl>
+  <dgm:styleLbl name="fgShp">
+    <dgm:fillClrLst meth="repeat">
+      <a:schemeClr val="accent1">
+        <a:tint val="60000"/>
+      </a:schemeClr>
+    </dgm:fillClrLst>
+    <dgm:linClrLst meth="repeat">
+      <a:schemeClr val="lt1"/>
+    </dgm:linClrLst>
+    <dgm:effectClrLst/>
+    <dgm:txLinClrLst/>
+    <dgm:txFillClrLst meth="repeat">
+      <a:schemeClr val="dk1"/>
+    </dgm:txFillClrLst>
+    <dgm:txEffectClrLst/>
+  </dgm:styleLbl>
+  <dgm:styleLbl name="revTx">
+    <dgm:fillClrLst meth="repeat">
+      <a:schemeClr val="lt1">
+        <a:alpha val="0"/>
+      </a:schemeClr>
+    </dgm:fillClrLst>
+    <dgm:linClrLst meth="repeat">
+      <a:schemeClr val="dk1">
+        <a:alpha val="0"/>
+      </a:schemeClr>
+    </dgm:linClrLst>
+    <dgm:effectClrLst/>
+    <dgm:txLinClrLst/>
+    <dgm:txFillClrLst meth="repeat">
+      <a:schemeClr val="tx1"/>
+    </dgm:txFillClrLst>
+    <dgm:txEffectClrLst/>
+  </dgm:styleLbl>
+</dgm:colorsDef>
+</file>
+
+<file path=ppt/diagrams/colors3.xml><?xml version="1.0" encoding="utf-8"?>
 <dgm:colorsDef xmlns:dgm="http://schemas.openxmlformats.org/drawingml/2006/diagram" xmlns:a="http://schemas.openxmlformats.org/drawingml/2006/main" uniqueId="urn:microsoft.com/office/officeart/2005/8/colors/accent1_2">
   <dgm:title val=""/>
   <dgm:desc val=""/>
@@ -1056,6 +2558,13 @@
     <dgm:pt modelId="{970E345B-63EC-43DA-9D22-7F2857F8ABA1}">
       <dgm:prSet/>
       <dgm:spPr/>
+      <dgm:t>
+        <a:bodyPr/>
+        <a:lstStyle/>
+        <a:p>
+          <a:endParaRPr lang="de-DE"/>
+        </a:p>
+      </dgm:t>
     </dgm:pt>
     <dgm:pt modelId="{9E3B9563-BA8A-4D73-A087-276F450F78DA}" type="parTrans" cxnId="{4840286A-C0BE-436F-9B49-B4E7F82A09BC}">
       <dgm:prSet/>
@@ -1082,6 +2591,13 @@
     <dgm:pt modelId="{C51F0735-CF66-4E9C-8837-67FB799B5D71}">
       <dgm:prSet/>
       <dgm:spPr/>
+      <dgm:t>
+        <a:bodyPr/>
+        <a:lstStyle/>
+        <a:p>
+          <a:endParaRPr lang="de-DE"/>
+        </a:p>
+      </dgm:t>
     </dgm:pt>
     <dgm:pt modelId="{0FDD21D6-2D81-493C-99FA-84329A5675FD}" type="parTrans" cxnId="{6EEF4831-96E0-4B3C-9165-E174C4370C4A}">
       <dgm:prSet/>
@@ -1116,6 +2632,13 @@
         </dgm:presLayoutVars>
       </dgm:prSet>
       <dgm:spPr/>
+      <dgm:t>
+        <a:bodyPr/>
+        <a:lstStyle/>
+        <a:p>
+          <a:endParaRPr lang="de-DE"/>
+        </a:p>
+      </dgm:t>
     </dgm:pt>
     <dgm:pt modelId="{E9965B2F-3801-48D8-9FE8-975EE46F648A}" type="pres">
       <dgm:prSet presAssocID="{A285696E-E20F-450F-AD2A-2CA01487710E}" presName="singleCycle" presStyleCnt="0"/>
@@ -1129,10 +2652,24 @@
         </dgm:presLayoutVars>
       </dgm:prSet>
       <dgm:spPr/>
+      <dgm:t>
+        <a:bodyPr/>
+        <a:lstStyle/>
+        <a:p>
+          <a:endParaRPr lang="de-DE"/>
+        </a:p>
+      </dgm:t>
     </dgm:pt>
     <dgm:pt modelId="{29A9ABC8-8B7E-4AF2-B179-379C32D9962E}" type="pres">
       <dgm:prSet presAssocID="{166498DA-992D-4842-A49F-00B0B296A3AB}" presName="Name56" presStyleLbl="parChTrans1D2" presStyleIdx="0" presStyleCnt="3"/>
       <dgm:spPr/>
+      <dgm:t>
+        <a:bodyPr/>
+        <a:lstStyle/>
+        <a:p>
+          <a:endParaRPr lang="de-DE"/>
+        </a:p>
+      </dgm:t>
     </dgm:pt>
     <dgm:pt modelId="{207C128E-7FBD-4C97-84F7-E0792C9CFEEC}" type="pres">
       <dgm:prSet presAssocID="{5604FCD2-D7B1-4AA6-858D-979DEB34077C}" presName="text0" presStyleLbl="node1" presStyleIdx="1" presStyleCnt="4" custScaleX="204030" custRadScaleRad="94368" custRadScaleInc="0">
@@ -1141,10 +2678,24 @@
         </dgm:presLayoutVars>
       </dgm:prSet>
       <dgm:spPr/>
+      <dgm:t>
+        <a:bodyPr/>
+        <a:lstStyle/>
+        <a:p>
+          <a:endParaRPr lang="de-DE"/>
+        </a:p>
+      </dgm:t>
     </dgm:pt>
     <dgm:pt modelId="{23FD41E1-F2C3-4873-8068-45FA95BC5F66}" type="pres">
       <dgm:prSet presAssocID="{83C7CB07-8B9E-4904-BE34-FB268E24D959}" presName="Name56" presStyleLbl="parChTrans1D2" presStyleIdx="1" presStyleCnt="3"/>
       <dgm:spPr/>
+      <dgm:t>
+        <a:bodyPr/>
+        <a:lstStyle/>
+        <a:p>
+          <a:endParaRPr lang="de-DE"/>
+        </a:p>
+      </dgm:t>
     </dgm:pt>
     <dgm:pt modelId="{40EA4F8F-38A3-421E-97C9-6DD70090178B}" type="pres">
       <dgm:prSet presAssocID="{E6D3F8CA-592A-4B27-A80B-5053490CAD93}" presName="text0" presStyleLbl="node1" presStyleIdx="2" presStyleCnt="4" custScaleX="205606" custRadScaleRad="116351" custRadScaleInc="-23654">
@@ -1153,10 +2704,24 @@
         </dgm:presLayoutVars>
       </dgm:prSet>
       <dgm:spPr/>
+      <dgm:t>
+        <a:bodyPr/>
+        <a:lstStyle/>
+        <a:p>
+          <a:endParaRPr lang="de-DE"/>
+        </a:p>
+      </dgm:t>
     </dgm:pt>
     <dgm:pt modelId="{41C0591F-4423-4696-A541-7927A488956C}" type="pres">
       <dgm:prSet presAssocID="{62AB0BCD-76D0-4655-92C0-1110A4D29F68}" presName="Name56" presStyleLbl="parChTrans1D2" presStyleIdx="2" presStyleCnt="3"/>
       <dgm:spPr/>
+      <dgm:t>
+        <a:bodyPr/>
+        <a:lstStyle/>
+        <a:p>
+          <a:endParaRPr lang="de-DE"/>
+        </a:p>
+      </dgm:t>
     </dgm:pt>
     <dgm:pt modelId="{4866A4C8-4026-4C06-A161-E4D4272C89A7}" type="pres">
       <dgm:prSet presAssocID="{2337A8C7-A5E2-41E3-AD6A-17536A1AB81C}" presName="text0" presStyleLbl="node1" presStyleIdx="3" presStyleCnt="4" custScaleX="146999" custRadScaleRad="105622" custRadScaleInc="20228">
@@ -1165,23 +2730,30 @@
         </dgm:presLayoutVars>
       </dgm:prSet>
       <dgm:spPr/>
+      <dgm:t>
+        <a:bodyPr/>
+        <a:lstStyle/>
+        <a:p>
+          <a:endParaRPr lang="de-DE"/>
+        </a:p>
+      </dgm:t>
     </dgm:pt>
   </dgm:ptLst>
   <dgm:cxnLst>
-    <dgm:cxn modelId="{21F5E20B-D1E9-4A71-959A-AE1FB339A56F}" type="presOf" srcId="{5604FCD2-D7B1-4AA6-858D-979DEB34077C}" destId="{207C128E-7FBD-4C97-84F7-E0792C9CFEEC}" srcOrd="0" destOrd="0" presId="urn:microsoft.com/office/officeart/2008/layout/RadialCluster"/>
+    <dgm:cxn modelId="{D3F6F4DA-B7AD-4B91-84CE-27196EC9F12F}" srcId="{A285696E-E20F-450F-AD2A-2CA01487710E}" destId="{E6D3F8CA-592A-4B27-A80B-5053490CAD93}" srcOrd="1" destOrd="0" parTransId="{83C7CB07-8B9E-4904-BE34-FB268E24D959}" sibTransId="{82589D44-1193-4FFB-9A46-2BA26AAF7A46}"/>
     <dgm:cxn modelId="{6EEF4831-96E0-4B3C-9165-E174C4370C4A}" srcId="{ADA94781-E2A9-4BC7-97A0-E71A3BE187D6}" destId="{C51F0735-CF66-4E9C-8837-67FB799B5D71}" srcOrd="2" destOrd="0" parTransId="{0FDD21D6-2D81-493C-99FA-84329A5675FD}" sibTransId="{81BA5A7C-588B-46F1-A8E7-B5373E3EAF5D}"/>
-    <dgm:cxn modelId="{A8CD4D3D-A561-4616-9BE2-3E39E8CEBE93}" type="presOf" srcId="{E6D3F8CA-592A-4B27-A80B-5053490CAD93}" destId="{40EA4F8F-38A3-421E-97C9-6DD70090178B}" srcOrd="0" destOrd="0" presId="urn:microsoft.com/office/officeart/2008/layout/RadialCluster"/>
-    <dgm:cxn modelId="{9B081B5F-2F20-4A06-8F26-9E180055E065}" srcId="{A285696E-E20F-450F-AD2A-2CA01487710E}" destId="{5604FCD2-D7B1-4AA6-858D-979DEB34077C}" srcOrd="0" destOrd="0" parTransId="{166498DA-992D-4842-A49F-00B0B296A3AB}" sibTransId="{8794C4E3-0774-4022-9DA4-55DD2CB6491F}"/>
-    <dgm:cxn modelId="{4840286A-C0BE-436F-9B49-B4E7F82A09BC}" srcId="{ADA94781-E2A9-4BC7-97A0-E71A3BE187D6}" destId="{970E345B-63EC-43DA-9D22-7F2857F8ABA1}" srcOrd="1" destOrd="0" parTransId="{9E3B9563-BA8A-4D73-A087-276F450F78DA}" sibTransId="{EEB30055-0AA2-4905-9BF9-591D7A439876}"/>
     <dgm:cxn modelId="{7EE46D4B-C59C-49FE-BCC5-17CB0B077AF7}" srcId="{ADA94781-E2A9-4BC7-97A0-E71A3BE187D6}" destId="{A285696E-E20F-450F-AD2A-2CA01487710E}" srcOrd="0" destOrd="0" parTransId="{5F433974-00BF-4656-8D08-4541E4755E1F}" sibTransId="{BD8DD3D5-0CA5-4748-8F82-11FC0B7DE52B}"/>
     <dgm:cxn modelId="{57AAD66B-5C98-4446-91B2-977FCB8ACF58}" type="presOf" srcId="{A285696E-E20F-450F-AD2A-2CA01487710E}" destId="{65AA7AE3-7BA4-4256-A7E7-6ADD6196B2DE}" srcOrd="0" destOrd="0" presId="urn:microsoft.com/office/officeart/2008/layout/RadialCluster"/>
+    <dgm:cxn modelId="{21F5E20B-D1E9-4A71-959A-AE1FB339A56F}" type="presOf" srcId="{5604FCD2-D7B1-4AA6-858D-979DEB34077C}" destId="{207C128E-7FBD-4C97-84F7-E0792C9CFEEC}" srcOrd="0" destOrd="0" presId="urn:microsoft.com/office/officeart/2008/layout/RadialCluster"/>
+    <dgm:cxn modelId="{A8CD4D3D-A561-4616-9BE2-3E39E8CEBE93}" type="presOf" srcId="{E6D3F8CA-592A-4B27-A80B-5053490CAD93}" destId="{40EA4F8F-38A3-421E-97C9-6DD70090178B}" srcOrd="0" destOrd="0" presId="urn:microsoft.com/office/officeart/2008/layout/RadialCluster"/>
     <dgm:cxn modelId="{72CBD583-D91D-4061-A235-2BBDC4CB1258}" type="presOf" srcId="{2337A8C7-A5E2-41E3-AD6A-17536A1AB81C}" destId="{4866A4C8-4026-4C06-A161-E4D4272C89A7}" srcOrd="0" destOrd="0" presId="urn:microsoft.com/office/officeart/2008/layout/RadialCluster"/>
+    <dgm:cxn modelId="{9B081B5F-2F20-4A06-8F26-9E180055E065}" srcId="{A285696E-E20F-450F-AD2A-2CA01487710E}" destId="{5604FCD2-D7B1-4AA6-858D-979DEB34077C}" srcOrd="0" destOrd="0" parTransId="{166498DA-992D-4842-A49F-00B0B296A3AB}" sibTransId="{8794C4E3-0774-4022-9DA4-55DD2CB6491F}"/>
+    <dgm:cxn modelId="{BAD526B5-2B80-4FA0-8E23-61C5757F230A}" srcId="{A285696E-E20F-450F-AD2A-2CA01487710E}" destId="{2337A8C7-A5E2-41E3-AD6A-17536A1AB81C}" srcOrd="2" destOrd="0" parTransId="{62AB0BCD-76D0-4655-92C0-1110A4D29F68}" sibTransId="{5B8187EC-0177-4801-A25B-59CFF5A09A63}"/>
+    <dgm:cxn modelId="{4840286A-C0BE-436F-9B49-B4E7F82A09BC}" srcId="{ADA94781-E2A9-4BC7-97A0-E71A3BE187D6}" destId="{970E345B-63EC-43DA-9D22-7F2857F8ABA1}" srcOrd="1" destOrd="0" parTransId="{9E3B9563-BA8A-4D73-A087-276F450F78DA}" sibTransId="{EEB30055-0AA2-4905-9BF9-591D7A439876}"/>
+    <dgm:cxn modelId="{16FCD89F-58AA-4ED9-9830-62D1073DE4DB}" type="presOf" srcId="{166498DA-992D-4842-A49F-00B0B296A3AB}" destId="{29A9ABC8-8B7E-4AF2-B179-379C32D9962E}" srcOrd="0" destOrd="0" presId="urn:microsoft.com/office/officeart/2008/layout/RadialCluster"/>
+    <dgm:cxn modelId="{FF4C9AC9-BBA6-4DC0-9DF6-C96A53EE0C3C}" type="presOf" srcId="{ADA94781-E2A9-4BC7-97A0-E71A3BE187D6}" destId="{05FF7D6B-2867-4E27-A224-200F5EEA9200}" srcOrd="0" destOrd="0" presId="urn:microsoft.com/office/officeart/2008/layout/RadialCluster"/>
+    <dgm:cxn modelId="{253755A0-1D21-4BAE-A059-F6CD7663597B}" type="presOf" srcId="{62AB0BCD-76D0-4655-92C0-1110A4D29F68}" destId="{41C0591F-4423-4696-A541-7927A488956C}" srcOrd="0" destOrd="0" presId="urn:microsoft.com/office/officeart/2008/layout/RadialCluster"/>
     <dgm:cxn modelId="{F5A7D294-64BF-4158-80FE-0284F1E13252}" type="presOf" srcId="{83C7CB07-8B9E-4904-BE34-FB268E24D959}" destId="{23FD41E1-F2C3-4873-8068-45FA95BC5F66}" srcOrd="0" destOrd="0" presId="urn:microsoft.com/office/officeart/2008/layout/RadialCluster"/>
-    <dgm:cxn modelId="{16FCD89F-58AA-4ED9-9830-62D1073DE4DB}" type="presOf" srcId="{166498DA-992D-4842-A49F-00B0B296A3AB}" destId="{29A9ABC8-8B7E-4AF2-B179-379C32D9962E}" srcOrd="0" destOrd="0" presId="urn:microsoft.com/office/officeart/2008/layout/RadialCluster"/>
-    <dgm:cxn modelId="{253755A0-1D21-4BAE-A059-F6CD7663597B}" type="presOf" srcId="{62AB0BCD-76D0-4655-92C0-1110A4D29F68}" destId="{41C0591F-4423-4696-A541-7927A488956C}" srcOrd="0" destOrd="0" presId="urn:microsoft.com/office/officeart/2008/layout/RadialCluster"/>
-    <dgm:cxn modelId="{BAD526B5-2B80-4FA0-8E23-61C5757F230A}" srcId="{A285696E-E20F-450F-AD2A-2CA01487710E}" destId="{2337A8C7-A5E2-41E3-AD6A-17536A1AB81C}" srcOrd="2" destOrd="0" parTransId="{62AB0BCD-76D0-4655-92C0-1110A4D29F68}" sibTransId="{5B8187EC-0177-4801-A25B-59CFF5A09A63}"/>
-    <dgm:cxn modelId="{FF4C9AC9-BBA6-4DC0-9DF6-C96A53EE0C3C}" type="presOf" srcId="{ADA94781-E2A9-4BC7-97A0-E71A3BE187D6}" destId="{05FF7D6B-2867-4E27-A224-200F5EEA9200}" srcOrd="0" destOrd="0" presId="urn:microsoft.com/office/officeart/2008/layout/RadialCluster"/>
-    <dgm:cxn modelId="{D3F6F4DA-B7AD-4B91-84CE-27196EC9F12F}" srcId="{A285696E-E20F-450F-AD2A-2CA01487710E}" destId="{E6D3F8CA-592A-4B27-A80B-5053490CAD93}" srcOrd="1" destOrd="0" parTransId="{83C7CB07-8B9E-4904-BE34-FB268E24D959}" sibTransId="{82589D44-1193-4FFB-9A46-2BA26AAF7A46}"/>
     <dgm:cxn modelId="{9641BDD3-0E2E-4086-A127-D796EA1E6477}" type="presParOf" srcId="{05FF7D6B-2867-4E27-A224-200F5EEA9200}" destId="{E9965B2F-3801-48D8-9FE8-975EE46F648A}" srcOrd="0" destOrd="0" presId="urn:microsoft.com/office/officeart/2008/layout/RadialCluster"/>
     <dgm:cxn modelId="{5198E0FF-55E7-4FB5-AA27-37CF9F6EE142}" type="presParOf" srcId="{E9965B2F-3801-48D8-9FE8-975EE46F648A}" destId="{65AA7AE3-7BA4-4256-A7E7-6ADD6196B2DE}" srcOrd="0" destOrd="0" presId="urn:microsoft.com/office/officeart/2008/layout/RadialCluster"/>
     <dgm:cxn modelId="{A766DABF-DEB1-476D-A136-D6EBEC8A18E5}" type="presParOf" srcId="{E9965B2F-3801-48D8-9FE8-975EE46F648A}" destId="{29A9ABC8-8B7E-4AF2-B179-379C32D9962E}" srcOrd="1" destOrd="0" presId="urn:microsoft.com/office/officeart/2008/layout/RadialCluster"/>
@@ -1190,6 +2762,831 @@
     <dgm:cxn modelId="{BBEB621D-8457-4E98-9F00-B15F89457B0A}" type="presParOf" srcId="{E9965B2F-3801-48D8-9FE8-975EE46F648A}" destId="{40EA4F8F-38A3-421E-97C9-6DD70090178B}" srcOrd="4" destOrd="0" presId="urn:microsoft.com/office/officeart/2008/layout/RadialCluster"/>
     <dgm:cxn modelId="{19C1F055-1A7F-4829-B4A5-A658CB3C1329}" type="presParOf" srcId="{E9965B2F-3801-48D8-9FE8-975EE46F648A}" destId="{41C0591F-4423-4696-A541-7927A488956C}" srcOrd="5" destOrd="0" presId="urn:microsoft.com/office/officeart/2008/layout/RadialCluster"/>
     <dgm:cxn modelId="{B467B529-51FF-4109-8662-4F497A550E1A}" type="presParOf" srcId="{E9965B2F-3801-48D8-9FE8-975EE46F648A}" destId="{4866A4C8-4026-4C06-A161-E4D4272C89A7}" srcOrd="6" destOrd="0" presId="urn:microsoft.com/office/officeart/2008/layout/RadialCluster"/>
+  </dgm:cxnLst>
+  <dgm:bg/>
+  <dgm:whole/>
+  <dgm:extLst>
+    <a:ext uri="http://schemas.microsoft.com/office/drawing/2008/diagram">
+      <dsp:dataModelExt xmlns:dsp="http://schemas.microsoft.com/office/drawing/2008/diagram" relId="rId6" minVer="http://schemas.openxmlformats.org/drawingml/2006/diagram"/>
+    </a:ext>
+  </dgm:extLst>
+</dgm:dataModel>
+</file>
+
+<file path=ppt/diagrams/data2.xml><?xml version="1.0" encoding="utf-8"?>
+<dgm:dataModel xmlns:dgm="http://schemas.openxmlformats.org/drawingml/2006/diagram" xmlns:a="http://schemas.openxmlformats.org/drawingml/2006/main">
+  <dgm:ptLst>
+    <dgm:pt modelId="{C56EACE6-F67A-4B98-9707-77723A11C02D}" type="doc">
+      <dgm:prSet loTypeId="urn:microsoft.com/office/officeart/2008/layout/AlternatingPictureBlocks" loCatId="list" qsTypeId="urn:microsoft.com/office/officeart/2005/8/quickstyle/simple1" qsCatId="simple" csTypeId="urn:microsoft.com/office/officeart/2005/8/colors/accent1_2" csCatId="accent1" phldr="1"/>
+      <dgm:spPr/>
+    </dgm:pt>
+    <dgm:pt modelId="{1B228B72-BC2D-475D-A704-29960C7AEEF9}">
+      <dgm:prSet phldrT="[Text]"/>
+      <dgm:spPr/>
+      <dgm:t>
+        <a:bodyPr/>
+        <a:lstStyle/>
+        <a:p>
+          <a:r>
+            <a:rPr lang="de-DE" dirty="0" err="1" smtClean="0"/>
+            <a:t>Topology</a:t>
+          </a:r>
+          <a:r>
+            <a:rPr lang="de-DE" dirty="0" smtClean="0"/>
+            <a:t>-Editor-Client</a:t>
+          </a:r>
+          <a:endParaRPr lang="de-DE" dirty="0"/>
+        </a:p>
+      </dgm:t>
+    </dgm:pt>
+    <dgm:pt modelId="{E48FA56D-8372-452F-A46F-FC8BAAAA9F29}" type="parTrans" cxnId="{2D6DE19E-960E-452C-9334-495A36DF209B}">
+      <dgm:prSet/>
+      <dgm:spPr/>
+      <dgm:t>
+        <a:bodyPr/>
+        <a:lstStyle/>
+        <a:p>
+          <a:endParaRPr lang="de-DE"/>
+        </a:p>
+      </dgm:t>
+    </dgm:pt>
+    <dgm:pt modelId="{A5F611ED-A1DA-4BBB-B5F1-DBC102B41589}" type="sibTrans" cxnId="{2D6DE19E-960E-452C-9334-495A36DF209B}">
+      <dgm:prSet/>
+      <dgm:spPr/>
+      <dgm:t>
+        <a:bodyPr/>
+        <a:lstStyle/>
+        <a:p>
+          <a:endParaRPr lang="de-DE"/>
+        </a:p>
+      </dgm:t>
+    </dgm:pt>
+    <dgm:pt modelId="{46E99754-D096-4194-9208-9652D71DC227}">
+      <dgm:prSet phldrT="[Text]" phldr="1"/>
+      <dgm:spPr>
+        <a:solidFill>
+          <a:srgbClr val="C00000"/>
+        </a:solidFill>
+      </dgm:spPr>
+      <dgm:t>
+        <a:bodyPr/>
+        <a:lstStyle/>
+        <a:p>
+          <a:endParaRPr lang="de-DE" dirty="0"/>
+        </a:p>
+      </dgm:t>
+    </dgm:pt>
+    <dgm:pt modelId="{BD37B57D-3A39-4606-A86B-A3C72D694ABB}" type="parTrans" cxnId="{47481E87-1F2F-4047-97F7-26F65188D9E1}">
+      <dgm:prSet/>
+      <dgm:spPr/>
+      <dgm:t>
+        <a:bodyPr/>
+        <a:lstStyle/>
+        <a:p>
+          <a:endParaRPr lang="de-DE"/>
+        </a:p>
+      </dgm:t>
+    </dgm:pt>
+    <dgm:pt modelId="{714B85C4-2997-4455-8A12-F7A987829DE1}" type="sibTrans" cxnId="{47481E87-1F2F-4047-97F7-26F65188D9E1}">
+      <dgm:prSet/>
+      <dgm:spPr/>
+      <dgm:t>
+        <a:bodyPr/>
+        <a:lstStyle/>
+        <a:p>
+          <a:endParaRPr lang="de-DE"/>
+        </a:p>
+      </dgm:t>
+    </dgm:pt>
+    <dgm:pt modelId="{62AFCAE8-BBCF-45DA-BA73-2C07C829DB43}">
+      <dgm:prSet phldrT="[Text]" phldr="1"/>
+      <dgm:spPr>
+        <a:solidFill>
+          <a:srgbClr val="FF0000"/>
+        </a:solidFill>
+      </dgm:spPr>
+      <dgm:t>
+        <a:bodyPr/>
+        <a:lstStyle/>
+        <a:p>
+          <a:endParaRPr lang="de-DE" dirty="0"/>
+        </a:p>
+      </dgm:t>
+    </dgm:pt>
+    <dgm:pt modelId="{C16BAC70-7503-450A-9147-E4519C8FEC0F}" type="parTrans" cxnId="{7FE0CC90-62ED-41EC-A4DA-62205A2166C7}">
+      <dgm:prSet/>
+      <dgm:spPr/>
+      <dgm:t>
+        <a:bodyPr/>
+        <a:lstStyle/>
+        <a:p>
+          <a:endParaRPr lang="de-DE"/>
+        </a:p>
+      </dgm:t>
+    </dgm:pt>
+    <dgm:pt modelId="{24E2A060-6CCA-4C4F-BA04-AB94F1711BF0}" type="sibTrans" cxnId="{7FE0CC90-62ED-41EC-A4DA-62205A2166C7}">
+      <dgm:prSet/>
+      <dgm:spPr/>
+      <dgm:t>
+        <a:bodyPr/>
+        <a:lstStyle/>
+        <a:p>
+          <a:endParaRPr lang="de-DE"/>
+        </a:p>
+      </dgm:t>
+    </dgm:pt>
+    <dgm:pt modelId="{A59914ED-3051-4D67-AA40-20CD66F60C3B}" type="pres">
+      <dgm:prSet presAssocID="{C56EACE6-F67A-4B98-9707-77723A11C02D}" presName="linearFlow" presStyleCnt="0">
+        <dgm:presLayoutVars>
+          <dgm:dir/>
+          <dgm:resizeHandles val="exact"/>
+        </dgm:presLayoutVars>
+      </dgm:prSet>
+      <dgm:spPr/>
+    </dgm:pt>
+    <dgm:pt modelId="{A687124B-ECF0-4C3F-A9F5-F2EE939C6034}" type="pres">
+      <dgm:prSet presAssocID="{1B228B72-BC2D-475D-A704-29960C7AEEF9}" presName="comp" presStyleCnt="0"/>
+      <dgm:spPr/>
+    </dgm:pt>
+    <dgm:pt modelId="{004A4E8B-3064-461C-9C0D-17494FC2B545}" type="pres">
+      <dgm:prSet presAssocID="{1B228B72-BC2D-475D-A704-29960C7AEEF9}" presName="rect2" presStyleLbl="node1" presStyleIdx="0" presStyleCnt="3" custScaleX="155717" custScaleY="40262">
+        <dgm:presLayoutVars>
+          <dgm:bulletEnabled val="1"/>
+        </dgm:presLayoutVars>
+      </dgm:prSet>
+      <dgm:spPr/>
+    </dgm:pt>
+    <dgm:pt modelId="{B62CDC09-ED20-48B8-9C32-5CC21473EF2C}" type="pres">
+      <dgm:prSet presAssocID="{1B228B72-BC2D-475D-A704-29960C7AEEF9}" presName="rect1" presStyleLbl="lnNode1" presStyleIdx="0" presStyleCnt="3" custFlipVert="1" custFlipHor="1" custScaleX="3815" custScaleY="5966"/>
+      <dgm:spPr/>
+    </dgm:pt>
+    <dgm:pt modelId="{56BB2BAB-38AA-45E3-8388-30304BBD97CA}" type="pres">
+      <dgm:prSet presAssocID="{A5F611ED-A1DA-4BBB-B5F1-DBC102B41589}" presName="sibTrans" presStyleCnt="0"/>
+      <dgm:spPr/>
+    </dgm:pt>
+    <dgm:pt modelId="{D281E58A-6630-4961-930B-20A32D9309E9}" type="pres">
+      <dgm:prSet presAssocID="{46E99754-D096-4194-9208-9652D71DC227}" presName="comp" presStyleCnt="0"/>
+      <dgm:spPr/>
+    </dgm:pt>
+    <dgm:pt modelId="{9D7E403C-0383-4845-BE61-B8869FE3394A}" type="pres">
+      <dgm:prSet presAssocID="{46E99754-D096-4194-9208-9652D71DC227}" presName="rect2" presStyleLbl="node1" presStyleIdx="1" presStyleCnt="3" custScaleY="84961">
+        <dgm:presLayoutVars>
+          <dgm:bulletEnabled val="1"/>
+        </dgm:presLayoutVars>
+      </dgm:prSet>
+      <dgm:spPr/>
+    </dgm:pt>
+    <dgm:pt modelId="{886D03C1-7E70-40D6-B478-D501404DFE56}" type="pres">
+      <dgm:prSet presAssocID="{46E99754-D096-4194-9208-9652D71DC227}" presName="rect1" presStyleLbl="lnNode1" presStyleIdx="1" presStyleCnt="3" custScaleY="82544"/>
+      <dgm:spPr/>
+    </dgm:pt>
+    <dgm:pt modelId="{76EDD660-79AC-41D4-86AE-F3D137A97C32}" type="pres">
+      <dgm:prSet presAssocID="{714B85C4-2997-4455-8A12-F7A987829DE1}" presName="sibTrans" presStyleCnt="0"/>
+      <dgm:spPr/>
+    </dgm:pt>
+    <dgm:pt modelId="{9C3CB986-0F87-4F26-866F-358FDB809D3E}" type="pres">
+      <dgm:prSet presAssocID="{62AFCAE8-BBCF-45DA-BA73-2C07C829DB43}" presName="comp" presStyleCnt="0"/>
+      <dgm:spPr/>
+    </dgm:pt>
+    <dgm:pt modelId="{48D95C34-DDFC-4388-A45F-9B90108640D1}" type="pres">
+      <dgm:prSet presAssocID="{62AFCAE8-BBCF-45DA-BA73-2C07C829DB43}" presName="rect2" presStyleLbl="node1" presStyleIdx="2" presStyleCnt="3">
+        <dgm:presLayoutVars>
+          <dgm:bulletEnabled val="1"/>
+        </dgm:presLayoutVars>
+      </dgm:prSet>
+      <dgm:spPr/>
+    </dgm:pt>
+    <dgm:pt modelId="{C52D3248-2900-478A-B598-EBE18F8FA48D}" type="pres">
+      <dgm:prSet presAssocID="{62AFCAE8-BBCF-45DA-BA73-2C07C829DB43}" presName="rect1" presStyleLbl="lnNode1" presStyleIdx="2" presStyleCnt="3"/>
+      <dgm:spPr>
+        <a:solidFill>
+          <a:srgbClr val="C00000"/>
+        </a:solidFill>
+      </dgm:spPr>
+    </dgm:pt>
+  </dgm:ptLst>
+  <dgm:cxnLst>
+    <dgm:cxn modelId="{58BE1197-9378-411E-B67C-F7C7C5F504FA}" type="presOf" srcId="{C56EACE6-F67A-4B98-9707-77723A11C02D}" destId="{A59914ED-3051-4D67-AA40-20CD66F60C3B}" srcOrd="0" destOrd="0" presId="urn:microsoft.com/office/officeart/2008/layout/AlternatingPictureBlocks"/>
+    <dgm:cxn modelId="{7FE0CC90-62ED-41EC-A4DA-62205A2166C7}" srcId="{C56EACE6-F67A-4B98-9707-77723A11C02D}" destId="{62AFCAE8-BBCF-45DA-BA73-2C07C829DB43}" srcOrd="2" destOrd="0" parTransId="{C16BAC70-7503-450A-9147-E4519C8FEC0F}" sibTransId="{24E2A060-6CCA-4C4F-BA04-AB94F1711BF0}"/>
+    <dgm:cxn modelId="{47481E87-1F2F-4047-97F7-26F65188D9E1}" srcId="{C56EACE6-F67A-4B98-9707-77723A11C02D}" destId="{46E99754-D096-4194-9208-9652D71DC227}" srcOrd="1" destOrd="0" parTransId="{BD37B57D-3A39-4606-A86B-A3C72D694ABB}" sibTransId="{714B85C4-2997-4455-8A12-F7A987829DE1}"/>
+    <dgm:cxn modelId="{F06A787F-EC32-431C-8184-80624D6CB018}" type="presOf" srcId="{1B228B72-BC2D-475D-A704-29960C7AEEF9}" destId="{004A4E8B-3064-461C-9C0D-17494FC2B545}" srcOrd="0" destOrd="0" presId="urn:microsoft.com/office/officeart/2008/layout/AlternatingPictureBlocks"/>
+    <dgm:cxn modelId="{C71B825E-D47C-4491-99C0-80E4625333F2}" type="presOf" srcId="{62AFCAE8-BBCF-45DA-BA73-2C07C829DB43}" destId="{48D95C34-DDFC-4388-A45F-9B90108640D1}" srcOrd="0" destOrd="0" presId="urn:microsoft.com/office/officeart/2008/layout/AlternatingPictureBlocks"/>
+    <dgm:cxn modelId="{23A50997-2998-41F0-824C-6E7FA1364A7C}" type="presOf" srcId="{46E99754-D096-4194-9208-9652D71DC227}" destId="{9D7E403C-0383-4845-BE61-B8869FE3394A}" srcOrd="0" destOrd="0" presId="urn:microsoft.com/office/officeart/2008/layout/AlternatingPictureBlocks"/>
+    <dgm:cxn modelId="{2D6DE19E-960E-452C-9334-495A36DF209B}" srcId="{C56EACE6-F67A-4B98-9707-77723A11C02D}" destId="{1B228B72-BC2D-475D-A704-29960C7AEEF9}" srcOrd="0" destOrd="0" parTransId="{E48FA56D-8372-452F-A46F-FC8BAAAA9F29}" sibTransId="{A5F611ED-A1DA-4BBB-B5F1-DBC102B41589}"/>
+    <dgm:cxn modelId="{54D4BDA7-3B31-4F57-87CE-04F357569731}" type="presParOf" srcId="{A59914ED-3051-4D67-AA40-20CD66F60C3B}" destId="{A687124B-ECF0-4C3F-A9F5-F2EE939C6034}" srcOrd="0" destOrd="0" presId="urn:microsoft.com/office/officeart/2008/layout/AlternatingPictureBlocks"/>
+    <dgm:cxn modelId="{32A1EF67-2783-42FF-AE55-004F6AC4269A}" type="presParOf" srcId="{A687124B-ECF0-4C3F-A9F5-F2EE939C6034}" destId="{004A4E8B-3064-461C-9C0D-17494FC2B545}" srcOrd="0" destOrd="0" presId="urn:microsoft.com/office/officeart/2008/layout/AlternatingPictureBlocks"/>
+    <dgm:cxn modelId="{DA2AFC06-505C-477B-B796-D3A22F4E372E}" type="presParOf" srcId="{A687124B-ECF0-4C3F-A9F5-F2EE939C6034}" destId="{B62CDC09-ED20-48B8-9C32-5CC21473EF2C}" srcOrd="1" destOrd="0" presId="urn:microsoft.com/office/officeart/2008/layout/AlternatingPictureBlocks"/>
+    <dgm:cxn modelId="{CB3ACB3E-3C5F-4181-AA4A-D8EB46C50EB2}" type="presParOf" srcId="{A59914ED-3051-4D67-AA40-20CD66F60C3B}" destId="{56BB2BAB-38AA-45E3-8388-30304BBD97CA}" srcOrd="1" destOrd="0" presId="urn:microsoft.com/office/officeart/2008/layout/AlternatingPictureBlocks"/>
+    <dgm:cxn modelId="{8464CE6D-DD64-4325-8EA7-C7CC54382E7C}" type="presParOf" srcId="{A59914ED-3051-4D67-AA40-20CD66F60C3B}" destId="{D281E58A-6630-4961-930B-20A32D9309E9}" srcOrd="2" destOrd="0" presId="urn:microsoft.com/office/officeart/2008/layout/AlternatingPictureBlocks"/>
+    <dgm:cxn modelId="{4DE3940D-D343-47A0-8E92-EE36AB658CBA}" type="presParOf" srcId="{D281E58A-6630-4961-930B-20A32D9309E9}" destId="{9D7E403C-0383-4845-BE61-B8869FE3394A}" srcOrd="0" destOrd="0" presId="urn:microsoft.com/office/officeart/2008/layout/AlternatingPictureBlocks"/>
+    <dgm:cxn modelId="{71FC5919-1E8C-45BF-9192-5CBC2A04339E}" type="presParOf" srcId="{D281E58A-6630-4961-930B-20A32D9309E9}" destId="{886D03C1-7E70-40D6-B478-D501404DFE56}" srcOrd="1" destOrd="0" presId="urn:microsoft.com/office/officeart/2008/layout/AlternatingPictureBlocks"/>
+    <dgm:cxn modelId="{6AC67A6C-3DEE-492F-9B2D-70804E030F45}" type="presParOf" srcId="{A59914ED-3051-4D67-AA40-20CD66F60C3B}" destId="{76EDD660-79AC-41D4-86AE-F3D137A97C32}" srcOrd="3" destOrd="0" presId="urn:microsoft.com/office/officeart/2008/layout/AlternatingPictureBlocks"/>
+    <dgm:cxn modelId="{FFE37BF4-3773-4161-84CD-50EE3076FED8}" type="presParOf" srcId="{A59914ED-3051-4D67-AA40-20CD66F60C3B}" destId="{9C3CB986-0F87-4F26-866F-358FDB809D3E}" srcOrd="4" destOrd="0" presId="urn:microsoft.com/office/officeart/2008/layout/AlternatingPictureBlocks"/>
+    <dgm:cxn modelId="{DF3C6E16-3B3D-4628-AC18-84C693E1A80A}" type="presParOf" srcId="{9C3CB986-0F87-4F26-866F-358FDB809D3E}" destId="{48D95C34-DDFC-4388-A45F-9B90108640D1}" srcOrd="0" destOrd="0" presId="urn:microsoft.com/office/officeart/2008/layout/AlternatingPictureBlocks"/>
+    <dgm:cxn modelId="{01BA30A4-A74E-46C4-B767-6F196DA9B515}" type="presParOf" srcId="{9C3CB986-0F87-4F26-866F-358FDB809D3E}" destId="{C52D3248-2900-478A-B598-EBE18F8FA48D}" srcOrd="1" destOrd="0" presId="urn:microsoft.com/office/officeart/2008/layout/AlternatingPictureBlocks"/>
+  </dgm:cxnLst>
+  <dgm:bg/>
+  <dgm:whole/>
+  <dgm:extLst>
+    <a:ext uri="http://schemas.microsoft.com/office/drawing/2008/diagram">
+      <dsp:dataModelExt xmlns:dsp="http://schemas.microsoft.com/office/drawing/2008/diagram" relId="rId6" minVer="http://schemas.openxmlformats.org/drawingml/2006/diagram"/>
+    </a:ext>
+  </dgm:extLst>
+</dgm:dataModel>
+</file>
+
+<file path=ppt/diagrams/data3.xml><?xml version="1.0" encoding="utf-8"?>
+<dgm:dataModel xmlns:dgm="http://schemas.openxmlformats.org/drawingml/2006/diagram" xmlns:a="http://schemas.openxmlformats.org/drawingml/2006/main">
+  <dgm:ptLst>
+    <dgm:pt modelId="{F70C9F93-A607-45D1-83D0-1067A02D3E9A}" type="doc">
+      <dgm:prSet loTypeId="urn:microsoft.com/office/officeart/2005/8/layout/hierarchy6" loCatId="hierarchy" qsTypeId="urn:microsoft.com/office/officeart/2005/8/quickstyle/simple1" qsCatId="simple" csTypeId="urn:microsoft.com/office/officeart/2005/8/colors/accent1_2" csCatId="accent1" phldr="1"/>
+      <dgm:spPr/>
+      <dgm:t>
+        <a:bodyPr/>
+        <a:lstStyle/>
+        <a:p>
+          <a:endParaRPr lang="de-DE"/>
+        </a:p>
+      </dgm:t>
+    </dgm:pt>
+    <dgm:pt modelId="{833099B0-1858-4D29-A551-9ACEDC973825}">
+      <dgm:prSet phldrT="[Text]"/>
+      <dgm:spPr/>
+      <dgm:t>
+        <a:bodyPr/>
+        <a:lstStyle/>
+        <a:p>
+          <a:r>
+            <a:rPr lang="de-DE" dirty="0" smtClean="0"/>
+            <a:t>Client-</a:t>
+          </a:r>
+          <a:r>
+            <a:rPr lang="de-DE" dirty="0" err="1" smtClean="0"/>
+            <a:t>Topology</a:t>
+          </a:r>
+          <a:r>
+            <a:rPr lang="de-DE" dirty="0" smtClean="0"/>
+            <a:t>-Editor</a:t>
+          </a:r>
+          <a:endParaRPr lang="de-DE" dirty="0"/>
+        </a:p>
+      </dgm:t>
+    </dgm:pt>
+    <dgm:pt modelId="{C70EF319-24F9-491E-9DFF-3CAE36B54ABD}" type="parTrans" cxnId="{57FB21C6-5730-4AC9-BB05-B7392862DED1}">
+      <dgm:prSet/>
+      <dgm:spPr/>
+      <dgm:t>
+        <a:bodyPr/>
+        <a:lstStyle/>
+        <a:p>
+          <a:endParaRPr lang="de-DE"/>
+        </a:p>
+      </dgm:t>
+    </dgm:pt>
+    <dgm:pt modelId="{9A56AE03-0BE9-4D93-9B3D-8BAA9A5E21F5}" type="sibTrans" cxnId="{57FB21C6-5730-4AC9-BB05-B7392862DED1}">
+      <dgm:prSet/>
+      <dgm:spPr/>
+      <dgm:t>
+        <a:bodyPr/>
+        <a:lstStyle/>
+        <a:p>
+          <a:endParaRPr lang="de-DE"/>
+        </a:p>
+      </dgm:t>
+    </dgm:pt>
+    <dgm:pt modelId="{61493591-428C-460C-80A3-1923A0E946FE}">
+      <dgm:prSet phldrT="[Text]" phldr="1"/>
+      <dgm:spPr/>
+      <dgm:t>
+        <a:bodyPr/>
+        <a:lstStyle/>
+        <a:p>
+          <a:endParaRPr lang="de-DE" dirty="0"/>
+        </a:p>
+      </dgm:t>
+    </dgm:pt>
+    <dgm:pt modelId="{9BF03DDE-C49E-40A2-9667-712D93190438}" type="parTrans" cxnId="{1FA7AF98-1532-4BC8-B3AB-0EE27CC5DCD5}">
+      <dgm:prSet/>
+      <dgm:spPr/>
+      <dgm:t>
+        <a:bodyPr/>
+        <a:lstStyle/>
+        <a:p>
+          <a:endParaRPr lang="de-DE"/>
+        </a:p>
+      </dgm:t>
+    </dgm:pt>
+    <dgm:pt modelId="{7453999F-DAD4-4696-B119-D01494B90324}" type="sibTrans" cxnId="{1FA7AF98-1532-4BC8-B3AB-0EE27CC5DCD5}">
+      <dgm:prSet/>
+      <dgm:spPr/>
+      <dgm:t>
+        <a:bodyPr/>
+        <a:lstStyle/>
+        <a:p>
+          <a:endParaRPr lang="de-DE"/>
+        </a:p>
+      </dgm:t>
+    </dgm:pt>
+    <dgm:pt modelId="{8B2E7AAA-6209-4E9E-A71A-E70E4BECD7C0}">
+      <dgm:prSet phldrT="[Text]" phldr="1"/>
+      <dgm:spPr/>
+      <dgm:t>
+        <a:bodyPr/>
+        <a:lstStyle/>
+        <a:p>
+          <a:endParaRPr lang="de-DE" dirty="0"/>
+        </a:p>
+      </dgm:t>
+    </dgm:pt>
+    <dgm:pt modelId="{8D716686-5571-44F7-9F19-BA6AAACD8316}" type="parTrans" cxnId="{F18EF089-5323-4365-A826-617CEE51C9AA}">
+      <dgm:prSet/>
+      <dgm:spPr/>
+      <dgm:t>
+        <a:bodyPr/>
+        <a:lstStyle/>
+        <a:p>
+          <a:endParaRPr lang="de-DE"/>
+        </a:p>
+      </dgm:t>
+    </dgm:pt>
+    <dgm:pt modelId="{12E536F9-7ACB-4536-85CD-F7A07F569E94}" type="sibTrans" cxnId="{F18EF089-5323-4365-A826-617CEE51C9AA}">
+      <dgm:prSet/>
+      <dgm:spPr/>
+      <dgm:t>
+        <a:bodyPr/>
+        <a:lstStyle/>
+        <a:p>
+          <a:endParaRPr lang="de-DE"/>
+        </a:p>
+      </dgm:t>
+    </dgm:pt>
+    <dgm:pt modelId="{BF419F3F-605F-4EE1-9311-6D3D699BC665}">
+      <dgm:prSet phldrT="[Text]" phldr="1"/>
+      <dgm:spPr/>
+      <dgm:t>
+        <a:bodyPr/>
+        <a:lstStyle/>
+        <a:p>
+          <a:endParaRPr lang="de-DE"/>
+        </a:p>
+      </dgm:t>
+    </dgm:pt>
+    <dgm:pt modelId="{17311551-908E-4829-8F22-18137EE9A6DC}" type="parTrans" cxnId="{3E7EBDCD-9C4D-44B9-98B8-51A217F2179F}">
+      <dgm:prSet/>
+      <dgm:spPr/>
+      <dgm:t>
+        <a:bodyPr/>
+        <a:lstStyle/>
+        <a:p>
+          <a:endParaRPr lang="de-DE"/>
+        </a:p>
+      </dgm:t>
+    </dgm:pt>
+    <dgm:pt modelId="{7246E9EE-EEBB-4188-BA23-4BB571A9B536}" type="sibTrans" cxnId="{3E7EBDCD-9C4D-44B9-98B8-51A217F2179F}">
+      <dgm:prSet/>
+      <dgm:spPr/>
+      <dgm:t>
+        <a:bodyPr/>
+        <a:lstStyle/>
+        <a:p>
+          <a:endParaRPr lang="de-DE"/>
+        </a:p>
+      </dgm:t>
+    </dgm:pt>
+    <dgm:pt modelId="{C02ACAA5-DA2F-44AC-A9D1-BD600982431D}">
+      <dgm:prSet phldrT="[Text]" phldr="1"/>
+      <dgm:spPr/>
+      <dgm:t>
+        <a:bodyPr/>
+        <a:lstStyle/>
+        <a:p>
+          <a:endParaRPr lang="de-DE" dirty="0"/>
+        </a:p>
+      </dgm:t>
+    </dgm:pt>
+    <dgm:pt modelId="{8E64424B-61FE-46AA-B9E7-728E2F96BAAD}" type="parTrans" cxnId="{E36EE1AF-9ADA-47F8-988B-4154FDBDB4DB}">
+      <dgm:prSet/>
+      <dgm:spPr>
+        <a:ln>
+          <a:noFill/>
+        </a:ln>
+      </dgm:spPr>
+      <dgm:t>
+        <a:bodyPr/>
+        <a:lstStyle/>
+        <a:p>
+          <a:endParaRPr lang="de-DE"/>
+        </a:p>
+      </dgm:t>
+    </dgm:pt>
+    <dgm:pt modelId="{E64852DE-EDCF-400B-AC8E-C750AABB077C}" type="sibTrans" cxnId="{E36EE1AF-9ADA-47F8-988B-4154FDBDB4DB}">
+      <dgm:prSet/>
+      <dgm:spPr/>
+      <dgm:t>
+        <a:bodyPr/>
+        <a:lstStyle/>
+        <a:p>
+          <a:endParaRPr lang="de-DE"/>
+        </a:p>
+      </dgm:t>
+    </dgm:pt>
+    <dgm:pt modelId="{4BFE0616-1C6D-4077-AC5C-77CA136CDDE8}">
+      <dgm:prSet phldrT="[Text]" phldr="1"/>
+      <dgm:spPr/>
+      <dgm:t>
+        <a:bodyPr/>
+        <a:lstStyle/>
+        <a:p>
+          <a:endParaRPr lang="de-DE"/>
+        </a:p>
+      </dgm:t>
+    </dgm:pt>
+    <dgm:pt modelId="{310827E8-5AC7-4150-824F-DFA6650F83A6}" type="parTrans" cxnId="{BDFE70E0-002A-4375-AE69-BA1227F8E95C}">
+      <dgm:prSet/>
+      <dgm:spPr/>
+      <dgm:t>
+        <a:bodyPr/>
+        <a:lstStyle/>
+        <a:p>
+          <a:endParaRPr lang="de-DE"/>
+        </a:p>
+      </dgm:t>
+    </dgm:pt>
+    <dgm:pt modelId="{A6C919CD-FAC1-4E9D-820C-8A387CB41DAE}" type="sibTrans" cxnId="{BDFE70E0-002A-4375-AE69-BA1227F8E95C}">
+      <dgm:prSet/>
+      <dgm:spPr/>
+      <dgm:t>
+        <a:bodyPr/>
+        <a:lstStyle/>
+        <a:p>
+          <a:endParaRPr lang="de-DE"/>
+        </a:p>
+      </dgm:t>
+    </dgm:pt>
+    <dgm:pt modelId="{8E030639-A11C-46E3-AF3A-38CF08F436DE}">
+      <dgm:prSet phldrT="[Text]"/>
+      <dgm:spPr>
+        <a:solidFill>
+          <a:srgbClr val="C00000"/>
+        </a:solidFill>
+      </dgm:spPr>
+      <dgm:t>
+        <a:bodyPr/>
+        <a:lstStyle/>
+        <a:p>
+          <a:r>
+            <a:rPr lang="de-DE" dirty="0" err="1" smtClean="0"/>
+            <a:t>Topology</a:t>
+          </a:r>
+          <a:r>
+            <a:rPr lang="de-DE" dirty="0" smtClean="0"/>
+            <a:t>-Editor-Server</a:t>
+          </a:r>
+          <a:endParaRPr lang="de-DE" dirty="0"/>
+        </a:p>
+      </dgm:t>
+    </dgm:pt>
+    <dgm:pt modelId="{DBA358B8-1761-46C8-B0CE-E1FF2A0D993F}" type="parTrans" cxnId="{0C142CD6-D5AA-48BC-9C6F-BB2FF54677DE}">
+      <dgm:prSet/>
+      <dgm:spPr/>
+      <dgm:t>
+        <a:bodyPr/>
+        <a:lstStyle/>
+        <a:p>
+          <a:endParaRPr lang="de-DE"/>
+        </a:p>
+      </dgm:t>
+    </dgm:pt>
+    <dgm:pt modelId="{2EEBE860-49C4-4F67-856C-DABF541885DA}" type="sibTrans" cxnId="{0C142CD6-D5AA-48BC-9C6F-BB2FF54677DE}">
+      <dgm:prSet/>
+      <dgm:spPr/>
+      <dgm:t>
+        <a:bodyPr/>
+        <a:lstStyle/>
+        <a:p>
+          <a:endParaRPr lang="de-DE"/>
+        </a:p>
+      </dgm:t>
+    </dgm:pt>
+    <dgm:pt modelId="{7CCAE011-7768-42D8-8C69-6C6F64038F2C}">
+      <dgm:prSet phldrT="[Text]" phldr="1"/>
+      <dgm:spPr/>
+      <dgm:t>
+        <a:bodyPr/>
+        <a:lstStyle/>
+        <a:p>
+          <a:endParaRPr lang="de-DE" dirty="0"/>
+        </a:p>
+      </dgm:t>
+    </dgm:pt>
+    <dgm:pt modelId="{FB76FB42-6D02-4903-B608-8176C1B810A4}" type="parTrans" cxnId="{EC64B2CC-6FF8-4871-B0E9-FE5F6B9584F5}">
+      <dgm:prSet/>
+      <dgm:spPr/>
+      <dgm:t>
+        <a:bodyPr/>
+        <a:lstStyle/>
+        <a:p>
+          <a:endParaRPr lang="de-DE"/>
+        </a:p>
+      </dgm:t>
+    </dgm:pt>
+    <dgm:pt modelId="{9F69599F-8D1A-49D5-9102-4313E445822F}" type="sibTrans" cxnId="{EC64B2CC-6FF8-4871-B0E9-FE5F6B9584F5}">
+      <dgm:prSet/>
+      <dgm:spPr/>
+      <dgm:t>
+        <a:bodyPr/>
+        <a:lstStyle/>
+        <a:p>
+          <a:endParaRPr lang="de-DE"/>
+        </a:p>
+      </dgm:t>
+    </dgm:pt>
+    <dgm:pt modelId="{BBB2E3ED-F524-475F-9052-92C2731370D5}">
+      <dgm:prSet phldrT="[Text]"/>
+      <dgm:spPr/>
+      <dgm:t>
+        <a:bodyPr/>
+        <a:lstStyle/>
+        <a:p>
+          <a:r>
+            <a:rPr lang="de-DE" dirty="0" smtClean="0"/>
+            <a:t>Client</a:t>
+          </a:r>
+          <a:endParaRPr lang="de-DE" dirty="0"/>
+        </a:p>
+      </dgm:t>
+    </dgm:pt>
+    <dgm:pt modelId="{7611CC06-0892-4875-8A29-6AB4960AF06A}" type="parTrans" cxnId="{635EF470-8464-4005-B760-99C85DC1415E}">
+      <dgm:prSet/>
+      <dgm:spPr/>
+      <dgm:t>
+        <a:bodyPr/>
+        <a:lstStyle/>
+        <a:p>
+          <a:endParaRPr lang="de-DE"/>
+        </a:p>
+      </dgm:t>
+    </dgm:pt>
+    <dgm:pt modelId="{FAC215C8-4A00-44A0-8DA8-EC6A9D43766D}" type="sibTrans" cxnId="{635EF470-8464-4005-B760-99C85DC1415E}">
+      <dgm:prSet/>
+      <dgm:spPr/>
+      <dgm:t>
+        <a:bodyPr/>
+        <a:lstStyle/>
+        <a:p>
+          <a:endParaRPr lang="de-DE"/>
+        </a:p>
+      </dgm:t>
+    </dgm:pt>
+    <dgm:pt modelId="{2DE1E564-25EF-4A1C-800B-7999A44E592C}" type="pres">
+      <dgm:prSet presAssocID="{F70C9F93-A607-45D1-83D0-1067A02D3E9A}" presName="mainComposite" presStyleCnt="0">
+        <dgm:presLayoutVars>
+          <dgm:chPref val="1"/>
+          <dgm:dir/>
+          <dgm:animOne val="branch"/>
+          <dgm:animLvl val="lvl"/>
+          <dgm:resizeHandles val="exact"/>
+        </dgm:presLayoutVars>
+      </dgm:prSet>
+      <dgm:spPr/>
+    </dgm:pt>
+    <dgm:pt modelId="{9D974C72-8469-47A1-876F-4D599CD0809E}" type="pres">
+      <dgm:prSet presAssocID="{F70C9F93-A607-45D1-83D0-1067A02D3E9A}" presName="hierFlow" presStyleCnt="0"/>
+      <dgm:spPr/>
+    </dgm:pt>
+    <dgm:pt modelId="{A4AD5081-01B6-4144-AAC3-9C10516FA500}" type="pres">
+      <dgm:prSet presAssocID="{F70C9F93-A607-45D1-83D0-1067A02D3E9A}" presName="firstBuf" presStyleCnt="0"/>
+      <dgm:spPr/>
+    </dgm:pt>
+    <dgm:pt modelId="{EB394081-CD5F-4579-A453-32BBBD45BFD4}" type="pres">
+      <dgm:prSet presAssocID="{F70C9F93-A607-45D1-83D0-1067A02D3E9A}" presName="hierChild1" presStyleCnt="0">
+        <dgm:presLayoutVars>
+          <dgm:chPref val="1"/>
+          <dgm:animOne val="branch"/>
+          <dgm:animLvl val="lvl"/>
+        </dgm:presLayoutVars>
+      </dgm:prSet>
+      <dgm:spPr/>
+    </dgm:pt>
+    <dgm:pt modelId="{4AD52D2C-4E45-4DA2-9A2E-22E98BC3492C}" type="pres">
+      <dgm:prSet presAssocID="{BBB2E3ED-F524-475F-9052-92C2731370D5}" presName="Name14" presStyleCnt="0"/>
+      <dgm:spPr/>
+    </dgm:pt>
+    <dgm:pt modelId="{2E0F7CA4-2150-4E2D-9EDA-C36555C18B4E}" type="pres">
+      <dgm:prSet presAssocID="{BBB2E3ED-F524-475F-9052-92C2731370D5}" presName="level1Shape" presStyleLbl="node0" presStyleIdx="0" presStyleCnt="1" custAng="10800000" custFlipVert="1" custScaleX="50943" custScaleY="18207" custLinFactNeighborX="-15923" custLinFactNeighborY="-30311">
+        <dgm:presLayoutVars>
+          <dgm:chPref val="3"/>
+        </dgm:presLayoutVars>
+      </dgm:prSet>
+      <dgm:spPr/>
+    </dgm:pt>
+    <dgm:pt modelId="{B585BC9B-22C4-47D3-B0F6-74A66C38ED2A}" type="pres">
+      <dgm:prSet presAssocID="{BBB2E3ED-F524-475F-9052-92C2731370D5}" presName="hierChild2" presStyleCnt="0"/>
+      <dgm:spPr/>
+    </dgm:pt>
+    <dgm:pt modelId="{4981F99D-6B66-42E6-98BC-909B7367AE15}" type="pres">
+      <dgm:prSet presAssocID="{F70C9F93-A607-45D1-83D0-1067A02D3E9A}" presName="bgShapesFlow" presStyleCnt="0"/>
+      <dgm:spPr/>
+    </dgm:pt>
+    <dgm:pt modelId="{D8B94DB6-C8C7-4720-B4EA-E651FD517BF8}" type="pres">
+      <dgm:prSet presAssocID="{833099B0-1858-4D29-A551-9ACEDC973825}" presName="rectComp" presStyleCnt="0"/>
+      <dgm:spPr/>
+    </dgm:pt>
+    <dgm:pt modelId="{534DF2F9-71DD-4B9E-9B56-81022A551832}" type="pres">
+      <dgm:prSet presAssocID="{833099B0-1858-4D29-A551-9ACEDC973825}" presName="bgRect" presStyleLbl="bgShp" presStyleIdx="0" presStyleCnt="5"/>
+      <dgm:spPr/>
+      <dgm:t>
+        <a:bodyPr/>
+        <a:lstStyle/>
+        <a:p>
+          <a:endParaRPr lang="de-DE"/>
+        </a:p>
+      </dgm:t>
+    </dgm:pt>
+    <dgm:pt modelId="{92C1001B-0E60-427C-8957-C42E263B2082}" type="pres">
+      <dgm:prSet presAssocID="{833099B0-1858-4D29-A551-9ACEDC973825}" presName="bgRectTx" presStyleLbl="bgShp" presStyleIdx="0" presStyleCnt="5">
+        <dgm:presLayoutVars>
+          <dgm:bulletEnabled val="1"/>
+        </dgm:presLayoutVars>
+      </dgm:prSet>
+      <dgm:spPr/>
+      <dgm:t>
+        <a:bodyPr/>
+        <a:lstStyle/>
+        <a:p>
+          <a:endParaRPr lang="de-DE"/>
+        </a:p>
+      </dgm:t>
+    </dgm:pt>
+    <dgm:pt modelId="{B6E6CD30-4FA1-405E-9198-07521C98DA27}" type="pres">
+      <dgm:prSet presAssocID="{833099B0-1858-4D29-A551-9ACEDC973825}" presName="spComp" presStyleCnt="0"/>
+      <dgm:spPr/>
+    </dgm:pt>
+    <dgm:pt modelId="{775A3B70-247D-4E8B-B734-52B3193CB168}" type="pres">
+      <dgm:prSet presAssocID="{833099B0-1858-4D29-A551-9ACEDC973825}" presName="vSp" presStyleCnt="0"/>
+      <dgm:spPr/>
+    </dgm:pt>
+    <dgm:pt modelId="{9F492E73-F1B7-45A0-A44E-360358A6C099}" type="pres">
+      <dgm:prSet presAssocID="{8B2E7AAA-6209-4E9E-A71A-E70E4BECD7C0}" presName="rectComp" presStyleCnt="0"/>
+      <dgm:spPr/>
+    </dgm:pt>
+    <dgm:pt modelId="{65D5A872-4ED2-4F6F-A2FA-BEA26F326F9A}" type="pres">
+      <dgm:prSet presAssocID="{8B2E7AAA-6209-4E9E-A71A-E70E4BECD7C0}" presName="bgRect" presStyleLbl="bgShp" presStyleIdx="1" presStyleCnt="5"/>
+      <dgm:spPr/>
+    </dgm:pt>
+    <dgm:pt modelId="{E08F74DD-992F-452A-8D15-39FBD477E6DE}" type="pres">
+      <dgm:prSet presAssocID="{8B2E7AAA-6209-4E9E-A71A-E70E4BECD7C0}" presName="bgRectTx" presStyleLbl="bgShp" presStyleIdx="1" presStyleCnt="5">
+        <dgm:presLayoutVars>
+          <dgm:bulletEnabled val="1"/>
+        </dgm:presLayoutVars>
+      </dgm:prSet>
+      <dgm:spPr/>
+    </dgm:pt>
+    <dgm:pt modelId="{2D07257B-3E09-49FA-A657-C2A37B0A8799}" type="pres">
+      <dgm:prSet presAssocID="{8B2E7AAA-6209-4E9E-A71A-E70E4BECD7C0}" presName="spComp" presStyleCnt="0"/>
+      <dgm:spPr/>
+    </dgm:pt>
+    <dgm:pt modelId="{DE4AC323-3995-4825-A62D-09A0906CF739}" type="pres">
+      <dgm:prSet presAssocID="{8B2E7AAA-6209-4E9E-A71A-E70E4BECD7C0}" presName="vSp" presStyleCnt="0"/>
+      <dgm:spPr/>
+    </dgm:pt>
+    <dgm:pt modelId="{E988C312-C857-4EEA-B1F6-8EDA249CF3E8}" type="pres">
+      <dgm:prSet presAssocID="{4BFE0616-1C6D-4077-AC5C-77CA136CDDE8}" presName="rectComp" presStyleCnt="0"/>
+      <dgm:spPr/>
+    </dgm:pt>
+    <dgm:pt modelId="{686C295D-E8AF-4398-A1AD-B4FDCEF76E92}" type="pres">
+      <dgm:prSet presAssocID="{4BFE0616-1C6D-4077-AC5C-77CA136CDDE8}" presName="bgRect" presStyleLbl="bgShp" presStyleIdx="2" presStyleCnt="5"/>
+      <dgm:spPr/>
+    </dgm:pt>
+    <dgm:pt modelId="{C76BDE3C-4432-4378-9C32-A17A40296C4C}" type="pres">
+      <dgm:prSet presAssocID="{4BFE0616-1C6D-4077-AC5C-77CA136CDDE8}" presName="bgRectTx" presStyleLbl="bgShp" presStyleIdx="2" presStyleCnt="5">
+        <dgm:presLayoutVars>
+          <dgm:bulletEnabled val="1"/>
+        </dgm:presLayoutVars>
+      </dgm:prSet>
+      <dgm:spPr/>
+    </dgm:pt>
+    <dgm:pt modelId="{1C9E0013-4B85-4299-AB73-D89FA58CF0ED}" type="pres">
+      <dgm:prSet presAssocID="{4BFE0616-1C6D-4077-AC5C-77CA136CDDE8}" presName="spComp" presStyleCnt="0"/>
+      <dgm:spPr/>
+    </dgm:pt>
+    <dgm:pt modelId="{E6AF8013-194E-4179-B39C-D57D709424B7}" type="pres">
+      <dgm:prSet presAssocID="{4BFE0616-1C6D-4077-AC5C-77CA136CDDE8}" presName="vSp" presStyleCnt="0"/>
+      <dgm:spPr/>
+    </dgm:pt>
+    <dgm:pt modelId="{60BD3976-27DF-4E2B-B36B-5977CF6F4880}" type="pres">
+      <dgm:prSet presAssocID="{8E030639-A11C-46E3-AF3A-38CF08F436DE}" presName="rectComp" presStyleCnt="0"/>
+      <dgm:spPr/>
+    </dgm:pt>
+    <dgm:pt modelId="{98798FA3-DE29-4689-9B94-42A4803CC2FD}" type="pres">
+      <dgm:prSet presAssocID="{8E030639-A11C-46E3-AF3A-38CF08F436DE}" presName="bgRect" presStyleLbl="bgShp" presStyleIdx="3" presStyleCnt="5"/>
+      <dgm:spPr/>
+      <dgm:t>
+        <a:bodyPr/>
+        <a:lstStyle/>
+        <a:p>
+          <a:endParaRPr lang="de-DE"/>
+        </a:p>
+      </dgm:t>
+    </dgm:pt>
+    <dgm:pt modelId="{E6D14D76-95F4-4D6F-A358-CED8ADEE19CA}" type="pres">
+      <dgm:prSet presAssocID="{8E030639-A11C-46E3-AF3A-38CF08F436DE}" presName="bgRectTx" presStyleLbl="bgShp" presStyleIdx="3" presStyleCnt="5">
+        <dgm:presLayoutVars>
+          <dgm:bulletEnabled val="1"/>
+        </dgm:presLayoutVars>
+      </dgm:prSet>
+      <dgm:spPr/>
+      <dgm:t>
+        <a:bodyPr/>
+        <a:lstStyle/>
+        <a:p>
+          <a:endParaRPr lang="de-DE"/>
+        </a:p>
+      </dgm:t>
+    </dgm:pt>
+    <dgm:pt modelId="{7AF64B62-5849-4579-B790-AFBA33A8C208}" type="pres">
+      <dgm:prSet presAssocID="{8E030639-A11C-46E3-AF3A-38CF08F436DE}" presName="spComp" presStyleCnt="0"/>
+      <dgm:spPr/>
+    </dgm:pt>
+    <dgm:pt modelId="{537FAD7C-53AA-466A-8DA0-4E697AC09B23}" type="pres">
+      <dgm:prSet presAssocID="{8E030639-A11C-46E3-AF3A-38CF08F436DE}" presName="vSp" presStyleCnt="0"/>
+      <dgm:spPr/>
+    </dgm:pt>
+    <dgm:pt modelId="{ECE9816A-2A73-47B2-9E5F-D739734B7BA2}" type="pres">
+      <dgm:prSet presAssocID="{7CCAE011-7768-42D8-8C69-6C6F64038F2C}" presName="rectComp" presStyleCnt="0"/>
+      <dgm:spPr/>
+    </dgm:pt>
+    <dgm:pt modelId="{B9D6060F-61A6-42BB-AD74-53083DF3A134}" type="pres">
+      <dgm:prSet presAssocID="{7CCAE011-7768-42D8-8C69-6C6F64038F2C}" presName="bgRect" presStyleLbl="bgShp" presStyleIdx="4" presStyleCnt="5"/>
+      <dgm:spPr/>
+    </dgm:pt>
+    <dgm:pt modelId="{6BC7F901-FC96-4404-893E-328CCAD99F44}" type="pres">
+      <dgm:prSet presAssocID="{7CCAE011-7768-42D8-8C69-6C6F64038F2C}" presName="bgRectTx" presStyleLbl="bgShp" presStyleIdx="4" presStyleCnt="5">
+        <dgm:presLayoutVars>
+          <dgm:bulletEnabled val="1"/>
+        </dgm:presLayoutVars>
+      </dgm:prSet>
+      <dgm:spPr/>
+    </dgm:pt>
+  </dgm:ptLst>
+  <dgm:cxnLst>
+    <dgm:cxn modelId="{1FA7AF98-1532-4BC8-B3AB-0EE27CC5DCD5}" srcId="{833099B0-1858-4D29-A551-9ACEDC973825}" destId="{61493591-428C-460C-80A3-1923A0E946FE}" srcOrd="0" destOrd="0" parTransId="{9BF03DDE-C49E-40A2-9667-712D93190438}" sibTransId="{7453999F-DAD4-4696-B119-D01494B90324}"/>
+    <dgm:cxn modelId="{F3B2A7DC-9DD0-4F80-AB45-0FF579A9E378}" type="presOf" srcId="{F70C9F93-A607-45D1-83D0-1067A02D3E9A}" destId="{2DE1E564-25EF-4A1C-800B-7999A44E592C}" srcOrd="0" destOrd="0" presId="urn:microsoft.com/office/officeart/2005/8/layout/hierarchy6"/>
+    <dgm:cxn modelId="{6738F52D-305B-43E3-91BB-FBA56A425C93}" type="presOf" srcId="{BF419F3F-605F-4EE1-9311-6D3D699BC665}" destId="{65D5A872-4ED2-4F6F-A2FA-BEA26F326F9A}" srcOrd="0" destOrd="1" presId="urn:microsoft.com/office/officeart/2005/8/layout/hierarchy6"/>
+    <dgm:cxn modelId="{9CA4465E-75A7-4B6E-A27B-0DBA059E4D1B}" type="presOf" srcId="{61493591-428C-460C-80A3-1923A0E946FE}" destId="{534DF2F9-71DD-4B9E-9B56-81022A551832}" srcOrd="0" destOrd="1" presId="urn:microsoft.com/office/officeart/2005/8/layout/hierarchy6"/>
+    <dgm:cxn modelId="{BDFE70E0-002A-4375-AE69-BA1227F8E95C}" srcId="{F70C9F93-A607-45D1-83D0-1067A02D3E9A}" destId="{4BFE0616-1C6D-4077-AC5C-77CA136CDDE8}" srcOrd="3" destOrd="0" parTransId="{310827E8-5AC7-4150-824F-DFA6650F83A6}" sibTransId="{A6C919CD-FAC1-4E9D-820C-8A387CB41DAE}"/>
+    <dgm:cxn modelId="{635EF470-8464-4005-B760-99C85DC1415E}" srcId="{F70C9F93-A607-45D1-83D0-1067A02D3E9A}" destId="{BBB2E3ED-F524-475F-9052-92C2731370D5}" srcOrd="0" destOrd="0" parTransId="{7611CC06-0892-4875-8A29-6AB4960AF06A}" sibTransId="{FAC215C8-4A00-44A0-8DA8-EC6A9D43766D}"/>
+    <dgm:cxn modelId="{D5EB77BA-3ADE-422D-9856-3ED3A5EBE1A8}" type="presOf" srcId="{4BFE0616-1C6D-4077-AC5C-77CA136CDDE8}" destId="{686C295D-E8AF-4398-A1AD-B4FDCEF76E92}" srcOrd="0" destOrd="0" presId="urn:microsoft.com/office/officeart/2005/8/layout/hierarchy6"/>
+    <dgm:cxn modelId="{E27CD95E-7AC9-470A-A439-74521E7DC986}" type="presOf" srcId="{8B2E7AAA-6209-4E9E-A71A-E70E4BECD7C0}" destId="{65D5A872-4ED2-4F6F-A2FA-BEA26F326F9A}" srcOrd="0" destOrd="0" presId="urn:microsoft.com/office/officeart/2005/8/layout/hierarchy6"/>
+    <dgm:cxn modelId="{DD9DC76E-B6F4-4886-8907-C336B1B8B1BA}" type="presOf" srcId="{BBB2E3ED-F524-475F-9052-92C2731370D5}" destId="{2E0F7CA4-2150-4E2D-9EDA-C36555C18B4E}" srcOrd="0" destOrd="0" presId="urn:microsoft.com/office/officeart/2005/8/layout/hierarchy6"/>
+    <dgm:cxn modelId="{77320791-A0DE-416E-9463-8E240248A604}" type="presOf" srcId="{C02ACAA5-DA2F-44AC-A9D1-BD600982431D}" destId="{E08F74DD-992F-452A-8D15-39FBD477E6DE}" srcOrd="1" destOrd="2" presId="urn:microsoft.com/office/officeart/2005/8/layout/hierarchy6"/>
+    <dgm:cxn modelId="{13BA7586-B832-4D0E-B9FA-7C906278DDF4}" type="presOf" srcId="{833099B0-1858-4D29-A551-9ACEDC973825}" destId="{534DF2F9-71DD-4B9E-9B56-81022A551832}" srcOrd="0" destOrd="0" presId="urn:microsoft.com/office/officeart/2005/8/layout/hierarchy6"/>
+    <dgm:cxn modelId="{D5BB9D8D-65EC-4495-87F2-9833CC6E15B1}" type="presOf" srcId="{8E030639-A11C-46E3-AF3A-38CF08F436DE}" destId="{98798FA3-DE29-4689-9B94-42A4803CC2FD}" srcOrd="0" destOrd="0" presId="urn:microsoft.com/office/officeart/2005/8/layout/hierarchy6"/>
+    <dgm:cxn modelId="{EC64B2CC-6FF8-4871-B0E9-FE5F6B9584F5}" srcId="{F70C9F93-A607-45D1-83D0-1067A02D3E9A}" destId="{7CCAE011-7768-42D8-8C69-6C6F64038F2C}" srcOrd="5" destOrd="0" parTransId="{FB76FB42-6D02-4903-B608-8176C1B810A4}" sibTransId="{9F69599F-8D1A-49D5-9102-4313E445822F}"/>
+    <dgm:cxn modelId="{8C0B1313-4E64-48BB-9668-A4EDEF05BE8F}" type="presOf" srcId="{8E030639-A11C-46E3-AF3A-38CF08F436DE}" destId="{E6D14D76-95F4-4D6F-A358-CED8ADEE19CA}" srcOrd="1" destOrd="0" presId="urn:microsoft.com/office/officeart/2005/8/layout/hierarchy6"/>
+    <dgm:cxn modelId="{57FB21C6-5730-4AC9-BB05-B7392862DED1}" srcId="{F70C9F93-A607-45D1-83D0-1067A02D3E9A}" destId="{833099B0-1858-4D29-A551-9ACEDC973825}" srcOrd="1" destOrd="0" parTransId="{C70EF319-24F9-491E-9DFF-3CAE36B54ABD}" sibTransId="{9A56AE03-0BE9-4D93-9B3D-8BAA9A5E21F5}"/>
+    <dgm:cxn modelId="{5B9B6C99-919E-4738-AA54-71048BD381FD}" type="presOf" srcId="{8B2E7AAA-6209-4E9E-A71A-E70E4BECD7C0}" destId="{E08F74DD-992F-452A-8D15-39FBD477E6DE}" srcOrd="1" destOrd="0" presId="urn:microsoft.com/office/officeart/2005/8/layout/hierarchy6"/>
+    <dgm:cxn modelId="{F18EF089-5323-4365-A826-617CEE51C9AA}" srcId="{F70C9F93-A607-45D1-83D0-1067A02D3E9A}" destId="{8B2E7AAA-6209-4E9E-A71A-E70E4BECD7C0}" srcOrd="2" destOrd="0" parTransId="{8D716686-5571-44F7-9F19-BA6AAACD8316}" sibTransId="{12E536F9-7ACB-4536-85CD-F7A07F569E94}"/>
+    <dgm:cxn modelId="{7F192625-85F3-434D-B77C-DD7CFC5E52F7}" type="presOf" srcId="{7CCAE011-7768-42D8-8C69-6C6F64038F2C}" destId="{B9D6060F-61A6-42BB-AD74-53083DF3A134}" srcOrd="0" destOrd="0" presId="urn:microsoft.com/office/officeart/2005/8/layout/hierarchy6"/>
+    <dgm:cxn modelId="{F6900180-4027-4C2D-B2CD-DC61945769F5}" type="presOf" srcId="{7CCAE011-7768-42D8-8C69-6C6F64038F2C}" destId="{6BC7F901-FC96-4404-893E-328CCAD99F44}" srcOrd="1" destOrd="0" presId="urn:microsoft.com/office/officeart/2005/8/layout/hierarchy6"/>
+    <dgm:cxn modelId="{E36EE1AF-9ADA-47F8-988B-4154FDBDB4DB}" srcId="{BF419F3F-605F-4EE1-9311-6D3D699BC665}" destId="{C02ACAA5-DA2F-44AC-A9D1-BD600982431D}" srcOrd="0" destOrd="0" parTransId="{8E64424B-61FE-46AA-B9E7-728E2F96BAAD}" sibTransId="{E64852DE-EDCF-400B-AC8E-C750AABB077C}"/>
+    <dgm:cxn modelId="{C9FFAB0A-C892-46EB-A54B-CD4593D6990B}" type="presOf" srcId="{4BFE0616-1C6D-4077-AC5C-77CA136CDDE8}" destId="{C76BDE3C-4432-4378-9C32-A17A40296C4C}" srcOrd="1" destOrd="0" presId="urn:microsoft.com/office/officeart/2005/8/layout/hierarchy6"/>
+    <dgm:cxn modelId="{3E7EBDCD-9C4D-44B9-98B8-51A217F2179F}" srcId="{8B2E7AAA-6209-4E9E-A71A-E70E4BECD7C0}" destId="{BF419F3F-605F-4EE1-9311-6D3D699BC665}" srcOrd="0" destOrd="0" parTransId="{17311551-908E-4829-8F22-18137EE9A6DC}" sibTransId="{7246E9EE-EEBB-4188-BA23-4BB571A9B536}"/>
+    <dgm:cxn modelId="{B0049646-C90B-421C-821C-88A61AB686BB}" type="presOf" srcId="{833099B0-1858-4D29-A551-9ACEDC973825}" destId="{92C1001B-0E60-427C-8957-C42E263B2082}" srcOrd="1" destOrd="0" presId="urn:microsoft.com/office/officeart/2005/8/layout/hierarchy6"/>
+    <dgm:cxn modelId="{65983E0E-B647-449F-A52B-C908BE2A4C12}" type="presOf" srcId="{C02ACAA5-DA2F-44AC-A9D1-BD600982431D}" destId="{65D5A872-4ED2-4F6F-A2FA-BEA26F326F9A}" srcOrd="0" destOrd="2" presId="urn:microsoft.com/office/officeart/2005/8/layout/hierarchy6"/>
+    <dgm:cxn modelId="{28223F14-8FE5-4B9D-8350-C2873AC308BB}" type="presOf" srcId="{61493591-428C-460C-80A3-1923A0E946FE}" destId="{92C1001B-0E60-427C-8957-C42E263B2082}" srcOrd="1" destOrd="1" presId="urn:microsoft.com/office/officeart/2005/8/layout/hierarchy6"/>
+    <dgm:cxn modelId="{0C142CD6-D5AA-48BC-9C6F-BB2FF54677DE}" srcId="{F70C9F93-A607-45D1-83D0-1067A02D3E9A}" destId="{8E030639-A11C-46E3-AF3A-38CF08F436DE}" srcOrd="4" destOrd="0" parTransId="{DBA358B8-1761-46C8-B0CE-E1FF2A0D993F}" sibTransId="{2EEBE860-49C4-4F67-856C-DABF541885DA}"/>
+    <dgm:cxn modelId="{00704533-97E1-49FB-9894-C722AF5370CF}" type="presOf" srcId="{BF419F3F-605F-4EE1-9311-6D3D699BC665}" destId="{E08F74DD-992F-452A-8D15-39FBD477E6DE}" srcOrd="1" destOrd="1" presId="urn:microsoft.com/office/officeart/2005/8/layout/hierarchy6"/>
+    <dgm:cxn modelId="{36EE5094-F015-43C2-A9B4-590D22712F2C}" type="presParOf" srcId="{2DE1E564-25EF-4A1C-800B-7999A44E592C}" destId="{9D974C72-8469-47A1-876F-4D599CD0809E}" srcOrd="0" destOrd="0" presId="urn:microsoft.com/office/officeart/2005/8/layout/hierarchy6"/>
+    <dgm:cxn modelId="{45E00DAE-0AFC-400E-91AD-27949D122F19}" type="presParOf" srcId="{9D974C72-8469-47A1-876F-4D599CD0809E}" destId="{A4AD5081-01B6-4144-AAC3-9C10516FA500}" srcOrd="0" destOrd="0" presId="urn:microsoft.com/office/officeart/2005/8/layout/hierarchy6"/>
+    <dgm:cxn modelId="{70F77098-66FA-4AAB-B42D-B62205C07407}" type="presParOf" srcId="{9D974C72-8469-47A1-876F-4D599CD0809E}" destId="{EB394081-CD5F-4579-A453-32BBBD45BFD4}" srcOrd="1" destOrd="0" presId="urn:microsoft.com/office/officeart/2005/8/layout/hierarchy6"/>
+    <dgm:cxn modelId="{68179B99-ACBE-4EA3-98F7-B5B6B90AB822}" type="presParOf" srcId="{EB394081-CD5F-4579-A453-32BBBD45BFD4}" destId="{4AD52D2C-4E45-4DA2-9A2E-22E98BC3492C}" srcOrd="0" destOrd="0" presId="urn:microsoft.com/office/officeart/2005/8/layout/hierarchy6"/>
+    <dgm:cxn modelId="{BA0EC1C9-4D7C-499A-B2DC-0C41ADA95C96}" type="presParOf" srcId="{4AD52D2C-4E45-4DA2-9A2E-22E98BC3492C}" destId="{2E0F7CA4-2150-4E2D-9EDA-C36555C18B4E}" srcOrd="0" destOrd="0" presId="urn:microsoft.com/office/officeart/2005/8/layout/hierarchy6"/>
+    <dgm:cxn modelId="{7F11B216-55DC-43E4-9A72-BB8A15F134EA}" type="presParOf" srcId="{4AD52D2C-4E45-4DA2-9A2E-22E98BC3492C}" destId="{B585BC9B-22C4-47D3-B0F6-74A66C38ED2A}" srcOrd="1" destOrd="0" presId="urn:microsoft.com/office/officeart/2005/8/layout/hierarchy6"/>
+    <dgm:cxn modelId="{513FB730-0539-44F4-BC6D-16F3B0C7D3E7}" type="presParOf" srcId="{2DE1E564-25EF-4A1C-800B-7999A44E592C}" destId="{4981F99D-6B66-42E6-98BC-909B7367AE15}" srcOrd="1" destOrd="0" presId="urn:microsoft.com/office/officeart/2005/8/layout/hierarchy6"/>
+    <dgm:cxn modelId="{22BA6D6F-17A0-47A3-A69F-06B4D3201083}" type="presParOf" srcId="{4981F99D-6B66-42E6-98BC-909B7367AE15}" destId="{D8B94DB6-C8C7-4720-B4EA-E651FD517BF8}" srcOrd="0" destOrd="0" presId="urn:microsoft.com/office/officeart/2005/8/layout/hierarchy6"/>
+    <dgm:cxn modelId="{E6162976-1563-421B-B82A-8D234E5B266B}" type="presParOf" srcId="{D8B94DB6-C8C7-4720-B4EA-E651FD517BF8}" destId="{534DF2F9-71DD-4B9E-9B56-81022A551832}" srcOrd="0" destOrd="0" presId="urn:microsoft.com/office/officeart/2005/8/layout/hierarchy6"/>
+    <dgm:cxn modelId="{430CE2F1-AC8E-461F-9B07-9727B5F5E04D}" type="presParOf" srcId="{D8B94DB6-C8C7-4720-B4EA-E651FD517BF8}" destId="{92C1001B-0E60-427C-8957-C42E263B2082}" srcOrd="1" destOrd="0" presId="urn:microsoft.com/office/officeart/2005/8/layout/hierarchy6"/>
+    <dgm:cxn modelId="{B8720A84-1853-4A80-B877-D866D38E7F01}" type="presParOf" srcId="{4981F99D-6B66-42E6-98BC-909B7367AE15}" destId="{B6E6CD30-4FA1-405E-9198-07521C98DA27}" srcOrd="1" destOrd="0" presId="urn:microsoft.com/office/officeart/2005/8/layout/hierarchy6"/>
+    <dgm:cxn modelId="{789BFD4B-A09A-4613-ABE3-ADE5560CD847}" type="presParOf" srcId="{B6E6CD30-4FA1-405E-9198-07521C98DA27}" destId="{775A3B70-247D-4E8B-B734-52B3193CB168}" srcOrd="0" destOrd="0" presId="urn:microsoft.com/office/officeart/2005/8/layout/hierarchy6"/>
+    <dgm:cxn modelId="{D268E7A9-D44B-43C1-B8F3-04A890EC7D46}" type="presParOf" srcId="{4981F99D-6B66-42E6-98BC-909B7367AE15}" destId="{9F492E73-F1B7-45A0-A44E-360358A6C099}" srcOrd="2" destOrd="0" presId="urn:microsoft.com/office/officeart/2005/8/layout/hierarchy6"/>
+    <dgm:cxn modelId="{C4B179CE-B545-4452-8927-AF93B5317BC7}" type="presParOf" srcId="{9F492E73-F1B7-45A0-A44E-360358A6C099}" destId="{65D5A872-4ED2-4F6F-A2FA-BEA26F326F9A}" srcOrd="0" destOrd="0" presId="urn:microsoft.com/office/officeart/2005/8/layout/hierarchy6"/>
+    <dgm:cxn modelId="{A8869791-7077-4B53-AA5F-FFFE50DCBDCB}" type="presParOf" srcId="{9F492E73-F1B7-45A0-A44E-360358A6C099}" destId="{E08F74DD-992F-452A-8D15-39FBD477E6DE}" srcOrd="1" destOrd="0" presId="urn:microsoft.com/office/officeart/2005/8/layout/hierarchy6"/>
+    <dgm:cxn modelId="{52DD2F66-958C-4FF7-A472-2D30CE504C73}" type="presParOf" srcId="{4981F99D-6B66-42E6-98BC-909B7367AE15}" destId="{2D07257B-3E09-49FA-A657-C2A37B0A8799}" srcOrd="3" destOrd="0" presId="urn:microsoft.com/office/officeart/2005/8/layout/hierarchy6"/>
+    <dgm:cxn modelId="{2E093CDB-5419-4E4E-8D6F-175EC1307334}" type="presParOf" srcId="{2D07257B-3E09-49FA-A657-C2A37B0A8799}" destId="{DE4AC323-3995-4825-A62D-09A0906CF739}" srcOrd="0" destOrd="0" presId="urn:microsoft.com/office/officeart/2005/8/layout/hierarchy6"/>
+    <dgm:cxn modelId="{EBB316FF-F8B3-4F3F-A35D-2C8AD86970A6}" type="presParOf" srcId="{4981F99D-6B66-42E6-98BC-909B7367AE15}" destId="{E988C312-C857-4EEA-B1F6-8EDA249CF3E8}" srcOrd="4" destOrd="0" presId="urn:microsoft.com/office/officeart/2005/8/layout/hierarchy6"/>
+    <dgm:cxn modelId="{EC373AAD-7675-4DBD-82F6-045733AF33DD}" type="presParOf" srcId="{E988C312-C857-4EEA-B1F6-8EDA249CF3E8}" destId="{686C295D-E8AF-4398-A1AD-B4FDCEF76E92}" srcOrd="0" destOrd="0" presId="urn:microsoft.com/office/officeart/2005/8/layout/hierarchy6"/>
+    <dgm:cxn modelId="{99A53A5A-0800-4A80-BB28-831825063D14}" type="presParOf" srcId="{E988C312-C857-4EEA-B1F6-8EDA249CF3E8}" destId="{C76BDE3C-4432-4378-9C32-A17A40296C4C}" srcOrd="1" destOrd="0" presId="urn:microsoft.com/office/officeart/2005/8/layout/hierarchy6"/>
+    <dgm:cxn modelId="{B1D18262-B07D-4D78-9FE5-516B41A89E27}" type="presParOf" srcId="{4981F99D-6B66-42E6-98BC-909B7367AE15}" destId="{1C9E0013-4B85-4299-AB73-D89FA58CF0ED}" srcOrd="5" destOrd="0" presId="urn:microsoft.com/office/officeart/2005/8/layout/hierarchy6"/>
+    <dgm:cxn modelId="{8870214B-55EC-40D7-B0CF-2C340C3FA019}" type="presParOf" srcId="{1C9E0013-4B85-4299-AB73-D89FA58CF0ED}" destId="{E6AF8013-194E-4179-B39C-D57D709424B7}" srcOrd="0" destOrd="0" presId="urn:microsoft.com/office/officeart/2005/8/layout/hierarchy6"/>
+    <dgm:cxn modelId="{D0A3E3AA-29BB-4893-9C29-2D9B3AEC4553}" type="presParOf" srcId="{4981F99D-6B66-42E6-98BC-909B7367AE15}" destId="{60BD3976-27DF-4E2B-B36B-5977CF6F4880}" srcOrd="6" destOrd="0" presId="urn:microsoft.com/office/officeart/2005/8/layout/hierarchy6"/>
+    <dgm:cxn modelId="{8E9EBCD0-77C4-4A54-B1EC-1B274A1344BB}" type="presParOf" srcId="{60BD3976-27DF-4E2B-B36B-5977CF6F4880}" destId="{98798FA3-DE29-4689-9B94-42A4803CC2FD}" srcOrd="0" destOrd="0" presId="urn:microsoft.com/office/officeart/2005/8/layout/hierarchy6"/>
+    <dgm:cxn modelId="{3E83B23F-31D2-4A79-B465-2C42B4EE842B}" type="presParOf" srcId="{60BD3976-27DF-4E2B-B36B-5977CF6F4880}" destId="{E6D14D76-95F4-4D6F-A358-CED8ADEE19CA}" srcOrd="1" destOrd="0" presId="urn:microsoft.com/office/officeart/2005/8/layout/hierarchy6"/>
+    <dgm:cxn modelId="{1BCABF9B-D2D1-4796-803A-873A3A9A3ED4}" type="presParOf" srcId="{4981F99D-6B66-42E6-98BC-909B7367AE15}" destId="{7AF64B62-5849-4579-B790-AFBA33A8C208}" srcOrd="7" destOrd="0" presId="urn:microsoft.com/office/officeart/2005/8/layout/hierarchy6"/>
+    <dgm:cxn modelId="{B7785285-62C6-407D-9BAD-091A4693BC54}" type="presParOf" srcId="{7AF64B62-5849-4579-B790-AFBA33A8C208}" destId="{537FAD7C-53AA-466A-8DA0-4E697AC09B23}" srcOrd="0" destOrd="0" presId="urn:microsoft.com/office/officeart/2005/8/layout/hierarchy6"/>
+    <dgm:cxn modelId="{E20D61B1-2125-4A0A-87EE-A66BA0541253}" type="presParOf" srcId="{4981F99D-6B66-42E6-98BC-909B7367AE15}" destId="{ECE9816A-2A73-47B2-9E5F-D739734B7BA2}" srcOrd="8" destOrd="0" presId="urn:microsoft.com/office/officeart/2005/8/layout/hierarchy6"/>
+    <dgm:cxn modelId="{285B5A9A-BFD6-4364-94E1-4EBE46A3A9C0}" type="presParOf" srcId="{ECE9816A-2A73-47B2-9E5F-D739734B7BA2}" destId="{B9D6060F-61A6-42BB-AD74-53083DF3A134}" srcOrd="0" destOrd="0" presId="urn:microsoft.com/office/officeart/2005/8/layout/hierarchy6"/>
+    <dgm:cxn modelId="{A3ED6197-E2E0-41E5-B8E8-8F9C676B7C78}" type="presParOf" srcId="{ECE9816A-2A73-47B2-9E5F-D739734B7BA2}" destId="{6BC7F901-FC96-4404-893E-328CCAD99F44}" srcOrd="1" destOrd="0" presId="urn:microsoft.com/office/officeart/2005/8/layout/hierarchy6"/>
   </dgm:cxnLst>
   <dgm:bg/>
   <dgm:whole/>
@@ -1256,7 +3653,7 @@
         </a:bodyPr>
         <a:lstStyle/>
         <a:p>
-          <a:pPr marL="0" lvl="0" indent="0" algn="ctr" defTabSz="977900">
+          <a:pPr lvl="0" algn="ctr" defTabSz="977900">
             <a:lnSpc>
               <a:spcPct val="90000"/>
             </a:lnSpc>
@@ -1266,7 +3663,6 @@
             <a:spcAft>
               <a:spcPct val="35000"/>
             </a:spcAft>
-            <a:buNone/>
           </a:pPr>
           <a:r>
             <a:rPr lang="de-DE" sz="2200" kern="1200" dirty="0"/>
@@ -1378,7 +3774,7 @@
         </a:bodyPr>
         <a:lstStyle/>
         <a:p>
-          <a:pPr marL="0" lvl="0" indent="0" algn="ctr" defTabSz="1155700">
+          <a:pPr lvl="0" algn="ctr" defTabSz="1155700">
             <a:lnSpc>
               <a:spcPct val="90000"/>
             </a:lnSpc>
@@ -1388,7 +3784,6 @@
             <a:spcAft>
               <a:spcPct val="35000"/>
             </a:spcAft>
-            <a:buNone/>
           </a:pPr>
           <a:r>
             <a:rPr lang="de-DE" sz="2600" kern="1200" dirty="0"/>
@@ -1500,7 +3895,7 @@
         </a:bodyPr>
         <a:lstStyle/>
         <a:p>
-          <a:pPr marL="0" lvl="0" indent="0" algn="ctr" defTabSz="1022350">
+          <a:pPr lvl="0" algn="ctr" defTabSz="1022350">
             <a:lnSpc>
               <a:spcPct val="90000"/>
             </a:lnSpc>
@@ -1510,7 +3905,6 @@
             <a:spcAft>
               <a:spcPct val="35000"/>
             </a:spcAft>
-            <a:buNone/>
           </a:pPr>
           <a:r>
             <a:rPr lang="de-DE" sz="2300" kern="1200" dirty="0"/>
@@ -1622,7 +4016,7 @@
         </a:bodyPr>
         <a:lstStyle/>
         <a:p>
-          <a:pPr marL="0" lvl="0" indent="0" algn="ctr" defTabSz="933450">
+          <a:pPr lvl="0" algn="ctr" defTabSz="933450">
             <a:lnSpc>
               <a:spcPct val="90000"/>
             </a:lnSpc>
@@ -1632,7 +4026,6 @@
             <a:spcAft>
               <a:spcPct val="35000"/>
             </a:spcAft>
-            <a:buNone/>
           </a:pPr>
           <a:r>
             <a:rPr lang="de-DE" sz="2100" kern="1200" dirty="0"/>
@@ -1643,6 +4036,864 @@
       <dsp:txXfrm>
         <a:off x="646159" y="3651562"/>
         <a:ext cx="1494706" cy="982816"/>
+      </dsp:txXfrm>
+    </dsp:sp>
+  </dsp:spTree>
+</dsp:drawing>
+</file>
+
+<file path=ppt/diagrams/drawing2.xml><?xml version="1.0" encoding="utf-8"?>
+<dsp:drawing xmlns:dgm="http://schemas.openxmlformats.org/drawingml/2006/diagram" xmlns:dsp="http://schemas.microsoft.com/office/drawing/2008/diagram" xmlns:a="http://schemas.openxmlformats.org/drawingml/2006/main">
+  <dsp:spTree>
+    <dsp:nvGrpSpPr>
+      <dsp:cNvPr id="0" name=""/>
+      <dsp:cNvGrpSpPr/>
+    </dsp:nvGrpSpPr>
+    <dsp:grpSpPr/>
+    <dsp:sp modelId="{004A4E8B-3064-461C-9C0D-17494FC2B545}">
+      <dsp:nvSpPr>
+        <dsp:cNvPr id="0" name=""/>
+        <dsp:cNvSpPr/>
+      </dsp:nvSpPr>
+      <dsp:spPr>
+        <a:xfrm>
+          <a:off x="453386" y="1317"/>
+          <a:ext cx="7221227" cy="844464"/>
+        </a:xfrm>
+        <a:prstGeom prst="rect">
+          <a:avLst/>
+        </a:prstGeom>
+        <a:solidFill>
+          <a:schemeClr val="accent1">
+            <a:hueOff val="0"/>
+            <a:satOff val="0"/>
+            <a:lumOff val="0"/>
+            <a:alphaOff val="0"/>
+          </a:schemeClr>
+        </a:solidFill>
+        <a:ln w="12700" cap="flat" cmpd="sng" algn="ctr">
+          <a:solidFill>
+            <a:schemeClr val="lt1">
+              <a:hueOff val="0"/>
+              <a:satOff val="0"/>
+              <a:lumOff val="0"/>
+              <a:alphaOff val="0"/>
+            </a:schemeClr>
+          </a:solidFill>
+          <a:prstDash val="solid"/>
+          <a:miter lim="800000"/>
+        </a:ln>
+        <a:effectLst/>
+      </dsp:spPr>
+      <dsp:style>
+        <a:lnRef idx="2">
+          <a:scrgbClr r="0" g="0" b="0"/>
+        </a:lnRef>
+        <a:fillRef idx="1">
+          <a:scrgbClr r="0" g="0" b="0"/>
+        </a:fillRef>
+        <a:effectRef idx="0">
+          <a:scrgbClr r="0" g="0" b="0"/>
+        </a:effectRef>
+        <a:fontRef idx="minor">
+          <a:schemeClr val="lt1"/>
+        </a:fontRef>
+      </dsp:style>
+      <dsp:txBody>
+        <a:bodyPr spcFirstLastPara="0" vert="horz" wrap="square" lIns="148590" tIns="148590" rIns="148590" bIns="148590" numCol="1" spcCol="1270" anchor="ctr" anchorCtr="0">
+          <a:noAutofit/>
+        </a:bodyPr>
+        <a:lstStyle/>
+        <a:p>
+          <a:pPr lvl="0" algn="ctr" defTabSz="1733550">
+            <a:lnSpc>
+              <a:spcPct val="90000"/>
+            </a:lnSpc>
+            <a:spcBef>
+              <a:spcPct val="0"/>
+            </a:spcBef>
+            <a:spcAft>
+              <a:spcPct val="35000"/>
+            </a:spcAft>
+          </a:pPr>
+          <a:r>
+            <a:rPr lang="de-DE" sz="3900" kern="1200" dirty="0" err="1" smtClean="0"/>
+            <a:t>Topology</a:t>
+          </a:r>
+          <a:r>
+            <a:rPr lang="de-DE" sz="3900" kern="1200" dirty="0" smtClean="0"/>
+            <a:t>-Editor-Client</a:t>
+          </a:r>
+          <a:endParaRPr lang="de-DE" sz="3900" kern="1200" dirty="0"/>
+        </a:p>
+      </dsp:txBody>
+      <dsp:txXfrm>
+        <a:off x="453386" y="1317"/>
+        <a:ext cx="7221227" cy="844464"/>
+      </dsp:txXfrm>
+    </dsp:sp>
+    <dsp:sp modelId="{B62CDC09-ED20-48B8-9C32-5CC21473EF2C}">
+      <dsp:nvSpPr>
+        <dsp:cNvPr id="0" name=""/>
+        <dsp:cNvSpPr/>
+      </dsp:nvSpPr>
+      <dsp:spPr>
+        <a:xfrm flipH="1" flipV="1">
+          <a:off x="459819" y="360983"/>
+          <a:ext cx="79216" cy="125132"/>
+        </a:xfrm>
+        <a:prstGeom prst="rect">
+          <a:avLst/>
+        </a:prstGeom>
+        <a:solidFill>
+          <a:schemeClr val="accent1">
+            <a:hueOff val="0"/>
+            <a:satOff val="0"/>
+            <a:lumOff val="0"/>
+            <a:alphaOff val="0"/>
+          </a:schemeClr>
+        </a:solidFill>
+        <a:ln w="12700" cap="flat" cmpd="sng" algn="ctr">
+          <a:solidFill>
+            <a:schemeClr val="lt1">
+              <a:hueOff val="0"/>
+              <a:satOff val="0"/>
+              <a:lumOff val="0"/>
+              <a:alphaOff val="0"/>
+            </a:schemeClr>
+          </a:solidFill>
+          <a:prstDash val="solid"/>
+          <a:miter lim="800000"/>
+        </a:ln>
+        <a:effectLst/>
+      </dsp:spPr>
+      <dsp:style>
+        <a:lnRef idx="2">
+          <a:scrgbClr r="0" g="0" b="0"/>
+        </a:lnRef>
+        <a:fillRef idx="1">
+          <a:scrgbClr r="0" g="0" b="0"/>
+        </a:fillRef>
+        <a:effectRef idx="0">
+          <a:scrgbClr r="0" g="0" b="0"/>
+        </a:effectRef>
+        <a:fontRef idx="minor">
+          <a:schemeClr val="lt1"/>
+        </a:fontRef>
+      </dsp:style>
+    </dsp:sp>
+    <dsp:sp modelId="{9D7E403C-0383-4845-BE61-B8869FE3394A}">
+      <dsp:nvSpPr>
+        <dsp:cNvPr id="0" name=""/>
+        <dsp:cNvSpPr/>
+      </dsp:nvSpPr>
+      <dsp:spPr>
+        <a:xfrm>
+          <a:off x="603249" y="1191857"/>
+          <a:ext cx="4637405" cy="1781992"/>
+        </a:xfrm>
+        <a:prstGeom prst="rect">
+          <a:avLst/>
+        </a:prstGeom>
+        <a:solidFill>
+          <a:srgbClr val="C00000"/>
+        </a:solidFill>
+        <a:ln w="12700" cap="flat" cmpd="sng" algn="ctr">
+          <a:solidFill>
+            <a:schemeClr val="lt1">
+              <a:hueOff val="0"/>
+              <a:satOff val="0"/>
+              <a:lumOff val="0"/>
+              <a:alphaOff val="0"/>
+            </a:schemeClr>
+          </a:solidFill>
+          <a:prstDash val="solid"/>
+          <a:miter lim="800000"/>
+        </a:ln>
+        <a:effectLst/>
+      </dsp:spPr>
+      <dsp:style>
+        <a:lnRef idx="2">
+          <a:scrgbClr r="0" g="0" b="0"/>
+        </a:lnRef>
+        <a:fillRef idx="1">
+          <a:scrgbClr r="0" g="0" b="0"/>
+        </a:fillRef>
+        <a:effectRef idx="0">
+          <a:scrgbClr r="0" g="0" b="0"/>
+        </a:effectRef>
+        <a:fontRef idx="minor">
+          <a:schemeClr val="lt1"/>
+        </a:fontRef>
+      </dsp:style>
+      <dsp:txBody>
+        <a:bodyPr spcFirstLastPara="0" vert="horz" wrap="square" lIns="148590" tIns="148590" rIns="148590" bIns="148590" numCol="1" spcCol="1270" anchor="ctr" anchorCtr="0">
+          <a:noAutofit/>
+        </a:bodyPr>
+        <a:lstStyle/>
+        <a:p>
+          <a:pPr lvl="0" algn="ctr" defTabSz="1733550">
+            <a:lnSpc>
+              <a:spcPct val="90000"/>
+            </a:lnSpc>
+            <a:spcBef>
+              <a:spcPct val="0"/>
+            </a:spcBef>
+            <a:spcAft>
+              <a:spcPct val="35000"/>
+            </a:spcAft>
+          </a:pPr>
+          <a:endParaRPr lang="de-DE" sz="3900" kern="1200" dirty="0"/>
+        </a:p>
+      </dsp:txBody>
+      <dsp:txXfrm>
+        <a:off x="603249" y="1191857"/>
+        <a:ext cx="4637405" cy="1781992"/>
+      </dsp:txXfrm>
+    </dsp:sp>
+    <dsp:sp modelId="{886D03C1-7E70-40D6-B478-D501404DFE56}">
+      <dsp:nvSpPr>
+        <dsp:cNvPr id="0" name=""/>
+        <dsp:cNvSpPr/>
+      </dsp:nvSpPr>
+      <dsp:spPr>
+        <a:xfrm>
+          <a:off x="5448300" y="1217204"/>
+          <a:ext cx="2076450" cy="1731297"/>
+        </a:xfrm>
+        <a:prstGeom prst="rect">
+          <a:avLst/>
+        </a:prstGeom>
+        <a:solidFill>
+          <a:schemeClr val="accent1">
+            <a:hueOff val="0"/>
+            <a:satOff val="0"/>
+            <a:lumOff val="0"/>
+            <a:alphaOff val="0"/>
+          </a:schemeClr>
+        </a:solidFill>
+        <a:ln w="12700" cap="flat" cmpd="sng" algn="ctr">
+          <a:solidFill>
+            <a:schemeClr val="lt1">
+              <a:hueOff val="0"/>
+              <a:satOff val="0"/>
+              <a:lumOff val="0"/>
+              <a:alphaOff val="0"/>
+            </a:schemeClr>
+          </a:solidFill>
+          <a:prstDash val="solid"/>
+          <a:miter lim="800000"/>
+        </a:ln>
+        <a:effectLst/>
+      </dsp:spPr>
+      <dsp:style>
+        <a:lnRef idx="2">
+          <a:scrgbClr r="0" g="0" b="0"/>
+        </a:lnRef>
+        <a:fillRef idx="1">
+          <a:scrgbClr r="0" g="0" b="0"/>
+        </a:fillRef>
+        <a:effectRef idx="0">
+          <a:scrgbClr r="0" g="0" b="0"/>
+        </a:effectRef>
+        <a:fontRef idx="minor">
+          <a:schemeClr val="lt1"/>
+        </a:fontRef>
+      </dsp:style>
+    </dsp:sp>
+    <dsp:sp modelId="{48D95C34-DDFC-4388-A45F-9B90108640D1}">
+      <dsp:nvSpPr>
+        <dsp:cNvPr id="0" name=""/>
+        <dsp:cNvSpPr/>
+      </dsp:nvSpPr>
+      <dsp:spPr>
+        <a:xfrm>
+          <a:off x="2887344" y="3319925"/>
+          <a:ext cx="4637405" cy="2097424"/>
+        </a:xfrm>
+        <a:prstGeom prst="rect">
+          <a:avLst/>
+        </a:prstGeom>
+        <a:solidFill>
+          <a:srgbClr val="FF0000"/>
+        </a:solidFill>
+        <a:ln w="12700" cap="flat" cmpd="sng" algn="ctr">
+          <a:solidFill>
+            <a:schemeClr val="lt1">
+              <a:hueOff val="0"/>
+              <a:satOff val="0"/>
+              <a:lumOff val="0"/>
+              <a:alphaOff val="0"/>
+            </a:schemeClr>
+          </a:solidFill>
+          <a:prstDash val="solid"/>
+          <a:miter lim="800000"/>
+        </a:ln>
+        <a:effectLst/>
+      </dsp:spPr>
+      <dsp:style>
+        <a:lnRef idx="2">
+          <a:scrgbClr r="0" g="0" b="0"/>
+        </a:lnRef>
+        <a:fillRef idx="1">
+          <a:scrgbClr r="0" g="0" b="0"/>
+        </a:fillRef>
+        <a:effectRef idx="0">
+          <a:scrgbClr r="0" g="0" b="0"/>
+        </a:effectRef>
+        <a:fontRef idx="minor">
+          <a:schemeClr val="lt1"/>
+        </a:fontRef>
+      </dsp:style>
+      <dsp:txBody>
+        <a:bodyPr spcFirstLastPara="0" vert="horz" wrap="square" lIns="148590" tIns="148590" rIns="148590" bIns="148590" numCol="1" spcCol="1270" anchor="ctr" anchorCtr="0">
+          <a:noAutofit/>
+        </a:bodyPr>
+        <a:lstStyle/>
+        <a:p>
+          <a:pPr lvl="0" algn="ctr" defTabSz="1733550">
+            <a:lnSpc>
+              <a:spcPct val="90000"/>
+            </a:lnSpc>
+            <a:spcBef>
+              <a:spcPct val="0"/>
+            </a:spcBef>
+            <a:spcAft>
+              <a:spcPct val="35000"/>
+            </a:spcAft>
+          </a:pPr>
+          <a:endParaRPr lang="de-DE" sz="3900" kern="1200" dirty="0"/>
+        </a:p>
+      </dsp:txBody>
+      <dsp:txXfrm>
+        <a:off x="2887344" y="3319925"/>
+        <a:ext cx="4637405" cy="2097424"/>
+      </dsp:txXfrm>
+    </dsp:sp>
+    <dsp:sp modelId="{C52D3248-2900-478A-B598-EBE18F8FA48D}">
+      <dsp:nvSpPr>
+        <dsp:cNvPr id="0" name=""/>
+        <dsp:cNvSpPr/>
+      </dsp:nvSpPr>
+      <dsp:spPr>
+        <a:xfrm>
+          <a:off x="603249" y="3319925"/>
+          <a:ext cx="2076450" cy="2097424"/>
+        </a:xfrm>
+        <a:prstGeom prst="rect">
+          <a:avLst/>
+        </a:prstGeom>
+        <a:solidFill>
+          <a:srgbClr val="C00000"/>
+        </a:solidFill>
+        <a:ln w="12700" cap="flat" cmpd="sng" algn="ctr">
+          <a:solidFill>
+            <a:schemeClr val="lt1">
+              <a:hueOff val="0"/>
+              <a:satOff val="0"/>
+              <a:lumOff val="0"/>
+              <a:alphaOff val="0"/>
+            </a:schemeClr>
+          </a:solidFill>
+          <a:prstDash val="solid"/>
+          <a:miter lim="800000"/>
+        </a:ln>
+        <a:effectLst/>
+      </dsp:spPr>
+      <dsp:style>
+        <a:lnRef idx="2">
+          <a:scrgbClr r="0" g="0" b="0"/>
+        </a:lnRef>
+        <a:fillRef idx="1">
+          <a:scrgbClr r="0" g="0" b="0"/>
+        </a:fillRef>
+        <a:effectRef idx="0">
+          <a:scrgbClr r="0" g="0" b="0"/>
+        </a:effectRef>
+        <a:fontRef idx="minor">
+          <a:schemeClr val="lt1"/>
+        </a:fontRef>
+      </dsp:style>
+    </dsp:sp>
+  </dsp:spTree>
+</dsp:drawing>
+</file>
+
+<file path=ppt/diagrams/drawing3.xml><?xml version="1.0" encoding="utf-8"?>
+<dsp:drawing xmlns:dgm="http://schemas.openxmlformats.org/drawingml/2006/diagram" xmlns:dsp="http://schemas.microsoft.com/office/drawing/2008/diagram" xmlns:a="http://schemas.openxmlformats.org/drawingml/2006/main">
+  <dsp:spTree>
+    <dsp:nvGrpSpPr>
+      <dsp:cNvPr id="0" name=""/>
+      <dsp:cNvGrpSpPr/>
+    </dsp:nvGrpSpPr>
+    <dsp:grpSpPr/>
+    <dsp:sp modelId="{B9D6060F-61A6-42BB-AD74-53083DF3A134}">
+      <dsp:nvSpPr>
+        <dsp:cNvPr id="0" name=""/>
+        <dsp:cNvSpPr/>
+      </dsp:nvSpPr>
+      <dsp:spPr>
+        <a:xfrm>
+          <a:off x="1241777" y="3561464"/>
+          <a:ext cx="5644444" cy="520901"/>
+        </a:xfrm>
+        <a:prstGeom prst="roundRect">
+          <a:avLst>
+            <a:gd name="adj" fmla="val 10000"/>
+          </a:avLst>
+        </a:prstGeom>
+        <a:solidFill>
+          <a:schemeClr val="accent1">
+            <a:tint val="40000"/>
+            <a:hueOff val="0"/>
+            <a:satOff val="0"/>
+            <a:lumOff val="0"/>
+            <a:alphaOff val="0"/>
+          </a:schemeClr>
+        </a:solidFill>
+        <a:ln>
+          <a:noFill/>
+        </a:ln>
+        <a:effectLst/>
+      </dsp:spPr>
+      <dsp:style>
+        <a:lnRef idx="0">
+          <a:scrgbClr r="0" g="0" b="0"/>
+        </a:lnRef>
+        <a:fillRef idx="1">
+          <a:scrgbClr r="0" g="0" b="0"/>
+        </a:fillRef>
+        <a:effectRef idx="0">
+          <a:scrgbClr r="0" g="0" b="0"/>
+        </a:effectRef>
+        <a:fontRef idx="minor"/>
+      </dsp:style>
+      <dsp:txBody>
+        <a:bodyPr spcFirstLastPara="0" vert="horz" wrap="square" lIns="78232" tIns="78232" rIns="78232" bIns="78232" numCol="1" spcCol="1270" anchor="ctr" anchorCtr="0">
+          <a:noAutofit/>
+        </a:bodyPr>
+        <a:lstStyle/>
+        <a:p>
+          <a:pPr lvl="0" algn="ctr" defTabSz="488950">
+            <a:lnSpc>
+              <a:spcPct val="90000"/>
+            </a:lnSpc>
+            <a:spcBef>
+              <a:spcPct val="0"/>
+            </a:spcBef>
+            <a:spcAft>
+              <a:spcPct val="35000"/>
+            </a:spcAft>
+          </a:pPr>
+          <a:endParaRPr lang="de-DE" sz="1100" kern="1200" dirty="0"/>
+        </a:p>
+      </dsp:txBody>
+      <dsp:txXfrm>
+        <a:off x="1241777" y="3561464"/>
+        <a:ext cx="1693333" cy="520901"/>
+      </dsp:txXfrm>
+    </dsp:sp>
+    <dsp:sp modelId="{98798FA3-DE29-4689-9B94-42A4803CC2FD}">
+      <dsp:nvSpPr>
+        <dsp:cNvPr id="0" name=""/>
+        <dsp:cNvSpPr/>
+      </dsp:nvSpPr>
+      <dsp:spPr>
+        <a:xfrm>
+          <a:off x="1241777" y="3005173"/>
+          <a:ext cx="5644444" cy="520901"/>
+        </a:xfrm>
+        <a:prstGeom prst="roundRect">
+          <a:avLst>
+            <a:gd name="adj" fmla="val 10000"/>
+          </a:avLst>
+        </a:prstGeom>
+        <a:solidFill>
+          <a:srgbClr val="C00000"/>
+        </a:solidFill>
+        <a:ln>
+          <a:noFill/>
+        </a:ln>
+        <a:effectLst/>
+      </dsp:spPr>
+      <dsp:style>
+        <a:lnRef idx="0">
+          <a:scrgbClr r="0" g="0" b="0"/>
+        </a:lnRef>
+        <a:fillRef idx="1">
+          <a:scrgbClr r="0" g="0" b="0"/>
+        </a:fillRef>
+        <a:effectRef idx="0">
+          <a:scrgbClr r="0" g="0" b="0"/>
+        </a:effectRef>
+        <a:fontRef idx="minor"/>
+      </dsp:style>
+      <dsp:txBody>
+        <a:bodyPr spcFirstLastPara="0" vert="horz" wrap="square" lIns="78232" tIns="78232" rIns="78232" bIns="78232" numCol="1" spcCol="1270" anchor="ctr" anchorCtr="0">
+          <a:noAutofit/>
+        </a:bodyPr>
+        <a:lstStyle/>
+        <a:p>
+          <a:pPr lvl="0" algn="ctr" defTabSz="488950">
+            <a:lnSpc>
+              <a:spcPct val="90000"/>
+            </a:lnSpc>
+            <a:spcBef>
+              <a:spcPct val="0"/>
+            </a:spcBef>
+            <a:spcAft>
+              <a:spcPct val="35000"/>
+            </a:spcAft>
+          </a:pPr>
+          <a:r>
+            <a:rPr lang="de-DE" sz="1100" kern="1200" dirty="0" err="1" smtClean="0"/>
+            <a:t>Topology</a:t>
+          </a:r>
+          <a:r>
+            <a:rPr lang="de-DE" sz="1100" kern="1200" dirty="0" smtClean="0"/>
+            <a:t>-Editor-Server</a:t>
+          </a:r>
+          <a:endParaRPr lang="de-DE" sz="1100" kern="1200" dirty="0"/>
+        </a:p>
+      </dsp:txBody>
+      <dsp:txXfrm>
+        <a:off x="1241777" y="3005173"/>
+        <a:ext cx="1693333" cy="520901"/>
+      </dsp:txXfrm>
+    </dsp:sp>
+    <dsp:sp modelId="{686C295D-E8AF-4398-A1AD-B4FDCEF76E92}">
+      <dsp:nvSpPr>
+        <dsp:cNvPr id="0" name=""/>
+        <dsp:cNvSpPr/>
+      </dsp:nvSpPr>
+      <dsp:spPr>
+        <a:xfrm>
+          <a:off x="1241777" y="2448882"/>
+          <a:ext cx="5644444" cy="520901"/>
+        </a:xfrm>
+        <a:prstGeom prst="roundRect">
+          <a:avLst>
+            <a:gd name="adj" fmla="val 10000"/>
+          </a:avLst>
+        </a:prstGeom>
+        <a:solidFill>
+          <a:schemeClr val="accent1">
+            <a:tint val="40000"/>
+            <a:hueOff val="0"/>
+            <a:satOff val="0"/>
+            <a:lumOff val="0"/>
+            <a:alphaOff val="0"/>
+          </a:schemeClr>
+        </a:solidFill>
+        <a:ln>
+          <a:noFill/>
+        </a:ln>
+        <a:effectLst/>
+      </dsp:spPr>
+      <dsp:style>
+        <a:lnRef idx="0">
+          <a:scrgbClr r="0" g="0" b="0"/>
+        </a:lnRef>
+        <a:fillRef idx="1">
+          <a:scrgbClr r="0" g="0" b="0"/>
+        </a:fillRef>
+        <a:effectRef idx="0">
+          <a:scrgbClr r="0" g="0" b="0"/>
+        </a:effectRef>
+        <a:fontRef idx="minor"/>
+      </dsp:style>
+      <dsp:txBody>
+        <a:bodyPr spcFirstLastPara="0" vert="horz" wrap="square" lIns="78232" tIns="78232" rIns="78232" bIns="78232" numCol="1" spcCol="1270" anchor="ctr" anchorCtr="0">
+          <a:noAutofit/>
+        </a:bodyPr>
+        <a:lstStyle/>
+        <a:p>
+          <a:pPr lvl="0" algn="ctr" defTabSz="488950">
+            <a:lnSpc>
+              <a:spcPct val="90000"/>
+            </a:lnSpc>
+            <a:spcBef>
+              <a:spcPct val="0"/>
+            </a:spcBef>
+            <a:spcAft>
+              <a:spcPct val="35000"/>
+            </a:spcAft>
+          </a:pPr>
+          <a:endParaRPr lang="de-DE" sz="1100" kern="1200"/>
+        </a:p>
+      </dsp:txBody>
+      <dsp:txXfrm>
+        <a:off x="1241777" y="2448882"/>
+        <a:ext cx="1693333" cy="520901"/>
+      </dsp:txXfrm>
+    </dsp:sp>
+    <dsp:sp modelId="{65D5A872-4ED2-4F6F-A2FA-BEA26F326F9A}">
+      <dsp:nvSpPr>
+        <dsp:cNvPr id="0" name=""/>
+        <dsp:cNvSpPr/>
+      </dsp:nvSpPr>
+      <dsp:spPr>
+        <a:xfrm>
+          <a:off x="1241777" y="1892591"/>
+          <a:ext cx="5644444" cy="520901"/>
+        </a:xfrm>
+        <a:prstGeom prst="roundRect">
+          <a:avLst>
+            <a:gd name="adj" fmla="val 10000"/>
+          </a:avLst>
+        </a:prstGeom>
+        <a:solidFill>
+          <a:schemeClr val="accent1">
+            <a:tint val="40000"/>
+            <a:hueOff val="0"/>
+            <a:satOff val="0"/>
+            <a:lumOff val="0"/>
+            <a:alphaOff val="0"/>
+          </a:schemeClr>
+        </a:solidFill>
+        <a:ln>
+          <a:noFill/>
+        </a:ln>
+        <a:effectLst/>
+      </dsp:spPr>
+      <dsp:style>
+        <a:lnRef idx="0">
+          <a:scrgbClr r="0" g="0" b="0"/>
+        </a:lnRef>
+        <a:fillRef idx="1">
+          <a:scrgbClr r="0" g="0" b="0"/>
+        </a:fillRef>
+        <a:effectRef idx="0">
+          <a:scrgbClr r="0" g="0" b="0"/>
+        </a:effectRef>
+        <a:fontRef idx="minor"/>
+      </dsp:style>
+      <dsp:txBody>
+        <a:bodyPr spcFirstLastPara="0" vert="horz" wrap="square" lIns="64008" tIns="64008" rIns="64008" bIns="64008" numCol="1" spcCol="1270" anchor="t" anchorCtr="0">
+          <a:noAutofit/>
+        </a:bodyPr>
+        <a:lstStyle/>
+        <a:p>
+          <a:pPr lvl="0" algn="l" defTabSz="400050">
+            <a:lnSpc>
+              <a:spcPct val="90000"/>
+            </a:lnSpc>
+            <a:spcBef>
+              <a:spcPct val="0"/>
+            </a:spcBef>
+            <a:spcAft>
+              <a:spcPct val="35000"/>
+            </a:spcAft>
+          </a:pPr>
+          <a:endParaRPr lang="de-DE" sz="900" kern="1200" dirty="0"/>
+        </a:p>
+        <a:p>
+          <a:pPr marL="57150" lvl="1" indent="-57150" algn="l" defTabSz="311150">
+            <a:lnSpc>
+              <a:spcPct val="90000"/>
+            </a:lnSpc>
+            <a:spcBef>
+              <a:spcPct val="0"/>
+            </a:spcBef>
+            <a:spcAft>
+              <a:spcPct val="15000"/>
+            </a:spcAft>
+            <a:buChar char="••"/>
+          </a:pPr>
+          <a:endParaRPr lang="de-DE" sz="700" kern="1200"/>
+        </a:p>
+        <a:p>
+          <a:pPr marL="114300" lvl="2" indent="-57150" algn="l" defTabSz="311150">
+            <a:lnSpc>
+              <a:spcPct val="90000"/>
+            </a:lnSpc>
+            <a:spcBef>
+              <a:spcPct val="0"/>
+            </a:spcBef>
+            <a:spcAft>
+              <a:spcPct val="15000"/>
+            </a:spcAft>
+            <a:buChar char="••"/>
+          </a:pPr>
+          <a:endParaRPr lang="de-DE" sz="700" kern="1200" dirty="0"/>
+        </a:p>
+      </dsp:txBody>
+      <dsp:txXfrm>
+        <a:off x="1241777" y="1892591"/>
+        <a:ext cx="1693333" cy="520901"/>
+      </dsp:txXfrm>
+    </dsp:sp>
+    <dsp:sp modelId="{534DF2F9-71DD-4B9E-9B56-81022A551832}">
+      <dsp:nvSpPr>
+        <dsp:cNvPr id="0" name=""/>
+        <dsp:cNvSpPr/>
+      </dsp:nvSpPr>
+      <dsp:spPr>
+        <a:xfrm>
+          <a:off x="1241777" y="1336301"/>
+          <a:ext cx="5644444" cy="520901"/>
+        </a:xfrm>
+        <a:prstGeom prst="roundRect">
+          <a:avLst>
+            <a:gd name="adj" fmla="val 10000"/>
+          </a:avLst>
+        </a:prstGeom>
+        <a:solidFill>
+          <a:schemeClr val="accent1">
+            <a:tint val="40000"/>
+            <a:hueOff val="0"/>
+            <a:satOff val="0"/>
+            <a:lumOff val="0"/>
+            <a:alphaOff val="0"/>
+          </a:schemeClr>
+        </a:solidFill>
+        <a:ln>
+          <a:noFill/>
+        </a:ln>
+        <a:effectLst/>
+      </dsp:spPr>
+      <dsp:style>
+        <a:lnRef idx="0">
+          <a:scrgbClr r="0" g="0" b="0"/>
+        </a:lnRef>
+        <a:fillRef idx="1">
+          <a:scrgbClr r="0" g="0" b="0"/>
+        </a:fillRef>
+        <a:effectRef idx="0">
+          <a:scrgbClr r="0" g="0" b="0"/>
+        </a:effectRef>
+        <a:fontRef idx="minor"/>
+      </dsp:style>
+      <dsp:txBody>
+        <a:bodyPr spcFirstLastPara="0" vert="horz" wrap="square" lIns="78232" tIns="78232" rIns="78232" bIns="78232" numCol="1" spcCol="1270" anchor="t" anchorCtr="0">
+          <a:noAutofit/>
+        </a:bodyPr>
+        <a:lstStyle/>
+        <a:p>
+          <a:pPr lvl="0" algn="l" defTabSz="488950">
+            <a:lnSpc>
+              <a:spcPct val="90000"/>
+            </a:lnSpc>
+            <a:spcBef>
+              <a:spcPct val="0"/>
+            </a:spcBef>
+            <a:spcAft>
+              <a:spcPct val="35000"/>
+            </a:spcAft>
+          </a:pPr>
+          <a:r>
+            <a:rPr lang="de-DE" sz="1100" kern="1200" dirty="0" smtClean="0"/>
+            <a:t>Client-</a:t>
+          </a:r>
+          <a:r>
+            <a:rPr lang="de-DE" sz="1100" kern="1200" dirty="0" err="1" smtClean="0"/>
+            <a:t>Topology</a:t>
+          </a:r>
+          <a:r>
+            <a:rPr lang="de-DE" sz="1100" kern="1200" dirty="0" smtClean="0"/>
+            <a:t>-Editor</a:t>
+          </a:r>
+          <a:endParaRPr lang="de-DE" sz="1100" kern="1200" dirty="0"/>
+        </a:p>
+        <a:p>
+          <a:pPr marL="57150" lvl="1" indent="-57150" algn="l" defTabSz="400050">
+            <a:lnSpc>
+              <a:spcPct val="90000"/>
+            </a:lnSpc>
+            <a:spcBef>
+              <a:spcPct val="0"/>
+            </a:spcBef>
+            <a:spcAft>
+              <a:spcPct val="15000"/>
+            </a:spcAft>
+            <a:buChar char="••"/>
+          </a:pPr>
+          <a:endParaRPr lang="de-DE" sz="900" kern="1200"/>
+        </a:p>
+      </dsp:txBody>
+      <dsp:txXfrm>
+        <a:off x="1241777" y="1336301"/>
+        <a:ext cx="1693333" cy="520901"/>
+      </dsp:txXfrm>
+    </dsp:sp>
+    <dsp:sp modelId="{2E0F7CA4-2150-4E2D-9EDA-C36555C18B4E}">
+      <dsp:nvSpPr>
+        <dsp:cNvPr id="0" name=""/>
+        <dsp:cNvSpPr/>
+      </dsp:nvSpPr>
+      <dsp:spPr>
+        <a:xfrm rot="10800000" flipV="1">
+          <a:off x="1736103" y="316324"/>
+          <a:ext cx="3837376" cy="914317"/>
+        </a:xfrm>
+        <a:prstGeom prst="roundRect">
+          <a:avLst>
+            <a:gd name="adj" fmla="val 10000"/>
+          </a:avLst>
+        </a:prstGeom>
+        <a:solidFill>
+          <a:schemeClr val="accent1">
+            <a:hueOff val="0"/>
+            <a:satOff val="0"/>
+            <a:lumOff val="0"/>
+            <a:alphaOff val="0"/>
+          </a:schemeClr>
+        </a:solidFill>
+        <a:ln w="12700" cap="flat" cmpd="sng" algn="ctr">
+          <a:solidFill>
+            <a:schemeClr val="lt1">
+              <a:hueOff val="0"/>
+              <a:satOff val="0"/>
+              <a:lumOff val="0"/>
+              <a:alphaOff val="0"/>
+            </a:schemeClr>
+          </a:solidFill>
+          <a:prstDash val="solid"/>
+          <a:miter lim="800000"/>
+        </a:ln>
+        <a:effectLst/>
+      </dsp:spPr>
+      <dsp:style>
+        <a:lnRef idx="2">
+          <a:scrgbClr r="0" g="0" b="0"/>
+        </a:lnRef>
+        <a:fillRef idx="1">
+          <a:scrgbClr r="0" g="0" b="0"/>
+        </a:fillRef>
+        <a:effectRef idx="0">
+          <a:scrgbClr r="0" g="0" b="0"/>
+        </a:effectRef>
+        <a:fontRef idx="minor">
+          <a:schemeClr val="lt1"/>
+        </a:fontRef>
+      </dsp:style>
+      <dsp:txBody>
+        <a:bodyPr spcFirstLastPara="0" vert="horz" wrap="square" lIns="148590" tIns="148590" rIns="148590" bIns="148590" numCol="1" spcCol="1270" anchor="ctr" anchorCtr="0">
+          <a:noAutofit/>
+        </a:bodyPr>
+        <a:lstStyle/>
+        <a:p>
+          <a:pPr lvl="0" algn="ctr" defTabSz="1733550">
+            <a:lnSpc>
+              <a:spcPct val="90000"/>
+            </a:lnSpc>
+            <a:spcBef>
+              <a:spcPct val="0"/>
+            </a:spcBef>
+            <a:spcAft>
+              <a:spcPct val="35000"/>
+            </a:spcAft>
+          </a:pPr>
+          <a:r>
+            <a:rPr lang="de-DE" sz="3900" kern="1200" dirty="0" smtClean="0"/>
+            <a:t>Client</a:t>
+          </a:r>
+          <a:endParaRPr lang="de-DE" sz="3900" kern="1200" dirty="0"/>
+        </a:p>
+      </dsp:txBody>
+      <dsp:txXfrm rot="-10800000">
+        <a:off x="1762882" y="343103"/>
+        <a:ext cx="3783818" cy="860759"/>
       </dsp:txXfrm>
     </dsp:sp>
   </dsp:spTree>
@@ -4727,6 +7978,697 @@
 </dgm:layoutDef>
 </file>
 
+<file path=ppt/diagrams/layout2.xml><?xml version="1.0" encoding="utf-8"?>
+<dgm:layoutDef xmlns:dgm="http://schemas.openxmlformats.org/drawingml/2006/diagram" xmlns:a="http://schemas.openxmlformats.org/drawingml/2006/main" uniqueId="urn:microsoft.com/office/officeart/2008/layout/AlternatingPictureBlocks">
+  <dgm:title val=""/>
+  <dgm:desc val=""/>
+  <dgm:catLst>
+    <dgm:cat type="picture" pri="15000"/>
+    <dgm:cat type="pictureconvert" pri="15000"/>
+    <dgm:cat type="list" pri="13500"/>
+  </dgm:catLst>
+  <dgm:sampData useDef="1">
+    <dgm:dataModel>
+      <dgm:ptLst/>
+      <dgm:bg/>
+      <dgm:whole/>
+    </dgm:dataModel>
+  </dgm:sampData>
+  <dgm:styleData>
+    <dgm:dataModel>
+      <dgm:ptLst>
+        <dgm:pt modelId="0" type="doc"/>
+        <dgm:pt modelId="1"/>
+        <dgm:pt modelId="2"/>
+      </dgm:ptLst>
+      <dgm:cxnLst>
+        <dgm:cxn modelId="3" srcId="0" destId="1" srcOrd="0" destOrd="0"/>
+        <dgm:cxn modelId="4" srcId="0" destId="2" srcOrd="1" destOrd="0"/>
+      </dgm:cxnLst>
+      <dgm:bg/>
+      <dgm:whole/>
+    </dgm:dataModel>
+  </dgm:styleData>
+  <dgm:clrData>
+    <dgm:dataModel>
+      <dgm:ptLst>
+        <dgm:pt modelId="0" type="doc"/>
+        <dgm:pt modelId="1"/>
+        <dgm:pt modelId="2"/>
+        <dgm:pt modelId="3"/>
+        <dgm:pt modelId="4"/>
+      </dgm:ptLst>
+      <dgm:cxnLst>
+        <dgm:cxn modelId="5" srcId="0" destId="1" srcOrd="0" destOrd="0"/>
+        <dgm:cxn modelId="6" srcId="0" destId="2" srcOrd="1" destOrd="0"/>
+        <dgm:cxn modelId="7" srcId="0" destId="3" srcOrd="2" destOrd="0"/>
+        <dgm:cxn modelId="8" srcId="0" destId="4" srcOrd="3" destOrd="0"/>
+      </dgm:cxnLst>
+      <dgm:bg/>
+      <dgm:whole/>
+    </dgm:dataModel>
+  </dgm:clrData>
+  <dgm:layoutNode name="linearFlow">
+    <dgm:varLst>
+      <dgm:dir/>
+      <dgm:resizeHandles val="exact"/>
+    </dgm:varLst>
+    <dgm:alg type="lin">
+      <dgm:param type="linDir" val="fromT"/>
+      <dgm:param type="vertAlign" val="mid"/>
+      <dgm:param type="horzAlign" val="ctr"/>
+    </dgm:alg>
+    <dgm:shape xmlns:r="http://schemas.openxmlformats.org/officeDocument/2006/relationships" r:blip="">
+      <dgm:adjLst/>
+    </dgm:shape>
+    <dgm:presOf/>
+    <dgm:constrLst>
+      <dgm:constr type="primFontSz" for="des" ptType="node" op="equ" val="65"/>
+      <dgm:constr type="w" for="ch" forName="comp" refType="w"/>
+      <dgm:constr type="h" for="ch" forName="comp" refType="h"/>
+      <dgm:constr type="h" for="ch" forName="sibTrans" refType="w" refFor="ch" refForName="comp" op="equ" fact="0.05"/>
+    </dgm:constrLst>
+    <dgm:ruleLst/>
+    <dgm:forEach name="Name0" axis="ch" ptType="node">
+      <dgm:layoutNode name="comp" styleLbl="node1">
+        <dgm:alg type="composite">
+          <dgm:param type="ar" val="3.30"/>
+        </dgm:alg>
+        <dgm:shape xmlns:r="http://schemas.openxmlformats.org/officeDocument/2006/relationships" r:blip="">
+          <dgm:adjLst/>
+        </dgm:shape>
+        <dgm:presOf/>
+        <dgm:choose name="Name1">
+          <dgm:if name="Name2" func="var" arg="dir" op="equ" val="norm">
+            <dgm:choose name="Name4">
+              <dgm:if name="Name5" axis="desOrSelf" ptType="node" func="posOdd" op="equ" val="1">
+                <dgm:constrLst>
+                  <dgm:constr type="l" for="ch" forName="rect1" refType="w" fact="0"/>
+                  <dgm:constr type="t" for="ch" forName="rect1" refType="h" fact="0"/>
+                  <dgm:constr type="w" for="ch" forName="rect1" refType="w" fact="0.3"/>
+                  <dgm:constr type="h" for="ch" forName="rect1" refType="h"/>
+                  <dgm:constr type="l" for="ch" forName="rect2" refType="w" fact="0.33"/>
+                  <dgm:constr type="t" for="ch" forName="rect2" refType="h" fact="0"/>
+                  <dgm:constr type="w" for="ch" forName="rect2" refType="w" fact="0.67"/>
+                  <dgm:constr type="h" for="ch" forName="rect2" refType="h"/>
+                </dgm:constrLst>
+              </dgm:if>
+              <dgm:else name="Name6">
+                <dgm:constrLst>
+                  <dgm:constr type="l" for="ch" forName="rect1" refType="w" fact="0.7"/>
+                  <dgm:constr type="t" for="ch" forName="rect1" refType="h" fact="0"/>
+                  <dgm:constr type="w" for="ch" forName="rect1" refType="w" fact="0.3"/>
+                  <dgm:constr type="h" for="ch" forName="rect1" refType="h"/>
+                  <dgm:constr type="l" for="ch" forName="rect2" refType="w" fact="0"/>
+                  <dgm:constr type="t" for="ch" forName="rect2" refType="h" fact="0"/>
+                  <dgm:constr type="w" for="ch" forName="rect2" refType="w" fact="0.67"/>
+                  <dgm:constr type="h" for="ch" forName="rect2" refType="h"/>
+                </dgm:constrLst>
+              </dgm:else>
+            </dgm:choose>
+          </dgm:if>
+          <dgm:else name="Name3">
+            <dgm:choose name="Name7">
+              <dgm:if name="Name8" axis="desOrSelf" ptType="node" func="posOdd" op="equ" val="1">
+                <dgm:constrLst>
+                  <dgm:constr type="l" for="ch" forName="rect1" refType="w" fact="0.7"/>
+                  <dgm:constr type="t" for="ch" forName="rect1" refType="h" fact="0"/>
+                  <dgm:constr type="w" for="ch" forName="rect1" refType="w" fact="0.3"/>
+                  <dgm:constr type="h" for="ch" forName="rect1" refType="h"/>
+                  <dgm:constr type="l" for="ch" forName="rect2" refType="w" fact="0"/>
+                  <dgm:constr type="t" for="ch" forName="rect2" refType="h" fact="0"/>
+                  <dgm:constr type="w" for="ch" forName="rect2" refType="w" fact="0.67"/>
+                  <dgm:constr type="h" for="ch" forName="rect2" refType="h"/>
+                </dgm:constrLst>
+              </dgm:if>
+              <dgm:else name="Name9">
+                <dgm:constrLst>
+                  <dgm:constr type="l" for="ch" forName="rect1" refType="w" fact="0"/>
+                  <dgm:constr type="t" for="ch" forName="rect1" refType="h" fact="0"/>
+                  <dgm:constr type="w" for="ch" forName="rect1" refType="w" fact="0.3"/>
+                  <dgm:constr type="h" for="ch" forName="rect1" refType="h"/>
+                  <dgm:constr type="l" for="ch" forName="rect2" refType="w" fact="0.33"/>
+                  <dgm:constr type="t" for="ch" forName="rect2" refType="h" fact="0"/>
+                  <dgm:constr type="w" for="ch" forName="rect2" refType="w" fact="0.67"/>
+                  <dgm:constr type="h" for="ch" forName="rect2" refType="h"/>
+                </dgm:constrLst>
+              </dgm:else>
+            </dgm:choose>
+          </dgm:else>
+        </dgm:choose>
+        <dgm:ruleLst/>
+        <dgm:layoutNode name="rect2" styleLbl="node1">
+          <dgm:varLst>
+            <dgm:bulletEnabled val="1"/>
+          </dgm:varLst>
+          <dgm:alg type="tx"/>
+          <dgm:shape xmlns:r="http://schemas.openxmlformats.org/officeDocument/2006/relationships" type="rect" r:blip="">
+            <dgm:adjLst/>
+          </dgm:shape>
+          <dgm:presOf axis="desOrSelf" ptType="node"/>
+          <dgm:constrLst>
+            <dgm:constr type="primFontSz" val="65"/>
+            <dgm:constr type="lMarg" refType="primFontSz" fact="0.3"/>
+            <dgm:constr type="rMarg" refType="primFontSz" fact="0.3"/>
+            <dgm:constr type="tMarg" refType="primFontSz" fact="0.3"/>
+            <dgm:constr type="bMarg" refType="primFontSz" fact="0.3"/>
+          </dgm:constrLst>
+          <dgm:ruleLst>
+            <dgm:rule type="primFontSz" val="5" fact="NaN" max="NaN"/>
+          </dgm:ruleLst>
+        </dgm:layoutNode>
+        <dgm:layoutNode name="rect1" styleLbl="lnNode1">
+          <dgm:alg type="sp"/>
+          <dgm:shape xmlns:r="http://schemas.openxmlformats.org/officeDocument/2006/relationships" type="rect" r:blip="" blipPhldr="1">
+            <dgm:adjLst/>
+          </dgm:shape>
+          <dgm:presOf/>
+        </dgm:layoutNode>
+      </dgm:layoutNode>
+      <dgm:forEach name="sibTransForEach" axis="followSib" ptType="sibTrans" cnt="1">
+        <dgm:layoutNode name="sibTrans">
+          <dgm:alg type="sp"/>
+          <dgm:shape xmlns:r="http://schemas.openxmlformats.org/officeDocument/2006/relationships" r:blip="">
+            <dgm:adjLst/>
+          </dgm:shape>
+        </dgm:layoutNode>
+      </dgm:forEach>
+    </dgm:forEach>
+  </dgm:layoutNode>
+</dgm:layoutDef>
+</file>
+
+<file path=ppt/diagrams/layout3.xml><?xml version="1.0" encoding="utf-8"?>
+<dgm:layoutDef xmlns:dgm="http://schemas.openxmlformats.org/drawingml/2006/diagram" xmlns:a="http://schemas.openxmlformats.org/drawingml/2006/main" uniqueId="urn:microsoft.com/office/officeart/2005/8/layout/hierarchy6">
+  <dgm:title val=""/>
+  <dgm:desc val=""/>
+  <dgm:catLst>
+    <dgm:cat type="hierarchy" pri="3000"/>
+  </dgm:catLst>
+  <dgm:sampData>
+    <dgm:dataModel>
+      <dgm:ptLst>
+        <dgm:pt modelId="0" type="doc"/>
+        <dgm:pt modelId="1">
+          <dgm:prSet phldr="1"/>
+        </dgm:pt>
+        <dgm:pt modelId="2">
+          <dgm:prSet phldr="1"/>
+        </dgm:pt>
+        <dgm:pt modelId="21">
+          <dgm:prSet phldr="1"/>
+        </dgm:pt>
+        <dgm:pt modelId="22">
+          <dgm:prSet phldr="1"/>
+        </dgm:pt>
+        <dgm:pt modelId="3">
+          <dgm:prSet phldr="1"/>
+        </dgm:pt>
+        <dgm:pt modelId="31">
+          <dgm:prSet phldr="1"/>
+        </dgm:pt>
+        <dgm:pt modelId="4">
+          <dgm:prSet phldr="1"/>
+        </dgm:pt>
+        <dgm:pt modelId="5">
+          <dgm:prSet phldr="1"/>
+        </dgm:pt>
+        <dgm:pt modelId="6">
+          <dgm:prSet phldr="1"/>
+        </dgm:pt>
+      </dgm:ptLst>
+      <dgm:cxnLst>
+        <dgm:cxn modelId="7" srcId="0" destId="1" srcOrd="0" destOrd="0"/>
+        <dgm:cxn modelId="8" srcId="1" destId="2" srcOrd="0" destOrd="0"/>
+        <dgm:cxn modelId="9" srcId="1" destId="3" srcOrd="1" destOrd="0"/>
+        <dgm:cxn modelId="23" srcId="2" destId="21" srcOrd="0" destOrd="0"/>
+        <dgm:cxn modelId="24" srcId="2" destId="22" srcOrd="1" destOrd="0"/>
+        <dgm:cxn modelId="33" srcId="3" destId="31" srcOrd="0" destOrd="0"/>
+        <dgm:cxn modelId="10" srcId="0" destId="4" srcOrd="1" destOrd="0"/>
+        <dgm:cxn modelId="11" srcId="0" destId="5" srcOrd="2" destOrd="0"/>
+        <dgm:cxn modelId="12" srcId="0" destId="6" srcOrd="3" destOrd="0"/>
+      </dgm:cxnLst>
+      <dgm:bg/>
+      <dgm:whole/>
+    </dgm:dataModel>
+  </dgm:sampData>
+  <dgm:styleData>
+    <dgm:dataModel>
+      <dgm:ptLst>
+        <dgm:pt modelId="0" type="doc"/>
+        <dgm:pt modelId="1"/>
+        <dgm:pt modelId="11"/>
+        <dgm:pt modelId="12"/>
+        <dgm:pt modelId="2"/>
+        <dgm:pt modelId="3"/>
+      </dgm:ptLst>
+      <dgm:cxnLst>
+        <dgm:cxn modelId="4" srcId="0" destId="1" srcOrd="0" destOrd="0"/>
+        <dgm:cxn modelId="13" srcId="1" destId="11" srcOrd="0" destOrd="0"/>
+        <dgm:cxn modelId="14" srcId="1" destId="12" srcOrd="1" destOrd="0"/>
+        <dgm:cxn modelId="5" srcId="0" destId="2" srcOrd="1" destOrd="0"/>
+        <dgm:cxn modelId="6" srcId="0" destId="3" srcOrd="2" destOrd="0"/>
+      </dgm:cxnLst>
+      <dgm:bg/>
+      <dgm:whole/>
+    </dgm:dataModel>
+  </dgm:styleData>
+  <dgm:clrData>
+    <dgm:dataModel>
+      <dgm:ptLst>
+        <dgm:pt modelId="0" type="doc"/>
+        <dgm:pt modelId="1"/>
+        <dgm:pt modelId="2"/>
+        <dgm:pt modelId="21"/>
+        <dgm:pt modelId="211"/>
+        <dgm:pt modelId="3"/>
+        <dgm:pt modelId="31"/>
+        <dgm:pt modelId="311"/>
+        <dgm:pt modelId="4"/>
+        <dgm:pt modelId="5"/>
+        <dgm:pt modelId="6"/>
+        <dgm:pt modelId="7"/>
+      </dgm:ptLst>
+      <dgm:cxnLst>
+        <dgm:cxn modelId="8" srcId="0" destId="1" srcOrd="0" destOrd="0"/>
+        <dgm:cxn modelId="9" srcId="1" destId="2" srcOrd="0" destOrd="0"/>
+        <dgm:cxn modelId="10" srcId="1" destId="3" srcOrd="1" destOrd="0"/>
+        <dgm:cxn modelId="23" srcId="2" destId="21" srcOrd="0" destOrd="0"/>
+        <dgm:cxn modelId="24" srcId="21" destId="211" srcOrd="0" destOrd="0"/>
+        <dgm:cxn modelId="33" srcId="3" destId="31" srcOrd="0" destOrd="0"/>
+        <dgm:cxn modelId="34" srcId="31" destId="311" srcOrd="0" destOrd="0"/>
+        <dgm:cxn modelId="11" srcId="0" destId="4" srcOrd="1" destOrd="0"/>
+        <dgm:cxn modelId="12" srcId="0" destId="5" srcOrd="2" destOrd="0"/>
+        <dgm:cxn modelId="13" srcId="0" destId="6" srcOrd="3" destOrd="0"/>
+        <dgm:cxn modelId="14" srcId="0" destId="7" srcOrd="4" destOrd="0"/>
+      </dgm:cxnLst>
+      <dgm:bg/>
+      <dgm:whole/>
+    </dgm:dataModel>
+  </dgm:clrData>
+  <dgm:layoutNode name="mainComposite">
+    <dgm:varLst>
+      <dgm:chPref val="1"/>
+      <dgm:dir/>
+      <dgm:animOne val="branch"/>
+      <dgm:animLvl val="lvl"/>
+      <dgm:resizeHandles val="exact"/>
+    </dgm:varLst>
+    <dgm:alg type="composite">
+      <dgm:param type="vertAlign" val="mid"/>
+      <dgm:param type="horzAlign" val="ctr"/>
+    </dgm:alg>
+    <dgm:shape xmlns:r="http://schemas.openxmlformats.org/officeDocument/2006/relationships" r:blip="">
+      <dgm:adjLst/>
+    </dgm:shape>
+    <dgm:presOf/>
+    <dgm:choose name="Name0">
+      <dgm:if name="Name1" axis="ch" ptType="node" func="cnt" op="gte" val="2">
+        <dgm:choose name="Name2">
+          <dgm:if name="Name3" func="var" arg="dir" op="equ" val="norm">
+            <dgm:constrLst>
+              <dgm:constr type="l" for="ch" forName="hierFlow" refType="w" fact="0.3"/>
+              <dgm:constr type="t" for="ch" forName="hierFlow"/>
+              <dgm:constr type="r" for="ch" forName="hierFlow" refType="w" fact="0.98"/>
+              <dgm:constr type="b" for="ch" forName="hierFlow" refType="h" fact="0.98"/>
+              <dgm:constr type="l" for="ch" forName="bgShapesFlow"/>
+              <dgm:constr type="t" for="ch" forName="bgShapesFlow"/>
+              <dgm:constr type="r" for="ch" forName="bgShapesFlow" refType="w"/>
+              <dgm:constr type="b" for="ch" forName="bgShapesFlow" refType="h"/>
+              <dgm:constr type="w" for="des" forName="level1Shape" refType="w"/>
+              <dgm:constr type="h" for="des" forName="level1Shape" refType="w" refFor="des" refForName="level1Shape" fact="0.66667"/>
+              <dgm:constr type="w" for="des" forName="level2Shape" refType="w" refFor="des" refForName="level1Shape" op="equ"/>
+              <dgm:constr type="h" for="des" forName="level2Shape" refType="h" refFor="des" refForName="level1Shape" op="equ"/>
+              <dgm:constr type="sp" for="des" refType="h" refFor="des" refForName="level1Shape" op="equ" fact="0.4"/>
+              <dgm:constr type="sibSp" for="des" forName="hierChild1" refType="w" refFor="des" refForName="level1Shape" op="equ" fact="0.3"/>
+              <dgm:constr type="sibSp" for="des" forName="hierChild2" refType="sibSp" refFor="des" refForName="hierChild1" op="equ"/>
+              <dgm:constr type="sibSp" for="des" forName="hierChild3" refType="sibSp" refFor="des" refForName="hierChild1" op="equ"/>
+              <dgm:constr type="userA" for="des" refType="h" refFor="des" refForName="level1Shape" op="equ"/>
+              <dgm:constr type="userB" for="des" refType="sp" refFor="des" op="equ"/>
+              <dgm:constr type="h" for="des" forName="firstBuf" refType="h" refFor="des" refForName="level1Shape" fact="0.1"/>
+            </dgm:constrLst>
+          </dgm:if>
+          <dgm:else name="Name4">
+            <dgm:constrLst>
+              <dgm:constr type="l" for="ch" forName="hierFlow" refType="w" fact="0.02"/>
+              <dgm:constr type="t" for="ch" forName="hierFlow"/>
+              <dgm:constr type="r" for="ch" forName="hierFlow" refType="w" fact="0.7"/>
+              <dgm:constr type="b" for="ch" forName="hierFlow" refType="h" fact="0.98"/>
+              <dgm:constr type="l" for="ch" forName="bgShapesFlow"/>
+              <dgm:constr type="t" for="ch" forName="bgShapesFlow"/>
+              <dgm:constr type="r" for="ch" forName="bgShapesFlow" refType="w"/>
+              <dgm:constr type="b" for="ch" forName="bgShapesFlow" refType="h"/>
+              <dgm:constr type="w" for="des" forName="level1Shape" refType="w"/>
+              <dgm:constr type="h" for="des" forName="level1Shape" refType="w" refFor="des" refForName="level1Shape" fact="0.66667"/>
+              <dgm:constr type="w" for="des" forName="level2Shape" refType="w" refFor="des" refForName="level1Shape" op="equ"/>
+              <dgm:constr type="h" for="des" forName="level2Shape" refType="h" refFor="des" refForName="level1Shape" op="equ"/>
+              <dgm:constr type="sp" for="des" refType="h" refFor="des" refForName="level1Shape" op="equ" fact="0.4"/>
+              <dgm:constr type="sibSp" for="des" forName="hierChild1" refType="w" refFor="des" refForName="level1Shape" op="equ" fact="0.3"/>
+              <dgm:constr type="sibSp" for="des" forName="hierChild2" refType="sibSp" refFor="des" refForName="hierChild1" op="equ"/>
+              <dgm:constr type="sibSp" for="des" forName="hierChild3" refType="sibSp" refFor="des" refForName="hierChild1" op="equ"/>
+              <dgm:constr type="userA" for="des" refType="h" refFor="des" refForName="level1Shape" op="equ"/>
+              <dgm:constr type="userB" for="des" refType="sp" refFor="des" op="equ"/>
+              <dgm:constr type="h" for="des" forName="firstBuf" refType="h" refFor="des" refForName="level1Shape" fact="0.1"/>
+            </dgm:constrLst>
+          </dgm:else>
+        </dgm:choose>
+      </dgm:if>
+      <dgm:else name="Name5">
+        <dgm:constrLst>
+          <dgm:constr type="l" for="ch" forName="hierFlow"/>
+          <dgm:constr type="t" for="ch" forName="hierFlow"/>
+          <dgm:constr type="r" for="ch" forName="hierFlow" refType="w"/>
+          <dgm:constr type="b" for="ch" forName="hierFlow" refType="h"/>
+          <dgm:constr type="l" for="ch" forName="bgShapesFlow"/>
+          <dgm:constr type="t" for="ch" forName="bgShapesFlow"/>
+          <dgm:constr type="r" for="ch" forName="bgShapesFlow" refType="w"/>
+          <dgm:constr type="b" for="ch" forName="bgShapesFlow" refType="h"/>
+          <dgm:constr type="w" for="des" forName="level1Shape" refType="w"/>
+          <dgm:constr type="h" for="des" forName="level1Shape" refType="w" refFor="des" refForName="level1Shape" fact="0.66667"/>
+          <dgm:constr type="w" for="des" forName="level2Shape" refType="w" refFor="des" refForName="level1Shape" op="equ"/>
+          <dgm:constr type="h" for="des" forName="level2Shape" refType="h" refFor="des" refForName="level1Shape" op="equ"/>
+          <dgm:constr type="sp" for="des" refType="h" refFor="des" refForName="level1Shape" op="equ" fact="0.4"/>
+          <dgm:constr type="sibSp" for="des" forName="hierChild1" refType="w" refFor="des" refForName="level1Shape" op="equ" fact="0.3"/>
+          <dgm:constr type="sibSp" for="des" forName="hierChild2" refType="sibSp" refFor="des" refForName="hierChild1" op="equ"/>
+          <dgm:constr type="sibSp" for="des" forName="hierChild3" refType="sibSp" refFor="des" refForName="hierChild1" op="equ"/>
+          <dgm:constr type="userA" for="des" refType="h" refFor="des" refForName="level1Shape" op="equ"/>
+          <dgm:constr type="userB" for="des" refType="sp" refFor="des" op="equ"/>
+          <dgm:constr type="h" for="des" forName="firstBuf" refType="h" refFor="des" refForName="level1Shape" fact="0.1"/>
+        </dgm:constrLst>
+      </dgm:else>
+    </dgm:choose>
+    <dgm:ruleLst/>
+    <dgm:layoutNode name="hierFlow">
+      <dgm:alg type="lin">
+        <dgm:param type="linDir" val="fromT"/>
+        <dgm:param type="nodeVertAlign" val="t"/>
+        <dgm:param type="vertAlign" val="t"/>
+        <dgm:param type="nodeHorzAlign" val="ctr"/>
+        <dgm:param type="fallback" val="2D"/>
+      </dgm:alg>
+      <dgm:shape xmlns:r="http://schemas.openxmlformats.org/officeDocument/2006/relationships" r:blip="">
+        <dgm:adjLst/>
+      </dgm:shape>
+      <dgm:presOf/>
+      <dgm:constrLst/>
+      <dgm:ruleLst/>
+      <dgm:choose name="Name6">
+        <dgm:if name="Name7" axis="ch" ptType="node" func="cnt" op="gte" val="2">
+          <dgm:layoutNode name="firstBuf">
+            <dgm:alg type="sp"/>
+            <dgm:shape xmlns:r="http://schemas.openxmlformats.org/officeDocument/2006/relationships" r:blip="">
+              <dgm:adjLst/>
+            </dgm:shape>
+            <dgm:presOf/>
+            <dgm:constrLst/>
+            <dgm:ruleLst/>
+          </dgm:layoutNode>
+        </dgm:if>
+        <dgm:else name="Name8"/>
+      </dgm:choose>
+      <dgm:layoutNode name="hierChild1">
+        <dgm:varLst>
+          <dgm:chPref val="1"/>
+          <dgm:animOne val="branch"/>
+          <dgm:animLvl val="lvl"/>
+        </dgm:varLst>
+        <dgm:choose name="Name9">
+          <dgm:if name="Name10" func="var" arg="dir" op="equ" val="norm">
+            <dgm:alg type="hierChild">
+              <dgm:param type="linDir" val="fromL"/>
+              <dgm:param type="vertAlign" val="t"/>
+            </dgm:alg>
+          </dgm:if>
+          <dgm:else name="Name11">
+            <dgm:alg type="hierChild">
+              <dgm:param type="linDir" val="fromR"/>
+              <dgm:param type="vertAlign" val="t"/>
+            </dgm:alg>
+          </dgm:else>
+        </dgm:choose>
+        <dgm:shape xmlns:r="http://schemas.openxmlformats.org/officeDocument/2006/relationships" r:blip="">
+          <dgm:adjLst/>
+        </dgm:shape>
+        <dgm:presOf/>
+        <dgm:constrLst>
+          <dgm:constr type="primFontSz" for="des" ptType="node" op="equ"/>
+        </dgm:constrLst>
+        <dgm:ruleLst/>
+        <dgm:forEach name="Name12" axis="ch" cnt="3">
+          <dgm:forEach name="Name13" axis="self" ptType="node">
+            <dgm:layoutNode name="Name14">
+              <dgm:alg type="hierRoot"/>
+              <dgm:shape xmlns:r="http://schemas.openxmlformats.org/officeDocument/2006/relationships" r:blip="">
+                <dgm:adjLst/>
+              </dgm:shape>
+              <dgm:presOf/>
+              <dgm:constrLst/>
+              <dgm:ruleLst/>
+              <dgm:layoutNode name="level1Shape" styleLbl="node0">
+                <dgm:varLst>
+                  <dgm:chPref val="3"/>
+                </dgm:varLst>
+                <dgm:alg type="tx"/>
+                <dgm:shape xmlns:r="http://schemas.openxmlformats.org/officeDocument/2006/relationships" type="roundRect" r:blip="">
+                  <dgm:adjLst>
+                    <dgm:adj idx="1" val="0.1"/>
+                  </dgm:adjLst>
+                </dgm:shape>
+                <dgm:presOf axis="self"/>
+                <dgm:constrLst>
+                  <dgm:constr type="primFontSz" val="65"/>
+                  <dgm:constr type="tMarg" refType="primFontSz" fact="0.3"/>
+                  <dgm:constr type="bMarg" refType="primFontSz" fact="0.3"/>
+                  <dgm:constr type="lMarg" refType="primFontSz" fact="0.3"/>
+                  <dgm:constr type="rMarg" refType="primFontSz" fact="0.3"/>
+                </dgm:constrLst>
+                <dgm:ruleLst>
+                  <dgm:rule type="primFontSz" val="5" fact="NaN" max="NaN"/>
+                </dgm:ruleLst>
+              </dgm:layoutNode>
+              <dgm:layoutNode name="hierChild2">
+                <dgm:choose name="Name15">
+                  <dgm:if name="Name16" func="var" arg="dir" op="equ" val="norm">
+                    <dgm:alg type="hierChild">
+                      <dgm:param type="linDir" val="fromL"/>
+                    </dgm:alg>
+                  </dgm:if>
+                  <dgm:else name="Name17">
+                    <dgm:alg type="hierChild">
+                      <dgm:param type="linDir" val="fromR"/>
+                    </dgm:alg>
+                  </dgm:else>
+                </dgm:choose>
+                <dgm:shape xmlns:r="http://schemas.openxmlformats.org/officeDocument/2006/relationships" r:blip="">
+                  <dgm:adjLst/>
+                </dgm:shape>
+                <dgm:presOf/>
+                <dgm:constrLst/>
+                <dgm:ruleLst/>
+                <dgm:forEach name="repeat" axis="ch">
+                  <dgm:forEach name="Name18" axis="self" ptType="parTrans" cnt="1">
+                    <dgm:layoutNode name="Name19">
+                      <dgm:alg type="conn">
+                        <dgm:param type="dim" val="1D"/>
+                        <dgm:param type="endSty" val="noArr"/>
+                        <dgm:param type="connRout" val="bend"/>
+                        <dgm:param type="begPts" val="bCtr"/>
+                        <dgm:param type="endPts" val="tCtr"/>
+                      </dgm:alg>
+                      <dgm:shape xmlns:r="http://schemas.openxmlformats.org/officeDocument/2006/relationships" type="conn" r:blip="">
+                        <dgm:adjLst/>
+                      </dgm:shape>
+                      <dgm:presOf axis="self"/>
+                      <dgm:constrLst>
+                        <dgm:constr type="w" val="1"/>
+                        <dgm:constr type="h" val="1"/>
+                        <dgm:constr type="begPad"/>
+                        <dgm:constr type="endPad"/>
+                      </dgm:constrLst>
+                      <dgm:ruleLst/>
+                    </dgm:layoutNode>
+                  </dgm:forEach>
+                  <dgm:forEach name="Name20" axis="self" ptType="node">
+                    <dgm:layoutNode name="Name21">
+                      <dgm:alg type="hierRoot"/>
+                      <dgm:shape xmlns:r="http://schemas.openxmlformats.org/officeDocument/2006/relationships" r:blip="">
+                        <dgm:adjLst/>
+                      </dgm:shape>
+                      <dgm:presOf/>
+                      <dgm:constrLst/>
+                      <dgm:ruleLst/>
+                      <dgm:layoutNode name="level2Shape">
+                        <dgm:alg type="tx"/>
+                        <dgm:shape xmlns:r="http://schemas.openxmlformats.org/officeDocument/2006/relationships" type="roundRect" r:blip="">
+                          <dgm:adjLst>
+                            <dgm:adj idx="1" val="0.1"/>
+                          </dgm:adjLst>
+                        </dgm:shape>
+                        <dgm:presOf axis="self"/>
+                        <dgm:constrLst>
+                          <dgm:constr type="primFontSz" val="65"/>
+                          <dgm:constr type="tMarg" refType="primFontSz" fact="0.3"/>
+                          <dgm:constr type="bMarg" refType="primFontSz" fact="0.3"/>
+                          <dgm:constr type="lMarg" refType="primFontSz" fact="0.3"/>
+                          <dgm:constr type="rMarg" refType="primFontSz" fact="0.3"/>
+                        </dgm:constrLst>
+                        <dgm:ruleLst>
+                          <dgm:rule type="primFontSz" val="5" fact="NaN" max="NaN"/>
+                        </dgm:ruleLst>
+                      </dgm:layoutNode>
+                      <dgm:layoutNode name="hierChild3">
+                        <dgm:choose name="Name22">
+                          <dgm:if name="Name23" func="var" arg="dir" op="equ" val="norm">
+                            <dgm:alg type="hierChild">
+                              <dgm:param type="linDir" val="fromL"/>
+                            </dgm:alg>
+                          </dgm:if>
+                          <dgm:else name="Name24">
+                            <dgm:alg type="hierChild">
+                              <dgm:param type="linDir" val="fromR"/>
+                            </dgm:alg>
+                          </dgm:else>
+                        </dgm:choose>
+                        <dgm:shape xmlns:r="http://schemas.openxmlformats.org/officeDocument/2006/relationships" r:blip="">
+                          <dgm:adjLst/>
+                        </dgm:shape>
+                        <dgm:presOf/>
+                        <dgm:constrLst/>
+                        <dgm:ruleLst/>
+                        <dgm:forEach name="Name25" ref="repeat"/>
+                      </dgm:layoutNode>
+                    </dgm:layoutNode>
+                  </dgm:forEach>
+                </dgm:forEach>
+              </dgm:layoutNode>
+            </dgm:layoutNode>
+          </dgm:forEach>
+        </dgm:forEach>
+      </dgm:layoutNode>
+    </dgm:layoutNode>
+    <dgm:layoutNode name="bgShapesFlow">
+      <dgm:alg type="lin">
+        <dgm:param type="linDir" val="fromT"/>
+        <dgm:param type="nodeVertAlign" val="t"/>
+        <dgm:param type="vertAlign" val="t"/>
+        <dgm:param type="nodeHorzAlign" val="ctr"/>
+      </dgm:alg>
+      <dgm:shape xmlns:r="http://schemas.openxmlformats.org/officeDocument/2006/relationships" r:blip="">
+        <dgm:adjLst/>
+      </dgm:shape>
+      <dgm:presOf/>
+      <dgm:constrLst>
+        <dgm:constr type="userB"/>
+        <dgm:constr type="w" for="ch" forName="rectComp" refType="w"/>
+        <dgm:constr type="h" for="ch" forName="rectComp" refType="h"/>
+        <dgm:constr type="w" for="des" forName="bgRect" refType="w"/>
+        <dgm:constr type="primFontSz" for="des" forName="bgRectTx" op="equ"/>
+      </dgm:constrLst>
+      <dgm:ruleLst/>
+      <dgm:forEach name="Name26" axis="ch" ptType="node" st="2">
+        <dgm:layoutNode name="rectComp">
+          <dgm:alg type="composite">
+            <dgm:param type="vertAlign" val="t"/>
+            <dgm:param type="horzAlign" val="ctr"/>
+          </dgm:alg>
+          <dgm:shape xmlns:r="http://schemas.openxmlformats.org/officeDocument/2006/relationships" r:blip="">
+            <dgm:adjLst/>
+          </dgm:shape>
+          <dgm:presOf/>
+          <dgm:choose name="Name27">
+            <dgm:if name="Name28" func="var" arg="dir" op="equ" val="norm">
+              <dgm:constrLst>
+                <dgm:constr type="userA"/>
+                <dgm:constr type="l" for="ch" forName="bgRect"/>
+                <dgm:constr type="t" for="ch" forName="bgRect"/>
+                <dgm:constr type="h" for="ch" forName="bgRect" refType="userA" fact="1.2"/>
+                <dgm:constr type="l" for="ch" forName="bgRectTx"/>
+                <dgm:constr type="t" for="ch" forName="bgRectTx"/>
+                <dgm:constr type="w" for="ch" forName="bgRectTx" refType="w" refFor="ch" refForName="bgRect" fact="0.3"/>
+                <dgm:constr type="h" for="ch" forName="bgRectTx" refType="h" refFor="ch" refForName="bgRect" op="equ"/>
+              </dgm:constrLst>
+            </dgm:if>
+            <dgm:else name="Name29">
+              <dgm:constrLst>
+                <dgm:constr type="userA"/>
+                <dgm:constr type="l" for="ch" forName="bgRect"/>
+                <dgm:constr type="t" for="ch" forName="bgRect"/>
+                <dgm:constr type="h" for="ch" forName="bgRect" refType="userA" fact="1.2"/>
+                <dgm:constr type="r" for="ch" forName="bgRectTx" refType="w"/>
+                <dgm:constr type="t" for="ch" forName="bgRectTx"/>
+                <dgm:constr type="w" for="ch" forName="bgRectTx" refType="w" refFor="ch" refForName="bgRect" fact="0.3"/>
+                <dgm:constr type="h" for="ch" forName="bgRectTx" refType="h" refFor="ch" refForName="bgRect" op="equ"/>
+              </dgm:constrLst>
+            </dgm:else>
+          </dgm:choose>
+          <dgm:ruleLst/>
+          <dgm:layoutNode name="bgRect" styleLbl="bgShp">
+            <dgm:alg type="sp"/>
+            <dgm:shape xmlns:r="http://schemas.openxmlformats.org/officeDocument/2006/relationships" type="roundRect" r:blip="" zOrderOff="-999">
+              <dgm:adjLst>
+                <dgm:adj idx="1" val="0.1"/>
+              </dgm:adjLst>
+            </dgm:shape>
+            <dgm:presOf axis="desOrSelf" ptType="node"/>
+            <dgm:constrLst/>
+            <dgm:ruleLst/>
+          </dgm:layoutNode>
+          <dgm:layoutNode name="bgRectTx" styleLbl="bgShp">
+            <dgm:varLst>
+              <dgm:bulletEnabled val="1"/>
+            </dgm:varLst>
+            <dgm:alg type="tx"/>
+            <dgm:presOf axis="desOrSelf" ptType="node"/>
+            <dgm:shape xmlns:r="http://schemas.openxmlformats.org/officeDocument/2006/relationships" type="rect" r:blip="" zOrderOff="-999" hideGeom="1">
+              <dgm:adjLst/>
+            </dgm:shape>
+            <dgm:constrLst>
+              <dgm:constr type="primFontSz" val="65"/>
+            </dgm:constrLst>
+            <dgm:ruleLst>
+              <dgm:rule type="primFontSz" val="5" fact="NaN" max="NaN"/>
+            </dgm:ruleLst>
+          </dgm:layoutNode>
+        </dgm:layoutNode>
+        <dgm:choose name="Name30">
+          <dgm:if name="Name31" axis="self" ptType="node" func="revPos" op="gte" val="2">
+            <dgm:layoutNode name="spComp">
+              <dgm:alg type="composite">
+                <dgm:param type="vertAlign" val="t"/>
+                <dgm:param type="horzAlign" val="ctr"/>
+              </dgm:alg>
+              <dgm:shape xmlns:r="http://schemas.openxmlformats.org/officeDocument/2006/relationships" r:blip="">
+                <dgm:adjLst/>
+              </dgm:shape>
+              <dgm:presOf/>
+              <dgm:constrLst>
+                <dgm:constr type="userA"/>
+                <dgm:constr type="userB"/>
+                <dgm:constr type="l" for="ch" forName="vSp"/>
+                <dgm:constr type="t" for="ch" forName="vSp"/>
+                <dgm:constr type="h" for="ch" forName="vSp" refType="userB"/>
+                <dgm:constr type="hOff" for="ch" forName="vSp" refType="userA" fact="-0.2"/>
+              </dgm:constrLst>
+              <dgm:ruleLst/>
+              <dgm:layoutNode name="vSp">
+                <dgm:alg type="sp"/>
+                <dgm:shape xmlns:r="http://schemas.openxmlformats.org/officeDocument/2006/relationships" r:blip="">
+                  <dgm:adjLst/>
+                </dgm:shape>
+                <dgm:presOf/>
+                <dgm:constrLst/>
+                <dgm:ruleLst/>
+              </dgm:layoutNode>
+            </dgm:layoutNode>
+          </dgm:if>
+          <dgm:else name="Name32"/>
+        </dgm:choose>
+      </dgm:forEach>
+    </dgm:layoutNode>
+  </dgm:layoutNode>
+</dgm:layoutDef>
+</file>
+
 <file path=ppt/diagrams/quickStyle1.xml><?xml version="1.0" encoding="utf-8"?>
 <dgm:styleDef xmlns:dgm="http://schemas.openxmlformats.org/drawingml/2006/diagram" xmlns:a="http://schemas.openxmlformats.org/drawingml/2006/main" uniqueId="urn:microsoft.com/office/officeart/2005/8/quickstyle/simple5">
   <dgm:title val=""/>
@@ -5733,6 +9675,2074 @@
         <a:scrgbClr r="0" g="0" b="0"/>
       </a:fillRef>
       <a:effectRef idx="3">
+        <a:scrgbClr r="0" g="0" b="0"/>
+      </a:effectRef>
+      <a:fontRef idx="minor"/>
+    </dgm:style>
+  </dgm:styleLbl>
+  <dgm:styleLbl name="revTx">
+    <dgm:scene3d>
+      <a:camera prst="orthographicFront"/>
+      <a:lightRig rig="threePt" dir="t"/>
+    </dgm:scene3d>
+    <dgm:sp3d/>
+    <dgm:txPr/>
+    <dgm:style>
+      <a:lnRef idx="0">
+        <a:scrgbClr r="0" g="0" b="0"/>
+      </a:lnRef>
+      <a:fillRef idx="0">
+        <a:scrgbClr r="0" g="0" b="0"/>
+      </a:fillRef>
+      <a:effectRef idx="0">
+        <a:scrgbClr r="0" g="0" b="0"/>
+      </a:effectRef>
+      <a:fontRef idx="minor"/>
+    </dgm:style>
+  </dgm:styleLbl>
+</dgm:styleDef>
+</file>
+
+<file path=ppt/diagrams/quickStyle2.xml><?xml version="1.0" encoding="utf-8"?>
+<dgm:styleDef xmlns:dgm="http://schemas.openxmlformats.org/drawingml/2006/diagram" xmlns:a="http://schemas.openxmlformats.org/drawingml/2006/main" uniqueId="urn:microsoft.com/office/officeart/2005/8/quickstyle/simple1">
+  <dgm:title val=""/>
+  <dgm:desc val=""/>
+  <dgm:catLst>
+    <dgm:cat type="simple" pri="10100"/>
+  </dgm:catLst>
+  <dgm:scene3d>
+    <a:camera prst="orthographicFront"/>
+    <a:lightRig rig="threePt" dir="t"/>
+  </dgm:scene3d>
+  <dgm:styleLbl name="node0">
+    <dgm:scene3d>
+      <a:camera prst="orthographicFront"/>
+      <a:lightRig rig="threePt" dir="t"/>
+    </dgm:scene3d>
+    <dgm:sp3d/>
+    <dgm:txPr/>
+    <dgm:style>
+      <a:lnRef idx="2">
+        <a:scrgbClr r="0" g="0" b="0"/>
+      </a:lnRef>
+      <a:fillRef idx="1">
+        <a:scrgbClr r="0" g="0" b="0"/>
+      </a:fillRef>
+      <a:effectRef idx="0">
+        <a:scrgbClr r="0" g="0" b="0"/>
+      </a:effectRef>
+      <a:fontRef idx="minor">
+        <a:schemeClr val="lt1"/>
+      </a:fontRef>
+    </dgm:style>
+  </dgm:styleLbl>
+  <dgm:styleLbl name="lnNode1">
+    <dgm:scene3d>
+      <a:camera prst="orthographicFront"/>
+      <a:lightRig rig="threePt" dir="t"/>
+    </dgm:scene3d>
+    <dgm:sp3d/>
+    <dgm:txPr/>
+    <dgm:style>
+      <a:lnRef idx="2">
+        <a:scrgbClr r="0" g="0" b="0"/>
+      </a:lnRef>
+      <a:fillRef idx="1">
+        <a:scrgbClr r="0" g="0" b="0"/>
+      </a:fillRef>
+      <a:effectRef idx="0">
+        <a:scrgbClr r="0" g="0" b="0"/>
+      </a:effectRef>
+      <a:fontRef idx="minor">
+        <a:schemeClr val="lt1"/>
+      </a:fontRef>
+    </dgm:style>
+  </dgm:styleLbl>
+  <dgm:styleLbl name="vennNode1">
+    <dgm:scene3d>
+      <a:camera prst="orthographicFront"/>
+      <a:lightRig rig="threePt" dir="t"/>
+    </dgm:scene3d>
+    <dgm:sp3d/>
+    <dgm:txPr/>
+    <dgm:style>
+      <a:lnRef idx="2">
+        <a:scrgbClr r="0" g="0" b="0"/>
+      </a:lnRef>
+      <a:fillRef idx="1">
+        <a:scrgbClr r="0" g="0" b="0"/>
+      </a:fillRef>
+      <a:effectRef idx="0">
+        <a:scrgbClr r="0" g="0" b="0"/>
+      </a:effectRef>
+      <a:fontRef idx="minor">
+        <a:schemeClr val="tx1"/>
+      </a:fontRef>
+    </dgm:style>
+  </dgm:styleLbl>
+  <dgm:styleLbl name="alignNode1">
+    <dgm:scene3d>
+      <a:camera prst="orthographicFront"/>
+      <a:lightRig rig="threePt" dir="t"/>
+    </dgm:scene3d>
+    <dgm:sp3d/>
+    <dgm:txPr/>
+    <dgm:style>
+      <a:lnRef idx="2">
+        <a:scrgbClr r="0" g="0" b="0"/>
+      </a:lnRef>
+      <a:fillRef idx="1">
+        <a:scrgbClr r="0" g="0" b="0"/>
+      </a:fillRef>
+      <a:effectRef idx="0">
+        <a:scrgbClr r="0" g="0" b="0"/>
+      </a:effectRef>
+      <a:fontRef idx="minor">
+        <a:schemeClr val="lt1"/>
+      </a:fontRef>
+    </dgm:style>
+  </dgm:styleLbl>
+  <dgm:styleLbl name="node1">
+    <dgm:scene3d>
+      <a:camera prst="orthographicFront"/>
+      <a:lightRig rig="threePt" dir="t"/>
+    </dgm:scene3d>
+    <dgm:sp3d/>
+    <dgm:txPr/>
+    <dgm:style>
+      <a:lnRef idx="2">
+        <a:scrgbClr r="0" g="0" b="0"/>
+      </a:lnRef>
+      <a:fillRef idx="1">
+        <a:scrgbClr r="0" g="0" b="0"/>
+      </a:fillRef>
+      <a:effectRef idx="0">
+        <a:scrgbClr r="0" g="0" b="0"/>
+      </a:effectRef>
+      <a:fontRef idx="minor">
+        <a:schemeClr val="lt1"/>
+      </a:fontRef>
+    </dgm:style>
+  </dgm:styleLbl>
+  <dgm:styleLbl name="node2">
+    <dgm:scene3d>
+      <a:camera prst="orthographicFront"/>
+      <a:lightRig rig="threePt" dir="t"/>
+    </dgm:scene3d>
+    <dgm:sp3d/>
+    <dgm:txPr/>
+    <dgm:style>
+      <a:lnRef idx="2">
+        <a:scrgbClr r="0" g="0" b="0"/>
+      </a:lnRef>
+      <a:fillRef idx="1">
+        <a:scrgbClr r="0" g="0" b="0"/>
+      </a:fillRef>
+      <a:effectRef idx="0">
+        <a:scrgbClr r="0" g="0" b="0"/>
+      </a:effectRef>
+      <a:fontRef idx="minor">
+        <a:schemeClr val="lt1"/>
+      </a:fontRef>
+    </dgm:style>
+  </dgm:styleLbl>
+  <dgm:styleLbl name="node3">
+    <dgm:scene3d>
+      <a:camera prst="orthographicFront"/>
+      <a:lightRig rig="threePt" dir="t"/>
+    </dgm:scene3d>
+    <dgm:sp3d/>
+    <dgm:txPr/>
+    <dgm:style>
+      <a:lnRef idx="2">
+        <a:scrgbClr r="0" g="0" b="0"/>
+      </a:lnRef>
+      <a:fillRef idx="1">
+        <a:scrgbClr r="0" g="0" b="0"/>
+      </a:fillRef>
+      <a:effectRef idx="0">
+        <a:scrgbClr r="0" g="0" b="0"/>
+      </a:effectRef>
+      <a:fontRef idx="minor">
+        <a:schemeClr val="lt1"/>
+      </a:fontRef>
+    </dgm:style>
+  </dgm:styleLbl>
+  <dgm:styleLbl name="node4">
+    <dgm:scene3d>
+      <a:camera prst="orthographicFront"/>
+      <a:lightRig rig="threePt" dir="t"/>
+    </dgm:scene3d>
+    <dgm:sp3d/>
+    <dgm:txPr/>
+    <dgm:style>
+      <a:lnRef idx="2">
+        <a:scrgbClr r="0" g="0" b="0"/>
+      </a:lnRef>
+      <a:fillRef idx="1">
+        <a:scrgbClr r="0" g="0" b="0"/>
+      </a:fillRef>
+      <a:effectRef idx="0">
+        <a:scrgbClr r="0" g="0" b="0"/>
+      </a:effectRef>
+      <a:fontRef idx="minor">
+        <a:schemeClr val="lt1"/>
+      </a:fontRef>
+    </dgm:style>
+  </dgm:styleLbl>
+  <dgm:styleLbl name="fgImgPlace1">
+    <dgm:scene3d>
+      <a:camera prst="orthographicFront"/>
+      <a:lightRig rig="threePt" dir="t"/>
+    </dgm:scene3d>
+    <dgm:sp3d/>
+    <dgm:txPr/>
+    <dgm:style>
+      <a:lnRef idx="2">
+        <a:scrgbClr r="0" g="0" b="0"/>
+      </a:lnRef>
+      <a:fillRef idx="1">
+        <a:scrgbClr r="0" g="0" b="0"/>
+      </a:fillRef>
+      <a:effectRef idx="0">
+        <a:scrgbClr r="0" g="0" b="0"/>
+      </a:effectRef>
+      <a:fontRef idx="minor"/>
+    </dgm:style>
+  </dgm:styleLbl>
+  <dgm:styleLbl name="alignImgPlace1">
+    <dgm:scene3d>
+      <a:camera prst="orthographicFront"/>
+      <a:lightRig rig="threePt" dir="t"/>
+    </dgm:scene3d>
+    <dgm:sp3d/>
+    <dgm:txPr/>
+    <dgm:style>
+      <a:lnRef idx="2">
+        <a:scrgbClr r="0" g="0" b="0"/>
+      </a:lnRef>
+      <a:fillRef idx="1">
+        <a:scrgbClr r="0" g="0" b="0"/>
+      </a:fillRef>
+      <a:effectRef idx="0">
+        <a:scrgbClr r="0" g="0" b="0"/>
+      </a:effectRef>
+      <a:fontRef idx="minor"/>
+    </dgm:style>
+  </dgm:styleLbl>
+  <dgm:styleLbl name="bgImgPlace1">
+    <dgm:scene3d>
+      <a:camera prst="orthographicFront"/>
+      <a:lightRig rig="threePt" dir="t"/>
+    </dgm:scene3d>
+    <dgm:sp3d/>
+    <dgm:txPr/>
+    <dgm:style>
+      <a:lnRef idx="2">
+        <a:scrgbClr r="0" g="0" b="0"/>
+      </a:lnRef>
+      <a:fillRef idx="1">
+        <a:scrgbClr r="0" g="0" b="0"/>
+      </a:fillRef>
+      <a:effectRef idx="0">
+        <a:scrgbClr r="0" g="0" b="0"/>
+      </a:effectRef>
+      <a:fontRef idx="minor"/>
+    </dgm:style>
+  </dgm:styleLbl>
+  <dgm:styleLbl name="sibTrans2D1">
+    <dgm:scene3d>
+      <a:camera prst="orthographicFront"/>
+      <a:lightRig rig="threePt" dir="t"/>
+    </dgm:scene3d>
+    <dgm:sp3d/>
+    <dgm:txPr/>
+    <dgm:style>
+      <a:lnRef idx="0">
+        <a:scrgbClr r="0" g="0" b="0"/>
+      </a:lnRef>
+      <a:fillRef idx="1">
+        <a:scrgbClr r="0" g="0" b="0"/>
+      </a:fillRef>
+      <a:effectRef idx="0">
+        <a:scrgbClr r="0" g="0" b="0"/>
+      </a:effectRef>
+      <a:fontRef idx="minor">
+        <a:schemeClr val="lt1"/>
+      </a:fontRef>
+    </dgm:style>
+  </dgm:styleLbl>
+  <dgm:styleLbl name="fgSibTrans2D1">
+    <dgm:scene3d>
+      <a:camera prst="orthographicFront"/>
+      <a:lightRig rig="threePt" dir="t"/>
+    </dgm:scene3d>
+    <dgm:sp3d/>
+    <dgm:txPr/>
+    <dgm:style>
+      <a:lnRef idx="0">
+        <a:scrgbClr r="0" g="0" b="0"/>
+      </a:lnRef>
+      <a:fillRef idx="1">
+        <a:scrgbClr r="0" g="0" b="0"/>
+      </a:fillRef>
+      <a:effectRef idx="0">
+        <a:scrgbClr r="0" g="0" b="0"/>
+      </a:effectRef>
+      <a:fontRef idx="minor">
+        <a:schemeClr val="lt1"/>
+      </a:fontRef>
+    </dgm:style>
+  </dgm:styleLbl>
+  <dgm:styleLbl name="bgSibTrans2D1">
+    <dgm:scene3d>
+      <a:camera prst="orthographicFront"/>
+      <a:lightRig rig="threePt" dir="t"/>
+    </dgm:scene3d>
+    <dgm:sp3d/>
+    <dgm:txPr/>
+    <dgm:style>
+      <a:lnRef idx="0">
+        <a:scrgbClr r="0" g="0" b="0"/>
+      </a:lnRef>
+      <a:fillRef idx="1">
+        <a:scrgbClr r="0" g="0" b="0"/>
+      </a:fillRef>
+      <a:effectRef idx="0">
+        <a:scrgbClr r="0" g="0" b="0"/>
+      </a:effectRef>
+      <a:fontRef idx="minor">
+        <a:schemeClr val="lt1"/>
+      </a:fontRef>
+    </dgm:style>
+  </dgm:styleLbl>
+  <dgm:styleLbl name="sibTrans1D1">
+    <dgm:scene3d>
+      <a:camera prst="orthographicFront"/>
+      <a:lightRig rig="threePt" dir="t"/>
+    </dgm:scene3d>
+    <dgm:sp3d/>
+    <dgm:txPr/>
+    <dgm:style>
+      <a:lnRef idx="1">
+        <a:scrgbClr r="0" g="0" b="0"/>
+      </a:lnRef>
+      <a:fillRef idx="0">
+        <a:scrgbClr r="0" g="0" b="0"/>
+      </a:fillRef>
+      <a:effectRef idx="0">
+        <a:scrgbClr r="0" g="0" b="0"/>
+      </a:effectRef>
+      <a:fontRef idx="minor"/>
+    </dgm:style>
+  </dgm:styleLbl>
+  <dgm:styleLbl name="callout">
+    <dgm:scene3d>
+      <a:camera prst="orthographicFront"/>
+      <a:lightRig rig="threePt" dir="t"/>
+    </dgm:scene3d>
+    <dgm:sp3d/>
+    <dgm:txPr/>
+    <dgm:style>
+      <a:lnRef idx="2">
+        <a:scrgbClr r="0" g="0" b="0"/>
+      </a:lnRef>
+      <a:fillRef idx="1">
+        <a:scrgbClr r="0" g="0" b="0"/>
+      </a:fillRef>
+      <a:effectRef idx="0">
+        <a:scrgbClr r="0" g="0" b="0"/>
+      </a:effectRef>
+      <a:fontRef idx="minor"/>
+    </dgm:style>
+  </dgm:styleLbl>
+  <dgm:styleLbl name="asst0">
+    <dgm:scene3d>
+      <a:camera prst="orthographicFront"/>
+      <a:lightRig rig="threePt" dir="t"/>
+    </dgm:scene3d>
+    <dgm:sp3d/>
+    <dgm:txPr/>
+    <dgm:style>
+      <a:lnRef idx="2">
+        <a:scrgbClr r="0" g="0" b="0"/>
+      </a:lnRef>
+      <a:fillRef idx="1">
+        <a:scrgbClr r="0" g="0" b="0"/>
+      </a:fillRef>
+      <a:effectRef idx="0">
+        <a:scrgbClr r="0" g="0" b="0"/>
+      </a:effectRef>
+      <a:fontRef idx="minor">
+        <a:schemeClr val="lt1"/>
+      </a:fontRef>
+    </dgm:style>
+  </dgm:styleLbl>
+  <dgm:styleLbl name="asst1">
+    <dgm:scene3d>
+      <a:camera prst="orthographicFront"/>
+      <a:lightRig rig="threePt" dir="t"/>
+    </dgm:scene3d>
+    <dgm:sp3d/>
+    <dgm:txPr/>
+    <dgm:style>
+      <a:lnRef idx="2">
+        <a:scrgbClr r="0" g="0" b="0"/>
+      </a:lnRef>
+      <a:fillRef idx="1">
+        <a:scrgbClr r="0" g="0" b="0"/>
+      </a:fillRef>
+      <a:effectRef idx="0">
+        <a:scrgbClr r="0" g="0" b="0"/>
+      </a:effectRef>
+      <a:fontRef idx="minor">
+        <a:schemeClr val="lt1"/>
+      </a:fontRef>
+    </dgm:style>
+  </dgm:styleLbl>
+  <dgm:styleLbl name="asst2">
+    <dgm:scene3d>
+      <a:camera prst="orthographicFront"/>
+      <a:lightRig rig="threePt" dir="t"/>
+    </dgm:scene3d>
+    <dgm:sp3d/>
+    <dgm:txPr/>
+    <dgm:style>
+      <a:lnRef idx="2">
+        <a:scrgbClr r="0" g="0" b="0"/>
+      </a:lnRef>
+      <a:fillRef idx="1">
+        <a:scrgbClr r="0" g="0" b="0"/>
+      </a:fillRef>
+      <a:effectRef idx="0">
+        <a:scrgbClr r="0" g="0" b="0"/>
+      </a:effectRef>
+      <a:fontRef idx="minor">
+        <a:schemeClr val="lt1"/>
+      </a:fontRef>
+    </dgm:style>
+  </dgm:styleLbl>
+  <dgm:styleLbl name="asst3">
+    <dgm:scene3d>
+      <a:camera prst="orthographicFront"/>
+      <a:lightRig rig="threePt" dir="t"/>
+    </dgm:scene3d>
+    <dgm:sp3d/>
+    <dgm:txPr/>
+    <dgm:style>
+      <a:lnRef idx="2">
+        <a:scrgbClr r="0" g="0" b="0"/>
+      </a:lnRef>
+      <a:fillRef idx="1">
+        <a:scrgbClr r="0" g="0" b="0"/>
+      </a:fillRef>
+      <a:effectRef idx="0">
+        <a:scrgbClr r="0" g="0" b="0"/>
+      </a:effectRef>
+      <a:fontRef idx="minor">
+        <a:schemeClr val="lt1"/>
+      </a:fontRef>
+    </dgm:style>
+  </dgm:styleLbl>
+  <dgm:styleLbl name="asst4">
+    <dgm:scene3d>
+      <a:camera prst="orthographicFront"/>
+      <a:lightRig rig="threePt" dir="t"/>
+    </dgm:scene3d>
+    <dgm:sp3d/>
+    <dgm:txPr/>
+    <dgm:style>
+      <a:lnRef idx="2">
+        <a:scrgbClr r="0" g="0" b="0"/>
+      </a:lnRef>
+      <a:fillRef idx="1">
+        <a:scrgbClr r="0" g="0" b="0"/>
+      </a:fillRef>
+      <a:effectRef idx="0">
+        <a:scrgbClr r="0" g="0" b="0"/>
+      </a:effectRef>
+      <a:fontRef idx="minor">
+        <a:schemeClr val="lt1"/>
+      </a:fontRef>
+    </dgm:style>
+  </dgm:styleLbl>
+  <dgm:styleLbl name="parChTrans2D1">
+    <dgm:scene3d>
+      <a:camera prst="orthographicFront"/>
+      <a:lightRig rig="threePt" dir="t"/>
+    </dgm:scene3d>
+    <dgm:sp3d/>
+    <dgm:txPr/>
+    <dgm:style>
+      <a:lnRef idx="2">
+        <a:scrgbClr r="0" g="0" b="0"/>
+      </a:lnRef>
+      <a:fillRef idx="1">
+        <a:scrgbClr r="0" g="0" b="0"/>
+      </a:fillRef>
+      <a:effectRef idx="0">
+        <a:scrgbClr r="0" g="0" b="0"/>
+      </a:effectRef>
+      <a:fontRef idx="minor">
+        <a:schemeClr val="lt1"/>
+      </a:fontRef>
+    </dgm:style>
+  </dgm:styleLbl>
+  <dgm:styleLbl name="parChTrans2D2">
+    <dgm:scene3d>
+      <a:camera prst="orthographicFront"/>
+      <a:lightRig rig="threePt" dir="t"/>
+    </dgm:scene3d>
+    <dgm:sp3d/>
+    <dgm:txPr/>
+    <dgm:style>
+      <a:lnRef idx="2">
+        <a:scrgbClr r="0" g="0" b="0"/>
+      </a:lnRef>
+      <a:fillRef idx="1">
+        <a:scrgbClr r="0" g="0" b="0"/>
+      </a:fillRef>
+      <a:effectRef idx="0">
+        <a:scrgbClr r="0" g="0" b="0"/>
+      </a:effectRef>
+      <a:fontRef idx="minor">
+        <a:schemeClr val="lt1"/>
+      </a:fontRef>
+    </dgm:style>
+  </dgm:styleLbl>
+  <dgm:styleLbl name="parChTrans2D3">
+    <dgm:scene3d>
+      <a:camera prst="orthographicFront"/>
+      <a:lightRig rig="threePt" dir="t"/>
+    </dgm:scene3d>
+    <dgm:sp3d/>
+    <dgm:txPr/>
+    <dgm:style>
+      <a:lnRef idx="2">
+        <a:scrgbClr r="0" g="0" b="0"/>
+      </a:lnRef>
+      <a:fillRef idx="1">
+        <a:scrgbClr r="0" g="0" b="0"/>
+      </a:fillRef>
+      <a:effectRef idx="0">
+        <a:scrgbClr r="0" g="0" b="0"/>
+      </a:effectRef>
+      <a:fontRef idx="minor">
+        <a:schemeClr val="lt1"/>
+      </a:fontRef>
+    </dgm:style>
+  </dgm:styleLbl>
+  <dgm:styleLbl name="parChTrans2D4">
+    <dgm:scene3d>
+      <a:camera prst="orthographicFront"/>
+      <a:lightRig rig="threePt" dir="t"/>
+    </dgm:scene3d>
+    <dgm:sp3d/>
+    <dgm:txPr/>
+    <dgm:style>
+      <a:lnRef idx="2">
+        <a:scrgbClr r="0" g="0" b="0"/>
+      </a:lnRef>
+      <a:fillRef idx="1">
+        <a:scrgbClr r="0" g="0" b="0"/>
+      </a:fillRef>
+      <a:effectRef idx="0">
+        <a:scrgbClr r="0" g="0" b="0"/>
+      </a:effectRef>
+      <a:fontRef idx="minor">
+        <a:schemeClr val="lt1"/>
+      </a:fontRef>
+    </dgm:style>
+  </dgm:styleLbl>
+  <dgm:styleLbl name="parChTrans1D1">
+    <dgm:scene3d>
+      <a:camera prst="orthographicFront"/>
+      <a:lightRig rig="threePt" dir="t"/>
+    </dgm:scene3d>
+    <dgm:sp3d/>
+    <dgm:txPr/>
+    <dgm:style>
+      <a:lnRef idx="2">
+        <a:scrgbClr r="0" g="0" b="0"/>
+      </a:lnRef>
+      <a:fillRef idx="0">
+        <a:scrgbClr r="0" g="0" b="0"/>
+      </a:fillRef>
+      <a:effectRef idx="0">
+        <a:scrgbClr r="0" g="0" b="0"/>
+      </a:effectRef>
+      <a:fontRef idx="minor"/>
+    </dgm:style>
+  </dgm:styleLbl>
+  <dgm:styleLbl name="parChTrans1D2">
+    <dgm:scene3d>
+      <a:camera prst="orthographicFront"/>
+      <a:lightRig rig="threePt" dir="t"/>
+    </dgm:scene3d>
+    <dgm:sp3d/>
+    <dgm:txPr/>
+    <dgm:style>
+      <a:lnRef idx="2">
+        <a:scrgbClr r="0" g="0" b="0"/>
+      </a:lnRef>
+      <a:fillRef idx="0">
+        <a:scrgbClr r="0" g="0" b="0"/>
+      </a:fillRef>
+      <a:effectRef idx="0">
+        <a:scrgbClr r="0" g="0" b="0"/>
+      </a:effectRef>
+      <a:fontRef idx="minor"/>
+    </dgm:style>
+  </dgm:styleLbl>
+  <dgm:styleLbl name="parChTrans1D3">
+    <dgm:scene3d>
+      <a:camera prst="orthographicFront"/>
+      <a:lightRig rig="threePt" dir="t"/>
+    </dgm:scene3d>
+    <dgm:sp3d/>
+    <dgm:txPr/>
+    <dgm:style>
+      <a:lnRef idx="2">
+        <a:scrgbClr r="0" g="0" b="0"/>
+      </a:lnRef>
+      <a:fillRef idx="0">
+        <a:scrgbClr r="0" g="0" b="0"/>
+      </a:fillRef>
+      <a:effectRef idx="0">
+        <a:scrgbClr r="0" g="0" b="0"/>
+      </a:effectRef>
+      <a:fontRef idx="minor"/>
+    </dgm:style>
+  </dgm:styleLbl>
+  <dgm:styleLbl name="parChTrans1D4">
+    <dgm:scene3d>
+      <a:camera prst="orthographicFront"/>
+      <a:lightRig rig="threePt" dir="t"/>
+    </dgm:scene3d>
+    <dgm:sp3d/>
+    <dgm:txPr/>
+    <dgm:style>
+      <a:lnRef idx="2">
+        <a:scrgbClr r="0" g="0" b="0"/>
+      </a:lnRef>
+      <a:fillRef idx="0">
+        <a:scrgbClr r="0" g="0" b="0"/>
+      </a:fillRef>
+      <a:effectRef idx="0">
+        <a:scrgbClr r="0" g="0" b="0"/>
+      </a:effectRef>
+      <a:fontRef idx="minor"/>
+    </dgm:style>
+  </dgm:styleLbl>
+  <dgm:styleLbl name="fgAcc1">
+    <dgm:scene3d>
+      <a:camera prst="orthographicFront"/>
+      <a:lightRig rig="threePt" dir="t"/>
+    </dgm:scene3d>
+    <dgm:sp3d/>
+    <dgm:txPr/>
+    <dgm:style>
+      <a:lnRef idx="2">
+        <a:scrgbClr r="0" g="0" b="0"/>
+      </a:lnRef>
+      <a:fillRef idx="1">
+        <a:scrgbClr r="0" g="0" b="0"/>
+      </a:fillRef>
+      <a:effectRef idx="0">
+        <a:scrgbClr r="0" g="0" b="0"/>
+      </a:effectRef>
+      <a:fontRef idx="minor"/>
+    </dgm:style>
+  </dgm:styleLbl>
+  <dgm:styleLbl name="conFgAcc1">
+    <dgm:scene3d>
+      <a:camera prst="orthographicFront"/>
+      <a:lightRig rig="threePt" dir="t"/>
+    </dgm:scene3d>
+    <dgm:sp3d/>
+    <dgm:txPr/>
+    <dgm:style>
+      <a:lnRef idx="2">
+        <a:scrgbClr r="0" g="0" b="0"/>
+      </a:lnRef>
+      <a:fillRef idx="1">
+        <a:scrgbClr r="0" g="0" b="0"/>
+      </a:fillRef>
+      <a:effectRef idx="0">
+        <a:scrgbClr r="0" g="0" b="0"/>
+      </a:effectRef>
+      <a:fontRef idx="minor"/>
+    </dgm:style>
+  </dgm:styleLbl>
+  <dgm:styleLbl name="alignAcc1">
+    <dgm:scene3d>
+      <a:camera prst="orthographicFront"/>
+      <a:lightRig rig="threePt" dir="t"/>
+    </dgm:scene3d>
+    <dgm:sp3d/>
+    <dgm:txPr/>
+    <dgm:style>
+      <a:lnRef idx="2">
+        <a:scrgbClr r="0" g="0" b="0"/>
+      </a:lnRef>
+      <a:fillRef idx="1">
+        <a:scrgbClr r="0" g="0" b="0"/>
+      </a:fillRef>
+      <a:effectRef idx="0">
+        <a:scrgbClr r="0" g="0" b="0"/>
+      </a:effectRef>
+      <a:fontRef idx="minor"/>
+    </dgm:style>
+  </dgm:styleLbl>
+  <dgm:styleLbl name="trAlignAcc1">
+    <dgm:scene3d>
+      <a:camera prst="orthographicFront"/>
+      <a:lightRig rig="threePt" dir="t"/>
+    </dgm:scene3d>
+    <dgm:sp3d/>
+    <dgm:txPr/>
+    <dgm:style>
+      <a:lnRef idx="1">
+        <a:scrgbClr r="0" g="0" b="0"/>
+      </a:lnRef>
+      <a:fillRef idx="1">
+        <a:scrgbClr r="0" g="0" b="0"/>
+      </a:fillRef>
+      <a:effectRef idx="0">
+        <a:scrgbClr r="0" g="0" b="0"/>
+      </a:effectRef>
+      <a:fontRef idx="minor"/>
+    </dgm:style>
+  </dgm:styleLbl>
+  <dgm:styleLbl name="bgAcc1">
+    <dgm:scene3d>
+      <a:camera prst="orthographicFront"/>
+      <a:lightRig rig="threePt" dir="t"/>
+    </dgm:scene3d>
+    <dgm:sp3d/>
+    <dgm:txPr/>
+    <dgm:style>
+      <a:lnRef idx="2">
+        <a:scrgbClr r="0" g="0" b="0"/>
+      </a:lnRef>
+      <a:fillRef idx="1">
+        <a:scrgbClr r="0" g="0" b="0"/>
+      </a:fillRef>
+      <a:effectRef idx="0">
+        <a:scrgbClr r="0" g="0" b="0"/>
+      </a:effectRef>
+      <a:fontRef idx="minor"/>
+    </dgm:style>
+  </dgm:styleLbl>
+  <dgm:styleLbl name="solidFgAcc1">
+    <dgm:scene3d>
+      <a:camera prst="orthographicFront"/>
+      <a:lightRig rig="threePt" dir="t"/>
+    </dgm:scene3d>
+    <dgm:sp3d/>
+    <dgm:txPr/>
+    <dgm:style>
+      <a:lnRef idx="2">
+        <a:scrgbClr r="0" g="0" b="0"/>
+      </a:lnRef>
+      <a:fillRef idx="1">
+        <a:scrgbClr r="0" g="0" b="0"/>
+      </a:fillRef>
+      <a:effectRef idx="0">
+        <a:scrgbClr r="0" g="0" b="0"/>
+      </a:effectRef>
+      <a:fontRef idx="minor"/>
+    </dgm:style>
+  </dgm:styleLbl>
+  <dgm:styleLbl name="solidAlignAcc1">
+    <dgm:scene3d>
+      <a:camera prst="orthographicFront"/>
+      <a:lightRig rig="threePt" dir="t"/>
+    </dgm:scene3d>
+    <dgm:sp3d/>
+    <dgm:txPr/>
+    <dgm:style>
+      <a:lnRef idx="2">
+        <a:scrgbClr r="0" g="0" b="0"/>
+      </a:lnRef>
+      <a:fillRef idx="1">
+        <a:scrgbClr r="0" g="0" b="0"/>
+      </a:fillRef>
+      <a:effectRef idx="0">
+        <a:scrgbClr r="0" g="0" b="0"/>
+      </a:effectRef>
+      <a:fontRef idx="minor"/>
+    </dgm:style>
+  </dgm:styleLbl>
+  <dgm:styleLbl name="solidBgAcc1">
+    <dgm:scene3d>
+      <a:camera prst="orthographicFront"/>
+      <a:lightRig rig="threePt" dir="t"/>
+    </dgm:scene3d>
+    <dgm:sp3d/>
+    <dgm:txPr/>
+    <dgm:style>
+      <a:lnRef idx="2">
+        <a:scrgbClr r="0" g="0" b="0"/>
+      </a:lnRef>
+      <a:fillRef idx="1">
+        <a:scrgbClr r="0" g="0" b="0"/>
+      </a:fillRef>
+      <a:effectRef idx="0">
+        <a:scrgbClr r="0" g="0" b="0"/>
+      </a:effectRef>
+      <a:fontRef idx="minor"/>
+    </dgm:style>
+  </dgm:styleLbl>
+  <dgm:styleLbl name="fgAccFollowNode1">
+    <dgm:scene3d>
+      <a:camera prst="orthographicFront"/>
+      <a:lightRig rig="threePt" dir="t"/>
+    </dgm:scene3d>
+    <dgm:sp3d/>
+    <dgm:txPr/>
+    <dgm:style>
+      <a:lnRef idx="2">
+        <a:scrgbClr r="0" g="0" b="0"/>
+      </a:lnRef>
+      <a:fillRef idx="1">
+        <a:scrgbClr r="0" g="0" b="0"/>
+      </a:fillRef>
+      <a:effectRef idx="0">
+        <a:scrgbClr r="0" g="0" b="0"/>
+      </a:effectRef>
+      <a:fontRef idx="minor"/>
+    </dgm:style>
+  </dgm:styleLbl>
+  <dgm:styleLbl name="alignAccFollowNode1">
+    <dgm:scene3d>
+      <a:camera prst="orthographicFront"/>
+      <a:lightRig rig="threePt" dir="t"/>
+    </dgm:scene3d>
+    <dgm:sp3d/>
+    <dgm:txPr/>
+    <dgm:style>
+      <a:lnRef idx="2">
+        <a:scrgbClr r="0" g="0" b="0"/>
+      </a:lnRef>
+      <a:fillRef idx="1">
+        <a:scrgbClr r="0" g="0" b="0"/>
+      </a:fillRef>
+      <a:effectRef idx="0">
+        <a:scrgbClr r="0" g="0" b="0"/>
+      </a:effectRef>
+      <a:fontRef idx="minor"/>
+    </dgm:style>
+  </dgm:styleLbl>
+  <dgm:styleLbl name="bgAccFollowNode1">
+    <dgm:scene3d>
+      <a:camera prst="orthographicFront"/>
+      <a:lightRig rig="threePt" dir="t"/>
+    </dgm:scene3d>
+    <dgm:sp3d/>
+    <dgm:txPr/>
+    <dgm:style>
+      <a:lnRef idx="2">
+        <a:scrgbClr r="0" g="0" b="0"/>
+      </a:lnRef>
+      <a:fillRef idx="1">
+        <a:scrgbClr r="0" g="0" b="0"/>
+      </a:fillRef>
+      <a:effectRef idx="0">
+        <a:scrgbClr r="0" g="0" b="0"/>
+      </a:effectRef>
+      <a:fontRef idx="minor"/>
+    </dgm:style>
+  </dgm:styleLbl>
+  <dgm:styleLbl name="fgAcc0">
+    <dgm:scene3d>
+      <a:camera prst="orthographicFront"/>
+      <a:lightRig rig="threePt" dir="t"/>
+    </dgm:scene3d>
+    <dgm:sp3d/>
+    <dgm:txPr/>
+    <dgm:style>
+      <a:lnRef idx="2">
+        <a:scrgbClr r="0" g="0" b="0"/>
+      </a:lnRef>
+      <a:fillRef idx="1">
+        <a:scrgbClr r="0" g="0" b="0"/>
+      </a:fillRef>
+      <a:effectRef idx="0">
+        <a:scrgbClr r="0" g="0" b="0"/>
+      </a:effectRef>
+      <a:fontRef idx="minor"/>
+    </dgm:style>
+  </dgm:styleLbl>
+  <dgm:styleLbl name="fgAcc2">
+    <dgm:scene3d>
+      <a:camera prst="orthographicFront"/>
+      <a:lightRig rig="threePt" dir="t"/>
+    </dgm:scene3d>
+    <dgm:sp3d/>
+    <dgm:txPr/>
+    <dgm:style>
+      <a:lnRef idx="2">
+        <a:scrgbClr r="0" g="0" b="0"/>
+      </a:lnRef>
+      <a:fillRef idx="1">
+        <a:scrgbClr r="0" g="0" b="0"/>
+      </a:fillRef>
+      <a:effectRef idx="0">
+        <a:scrgbClr r="0" g="0" b="0"/>
+      </a:effectRef>
+      <a:fontRef idx="minor"/>
+    </dgm:style>
+  </dgm:styleLbl>
+  <dgm:styleLbl name="fgAcc3">
+    <dgm:scene3d>
+      <a:camera prst="orthographicFront"/>
+      <a:lightRig rig="threePt" dir="t"/>
+    </dgm:scene3d>
+    <dgm:sp3d/>
+    <dgm:txPr/>
+    <dgm:style>
+      <a:lnRef idx="2">
+        <a:scrgbClr r="0" g="0" b="0"/>
+      </a:lnRef>
+      <a:fillRef idx="1">
+        <a:scrgbClr r="0" g="0" b="0"/>
+      </a:fillRef>
+      <a:effectRef idx="0">
+        <a:scrgbClr r="0" g="0" b="0"/>
+      </a:effectRef>
+      <a:fontRef idx="minor"/>
+    </dgm:style>
+  </dgm:styleLbl>
+  <dgm:styleLbl name="fgAcc4">
+    <dgm:scene3d>
+      <a:camera prst="orthographicFront"/>
+      <a:lightRig rig="threePt" dir="t"/>
+    </dgm:scene3d>
+    <dgm:sp3d/>
+    <dgm:txPr/>
+    <dgm:style>
+      <a:lnRef idx="2">
+        <a:scrgbClr r="0" g="0" b="0"/>
+      </a:lnRef>
+      <a:fillRef idx="1">
+        <a:scrgbClr r="0" g="0" b="0"/>
+      </a:fillRef>
+      <a:effectRef idx="0">
+        <a:scrgbClr r="0" g="0" b="0"/>
+      </a:effectRef>
+      <a:fontRef idx="minor"/>
+    </dgm:style>
+  </dgm:styleLbl>
+  <dgm:styleLbl name="bgShp">
+    <dgm:scene3d>
+      <a:camera prst="orthographicFront"/>
+      <a:lightRig rig="threePt" dir="t"/>
+    </dgm:scene3d>
+    <dgm:sp3d/>
+    <dgm:txPr/>
+    <dgm:style>
+      <a:lnRef idx="0">
+        <a:scrgbClr r="0" g="0" b="0"/>
+      </a:lnRef>
+      <a:fillRef idx="1">
+        <a:scrgbClr r="0" g="0" b="0"/>
+      </a:fillRef>
+      <a:effectRef idx="0">
+        <a:scrgbClr r="0" g="0" b="0"/>
+      </a:effectRef>
+      <a:fontRef idx="minor"/>
+    </dgm:style>
+  </dgm:styleLbl>
+  <dgm:styleLbl name="dkBgShp">
+    <dgm:scene3d>
+      <a:camera prst="orthographicFront"/>
+      <a:lightRig rig="threePt" dir="t"/>
+    </dgm:scene3d>
+    <dgm:sp3d/>
+    <dgm:txPr/>
+    <dgm:style>
+      <a:lnRef idx="0">
+        <a:scrgbClr r="0" g="0" b="0"/>
+      </a:lnRef>
+      <a:fillRef idx="1">
+        <a:scrgbClr r="0" g="0" b="0"/>
+      </a:fillRef>
+      <a:effectRef idx="0">
+        <a:scrgbClr r="0" g="0" b="0"/>
+      </a:effectRef>
+      <a:fontRef idx="minor"/>
+    </dgm:style>
+  </dgm:styleLbl>
+  <dgm:styleLbl name="trBgShp">
+    <dgm:scene3d>
+      <a:camera prst="orthographicFront"/>
+      <a:lightRig rig="threePt" dir="t"/>
+    </dgm:scene3d>
+    <dgm:sp3d/>
+    <dgm:txPr/>
+    <dgm:style>
+      <a:lnRef idx="0">
+        <a:scrgbClr r="0" g="0" b="0"/>
+      </a:lnRef>
+      <a:fillRef idx="1">
+        <a:scrgbClr r="0" g="0" b="0"/>
+      </a:fillRef>
+      <a:effectRef idx="0">
+        <a:scrgbClr r="0" g="0" b="0"/>
+      </a:effectRef>
+      <a:fontRef idx="minor"/>
+    </dgm:style>
+  </dgm:styleLbl>
+  <dgm:styleLbl name="fgShp">
+    <dgm:scene3d>
+      <a:camera prst="orthographicFront"/>
+      <a:lightRig rig="threePt" dir="t"/>
+    </dgm:scene3d>
+    <dgm:sp3d/>
+    <dgm:txPr/>
+    <dgm:style>
+      <a:lnRef idx="2">
+        <a:scrgbClr r="0" g="0" b="0"/>
+      </a:lnRef>
+      <a:fillRef idx="1">
+        <a:scrgbClr r="0" g="0" b="0"/>
+      </a:fillRef>
+      <a:effectRef idx="0">
+        <a:scrgbClr r="0" g="0" b="0"/>
+      </a:effectRef>
+      <a:fontRef idx="minor"/>
+    </dgm:style>
+  </dgm:styleLbl>
+  <dgm:styleLbl name="revTx">
+    <dgm:scene3d>
+      <a:camera prst="orthographicFront"/>
+      <a:lightRig rig="threePt" dir="t"/>
+    </dgm:scene3d>
+    <dgm:sp3d/>
+    <dgm:txPr/>
+    <dgm:style>
+      <a:lnRef idx="0">
+        <a:scrgbClr r="0" g="0" b="0"/>
+      </a:lnRef>
+      <a:fillRef idx="0">
+        <a:scrgbClr r="0" g="0" b="0"/>
+      </a:fillRef>
+      <a:effectRef idx="0">
+        <a:scrgbClr r="0" g="0" b="0"/>
+      </a:effectRef>
+      <a:fontRef idx="minor"/>
+    </dgm:style>
+  </dgm:styleLbl>
+</dgm:styleDef>
+</file>
+
+<file path=ppt/diagrams/quickStyle3.xml><?xml version="1.0" encoding="utf-8"?>
+<dgm:styleDef xmlns:dgm="http://schemas.openxmlformats.org/drawingml/2006/diagram" xmlns:a="http://schemas.openxmlformats.org/drawingml/2006/main" uniqueId="urn:microsoft.com/office/officeart/2005/8/quickstyle/simple1">
+  <dgm:title val=""/>
+  <dgm:desc val=""/>
+  <dgm:catLst>
+    <dgm:cat type="simple" pri="10100"/>
+  </dgm:catLst>
+  <dgm:scene3d>
+    <a:camera prst="orthographicFront"/>
+    <a:lightRig rig="threePt" dir="t"/>
+  </dgm:scene3d>
+  <dgm:styleLbl name="node0">
+    <dgm:scene3d>
+      <a:camera prst="orthographicFront"/>
+      <a:lightRig rig="threePt" dir="t"/>
+    </dgm:scene3d>
+    <dgm:sp3d/>
+    <dgm:txPr/>
+    <dgm:style>
+      <a:lnRef idx="2">
+        <a:scrgbClr r="0" g="0" b="0"/>
+      </a:lnRef>
+      <a:fillRef idx="1">
+        <a:scrgbClr r="0" g="0" b="0"/>
+      </a:fillRef>
+      <a:effectRef idx="0">
+        <a:scrgbClr r="0" g="0" b="0"/>
+      </a:effectRef>
+      <a:fontRef idx="minor">
+        <a:schemeClr val="lt1"/>
+      </a:fontRef>
+    </dgm:style>
+  </dgm:styleLbl>
+  <dgm:styleLbl name="lnNode1">
+    <dgm:scene3d>
+      <a:camera prst="orthographicFront"/>
+      <a:lightRig rig="threePt" dir="t"/>
+    </dgm:scene3d>
+    <dgm:sp3d/>
+    <dgm:txPr/>
+    <dgm:style>
+      <a:lnRef idx="2">
+        <a:scrgbClr r="0" g="0" b="0"/>
+      </a:lnRef>
+      <a:fillRef idx="1">
+        <a:scrgbClr r="0" g="0" b="0"/>
+      </a:fillRef>
+      <a:effectRef idx="0">
+        <a:scrgbClr r="0" g="0" b="0"/>
+      </a:effectRef>
+      <a:fontRef idx="minor">
+        <a:schemeClr val="lt1"/>
+      </a:fontRef>
+    </dgm:style>
+  </dgm:styleLbl>
+  <dgm:styleLbl name="vennNode1">
+    <dgm:scene3d>
+      <a:camera prst="orthographicFront"/>
+      <a:lightRig rig="threePt" dir="t"/>
+    </dgm:scene3d>
+    <dgm:sp3d/>
+    <dgm:txPr/>
+    <dgm:style>
+      <a:lnRef idx="2">
+        <a:scrgbClr r="0" g="0" b="0"/>
+      </a:lnRef>
+      <a:fillRef idx="1">
+        <a:scrgbClr r="0" g="0" b="0"/>
+      </a:fillRef>
+      <a:effectRef idx="0">
+        <a:scrgbClr r="0" g="0" b="0"/>
+      </a:effectRef>
+      <a:fontRef idx="minor">
+        <a:schemeClr val="tx1"/>
+      </a:fontRef>
+    </dgm:style>
+  </dgm:styleLbl>
+  <dgm:styleLbl name="alignNode1">
+    <dgm:scene3d>
+      <a:camera prst="orthographicFront"/>
+      <a:lightRig rig="threePt" dir="t"/>
+    </dgm:scene3d>
+    <dgm:sp3d/>
+    <dgm:txPr/>
+    <dgm:style>
+      <a:lnRef idx="2">
+        <a:scrgbClr r="0" g="0" b="0"/>
+      </a:lnRef>
+      <a:fillRef idx="1">
+        <a:scrgbClr r="0" g="0" b="0"/>
+      </a:fillRef>
+      <a:effectRef idx="0">
+        <a:scrgbClr r="0" g="0" b="0"/>
+      </a:effectRef>
+      <a:fontRef idx="minor">
+        <a:schemeClr val="lt1"/>
+      </a:fontRef>
+    </dgm:style>
+  </dgm:styleLbl>
+  <dgm:styleLbl name="node1">
+    <dgm:scene3d>
+      <a:camera prst="orthographicFront"/>
+      <a:lightRig rig="threePt" dir="t"/>
+    </dgm:scene3d>
+    <dgm:sp3d/>
+    <dgm:txPr/>
+    <dgm:style>
+      <a:lnRef idx="2">
+        <a:scrgbClr r="0" g="0" b="0"/>
+      </a:lnRef>
+      <a:fillRef idx="1">
+        <a:scrgbClr r="0" g="0" b="0"/>
+      </a:fillRef>
+      <a:effectRef idx="0">
+        <a:scrgbClr r="0" g="0" b="0"/>
+      </a:effectRef>
+      <a:fontRef idx="minor">
+        <a:schemeClr val="lt1"/>
+      </a:fontRef>
+    </dgm:style>
+  </dgm:styleLbl>
+  <dgm:styleLbl name="node2">
+    <dgm:scene3d>
+      <a:camera prst="orthographicFront"/>
+      <a:lightRig rig="threePt" dir="t"/>
+    </dgm:scene3d>
+    <dgm:sp3d/>
+    <dgm:txPr/>
+    <dgm:style>
+      <a:lnRef idx="2">
+        <a:scrgbClr r="0" g="0" b="0"/>
+      </a:lnRef>
+      <a:fillRef idx="1">
+        <a:scrgbClr r="0" g="0" b="0"/>
+      </a:fillRef>
+      <a:effectRef idx="0">
+        <a:scrgbClr r="0" g="0" b="0"/>
+      </a:effectRef>
+      <a:fontRef idx="minor">
+        <a:schemeClr val="lt1"/>
+      </a:fontRef>
+    </dgm:style>
+  </dgm:styleLbl>
+  <dgm:styleLbl name="node3">
+    <dgm:scene3d>
+      <a:camera prst="orthographicFront"/>
+      <a:lightRig rig="threePt" dir="t"/>
+    </dgm:scene3d>
+    <dgm:sp3d/>
+    <dgm:txPr/>
+    <dgm:style>
+      <a:lnRef idx="2">
+        <a:scrgbClr r="0" g="0" b="0"/>
+      </a:lnRef>
+      <a:fillRef idx="1">
+        <a:scrgbClr r="0" g="0" b="0"/>
+      </a:fillRef>
+      <a:effectRef idx="0">
+        <a:scrgbClr r="0" g="0" b="0"/>
+      </a:effectRef>
+      <a:fontRef idx="minor">
+        <a:schemeClr val="lt1"/>
+      </a:fontRef>
+    </dgm:style>
+  </dgm:styleLbl>
+  <dgm:styleLbl name="node4">
+    <dgm:scene3d>
+      <a:camera prst="orthographicFront"/>
+      <a:lightRig rig="threePt" dir="t"/>
+    </dgm:scene3d>
+    <dgm:sp3d/>
+    <dgm:txPr/>
+    <dgm:style>
+      <a:lnRef idx="2">
+        <a:scrgbClr r="0" g="0" b="0"/>
+      </a:lnRef>
+      <a:fillRef idx="1">
+        <a:scrgbClr r="0" g="0" b="0"/>
+      </a:fillRef>
+      <a:effectRef idx="0">
+        <a:scrgbClr r="0" g="0" b="0"/>
+      </a:effectRef>
+      <a:fontRef idx="minor">
+        <a:schemeClr val="lt1"/>
+      </a:fontRef>
+    </dgm:style>
+  </dgm:styleLbl>
+  <dgm:styleLbl name="fgImgPlace1">
+    <dgm:scene3d>
+      <a:camera prst="orthographicFront"/>
+      <a:lightRig rig="threePt" dir="t"/>
+    </dgm:scene3d>
+    <dgm:sp3d/>
+    <dgm:txPr/>
+    <dgm:style>
+      <a:lnRef idx="2">
+        <a:scrgbClr r="0" g="0" b="0"/>
+      </a:lnRef>
+      <a:fillRef idx="1">
+        <a:scrgbClr r="0" g="0" b="0"/>
+      </a:fillRef>
+      <a:effectRef idx="0">
+        <a:scrgbClr r="0" g="0" b="0"/>
+      </a:effectRef>
+      <a:fontRef idx="minor"/>
+    </dgm:style>
+  </dgm:styleLbl>
+  <dgm:styleLbl name="alignImgPlace1">
+    <dgm:scene3d>
+      <a:camera prst="orthographicFront"/>
+      <a:lightRig rig="threePt" dir="t"/>
+    </dgm:scene3d>
+    <dgm:sp3d/>
+    <dgm:txPr/>
+    <dgm:style>
+      <a:lnRef idx="2">
+        <a:scrgbClr r="0" g="0" b="0"/>
+      </a:lnRef>
+      <a:fillRef idx="1">
+        <a:scrgbClr r="0" g="0" b="0"/>
+      </a:fillRef>
+      <a:effectRef idx="0">
+        <a:scrgbClr r="0" g="0" b="0"/>
+      </a:effectRef>
+      <a:fontRef idx="minor"/>
+    </dgm:style>
+  </dgm:styleLbl>
+  <dgm:styleLbl name="bgImgPlace1">
+    <dgm:scene3d>
+      <a:camera prst="orthographicFront"/>
+      <a:lightRig rig="threePt" dir="t"/>
+    </dgm:scene3d>
+    <dgm:sp3d/>
+    <dgm:txPr/>
+    <dgm:style>
+      <a:lnRef idx="2">
+        <a:scrgbClr r="0" g="0" b="0"/>
+      </a:lnRef>
+      <a:fillRef idx="1">
+        <a:scrgbClr r="0" g="0" b="0"/>
+      </a:fillRef>
+      <a:effectRef idx="0">
+        <a:scrgbClr r="0" g="0" b="0"/>
+      </a:effectRef>
+      <a:fontRef idx="minor"/>
+    </dgm:style>
+  </dgm:styleLbl>
+  <dgm:styleLbl name="sibTrans2D1">
+    <dgm:scene3d>
+      <a:camera prst="orthographicFront"/>
+      <a:lightRig rig="threePt" dir="t"/>
+    </dgm:scene3d>
+    <dgm:sp3d/>
+    <dgm:txPr/>
+    <dgm:style>
+      <a:lnRef idx="0">
+        <a:scrgbClr r="0" g="0" b="0"/>
+      </a:lnRef>
+      <a:fillRef idx="1">
+        <a:scrgbClr r="0" g="0" b="0"/>
+      </a:fillRef>
+      <a:effectRef idx="0">
+        <a:scrgbClr r="0" g="0" b="0"/>
+      </a:effectRef>
+      <a:fontRef idx="minor">
+        <a:schemeClr val="lt1"/>
+      </a:fontRef>
+    </dgm:style>
+  </dgm:styleLbl>
+  <dgm:styleLbl name="fgSibTrans2D1">
+    <dgm:scene3d>
+      <a:camera prst="orthographicFront"/>
+      <a:lightRig rig="threePt" dir="t"/>
+    </dgm:scene3d>
+    <dgm:sp3d/>
+    <dgm:txPr/>
+    <dgm:style>
+      <a:lnRef idx="0">
+        <a:scrgbClr r="0" g="0" b="0"/>
+      </a:lnRef>
+      <a:fillRef idx="1">
+        <a:scrgbClr r="0" g="0" b="0"/>
+      </a:fillRef>
+      <a:effectRef idx="0">
+        <a:scrgbClr r="0" g="0" b="0"/>
+      </a:effectRef>
+      <a:fontRef idx="minor">
+        <a:schemeClr val="lt1"/>
+      </a:fontRef>
+    </dgm:style>
+  </dgm:styleLbl>
+  <dgm:styleLbl name="bgSibTrans2D1">
+    <dgm:scene3d>
+      <a:camera prst="orthographicFront"/>
+      <a:lightRig rig="threePt" dir="t"/>
+    </dgm:scene3d>
+    <dgm:sp3d/>
+    <dgm:txPr/>
+    <dgm:style>
+      <a:lnRef idx="0">
+        <a:scrgbClr r="0" g="0" b="0"/>
+      </a:lnRef>
+      <a:fillRef idx="1">
+        <a:scrgbClr r="0" g="0" b="0"/>
+      </a:fillRef>
+      <a:effectRef idx="0">
+        <a:scrgbClr r="0" g="0" b="0"/>
+      </a:effectRef>
+      <a:fontRef idx="minor">
+        <a:schemeClr val="lt1"/>
+      </a:fontRef>
+    </dgm:style>
+  </dgm:styleLbl>
+  <dgm:styleLbl name="sibTrans1D1">
+    <dgm:scene3d>
+      <a:camera prst="orthographicFront"/>
+      <a:lightRig rig="threePt" dir="t"/>
+    </dgm:scene3d>
+    <dgm:sp3d/>
+    <dgm:txPr/>
+    <dgm:style>
+      <a:lnRef idx="1">
+        <a:scrgbClr r="0" g="0" b="0"/>
+      </a:lnRef>
+      <a:fillRef idx="0">
+        <a:scrgbClr r="0" g="0" b="0"/>
+      </a:fillRef>
+      <a:effectRef idx="0">
+        <a:scrgbClr r="0" g="0" b="0"/>
+      </a:effectRef>
+      <a:fontRef idx="minor"/>
+    </dgm:style>
+  </dgm:styleLbl>
+  <dgm:styleLbl name="callout">
+    <dgm:scene3d>
+      <a:camera prst="orthographicFront"/>
+      <a:lightRig rig="threePt" dir="t"/>
+    </dgm:scene3d>
+    <dgm:sp3d/>
+    <dgm:txPr/>
+    <dgm:style>
+      <a:lnRef idx="2">
+        <a:scrgbClr r="0" g="0" b="0"/>
+      </a:lnRef>
+      <a:fillRef idx="1">
+        <a:scrgbClr r="0" g="0" b="0"/>
+      </a:fillRef>
+      <a:effectRef idx="0">
+        <a:scrgbClr r="0" g="0" b="0"/>
+      </a:effectRef>
+      <a:fontRef idx="minor"/>
+    </dgm:style>
+  </dgm:styleLbl>
+  <dgm:styleLbl name="asst0">
+    <dgm:scene3d>
+      <a:camera prst="orthographicFront"/>
+      <a:lightRig rig="threePt" dir="t"/>
+    </dgm:scene3d>
+    <dgm:sp3d/>
+    <dgm:txPr/>
+    <dgm:style>
+      <a:lnRef idx="2">
+        <a:scrgbClr r="0" g="0" b="0"/>
+      </a:lnRef>
+      <a:fillRef idx="1">
+        <a:scrgbClr r="0" g="0" b="0"/>
+      </a:fillRef>
+      <a:effectRef idx="0">
+        <a:scrgbClr r="0" g="0" b="0"/>
+      </a:effectRef>
+      <a:fontRef idx="minor">
+        <a:schemeClr val="lt1"/>
+      </a:fontRef>
+    </dgm:style>
+  </dgm:styleLbl>
+  <dgm:styleLbl name="asst1">
+    <dgm:scene3d>
+      <a:camera prst="orthographicFront"/>
+      <a:lightRig rig="threePt" dir="t"/>
+    </dgm:scene3d>
+    <dgm:sp3d/>
+    <dgm:txPr/>
+    <dgm:style>
+      <a:lnRef idx="2">
+        <a:scrgbClr r="0" g="0" b="0"/>
+      </a:lnRef>
+      <a:fillRef idx="1">
+        <a:scrgbClr r="0" g="0" b="0"/>
+      </a:fillRef>
+      <a:effectRef idx="0">
+        <a:scrgbClr r="0" g="0" b="0"/>
+      </a:effectRef>
+      <a:fontRef idx="minor">
+        <a:schemeClr val="lt1"/>
+      </a:fontRef>
+    </dgm:style>
+  </dgm:styleLbl>
+  <dgm:styleLbl name="asst2">
+    <dgm:scene3d>
+      <a:camera prst="orthographicFront"/>
+      <a:lightRig rig="threePt" dir="t"/>
+    </dgm:scene3d>
+    <dgm:sp3d/>
+    <dgm:txPr/>
+    <dgm:style>
+      <a:lnRef idx="2">
+        <a:scrgbClr r="0" g="0" b="0"/>
+      </a:lnRef>
+      <a:fillRef idx="1">
+        <a:scrgbClr r="0" g="0" b="0"/>
+      </a:fillRef>
+      <a:effectRef idx="0">
+        <a:scrgbClr r="0" g="0" b="0"/>
+      </a:effectRef>
+      <a:fontRef idx="minor">
+        <a:schemeClr val="lt1"/>
+      </a:fontRef>
+    </dgm:style>
+  </dgm:styleLbl>
+  <dgm:styleLbl name="asst3">
+    <dgm:scene3d>
+      <a:camera prst="orthographicFront"/>
+      <a:lightRig rig="threePt" dir="t"/>
+    </dgm:scene3d>
+    <dgm:sp3d/>
+    <dgm:txPr/>
+    <dgm:style>
+      <a:lnRef idx="2">
+        <a:scrgbClr r="0" g="0" b="0"/>
+      </a:lnRef>
+      <a:fillRef idx="1">
+        <a:scrgbClr r="0" g="0" b="0"/>
+      </a:fillRef>
+      <a:effectRef idx="0">
+        <a:scrgbClr r="0" g="0" b="0"/>
+      </a:effectRef>
+      <a:fontRef idx="minor">
+        <a:schemeClr val="lt1"/>
+      </a:fontRef>
+    </dgm:style>
+  </dgm:styleLbl>
+  <dgm:styleLbl name="asst4">
+    <dgm:scene3d>
+      <a:camera prst="orthographicFront"/>
+      <a:lightRig rig="threePt" dir="t"/>
+    </dgm:scene3d>
+    <dgm:sp3d/>
+    <dgm:txPr/>
+    <dgm:style>
+      <a:lnRef idx="2">
+        <a:scrgbClr r="0" g="0" b="0"/>
+      </a:lnRef>
+      <a:fillRef idx="1">
+        <a:scrgbClr r="0" g="0" b="0"/>
+      </a:fillRef>
+      <a:effectRef idx="0">
+        <a:scrgbClr r="0" g="0" b="0"/>
+      </a:effectRef>
+      <a:fontRef idx="minor">
+        <a:schemeClr val="lt1"/>
+      </a:fontRef>
+    </dgm:style>
+  </dgm:styleLbl>
+  <dgm:styleLbl name="parChTrans2D1">
+    <dgm:scene3d>
+      <a:camera prst="orthographicFront"/>
+      <a:lightRig rig="threePt" dir="t"/>
+    </dgm:scene3d>
+    <dgm:sp3d/>
+    <dgm:txPr/>
+    <dgm:style>
+      <a:lnRef idx="2">
+        <a:scrgbClr r="0" g="0" b="0"/>
+      </a:lnRef>
+      <a:fillRef idx="1">
+        <a:scrgbClr r="0" g="0" b="0"/>
+      </a:fillRef>
+      <a:effectRef idx="0">
+        <a:scrgbClr r="0" g="0" b="0"/>
+      </a:effectRef>
+      <a:fontRef idx="minor">
+        <a:schemeClr val="lt1"/>
+      </a:fontRef>
+    </dgm:style>
+  </dgm:styleLbl>
+  <dgm:styleLbl name="parChTrans2D2">
+    <dgm:scene3d>
+      <a:camera prst="orthographicFront"/>
+      <a:lightRig rig="threePt" dir="t"/>
+    </dgm:scene3d>
+    <dgm:sp3d/>
+    <dgm:txPr/>
+    <dgm:style>
+      <a:lnRef idx="2">
+        <a:scrgbClr r="0" g="0" b="0"/>
+      </a:lnRef>
+      <a:fillRef idx="1">
+        <a:scrgbClr r="0" g="0" b="0"/>
+      </a:fillRef>
+      <a:effectRef idx="0">
+        <a:scrgbClr r="0" g="0" b="0"/>
+      </a:effectRef>
+      <a:fontRef idx="minor">
+        <a:schemeClr val="lt1"/>
+      </a:fontRef>
+    </dgm:style>
+  </dgm:styleLbl>
+  <dgm:styleLbl name="parChTrans2D3">
+    <dgm:scene3d>
+      <a:camera prst="orthographicFront"/>
+      <a:lightRig rig="threePt" dir="t"/>
+    </dgm:scene3d>
+    <dgm:sp3d/>
+    <dgm:txPr/>
+    <dgm:style>
+      <a:lnRef idx="2">
+        <a:scrgbClr r="0" g="0" b="0"/>
+      </a:lnRef>
+      <a:fillRef idx="1">
+        <a:scrgbClr r="0" g="0" b="0"/>
+      </a:fillRef>
+      <a:effectRef idx="0">
+        <a:scrgbClr r="0" g="0" b="0"/>
+      </a:effectRef>
+      <a:fontRef idx="minor">
+        <a:schemeClr val="lt1"/>
+      </a:fontRef>
+    </dgm:style>
+  </dgm:styleLbl>
+  <dgm:styleLbl name="parChTrans2D4">
+    <dgm:scene3d>
+      <a:camera prst="orthographicFront"/>
+      <a:lightRig rig="threePt" dir="t"/>
+    </dgm:scene3d>
+    <dgm:sp3d/>
+    <dgm:txPr/>
+    <dgm:style>
+      <a:lnRef idx="2">
+        <a:scrgbClr r="0" g="0" b="0"/>
+      </a:lnRef>
+      <a:fillRef idx="1">
+        <a:scrgbClr r="0" g="0" b="0"/>
+      </a:fillRef>
+      <a:effectRef idx="0">
+        <a:scrgbClr r="0" g="0" b="0"/>
+      </a:effectRef>
+      <a:fontRef idx="minor">
+        <a:schemeClr val="lt1"/>
+      </a:fontRef>
+    </dgm:style>
+  </dgm:styleLbl>
+  <dgm:styleLbl name="parChTrans1D1">
+    <dgm:scene3d>
+      <a:camera prst="orthographicFront"/>
+      <a:lightRig rig="threePt" dir="t"/>
+    </dgm:scene3d>
+    <dgm:sp3d/>
+    <dgm:txPr/>
+    <dgm:style>
+      <a:lnRef idx="2">
+        <a:scrgbClr r="0" g="0" b="0"/>
+      </a:lnRef>
+      <a:fillRef idx="0">
+        <a:scrgbClr r="0" g="0" b="0"/>
+      </a:fillRef>
+      <a:effectRef idx="0">
+        <a:scrgbClr r="0" g="0" b="0"/>
+      </a:effectRef>
+      <a:fontRef idx="minor"/>
+    </dgm:style>
+  </dgm:styleLbl>
+  <dgm:styleLbl name="parChTrans1D2">
+    <dgm:scene3d>
+      <a:camera prst="orthographicFront"/>
+      <a:lightRig rig="threePt" dir="t"/>
+    </dgm:scene3d>
+    <dgm:sp3d/>
+    <dgm:txPr/>
+    <dgm:style>
+      <a:lnRef idx="2">
+        <a:scrgbClr r="0" g="0" b="0"/>
+      </a:lnRef>
+      <a:fillRef idx="0">
+        <a:scrgbClr r="0" g="0" b="0"/>
+      </a:fillRef>
+      <a:effectRef idx="0">
+        <a:scrgbClr r="0" g="0" b="0"/>
+      </a:effectRef>
+      <a:fontRef idx="minor"/>
+    </dgm:style>
+  </dgm:styleLbl>
+  <dgm:styleLbl name="parChTrans1D3">
+    <dgm:scene3d>
+      <a:camera prst="orthographicFront"/>
+      <a:lightRig rig="threePt" dir="t"/>
+    </dgm:scene3d>
+    <dgm:sp3d/>
+    <dgm:txPr/>
+    <dgm:style>
+      <a:lnRef idx="2">
+        <a:scrgbClr r="0" g="0" b="0"/>
+      </a:lnRef>
+      <a:fillRef idx="0">
+        <a:scrgbClr r="0" g="0" b="0"/>
+      </a:fillRef>
+      <a:effectRef idx="0">
+        <a:scrgbClr r="0" g="0" b="0"/>
+      </a:effectRef>
+      <a:fontRef idx="minor"/>
+    </dgm:style>
+  </dgm:styleLbl>
+  <dgm:styleLbl name="parChTrans1D4">
+    <dgm:scene3d>
+      <a:camera prst="orthographicFront"/>
+      <a:lightRig rig="threePt" dir="t"/>
+    </dgm:scene3d>
+    <dgm:sp3d/>
+    <dgm:txPr/>
+    <dgm:style>
+      <a:lnRef idx="2">
+        <a:scrgbClr r="0" g="0" b="0"/>
+      </a:lnRef>
+      <a:fillRef idx="0">
+        <a:scrgbClr r="0" g="0" b="0"/>
+      </a:fillRef>
+      <a:effectRef idx="0">
+        <a:scrgbClr r="0" g="0" b="0"/>
+      </a:effectRef>
+      <a:fontRef idx="minor"/>
+    </dgm:style>
+  </dgm:styleLbl>
+  <dgm:styleLbl name="fgAcc1">
+    <dgm:scene3d>
+      <a:camera prst="orthographicFront"/>
+      <a:lightRig rig="threePt" dir="t"/>
+    </dgm:scene3d>
+    <dgm:sp3d/>
+    <dgm:txPr/>
+    <dgm:style>
+      <a:lnRef idx="2">
+        <a:scrgbClr r="0" g="0" b="0"/>
+      </a:lnRef>
+      <a:fillRef idx="1">
+        <a:scrgbClr r="0" g="0" b="0"/>
+      </a:fillRef>
+      <a:effectRef idx="0">
+        <a:scrgbClr r="0" g="0" b="0"/>
+      </a:effectRef>
+      <a:fontRef idx="minor"/>
+    </dgm:style>
+  </dgm:styleLbl>
+  <dgm:styleLbl name="conFgAcc1">
+    <dgm:scene3d>
+      <a:camera prst="orthographicFront"/>
+      <a:lightRig rig="threePt" dir="t"/>
+    </dgm:scene3d>
+    <dgm:sp3d/>
+    <dgm:txPr/>
+    <dgm:style>
+      <a:lnRef idx="2">
+        <a:scrgbClr r="0" g="0" b="0"/>
+      </a:lnRef>
+      <a:fillRef idx="1">
+        <a:scrgbClr r="0" g="0" b="0"/>
+      </a:fillRef>
+      <a:effectRef idx="0">
+        <a:scrgbClr r="0" g="0" b="0"/>
+      </a:effectRef>
+      <a:fontRef idx="minor"/>
+    </dgm:style>
+  </dgm:styleLbl>
+  <dgm:styleLbl name="alignAcc1">
+    <dgm:scene3d>
+      <a:camera prst="orthographicFront"/>
+      <a:lightRig rig="threePt" dir="t"/>
+    </dgm:scene3d>
+    <dgm:sp3d/>
+    <dgm:txPr/>
+    <dgm:style>
+      <a:lnRef idx="2">
+        <a:scrgbClr r="0" g="0" b="0"/>
+      </a:lnRef>
+      <a:fillRef idx="1">
+        <a:scrgbClr r="0" g="0" b="0"/>
+      </a:fillRef>
+      <a:effectRef idx="0">
+        <a:scrgbClr r="0" g="0" b="0"/>
+      </a:effectRef>
+      <a:fontRef idx="minor"/>
+    </dgm:style>
+  </dgm:styleLbl>
+  <dgm:styleLbl name="trAlignAcc1">
+    <dgm:scene3d>
+      <a:camera prst="orthographicFront"/>
+      <a:lightRig rig="threePt" dir="t"/>
+    </dgm:scene3d>
+    <dgm:sp3d/>
+    <dgm:txPr/>
+    <dgm:style>
+      <a:lnRef idx="1">
+        <a:scrgbClr r="0" g="0" b="0"/>
+      </a:lnRef>
+      <a:fillRef idx="1">
+        <a:scrgbClr r="0" g="0" b="0"/>
+      </a:fillRef>
+      <a:effectRef idx="0">
+        <a:scrgbClr r="0" g="0" b="0"/>
+      </a:effectRef>
+      <a:fontRef idx="minor"/>
+    </dgm:style>
+  </dgm:styleLbl>
+  <dgm:styleLbl name="bgAcc1">
+    <dgm:scene3d>
+      <a:camera prst="orthographicFront"/>
+      <a:lightRig rig="threePt" dir="t"/>
+    </dgm:scene3d>
+    <dgm:sp3d/>
+    <dgm:txPr/>
+    <dgm:style>
+      <a:lnRef idx="2">
+        <a:scrgbClr r="0" g="0" b="0"/>
+      </a:lnRef>
+      <a:fillRef idx="1">
+        <a:scrgbClr r="0" g="0" b="0"/>
+      </a:fillRef>
+      <a:effectRef idx="0">
+        <a:scrgbClr r="0" g="0" b="0"/>
+      </a:effectRef>
+      <a:fontRef idx="minor"/>
+    </dgm:style>
+  </dgm:styleLbl>
+  <dgm:styleLbl name="solidFgAcc1">
+    <dgm:scene3d>
+      <a:camera prst="orthographicFront"/>
+      <a:lightRig rig="threePt" dir="t"/>
+    </dgm:scene3d>
+    <dgm:sp3d/>
+    <dgm:txPr/>
+    <dgm:style>
+      <a:lnRef idx="2">
+        <a:scrgbClr r="0" g="0" b="0"/>
+      </a:lnRef>
+      <a:fillRef idx="1">
+        <a:scrgbClr r="0" g="0" b="0"/>
+      </a:fillRef>
+      <a:effectRef idx="0">
+        <a:scrgbClr r="0" g="0" b="0"/>
+      </a:effectRef>
+      <a:fontRef idx="minor"/>
+    </dgm:style>
+  </dgm:styleLbl>
+  <dgm:styleLbl name="solidAlignAcc1">
+    <dgm:scene3d>
+      <a:camera prst="orthographicFront"/>
+      <a:lightRig rig="threePt" dir="t"/>
+    </dgm:scene3d>
+    <dgm:sp3d/>
+    <dgm:txPr/>
+    <dgm:style>
+      <a:lnRef idx="2">
+        <a:scrgbClr r="0" g="0" b="0"/>
+      </a:lnRef>
+      <a:fillRef idx="1">
+        <a:scrgbClr r="0" g="0" b="0"/>
+      </a:fillRef>
+      <a:effectRef idx="0">
+        <a:scrgbClr r="0" g="0" b="0"/>
+      </a:effectRef>
+      <a:fontRef idx="minor"/>
+    </dgm:style>
+  </dgm:styleLbl>
+  <dgm:styleLbl name="solidBgAcc1">
+    <dgm:scene3d>
+      <a:camera prst="orthographicFront"/>
+      <a:lightRig rig="threePt" dir="t"/>
+    </dgm:scene3d>
+    <dgm:sp3d/>
+    <dgm:txPr/>
+    <dgm:style>
+      <a:lnRef idx="2">
+        <a:scrgbClr r="0" g="0" b="0"/>
+      </a:lnRef>
+      <a:fillRef idx="1">
+        <a:scrgbClr r="0" g="0" b="0"/>
+      </a:fillRef>
+      <a:effectRef idx="0">
+        <a:scrgbClr r="0" g="0" b="0"/>
+      </a:effectRef>
+      <a:fontRef idx="minor"/>
+    </dgm:style>
+  </dgm:styleLbl>
+  <dgm:styleLbl name="fgAccFollowNode1">
+    <dgm:scene3d>
+      <a:camera prst="orthographicFront"/>
+      <a:lightRig rig="threePt" dir="t"/>
+    </dgm:scene3d>
+    <dgm:sp3d/>
+    <dgm:txPr/>
+    <dgm:style>
+      <a:lnRef idx="2">
+        <a:scrgbClr r="0" g="0" b="0"/>
+      </a:lnRef>
+      <a:fillRef idx="1">
+        <a:scrgbClr r="0" g="0" b="0"/>
+      </a:fillRef>
+      <a:effectRef idx="0">
+        <a:scrgbClr r="0" g="0" b="0"/>
+      </a:effectRef>
+      <a:fontRef idx="minor"/>
+    </dgm:style>
+  </dgm:styleLbl>
+  <dgm:styleLbl name="alignAccFollowNode1">
+    <dgm:scene3d>
+      <a:camera prst="orthographicFront"/>
+      <a:lightRig rig="threePt" dir="t"/>
+    </dgm:scene3d>
+    <dgm:sp3d/>
+    <dgm:txPr/>
+    <dgm:style>
+      <a:lnRef idx="2">
+        <a:scrgbClr r="0" g="0" b="0"/>
+      </a:lnRef>
+      <a:fillRef idx="1">
+        <a:scrgbClr r="0" g="0" b="0"/>
+      </a:fillRef>
+      <a:effectRef idx="0">
+        <a:scrgbClr r="0" g="0" b="0"/>
+      </a:effectRef>
+      <a:fontRef idx="minor"/>
+    </dgm:style>
+  </dgm:styleLbl>
+  <dgm:styleLbl name="bgAccFollowNode1">
+    <dgm:scene3d>
+      <a:camera prst="orthographicFront"/>
+      <a:lightRig rig="threePt" dir="t"/>
+    </dgm:scene3d>
+    <dgm:sp3d/>
+    <dgm:txPr/>
+    <dgm:style>
+      <a:lnRef idx="2">
+        <a:scrgbClr r="0" g="0" b="0"/>
+      </a:lnRef>
+      <a:fillRef idx="1">
+        <a:scrgbClr r="0" g="0" b="0"/>
+      </a:fillRef>
+      <a:effectRef idx="0">
+        <a:scrgbClr r="0" g="0" b="0"/>
+      </a:effectRef>
+      <a:fontRef idx="minor"/>
+    </dgm:style>
+  </dgm:styleLbl>
+  <dgm:styleLbl name="fgAcc0">
+    <dgm:scene3d>
+      <a:camera prst="orthographicFront"/>
+      <a:lightRig rig="threePt" dir="t"/>
+    </dgm:scene3d>
+    <dgm:sp3d/>
+    <dgm:txPr/>
+    <dgm:style>
+      <a:lnRef idx="2">
+        <a:scrgbClr r="0" g="0" b="0"/>
+      </a:lnRef>
+      <a:fillRef idx="1">
+        <a:scrgbClr r="0" g="0" b="0"/>
+      </a:fillRef>
+      <a:effectRef idx="0">
+        <a:scrgbClr r="0" g="0" b="0"/>
+      </a:effectRef>
+      <a:fontRef idx="minor"/>
+    </dgm:style>
+  </dgm:styleLbl>
+  <dgm:styleLbl name="fgAcc2">
+    <dgm:scene3d>
+      <a:camera prst="orthographicFront"/>
+      <a:lightRig rig="threePt" dir="t"/>
+    </dgm:scene3d>
+    <dgm:sp3d/>
+    <dgm:txPr/>
+    <dgm:style>
+      <a:lnRef idx="2">
+        <a:scrgbClr r="0" g="0" b="0"/>
+      </a:lnRef>
+      <a:fillRef idx="1">
+        <a:scrgbClr r="0" g="0" b="0"/>
+      </a:fillRef>
+      <a:effectRef idx="0">
+        <a:scrgbClr r="0" g="0" b="0"/>
+      </a:effectRef>
+      <a:fontRef idx="minor"/>
+    </dgm:style>
+  </dgm:styleLbl>
+  <dgm:styleLbl name="fgAcc3">
+    <dgm:scene3d>
+      <a:camera prst="orthographicFront"/>
+      <a:lightRig rig="threePt" dir="t"/>
+    </dgm:scene3d>
+    <dgm:sp3d/>
+    <dgm:txPr/>
+    <dgm:style>
+      <a:lnRef idx="2">
+        <a:scrgbClr r="0" g="0" b="0"/>
+      </a:lnRef>
+      <a:fillRef idx="1">
+        <a:scrgbClr r="0" g="0" b="0"/>
+      </a:fillRef>
+      <a:effectRef idx="0">
+        <a:scrgbClr r="0" g="0" b="0"/>
+      </a:effectRef>
+      <a:fontRef idx="minor"/>
+    </dgm:style>
+  </dgm:styleLbl>
+  <dgm:styleLbl name="fgAcc4">
+    <dgm:scene3d>
+      <a:camera prst="orthographicFront"/>
+      <a:lightRig rig="threePt" dir="t"/>
+    </dgm:scene3d>
+    <dgm:sp3d/>
+    <dgm:txPr/>
+    <dgm:style>
+      <a:lnRef idx="2">
+        <a:scrgbClr r="0" g="0" b="0"/>
+      </a:lnRef>
+      <a:fillRef idx="1">
+        <a:scrgbClr r="0" g="0" b="0"/>
+      </a:fillRef>
+      <a:effectRef idx="0">
+        <a:scrgbClr r="0" g="0" b="0"/>
+      </a:effectRef>
+      <a:fontRef idx="minor"/>
+    </dgm:style>
+  </dgm:styleLbl>
+  <dgm:styleLbl name="bgShp">
+    <dgm:scene3d>
+      <a:camera prst="orthographicFront"/>
+      <a:lightRig rig="threePt" dir="t"/>
+    </dgm:scene3d>
+    <dgm:sp3d/>
+    <dgm:txPr/>
+    <dgm:style>
+      <a:lnRef idx="0">
+        <a:scrgbClr r="0" g="0" b="0"/>
+      </a:lnRef>
+      <a:fillRef idx="1">
+        <a:scrgbClr r="0" g="0" b="0"/>
+      </a:fillRef>
+      <a:effectRef idx="0">
+        <a:scrgbClr r="0" g="0" b="0"/>
+      </a:effectRef>
+      <a:fontRef idx="minor"/>
+    </dgm:style>
+  </dgm:styleLbl>
+  <dgm:styleLbl name="dkBgShp">
+    <dgm:scene3d>
+      <a:camera prst="orthographicFront"/>
+      <a:lightRig rig="threePt" dir="t"/>
+    </dgm:scene3d>
+    <dgm:sp3d/>
+    <dgm:txPr/>
+    <dgm:style>
+      <a:lnRef idx="0">
+        <a:scrgbClr r="0" g="0" b="0"/>
+      </a:lnRef>
+      <a:fillRef idx="1">
+        <a:scrgbClr r="0" g="0" b="0"/>
+      </a:fillRef>
+      <a:effectRef idx="0">
+        <a:scrgbClr r="0" g="0" b="0"/>
+      </a:effectRef>
+      <a:fontRef idx="minor"/>
+    </dgm:style>
+  </dgm:styleLbl>
+  <dgm:styleLbl name="trBgShp">
+    <dgm:scene3d>
+      <a:camera prst="orthographicFront"/>
+      <a:lightRig rig="threePt" dir="t"/>
+    </dgm:scene3d>
+    <dgm:sp3d/>
+    <dgm:txPr/>
+    <dgm:style>
+      <a:lnRef idx="0">
+        <a:scrgbClr r="0" g="0" b="0"/>
+      </a:lnRef>
+      <a:fillRef idx="1">
+        <a:scrgbClr r="0" g="0" b="0"/>
+      </a:fillRef>
+      <a:effectRef idx="0">
+        <a:scrgbClr r="0" g="0" b="0"/>
+      </a:effectRef>
+      <a:fontRef idx="minor"/>
+    </dgm:style>
+  </dgm:styleLbl>
+  <dgm:styleLbl name="fgShp">
+    <dgm:scene3d>
+      <a:camera prst="orthographicFront"/>
+      <a:lightRig rig="threePt" dir="t"/>
+    </dgm:scene3d>
+    <dgm:sp3d/>
+    <dgm:txPr/>
+    <dgm:style>
+      <a:lnRef idx="2">
+        <a:scrgbClr r="0" g="0" b="0"/>
+      </a:lnRef>
+      <a:fillRef idx="1">
+        <a:scrgbClr r="0" g="0" b="0"/>
+      </a:fillRef>
+      <a:effectRef idx="0">
         <a:scrgbClr r="0" g="0" b="0"/>
       </a:effectRef>
       <a:fontRef idx="minor"/>
@@ -5908,7 +11918,7 @@
           <a:p>
             <a:fld id="{F685A47D-EFC9-488A-898F-323BF2EBD74D}" type="datetimeFigureOut">
               <a:rPr lang="de-DE" smtClean="0"/>
-              <a:t>31.07.2018</a:t>
+              <a:t>07.08.2018</a:t>
             </a:fld>
             <a:endParaRPr lang="de-DE"/>
           </a:p>
@@ -6106,7 +12116,7 @@
           <a:p>
             <a:fld id="{F685A47D-EFC9-488A-898F-323BF2EBD74D}" type="datetimeFigureOut">
               <a:rPr lang="de-DE" smtClean="0"/>
-              <a:t>31.07.2018</a:t>
+              <a:t>07.08.2018</a:t>
             </a:fld>
             <a:endParaRPr lang="de-DE"/>
           </a:p>
@@ -6314,7 +12324,7 @@
           <a:p>
             <a:fld id="{F685A47D-EFC9-488A-898F-323BF2EBD74D}" type="datetimeFigureOut">
               <a:rPr lang="de-DE" smtClean="0"/>
-              <a:t>31.07.2018</a:t>
+              <a:t>07.08.2018</a:t>
             </a:fld>
             <a:endParaRPr lang="de-DE"/>
           </a:p>
@@ -6512,7 +12522,7 @@
           <a:p>
             <a:fld id="{F685A47D-EFC9-488A-898F-323BF2EBD74D}" type="datetimeFigureOut">
               <a:rPr lang="de-DE" smtClean="0"/>
-              <a:t>31.07.2018</a:t>
+              <a:t>07.08.2018</a:t>
             </a:fld>
             <a:endParaRPr lang="de-DE"/>
           </a:p>
@@ -6787,7 +12797,7 @@
           <a:p>
             <a:fld id="{F685A47D-EFC9-488A-898F-323BF2EBD74D}" type="datetimeFigureOut">
               <a:rPr lang="de-DE" smtClean="0"/>
-              <a:t>31.07.2018</a:t>
+              <a:t>07.08.2018</a:t>
             </a:fld>
             <a:endParaRPr lang="de-DE"/>
           </a:p>
@@ -7052,7 +13062,7 @@
           <a:p>
             <a:fld id="{F685A47D-EFC9-488A-898F-323BF2EBD74D}" type="datetimeFigureOut">
               <a:rPr lang="de-DE" smtClean="0"/>
-              <a:t>31.07.2018</a:t>
+              <a:t>07.08.2018</a:t>
             </a:fld>
             <a:endParaRPr lang="de-DE"/>
           </a:p>
@@ -7464,7 +13474,7 @@
           <a:p>
             <a:fld id="{F685A47D-EFC9-488A-898F-323BF2EBD74D}" type="datetimeFigureOut">
               <a:rPr lang="de-DE" smtClean="0"/>
-              <a:t>31.07.2018</a:t>
+              <a:t>07.08.2018</a:t>
             </a:fld>
             <a:endParaRPr lang="de-DE"/>
           </a:p>
@@ -7605,7 +13615,7 @@
           <a:p>
             <a:fld id="{F685A47D-EFC9-488A-898F-323BF2EBD74D}" type="datetimeFigureOut">
               <a:rPr lang="de-DE" smtClean="0"/>
-              <a:t>31.07.2018</a:t>
+              <a:t>07.08.2018</a:t>
             </a:fld>
             <a:endParaRPr lang="de-DE"/>
           </a:p>
@@ -7718,7 +13728,7 @@
           <a:p>
             <a:fld id="{F685A47D-EFC9-488A-898F-323BF2EBD74D}" type="datetimeFigureOut">
               <a:rPr lang="de-DE" smtClean="0"/>
-              <a:t>31.07.2018</a:t>
+              <a:t>07.08.2018</a:t>
             </a:fld>
             <a:endParaRPr lang="de-DE"/>
           </a:p>
@@ -8029,7 +14039,7 @@
           <a:p>
             <a:fld id="{F685A47D-EFC9-488A-898F-323BF2EBD74D}" type="datetimeFigureOut">
               <a:rPr lang="de-DE" smtClean="0"/>
-              <a:t>31.07.2018</a:t>
+              <a:t>07.08.2018</a:t>
             </a:fld>
             <a:endParaRPr lang="de-DE"/>
           </a:p>
@@ -8317,7 +14327,7 @@
           <a:p>
             <a:fld id="{F685A47D-EFC9-488A-898F-323BF2EBD74D}" type="datetimeFigureOut">
               <a:rPr lang="de-DE" smtClean="0"/>
-              <a:t>31.07.2018</a:t>
+              <a:t>07.08.2018</a:t>
             </a:fld>
             <a:endParaRPr lang="de-DE"/>
           </a:p>
@@ -8558,7 +14568,7 @@
           <a:p>
             <a:fld id="{F685A47D-EFC9-488A-898F-323BF2EBD74D}" type="datetimeFigureOut">
               <a:rPr lang="de-DE" smtClean="0"/>
-              <a:t>31.07.2018</a:t>
+              <a:t>07.08.2018</a:t>
             </a:fld>
             <a:endParaRPr lang="de-DE"/>
           </a:p>
@@ -9601,6 +15611,140 @@
 </p:sld>
 </file>
 
+<file path=ppt/slides/slide3.xml><?xml version="1.0" encoding="utf-8"?>
+<p:sld xmlns:a="http://schemas.openxmlformats.org/drawingml/2006/main" xmlns:r="http://schemas.openxmlformats.org/officeDocument/2006/relationships" xmlns:p="http://schemas.openxmlformats.org/presentationml/2006/main">
+  <p:cSld>
+    <p:spTree>
+      <p:nvGrpSpPr>
+        <p:cNvPr id="1" name=""/>
+        <p:cNvGrpSpPr/>
+        <p:nvPr/>
+      </p:nvGrpSpPr>
+      <p:grpSpPr>
+        <a:xfrm>
+          <a:off x="0" y="0"/>
+          <a:ext cx="0" cy="0"/>
+          <a:chOff x="0" y="0"/>
+          <a:chExt cx="0" cy="0"/>
+        </a:xfrm>
+      </p:grpSpPr>
+      <p:graphicFrame>
+        <p:nvGraphicFramePr>
+          <p:cNvPr id="2" name="Diagramm 1"/>
+          <p:cNvGraphicFramePr/>
+          <p:nvPr>
+            <p:extLst>
+              <p:ext uri="{D42A27DB-BD31-4B8C-83A1-F6EECF244321}">
+                <p14:modId xmlns:p14="http://schemas.microsoft.com/office/powerpoint/2010/main" val="1070395434"/>
+              </p:ext>
+            </p:extLst>
+          </p:nvPr>
+        </p:nvGraphicFramePr>
+        <p:xfrm>
+          <a:off x="2032000" y="719666"/>
+          <a:ext cx="8128000" cy="5418667"/>
+        </p:xfrm>
+        <a:graphic>
+          <a:graphicData uri="http://schemas.openxmlformats.org/drawingml/2006/diagram">
+            <dgm:relIds xmlns:dgm="http://schemas.openxmlformats.org/drawingml/2006/diagram" xmlns:r="http://schemas.openxmlformats.org/officeDocument/2006/relationships" r:dm="rId2" r:lo="rId3" r:qs="rId4" r:cs="rId5"/>
+          </a:graphicData>
+        </a:graphic>
+      </p:graphicFrame>
+    </p:spTree>
+    <p:extLst>
+      <p:ext uri="{BB962C8B-B14F-4D97-AF65-F5344CB8AC3E}">
+        <p14:creationId xmlns:p14="http://schemas.microsoft.com/office/powerpoint/2010/main" val="2743503359"/>
+      </p:ext>
+    </p:extLst>
+  </p:cSld>
+  <p:clrMapOvr>
+    <a:masterClrMapping/>
+  </p:clrMapOvr>
+</p:sld>
+</file>
+
+<file path=ppt/slides/slide4.xml><?xml version="1.0" encoding="utf-8"?>
+<p:sld xmlns:a="http://schemas.openxmlformats.org/drawingml/2006/main" xmlns:r="http://schemas.openxmlformats.org/officeDocument/2006/relationships" xmlns:p="http://schemas.openxmlformats.org/presentationml/2006/main">
+  <p:cSld>
+    <p:spTree>
+      <p:nvGrpSpPr>
+        <p:cNvPr id="1" name=""/>
+        <p:cNvGrpSpPr/>
+        <p:nvPr/>
+      </p:nvGrpSpPr>
+      <p:grpSpPr>
+        <a:xfrm>
+          <a:off x="0" y="0"/>
+          <a:ext cx="0" cy="0"/>
+          <a:chOff x="0" y="0"/>
+          <a:chExt cx="0" cy="0"/>
+        </a:xfrm>
+      </p:grpSpPr>
+      <p:graphicFrame>
+        <p:nvGraphicFramePr>
+          <p:cNvPr id="2" name="Diagramm 1"/>
+          <p:cNvGraphicFramePr/>
+          <p:nvPr>
+            <p:extLst>
+              <p:ext uri="{D42A27DB-BD31-4B8C-83A1-F6EECF244321}">
+                <p14:modId xmlns:p14="http://schemas.microsoft.com/office/powerpoint/2010/main" val="1219024800"/>
+              </p:ext>
+            </p:extLst>
+          </p:nvPr>
+        </p:nvGraphicFramePr>
+        <p:xfrm>
+          <a:off x="2032000" y="719666"/>
+          <a:ext cx="8128000" cy="5418667"/>
+        </p:xfrm>
+        <a:graphic>
+          <a:graphicData uri="http://schemas.openxmlformats.org/drawingml/2006/diagram">
+            <dgm:relIds xmlns:dgm="http://schemas.openxmlformats.org/drawingml/2006/diagram" xmlns:r="http://schemas.openxmlformats.org/officeDocument/2006/relationships" r:dm="rId2" r:lo="rId3" r:qs="rId4" r:cs="rId5"/>
+          </a:graphicData>
+        </a:graphic>
+      </p:graphicFrame>
+    </p:spTree>
+    <p:extLst>
+      <p:ext uri="{BB962C8B-B14F-4D97-AF65-F5344CB8AC3E}">
+        <p14:creationId xmlns:p14="http://schemas.microsoft.com/office/powerpoint/2010/main" val="2830823636"/>
+      </p:ext>
+    </p:extLst>
+  </p:cSld>
+  <p:clrMapOvr>
+    <a:masterClrMapping/>
+  </p:clrMapOvr>
+</p:sld>
+</file>
+
+<file path=ppt/slides/slide5.xml><?xml version="1.0" encoding="utf-8"?>
+<p:sld xmlns:a="http://schemas.openxmlformats.org/drawingml/2006/main" xmlns:r="http://schemas.openxmlformats.org/officeDocument/2006/relationships" xmlns:p="http://schemas.openxmlformats.org/presentationml/2006/main">
+  <p:cSld>
+    <p:spTree>
+      <p:nvGrpSpPr>
+        <p:cNvPr id="1" name=""/>
+        <p:cNvGrpSpPr/>
+        <p:nvPr/>
+      </p:nvGrpSpPr>
+      <p:grpSpPr>
+        <a:xfrm>
+          <a:off x="0" y="0"/>
+          <a:ext cx="0" cy="0"/>
+          <a:chOff x="0" y="0"/>
+          <a:chExt cx="0" cy="0"/>
+        </a:xfrm>
+      </p:grpSpPr>
+    </p:spTree>
+    <p:extLst>
+      <p:ext uri="{BB962C8B-B14F-4D97-AF65-F5344CB8AC3E}">
+        <p14:creationId xmlns:p14="http://schemas.microsoft.com/office/powerpoint/2010/main" val="1126677427"/>
+      </p:ext>
+    </p:extLst>
+  </p:cSld>
+  <p:clrMapOvr>
+    <a:masterClrMapping/>
+  </p:clrMapOvr>
+</p:sld>
+</file>
+
 <file path=ppt/theme/theme1.xml><?xml version="1.0" encoding="utf-8"?>
 <a:theme xmlns:a="http://schemas.openxmlformats.org/drawingml/2006/main" name="Office">
   <a:themeElements>

--- a/Implementierung.pptx
+++ b/Implementierung.pptx
@@ -2412,7 +2412,7 @@
       </dgm:t>
     </dgm:pt>
     <dgm:pt modelId="{5604FCD2-D7B1-4AA6-858D-979DEB34077C}">
-      <dgm:prSet phldrT="[Text]"/>
+      <dgm:prSet phldrT="[Text]" custT="1"/>
       <dgm:spPr>
         <a:solidFill>
           <a:srgbClr val="C00000"/>
@@ -2423,7 +2423,7 @@
         <a:lstStyle/>
         <a:p>
           <a:r>
-            <a:rPr lang="de-DE" dirty="0"/>
+            <a:rPr lang="de-DE" sz="2300" dirty="0"/>
             <a:t>LayoutModule</a:t>
           </a:r>
         </a:p>
@@ -2438,6 +2438,7 @@
               <a:lumMod val="50000"/>
             </a:schemeClr>
           </a:solidFill>
+          <a:tailEnd type="triangle"/>
         </a:ln>
       </dgm:spPr>
       <dgm:t>
@@ -2486,6 +2487,7 @@
               <a:lumMod val="50000"/>
             </a:schemeClr>
           </a:solidFill>
+          <a:tailEnd type="triangle"/>
         </a:ln>
       </dgm:spPr>
       <dgm:t>
@@ -2508,7 +2510,7 @@
       </dgm:t>
     </dgm:pt>
     <dgm:pt modelId="{2337A8C7-A5E2-41E3-AD6A-17536A1AB81C}">
-      <dgm:prSet phldrT="[Text]"/>
+      <dgm:prSet phldrT="[Text]" custT="1"/>
       <dgm:spPr>
         <a:solidFill>
           <a:srgbClr val="C00000"/>
@@ -2519,7 +2521,7 @@
         <a:lstStyle/>
         <a:p>
           <a:r>
-            <a:rPr lang="de-DE" dirty="0"/>
+            <a:rPr lang="de-DE" sz="2300" dirty="0"/>
             <a:t>CoreModule</a:t>
           </a:r>
         </a:p>
@@ -2534,6 +2536,7 @@
               <a:lumMod val="50000"/>
             </a:schemeClr>
           </a:solidFill>
+          <a:tailEnd type="triangle"/>
         </a:ln>
       </dgm:spPr>
       <dgm:t>
@@ -2632,128 +2635,72 @@
         </dgm:presLayoutVars>
       </dgm:prSet>
       <dgm:spPr/>
-      <dgm:t>
-        <a:bodyPr/>
-        <a:lstStyle/>
-        <a:p>
-          <a:endParaRPr lang="de-DE"/>
-        </a:p>
-      </dgm:t>
     </dgm:pt>
     <dgm:pt modelId="{E9965B2F-3801-48D8-9FE8-975EE46F648A}" type="pres">
       <dgm:prSet presAssocID="{A285696E-E20F-450F-AD2A-2CA01487710E}" presName="singleCycle" presStyleCnt="0"/>
       <dgm:spPr/>
     </dgm:pt>
     <dgm:pt modelId="{65AA7AE3-7BA4-4256-A7E7-6ADD6196B2DE}" type="pres">
-      <dgm:prSet presAssocID="{A285696E-E20F-450F-AD2A-2CA01487710E}" presName="singleCenter" presStyleLbl="node1" presStyleIdx="0" presStyleCnt="4">
+      <dgm:prSet presAssocID="{A285696E-E20F-450F-AD2A-2CA01487710E}" presName="singleCenter" presStyleLbl="node1" presStyleIdx="0" presStyleCnt="4" custScaleY="37170">
         <dgm:presLayoutVars>
           <dgm:chMax val="7"/>
           <dgm:chPref val="7"/>
         </dgm:presLayoutVars>
       </dgm:prSet>
       <dgm:spPr/>
-      <dgm:t>
-        <a:bodyPr/>
-        <a:lstStyle/>
-        <a:p>
-          <a:endParaRPr lang="de-DE"/>
-        </a:p>
-      </dgm:t>
     </dgm:pt>
     <dgm:pt modelId="{29A9ABC8-8B7E-4AF2-B179-379C32D9962E}" type="pres">
       <dgm:prSet presAssocID="{166498DA-992D-4842-A49F-00B0B296A3AB}" presName="Name56" presStyleLbl="parChTrans1D2" presStyleIdx="0" presStyleCnt="3"/>
       <dgm:spPr/>
-      <dgm:t>
-        <a:bodyPr/>
-        <a:lstStyle/>
-        <a:p>
-          <a:endParaRPr lang="de-DE"/>
-        </a:p>
-      </dgm:t>
     </dgm:pt>
     <dgm:pt modelId="{207C128E-7FBD-4C97-84F7-E0792C9CFEEC}" type="pres">
-      <dgm:prSet presAssocID="{5604FCD2-D7B1-4AA6-858D-979DEB34077C}" presName="text0" presStyleLbl="node1" presStyleIdx="1" presStyleCnt="4" custScaleX="204030" custRadScaleRad="94368" custRadScaleInc="0">
+      <dgm:prSet presAssocID="{5604FCD2-D7B1-4AA6-858D-979DEB34077C}" presName="text0" presStyleLbl="node1" presStyleIdx="1" presStyleCnt="4" custScaleX="204030" custScaleY="59496" custRadScaleRad="69910" custRadScaleInc="1042">
         <dgm:presLayoutVars>
           <dgm:bulletEnabled val="1"/>
         </dgm:presLayoutVars>
       </dgm:prSet>
       <dgm:spPr/>
-      <dgm:t>
-        <a:bodyPr/>
-        <a:lstStyle/>
-        <a:p>
-          <a:endParaRPr lang="de-DE"/>
-        </a:p>
-      </dgm:t>
     </dgm:pt>
     <dgm:pt modelId="{23FD41E1-F2C3-4873-8068-45FA95BC5F66}" type="pres">
       <dgm:prSet presAssocID="{83C7CB07-8B9E-4904-BE34-FB268E24D959}" presName="Name56" presStyleLbl="parChTrans1D2" presStyleIdx="1" presStyleCnt="3"/>
       <dgm:spPr/>
-      <dgm:t>
-        <a:bodyPr/>
-        <a:lstStyle/>
-        <a:p>
-          <a:endParaRPr lang="de-DE"/>
-        </a:p>
-      </dgm:t>
     </dgm:pt>
     <dgm:pt modelId="{40EA4F8F-38A3-421E-97C9-6DD70090178B}" type="pres">
-      <dgm:prSet presAssocID="{E6D3F8CA-592A-4B27-A80B-5053490CAD93}" presName="text0" presStyleLbl="node1" presStyleIdx="2" presStyleCnt="4" custScaleX="205606" custRadScaleRad="116351" custRadScaleInc="-23654">
+      <dgm:prSet presAssocID="{E6D3F8CA-592A-4B27-A80B-5053490CAD93}" presName="text0" presStyleLbl="node1" presStyleIdx="2" presStyleCnt="4" custScaleX="205606" custScaleY="59496" custRadScaleRad="114688" custRadScaleInc="-39110">
         <dgm:presLayoutVars>
           <dgm:bulletEnabled val="1"/>
         </dgm:presLayoutVars>
       </dgm:prSet>
       <dgm:spPr/>
-      <dgm:t>
-        <a:bodyPr/>
-        <a:lstStyle/>
-        <a:p>
-          <a:endParaRPr lang="de-DE"/>
-        </a:p>
-      </dgm:t>
     </dgm:pt>
     <dgm:pt modelId="{41C0591F-4423-4696-A541-7927A488956C}" type="pres">
       <dgm:prSet presAssocID="{62AB0BCD-76D0-4655-92C0-1110A4D29F68}" presName="Name56" presStyleLbl="parChTrans1D2" presStyleIdx="2" presStyleCnt="3"/>
       <dgm:spPr/>
-      <dgm:t>
-        <a:bodyPr/>
-        <a:lstStyle/>
-        <a:p>
-          <a:endParaRPr lang="de-DE"/>
-        </a:p>
-      </dgm:t>
     </dgm:pt>
     <dgm:pt modelId="{4866A4C8-4026-4C06-A161-E4D4272C89A7}" type="pres">
-      <dgm:prSet presAssocID="{2337A8C7-A5E2-41E3-AD6A-17536A1AB81C}" presName="text0" presStyleLbl="node1" presStyleIdx="3" presStyleCnt="4" custScaleX="146999" custRadScaleRad="105622" custRadScaleInc="20228">
+      <dgm:prSet presAssocID="{2337A8C7-A5E2-41E3-AD6A-17536A1AB81C}" presName="text0" presStyleLbl="node1" presStyleIdx="3" presStyleCnt="4" custScaleX="182048" custScaleY="59496" custRadScaleRad="101225" custRadScaleInc="36062">
         <dgm:presLayoutVars>
           <dgm:bulletEnabled val="1"/>
         </dgm:presLayoutVars>
       </dgm:prSet>
       <dgm:spPr/>
-      <dgm:t>
-        <a:bodyPr/>
-        <a:lstStyle/>
-        <a:p>
-          <a:endParaRPr lang="de-DE"/>
-        </a:p>
-      </dgm:t>
     </dgm:pt>
   </dgm:ptLst>
   <dgm:cxnLst>
-    <dgm:cxn modelId="{D3F6F4DA-B7AD-4B91-84CE-27196EC9F12F}" srcId="{A285696E-E20F-450F-AD2A-2CA01487710E}" destId="{E6D3F8CA-592A-4B27-A80B-5053490CAD93}" srcOrd="1" destOrd="0" parTransId="{83C7CB07-8B9E-4904-BE34-FB268E24D959}" sibTransId="{82589D44-1193-4FFB-9A46-2BA26AAF7A46}"/>
+    <dgm:cxn modelId="{21F5E20B-D1E9-4A71-959A-AE1FB339A56F}" type="presOf" srcId="{5604FCD2-D7B1-4AA6-858D-979DEB34077C}" destId="{207C128E-7FBD-4C97-84F7-E0792C9CFEEC}" srcOrd="0" destOrd="0" presId="urn:microsoft.com/office/officeart/2008/layout/RadialCluster"/>
     <dgm:cxn modelId="{6EEF4831-96E0-4B3C-9165-E174C4370C4A}" srcId="{ADA94781-E2A9-4BC7-97A0-E71A3BE187D6}" destId="{C51F0735-CF66-4E9C-8837-67FB799B5D71}" srcOrd="2" destOrd="0" parTransId="{0FDD21D6-2D81-493C-99FA-84329A5675FD}" sibTransId="{81BA5A7C-588B-46F1-A8E7-B5373E3EAF5D}"/>
+    <dgm:cxn modelId="{A8CD4D3D-A561-4616-9BE2-3E39E8CEBE93}" type="presOf" srcId="{E6D3F8CA-592A-4B27-A80B-5053490CAD93}" destId="{40EA4F8F-38A3-421E-97C9-6DD70090178B}" srcOrd="0" destOrd="0" presId="urn:microsoft.com/office/officeart/2008/layout/RadialCluster"/>
+    <dgm:cxn modelId="{9B081B5F-2F20-4A06-8F26-9E180055E065}" srcId="{A285696E-E20F-450F-AD2A-2CA01487710E}" destId="{5604FCD2-D7B1-4AA6-858D-979DEB34077C}" srcOrd="0" destOrd="0" parTransId="{166498DA-992D-4842-A49F-00B0B296A3AB}" sibTransId="{8794C4E3-0774-4022-9DA4-55DD2CB6491F}"/>
+    <dgm:cxn modelId="{4840286A-C0BE-436F-9B49-B4E7F82A09BC}" srcId="{ADA94781-E2A9-4BC7-97A0-E71A3BE187D6}" destId="{970E345B-63EC-43DA-9D22-7F2857F8ABA1}" srcOrd="1" destOrd="0" parTransId="{9E3B9563-BA8A-4D73-A087-276F450F78DA}" sibTransId="{EEB30055-0AA2-4905-9BF9-591D7A439876}"/>
     <dgm:cxn modelId="{7EE46D4B-C59C-49FE-BCC5-17CB0B077AF7}" srcId="{ADA94781-E2A9-4BC7-97A0-E71A3BE187D6}" destId="{A285696E-E20F-450F-AD2A-2CA01487710E}" srcOrd="0" destOrd="0" parTransId="{5F433974-00BF-4656-8D08-4541E4755E1F}" sibTransId="{BD8DD3D5-0CA5-4748-8F82-11FC0B7DE52B}"/>
     <dgm:cxn modelId="{57AAD66B-5C98-4446-91B2-977FCB8ACF58}" type="presOf" srcId="{A285696E-E20F-450F-AD2A-2CA01487710E}" destId="{65AA7AE3-7BA4-4256-A7E7-6ADD6196B2DE}" srcOrd="0" destOrd="0" presId="urn:microsoft.com/office/officeart/2008/layout/RadialCluster"/>
-    <dgm:cxn modelId="{21F5E20B-D1E9-4A71-959A-AE1FB339A56F}" type="presOf" srcId="{5604FCD2-D7B1-4AA6-858D-979DEB34077C}" destId="{207C128E-7FBD-4C97-84F7-E0792C9CFEEC}" srcOrd="0" destOrd="0" presId="urn:microsoft.com/office/officeart/2008/layout/RadialCluster"/>
-    <dgm:cxn modelId="{A8CD4D3D-A561-4616-9BE2-3E39E8CEBE93}" type="presOf" srcId="{E6D3F8CA-592A-4B27-A80B-5053490CAD93}" destId="{40EA4F8F-38A3-421E-97C9-6DD70090178B}" srcOrd="0" destOrd="0" presId="urn:microsoft.com/office/officeart/2008/layout/RadialCluster"/>
     <dgm:cxn modelId="{72CBD583-D91D-4061-A235-2BBDC4CB1258}" type="presOf" srcId="{2337A8C7-A5E2-41E3-AD6A-17536A1AB81C}" destId="{4866A4C8-4026-4C06-A161-E4D4272C89A7}" srcOrd="0" destOrd="0" presId="urn:microsoft.com/office/officeart/2008/layout/RadialCluster"/>
-    <dgm:cxn modelId="{9B081B5F-2F20-4A06-8F26-9E180055E065}" srcId="{A285696E-E20F-450F-AD2A-2CA01487710E}" destId="{5604FCD2-D7B1-4AA6-858D-979DEB34077C}" srcOrd="0" destOrd="0" parTransId="{166498DA-992D-4842-A49F-00B0B296A3AB}" sibTransId="{8794C4E3-0774-4022-9DA4-55DD2CB6491F}"/>
+    <dgm:cxn modelId="{F5A7D294-64BF-4158-80FE-0284F1E13252}" type="presOf" srcId="{83C7CB07-8B9E-4904-BE34-FB268E24D959}" destId="{23FD41E1-F2C3-4873-8068-45FA95BC5F66}" srcOrd="0" destOrd="0" presId="urn:microsoft.com/office/officeart/2008/layout/RadialCluster"/>
+    <dgm:cxn modelId="{16FCD89F-58AA-4ED9-9830-62D1073DE4DB}" type="presOf" srcId="{166498DA-992D-4842-A49F-00B0B296A3AB}" destId="{29A9ABC8-8B7E-4AF2-B179-379C32D9962E}" srcOrd="0" destOrd="0" presId="urn:microsoft.com/office/officeart/2008/layout/RadialCluster"/>
+    <dgm:cxn modelId="{253755A0-1D21-4BAE-A059-F6CD7663597B}" type="presOf" srcId="{62AB0BCD-76D0-4655-92C0-1110A4D29F68}" destId="{41C0591F-4423-4696-A541-7927A488956C}" srcOrd="0" destOrd="0" presId="urn:microsoft.com/office/officeart/2008/layout/RadialCluster"/>
     <dgm:cxn modelId="{BAD526B5-2B80-4FA0-8E23-61C5757F230A}" srcId="{A285696E-E20F-450F-AD2A-2CA01487710E}" destId="{2337A8C7-A5E2-41E3-AD6A-17536A1AB81C}" srcOrd="2" destOrd="0" parTransId="{62AB0BCD-76D0-4655-92C0-1110A4D29F68}" sibTransId="{5B8187EC-0177-4801-A25B-59CFF5A09A63}"/>
-    <dgm:cxn modelId="{4840286A-C0BE-436F-9B49-B4E7F82A09BC}" srcId="{ADA94781-E2A9-4BC7-97A0-E71A3BE187D6}" destId="{970E345B-63EC-43DA-9D22-7F2857F8ABA1}" srcOrd="1" destOrd="0" parTransId="{9E3B9563-BA8A-4D73-A087-276F450F78DA}" sibTransId="{EEB30055-0AA2-4905-9BF9-591D7A439876}"/>
-    <dgm:cxn modelId="{16FCD89F-58AA-4ED9-9830-62D1073DE4DB}" type="presOf" srcId="{166498DA-992D-4842-A49F-00B0B296A3AB}" destId="{29A9ABC8-8B7E-4AF2-B179-379C32D9962E}" srcOrd="0" destOrd="0" presId="urn:microsoft.com/office/officeart/2008/layout/RadialCluster"/>
     <dgm:cxn modelId="{FF4C9AC9-BBA6-4DC0-9DF6-C96A53EE0C3C}" type="presOf" srcId="{ADA94781-E2A9-4BC7-97A0-E71A3BE187D6}" destId="{05FF7D6B-2867-4E27-A224-200F5EEA9200}" srcOrd="0" destOrd="0" presId="urn:microsoft.com/office/officeart/2008/layout/RadialCluster"/>
-    <dgm:cxn modelId="{253755A0-1D21-4BAE-A059-F6CD7663597B}" type="presOf" srcId="{62AB0BCD-76D0-4655-92C0-1110A4D29F68}" destId="{41C0591F-4423-4696-A541-7927A488956C}" srcOrd="0" destOrd="0" presId="urn:microsoft.com/office/officeart/2008/layout/RadialCluster"/>
-    <dgm:cxn modelId="{F5A7D294-64BF-4158-80FE-0284F1E13252}" type="presOf" srcId="{83C7CB07-8B9E-4904-BE34-FB268E24D959}" destId="{23FD41E1-F2C3-4873-8068-45FA95BC5F66}" srcOrd="0" destOrd="0" presId="urn:microsoft.com/office/officeart/2008/layout/RadialCluster"/>
+    <dgm:cxn modelId="{D3F6F4DA-B7AD-4B91-84CE-27196EC9F12F}" srcId="{A285696E-E20F-450F-AD2A-2CA01487710E}" destId="{E6D3F8CA-592A-4B27-A80B-5053490CAD93}" srcOrd="1" destOrd="0" parTransId="{83C7CB07-8B9E-4904-BE34-FB268E24D959}" sibTransId="{82589D44-1193-4FFB-9A46-2BA26AAF7A46}"/>
     <dgm:cxn modelId="{9641BDD3-0E2E-4086-A127-D796EA1E6477}" type="presParOf" srcId="{05FF7D6B-2867-4E27-A224-200F5EEA9200}" destId="{E9965B2F-3801-48D8-9FE8-975EE46F648A}" srcOrd="0" destOrd="0" presId="urn:microsoft.com/office/officeart/2008/layout/RadialCluster"/>
     <dgm:cxn modelId="{5198E0FF-55E7-4FB5-AA27-37CF9F6EE142}" type="presParOf" srcId="{E9965B2F-3801-48D8-9FE8-975EE46F648A}" destId="{65AA7AE3-7BA4-4256-A7E7-6ADD6196B2DE}" srcOrd="0" destOrd="0" presId="urn:microsoft.com/office/officeart/2008/layout/RadialCluster"/>
     <dgm:cxn modelId="{A766DABF-DEB1-476D-A136-D6EBEC8A18E5}" type="presParOf" srcId="{E9965B2F-3801-48D8-9FE8-975EE46F648A}" destId="{29A9ABC8-8B7E-4AF2-B179-379C32D9962E}" srcOrd="1" destOrd="0" presId="urn:microsoft.com/office/officeart/2008/layout/RadialCluster"/>
@@ -2788,14 +2735,13 @@
         <a:lstStyle/>
         <a:p>
           <a:r>
-            <a:rPr lang="de-DE" dirty="0" err="1" smtClean="0"/>
+            <a:rPr lang="de-DE" dirty="0" err="1"/>
             <a:t>Topology</a:t>
           </a:r>
           <a:r>
-            <a:rPr lang="de-DE" dirty="0" smtClean="0"/>
+            <a:rPr lang="de-DE" dirty="0"/>
             <a:t>-Editor-Client</a:t>
           </a:r>
-          <a:endParaRPr lang="de-DE" dirty="0"/>
         </a:p>
       </dgm:t>
     </dgm:pt>
@@ -2966,12 +2912,12 @@
     </dgm:pt>
   </dgm:ptLst>
   <dgm:cxnLst>
+    <dgm:cxn modelId="{C71B825E-D47C-4491-99C0-80E4625333F2}" type="presOf" srcId="{62AFCAE8-BBCF-45DA-BA73-2C07C829DB43}" destId="{48D95C34-DDFC-4388-A45F-9B90108640D1}" srcOrd="0" destOrd="0" presId="urn:microsoft.com/office/officeart/2008/layout/AlternatingPictureBlocks"/>
+    <dgm:cxn modelId="{F06A787F-EC32-431C-8184-80624D6CB018}" type="presOf" srcId="{1B228B72-BC2D-475D-A704-29960C7AEEF9}" destId="{004A4E8B-3064-461C-9C0D-17494FC2B545}" srcOrd="0" destOrd="0" presId="urn:microsoft.com/office/officeart/2008/layout/AlternatingPictureBlocks"/>
+    <dgm:cxn modelId="{47481E87-1F2F-4047-97F7-26F65188D9E1}" srcId="{C56EACE6-F67A-4B98-9707-77723A11C02D}" destId="{46E99754-D096-4194-9208-9652D71DC227}" srcOrd="1" destOrd="0" parTransId="{BD37B57D-3A39-4606-A86B-A3C72D694ABB}" sibTransId="{714B85C4-2997-4455-8A12-F7A987829DE1}"/>
+    <dgm:cxn modelId="{7FE0CC90-62ED-41EC-A4DA-62205A2166C7}" srcId="{C56EACE6-F67A-4B98-9707-77723A11C02D}" destId="{62AFCAE8-BBCF-45DA-BA73-2C07C829DB43}" srcOrd="2" destOrd="0" parTransId="{C16BAC70-7503-450A-9147-E4519C8FEC0F}" sibTransId="{24E2A060-6CCA-4C4F-BA04-AB94F1711BF0}"/>
+    <dgm:cxn modelId="{23A50997-2998-41F0-824C-6E7FA1364A7C}" type="presOf" srcId="{46E99754-D096-4194-9208-9652D71DC227}" destId="{9D7E403C-0383-4845-BE61-B8869FE3394A}" srcOrd="0" destOrd="0" presId="urn:microsoft.com/office/officeart/2008/layout/AlternatingPictureBlocks"/>
     <dgm:cxn modelId="{58BE1197-9378-411E-B67C-F7C7C5F504FA}" type="presOf" srcId="{C56EACE6-F67A-4B98-9707-77723A11C02D}" destId="{A59914ED-3051-4D67-AA40-20CD66F60C3B}" srcOrd="0" destOrd="0" presId="urn:microsoft.com/office/officeart/2008/layout/AlternatingPictureBlocks"/>
-    <dgm:cxn modelId="{7FE0CC90-62ED-41EC-A4DA-62205A2166C7}" srcId="{C56EACE6-F67A-4B98-9707-77723A11C02D}" destId="{62AFCAE8-BBCF-45DA-BA73-2C07C829DB43}" srcOrd="2" destOrd="0" parTransId="{C16BAC70-7503-450A-9147-E4519C8FEC0F}" sibTransId="{24E2A060-6CCA-4C4F-BA04-AB94F1711BF0}"/>
-    <dgm:cxn modelId="{47481E87-1F2F-4047-97F7-26F65188D9E1}" srcId="{C56EACE6-F67A-4B98-9707-77723A11C02D}" destId="{46E99754-D096-4194-9208-9652D71DC227}" srcOrd="1" destOrd="0" parTransId="{BD37B57D-3A39-4606-A86B-A3C72D694ABB}" sibTransId="{714B85C4-2997-4455-8A12-F7A987829DE1}"/>
-    <dgm:cxn modelId="{F06A787F-EC32-431C-8184-80624D6CB018}" type="presOf" srcId="{1B228B72-BC2D-475D-A704-29960C7AEEF9}" destId="{004A4E8B-3064-461C-9C0D-17494FC2B545}" srcOrd="0" destOrd="0" presId="urn:microsoft.com/office/officeart/2008/layout/AlternatingPictureBlocks"/>
-    <dgm:cxn modelId="{C71B825E-D47C-4491-99C0-80E4625333F2}" type="presOf" srcId="{62AFCAE8-BBCF-45DA-BA73-2C07C829DB43}" destId="{48D95C34-DDFC-4388-A45F-9B90108640D1}" srcOrd="0" destOrd="0" presId="urn:microsoft.com/office/officeart/2008/layout/AlternatingPictureBlocks"/>
-    <dgm:cxn modelId="{23A50997-2998-41F0-824C-6E7FA1364A7C}" type="presOf" srcId="{46E99754-D096-4194-9208-9652D71DC227}" destId="{9D7E403C-0383-4845-BE61-B8869FE3394A}" srcOrd="0" destOrd="0" presId="urn:microsoft.com/office/officeart/2008/layout/AlternatingPictureBlocks"/>
     <dgm:cxn modelId="{2D6DE19E-960E-452C-9334-495A36DF209B}" srcId="{C56EACE6-F67A-4B98-9707-77723A11C02D}" destId="{1B228B72-BC2D-475D-A704-29960C7AEEF9}" srcOrd="0" destOrd="0" parTransId="{E48FA56D-8372-452F-A46F-FC8BAAAA9F29}" sibTransId="{A5F611ED-A1DA-4BBB-B5F1-DBC102B41589}"/>
     <dgm:cxn modelId="{54D4BDA7-3B31-4F57-87CE-04F357569731}" type="presParOf" srcId="{A59914ED-3051-4D67-AA40-20CD66F60C3B}" destId="{A687124B-ECF0-4C3F-A9F5-F2EE939C6034}" srcOrd="0" destOrd="0" presId="urn:microsoft.com/office/officeart/2008/layout/AlternatingPictureBlocks"/>
     <dgm:cxn modelId="{32A1EF67-2783-42FF-AE55-004F6AC4269A}" type="presParOf" srcId="{A687124B-ECF0-4C3F-A9F5-F2EE939C6034}" destId="{004A4E8B-3064-461C-9C0D-17494FC2B545}" srcOrd="0" destOrd="0" presId="urn:microsoft.com/office/officeart/2008/layout/AlternatingPictureBlocks"/>
@@ -3017,18 +2963,17 @@
         <a:lstStyle/>
         <a:p>
           <a:r>
-            <a:rPr lang="de-DE" dirty="0" smtClean="0"/>
+            <a:rPr lang="de-DE" dirty="0"/>
             <a:t>Client-</a:t>
           </a:r>
           <a:r>
-            <a:rPr lang="de-DE" dirty="0" err="1" smtClean="0"/>
+            <a:rPr lang="de-DE" dirty="0" err="1"/>
             <a:t>Topology</a:t>
           </a:r>
           <a:r>
-            <a:rPr lang="de-DE" dirty="0" smtClean="0"/>
+            <a:rPr lang="de-DE" dirty="0"/>
             <a:t>-Editor</a:t>
           </a:r>
-          <a:endParaRPr lang="de-DE" dirty="0"/>
         </a:p>
       </dgm:t>
     </dgm:pt>
@@ -3235,14 +3180,13 @@
         <a:lstStyle/>
         <a:p>
           <a:r>
-            <a:rPr lang="de-DE" dirty="0" err="1" smtClean="0"/>
+            <a:rPr lang="de-DE" dirty="0" err="1"/>
             <a:t>Topology</a:t>
           </a:r>
           <a:r>
-            <a:rPr lang="de-DE" dirty="0" smtClean="0"/>
+            <a:rPr lang="de-DE" dirty="0"/>
             <a:t>-Editor-Server</a:t>
           </a:r>
-          <a:endParaRPr lang="de-DE" dirty="0"/>
         </a:p>
       </dgm:t>
     </dgm:pt>
@@ -3309,10 +3253,9 @@
         <a:lstStyle/>
         <a:p>
           <a:r>
-            <a:rPr lang="de-DE" dirty="0" smtClean="0"/>
+            <a:rPr lang="de-DE" dirty="0"/>
             <a:t>Client</a:t>
           </a:r>
-          <a:endParaRPr lang="de-DE" dirty="0"/>
         </a:p>
       </dgm:t>
     </dgm:pt>
@@ -3395,13 +3338,6 @@
     <dgm:pt modelId="{534DF2F9-71DD-4B9E-9B56-81022A551832}" type="pres">
       <dgm:prSet presAssocID="{833099B0-1858-4D29-A551-9ACEDC973825}" presName="bgRect" presStyleLbl="bgShp" presStyleIdx="0" presStyleCnt="5"/>
       <dgm:spPr/>
-      <dgm:t>
-        <a:bodyPr/>
-        <a:lstStyle/>
-        <a:p>
-          <a:endParaRPr lang="de-DE"/>
-        </a:p>
-      </dgm:t>
     </dgm:pt>
     <dgm:pt modelId="{92C1001B-0E60-427C-8957-C42E263B2082}" type="pres">
       <dgm:prSet presAssocID="{833099B0-1858-4D29-A551-9ACEDC973825}" presName="bgRectTx" presStyleLbl="bgShp" presStyleIdx="0" presStyleCnt="5">
@@ -3410,13 +3346,6 @@
         </dgm:presLayoutVars>
       </dgm:prSet>
       <dgm:spPr/>
-      <dgm:t>
-        <a:bodyPr/>
-        <a:lstStyle/>
-        <a:p>
-          <a:endParaRPr lang="de-DE"/>
-        </a:p>
-      </dgm:t>
     </dgm:pt>
     <dgm:pt modelId="{B6E6CD30-4FA1-405E-9198-07521C98DA27}" type="pres">
       <dgm:prSet presAssocID="{833099B0-1858-4D29-A551-9ACEDC973825}" presName="spComp" presStyleCnt="0"/>
@@ -3481,13 +3410,6 @@
     <dgm:pt modelId="{98798FA3-DE29-4689-9B94-42A4803CC2FD}" type="pres">
       <dgm:prSet presAssocID="{8E030639-A11C-46E3-AF3A-38CF08F436DE}" presName="bgRect" presStyleLbl="bgShp" presStyleIdx="3" presStyleCnt="5"/>
       <dgm:spPr/>
-      <dgm:t>
-        <a:bodyPr/>
-        <a:lstStyle/>
-        <a:p>
-          <a:endParaRPr lang="de-DE"/>
-        </a:p>
-      </dgm:t>
     </dgm:pt>
     <dgm:pt modelId="{E6D14D76-95F4-4D6F-A358-CED8ADEE19CA}" type="pres">
       <dgm:prSet presAssocID="{8E030639-A11C-46E3-AF3A-38CF08F436DE}" presName="bgRectTx" presStyleLbl="bgShp" presStyleIdx="3" presStyleCnt="5">
@@ -3496,13 +3418,6 @@
         </dgm:presLayoutVars>
       </dgm:prSet>
       <dgm:spPr/>
-      <dgm:t>
-        <a:bodyPr/>
-        <a:lstStyle/>
-        <a:p>
-          <a:endParaRPr lang="de-DE"/>
-        </a:p>
-      </dgm:t>
     </dgm:pt>
     <dgm:pt modelId="{7AF64B62-5849-4579-B790-AFBA33A8C208}" type="pres">
       <dgm:prSet presAssocID="{8E030639-A11C-46E3-AF3A-38CF08F436DE}" presName="spComp" presStyleCnt="0"/>
@@ -3530,33 +3445,33 @@
     </dgm:pt>
   </dgm:ptLst>
   <dgm:cxnLst>
+    <dgm:cxn modelId="{C9FFAB0A-C892-46EB-A54B-CD4593D6990B}" type="presOf" srcId="{4BFE0616-1C6D-4077-AC5C-77CA136CDDE8}" destId="{C76BDE3C-4432-4378-9C32-A17A40296C4C}" srcOrd="1" destOrd="0" presId="urn:microsoft.com/office/officeart/2005/8/layout/hierarchy6"/>
+    <dgm:cxn modelId="{65983E0E-B647-449F-A52B-C908BE2A4C12}" type="presOf" srcId="{C02ACAA5-DA2F-44AC-A9D1-BD600982431D}" destId="{65D5A872-4ED2-4F6F-A2FA-BEA26F326F9A}" srcOrd="0" destOrd="2" presId="urn:microsoft.com/office/officeart/2005/8/layout/hierarchy6"/>
+    <dgm:cxn modelId="{8C0B1313-4E64-48BB-9668-A4EDEF05BE8F}" type="presOf" srcId="{8E030639-A11C-46E3-AF3A-38CF08F436DE}" destId="{E6D14D76-95F4-4D6F-A358-CED8ADEE19CA}" srcOrd="1" destOrd="0" presId="urn:microsoft.com/office/officeart/2005/8/layout/hierarchy6"/>
+    <dgm:cxn modelId="{28223F14-8FE5-4B9D-8350-C2873AC308BB}" type="presOf" srcId="{61493591-428C-460C-80A3-1923A0E946FE}" destId="{92C1001B-0E60-427C-8957-C42E263B2082}" srcOrd="1" destOrd="1" presId="urn:microsoft.com/office/officeart/2005/8/layout/hierarchy6"/>
+    <dgm:cxn modelId="{7F192625-85F3-434D-B77C-DD7CFC5E52F7}" type="presOf" srcId="{7CCAE011-7768-42D8-8C69-6C6F64038F2C}" destId="{B9D6060F-61A6-42BB-AD74-53083DF3A134}" srcOrd="0" destOrd="0" presId="urn:microsoft.com/office/officeart/2005/8/layout/hierarchy6"/>
+    <dgm:cxn modelId="{6738F52D-305B-43E3-91BB-FBA56A425C93}" type="presOf" srcId="{BF419F3F-605F-4EE1-9311-6D3D699BC665}" destId="{65D5A872-4ED2-4F6F-A2FA-BEA26F326F9A}" srcOrd="0" destOrd="1" presId="urn:microsoft.com/office/officeart/2005/8/layout/hierarchy6"/>
+    <dgm:cxn modelId="{00704533-97E1-49FB-9894-C722AF5370CF}" type="presOf" srcId="{BF419F3F-605F-4EE1-9311-6D3D699BC665}" destId="{E08F74DD-992F-452A-8D15-39FBD477E6DE}" srcOrd="1" destOrd="1" presId="urn:microsoft.com/office/officeart/2005/8/layout/hierarchy6"/>
+    <dgm:cxn modelId="{9CA4465E-75A7-4B6E-A27B-0DBA059E4D1B}" type="presOf" srcId="{61493591-428C-460C-80A3-1923A0E946FE}" destId="{534DF2F9-71DD-4B9E-9B56-81022A551832}" srcOrd="0" destOrd="1" presId="urn:microsoft.com/office/officeart/2005/8/layout/hierarchy6"/>
+    <dgm:cxn modelId="{E27CD95E-7AC9-470A-A439-74521E7DC986}" type="presOf" srcId="{8B2E7AAA-6209-4E9E-A71A-E70E4BECD7C0}" destId="{65D5A872-4ED2-4F6F-A2FA-BEA26F326F9A}" srcOrd="0" destOrd="0" presId="urn:microsoft.com/office/officeart/2005/8/layout/hierarchy6"/>
+    <dgm:cxn modelId="{B0049646-C90B-421C-821C-88A61AB686BB}" type="presOf" srcId="{833099B0-1858-4D29-A551-9ACEDC973825}" destId="{92C1001B-0E60-427C-8957-C42E263B2082}" srcOrd="1" destOrd="0" presId="urn:microsoft.com/office/officeart/2005/8/layout/hierarchy6"/>
+    <dgm:cxn modelId="{DD9DC76E-B6F4-4886-8907-C336B1B8B1BA}" type="presOf" srcId="{BBB2E3ED-F524-475F-9052-92C2731370D5}" destId="{2E0F7CA4-2150-4E2D-9EDA-C36555C18B4E}" srcOrd="0" destOrd="0" presId="urn:microsoft.com/office/officeart/2005/8/layout/hierarchy6"/>
+    <dgm:cxn modelId="{635EF470-8464-4005-B760-99C85DC1415E}" srcId="{F70C9F93-A607-45D1-83D0-1067A02D3E9A}" destId="{BBB2E3ED-F524-475F-9052-92C2731370D5}" srcOrd="0" destOrd="0" parTransId="{7611CC06-0892-4875-8A29-6AB4960AF06A}" sibTransId="{FAC215C8-4A00-44A0-8DA8-EC6A9D43766D}"/>
+    <dgm:cxn modelId="{F6900180-4027-4C2D-B2CD-DC61945769F5}" type="presOf" srcId="{7CCAE011-7768-42D8-8C69-6C6F64038F2C}" destId="{6BC7F901-FC96-4404-893E-328CCAD99F44}" srcOrd="1" destOrd="0" presId="urn:microsoft.com/office/officeart/2005/8/layout/hierarchy6"/>
+    <dgm:cxn modelId="{13BA7586-B832-4D0E-B9FA-7C906278DDF4}" type="presOf" srcId="{833099B0-1858-4D29-A551-9ACEDC973825}" destId="{534DF2F9-71DD-4B9E-9B56-81022A551832}" srcOrd="0" destOrd="0" presId="urn:microsoft.com/office/officeart/2005/8/layout/hierarchy6"/>
+    <dgm:cxn modelId="{F18EF089-5323-4365-A826-617CEE51C9AA}" srcId="{F70C9F93-A607-45D1-83D0-1067A02D3E9A}" destId="{8B2E7AAA-6209-4E9E-A71A-E70E4BECD7C0}" srcOrd="2" destOrd="0" parTransId="{8D716686-5571-44F7-9F19-BA6AAACD8316}" sibTransId="{12E536F9-7ACB-4536-85CD-F7A07F569E94}"/>
+    <dgm:cxn modelId="{D5BB9D8D-65EC-4495-87F2-9833CC6E15B1}" type="presOf" srcId="{8E030639-A11C-46E3-AF3A-38CF08F436DE}" destId="{98798FA3-DE29-4689-9B94-42A4803CC2FD}" srcOrd="0" destOrd="0" presId="urn:microsoft.com/office/officeart/2005/8/layout/hierarchy6"/>
+    <dgm:cxn modelId="{77320791-A0DE-416E-9463-8E240248A604}" type="presOf" srcId="{C02ACAA5-DA2F-44AC-A9D1-BD600982431D}" destId="{E08F74DD-992F-452A-8D15-39FBD477E6DE}" srcOrd="1" destOrd="2" presId="urn:microsoft.com/office/officeart/2005/8/layout/hierarchy6"/>
     <dgm:cxn modelId="{1FA7AF98-1532-4BC8-B3AB-0EE27CC5DCD5}" srcId="{833099B0-1858-4D29-A551-9ACEDC973825}" destId="{61493591-428C-460C-80A3-1923A0E946FE}" srcOrd="0" destOrd="0" parTransId="{9BF03DDE-C49E-40A2-9667-712D93190438}" sibTransId="{7453999F-DAD4-4696-B119-D01494B90324}"/>
+    <dgm:cxn modelId="{5B9B6C99-919E-4738-AA54-71048BD381FD}" type="presOf" srcId="{8B2E7AAA-6209-4E9E-A71A-E70E4BECD7C0}" destId="{E08F74DD-992F-452A-8D15-39FBD477E6DE}" srcOrd="1" destOrd="0" presId="urn:microsoft.com/office/officeart/2005/8/layout/hierarchy6"/>
+    <dgm:cxn modelId="{E36EE1AF-9ADA-47F8-988B-4154FDBDB4DB}" srcId="{BF419F3F-605F-4EE1-9311-6D3D699BC665}" destId="{C02ACAA5-DA2F-44AC-A9D1-BD600982431D}" srcOrd="0" destOrd="0" parTransId="{8E64424B-61FE-46AA-B9E7-728E2F96BAAD}" sibTransId="{E64852DE-EDCF-400B-AC8E-C750AABB077C}"/>
+    <dgm:cxn modelId="{D5EB77BA-3ADE-422D-9856-3ED3A5EBE1A8}" type="presOf" srcId="{4BFE0616-1C6D-4077-AC5C-77CA136CDDE8}" destId="{686C295D-E8AF-4398-A1AD-B4FDCEF76E92}" srcOrd="0" destOrd="0" presId="urn:microsoft.com/office/officeart/2005/8/layout/hierarchy6"/>
+    <dgm:cxn modelId="{57FB21C6-5730-4AC9-BB05-B7392862DED1}" srcId="{F70C9F93-A607-45D1-83D0-1067A02D3E9A}" destId="{833099B0-1858-4D29-A551-9ACEDC973825}" srcOrd="1" destOrd="0" parTransId="{C70EF319-24F9-491E-9DFF-3CAE36B54ABD}" sibTransId="{9A56AE03-0BE9-4D93-9B3D-8BAA9A5E21F5}"/>
+    <dgm:cxn modelId="{EC64B2CC-6FF8-4871-B0E9-FE5F6B9584F5}" srcId="{F70C9F93-A607-45D1-83D0-1067A02D3E9A}" destId="{7CCAE011-7768-42D8-8C69-6C6F64038F2C}" srcOrd="5" destOrd="0" parTransId="{FB76FB42-6D02-4903-B608-8176C1B810A4}" sibTransId="{9F69599F-8D1A-49D5-9102-4313E445822F}"/>
+    <dgm:cxn modelId="{3E7EBDCD-9C4D-44B9-98B8-51A217F2179F}" srcId="{8B2E7AAA-6209-4E9E-A71A-E70E4BECD7C0}" destId="{BF419F3F-605F-4EE1-9311-6D3D699BC665}" srcOrd="0" destOrd="0" parTransId="{17311551-908E-4829-8F22-18137EE9A6DC}" sibTransId="{7246E9EE-EEBB-4188-BA23-4BB571A9B536}"/>
+    <dgm:cxn modelId="{0C142CD6-D5AA-48BC-9C6F-BB2FF54677DE}" srcId="{F70C9F93-A607-45D1-83D0-1067A02D3E9A}" destId="{8E030639-A11C-46E3-AF3A-38CF08F436DE}" srcOrd="4" destOrd="0" parTransId="{DBA358B8-1761-46C8-B0CE-E1FF2A0D993F}" sibTransId="{2EEBE860-49C4-4F67-856C-DABF541885DA}"/>
     <dgm:cxn modelId="{F3B2A7DC-9DD0-4F80-AB45-0FF579A9E378}" type="presOf" srcId="{F70C9F93-A607-45D1-83D0-1067A02D3E9A}" destId="{2DE1E564-25EF-4A1C-800B-7999A44E592C}" srcOrd="0" destOrd="0" presId="urn:microsoft.com/office/officeart/2005/8/layout/hierarchy6"/>
-    <dgm:cxn modelId="{6738F52D-305B-43E3-91BB-FBA56A425C93}" type="presOf" srcId="{BF419F3F-605F-4EE1-9311-6D3D699BC665}" destId="{65D5A872-4ED2-4F6F-A2FA-BEA26F326F9A}" srcOrd="0" destOrd="1" presId="urn:microsoft.com/office/officeart/2005/8/layout/hierarchy6"/>
-    <dgm:cxn modelId="{9CA4465E-75A7-4B6E-A27B-0DBA059E4D1B}" type="presOf" srcId="{61493591-428C-460C-80A3-1923A0E946FE}" destId="{534DF2F9-71DD-4B9E-9B56-81022A551832}" srcOrd="0" destOrd="1" presId="urn:microsoft.com/office/officeart/2005/8/layout/hierarchy6"/>
     <dgm:cxn modelId="{BDFE70E0-002A-4375-AE69-BA1227F8E95C}" srcId="{F70C9F93-A607-45D1-83D0-1067A02D3E9A}" destId="{4BFE0616-1C6D-4077-AC5C-77CA136CDDE8}" srcOrd="3" destOrd="0" parTransId="{310827E8-5AC7-4150-824F-DFA6650F83A6}" sibTransId="{A6C919CD-FAC1-4E9D-820C-8A387CB41DAE}"/>
-    <dgm:cxn modelId="{635EF470-8464-4005-B760-99C85DC1415E}" srcId="{F70C9F93-A607-45D1-83D0-1067A02D3E9A}" destId="{BBB2E3ED-F524-475F-9052-92C2731370D5}" srcOrd="0" destOrd="0" parTransId="{7611CC06-0892-4875-8A29-6AB4960AF06A}" sibTransId="{FAC215C8-4A00-44A0-8DA8-EC6A9D43766D}"/>
-    <dgm:cxn modelId="{D5EB77BA-3ADE-422D-9856-3ED3A5EBE1A8}" type="presOf" srcId="{4BFE0616-1C6D-4077-AC5C-77CA136CDDE8}" destId="{686C295D-E8AF-4398-A1AD-B4FDCEF76E92}" srcOrd="0" destOrd="0" presId="urn:microsoft.com/office/officeart/2005/8/layout/hierarchy6"/>
-    <dgm:cxn modelId="{E27CD95E-7AC9-470A-A439-74521E7DC986}" type="presOf" srcId="{8B2E7AAA-6209-4E9E-A71A-E70E4BECD7C0}" destId="{65D5A872-4ED2-4F6F-A2FA-BEA26F326F9A}" srcOrd="0" destOrd="0" presId="urn:microsoft.com/office/officeart/2005/8/layout/hierarchy6"/>
-    <dgm:cxn modelId="{DD9DC76E-B6F4-4886-8907-C336B1B8B1BA}" type="presOf" srcId="{BBB2E3ED-F524-475F-9052-92C2731370D5}" destId="{2E0F7CA4-2150-4E2D-9EDA-C36555C18B4E}" srcOrd="0" destOrd="0" presId="urn:microsoft.com/office/officeart/2005/8/layout/hierarchy6"/>
-    <dgm:cxn modelId="{77320791-A0DE-416E-9463-8E240248A604}" type="presOf" srcId="{C02ACAA5-DA2F-44AC-A9D1-BD600982431D}" destId="{E08F74DD-992F-452A-8D15-39FBD477E6DE}" srcOrd="1" destOrd="2" presId="urn:microsoft.com/office/officeart/2005/8/layout/hierarchy6"/>
-    <dgm:cxn modelId="{13BA7586-B832-4D0E-B9FA-7C906278DDF4}" type="presOf" srcId="{833099B0-1858-4D29-A551-9ACEDC973825}" destId="{534DF2F9-71DD-4B9E-9B56-81022A551832}" srcOrd="0" destOrd="0" presId="urn:microsoft.com/office/officeart/2005/8/layout/hierarchy6"/>
-    <dgm:cxn modelId="{D5BB9D8D-65EC-4495-87F2-9833CC6E15B1}" type="presOf" srcId="{8E030639-A11C-46E3-AF3A-38CF08F436DE}" destId="{98798FA3-DE29-4689-9B94-42A4803CC2FD}" srcOrd="0" destOrd="0" presId="urn:microsoft.com/office/officeart/2005/8/layout/hierarchy6"/>
-    <dgm:cxn modelId="{EC64B2CC-6FF8-4871-B0E9-FE5F6B9584F5}" srcId="{F70C9F93-A607-45D1-83D0-1067A02D3E9A}" destId="{7CCAE011-7768-42D8-8C69-6C6F64038F2C}" srcOrd="5" destOrd="0" parTransId="{FB76FB42-6D02-4903-B608-8176C1B810A4}" sibTransId="{9F69599F-8D1A-49D5-9102-4313E445822F}"/>
-    <dgm:cxn modelId="{8C0B1313-4E64-48BB-9668-A4EDEF05BE8F}" type="presOf" srcId="{8E030639-A11C-46E3-AF3A-38CF08F436DE}" destId="{E6D14D76-95F4-4D6F-A358-CED8ADEE19CA}" srcOrd="1" destOrd="0" presId="urn:microsoft.com/office/officeart/2005/8/layout/hierarchy6"/>
-    <dgm:cxn modelId="{57FB21C6-5730-4AC9-BB05-B7392862DED1}" srcId="{F70C9F93-A607-45D1-83D0-1067A02D3E9A}" destId="{833099B0-1858-4D29-A551-9ACEDC973825}" srcOrd="1" destOrd="0" parTransId="{C70EF319-24F9-491E-9DFF-3CAE36B54ABD}" sibTransId="{9A56AE03-0BE9-4D93-9B3D-8BAA9A5E21F5}"/>
-    <dgm:cxn modelId="{5B9B6C99-919E-4738-AA54-71048BD381FD}" type="presOf" srcId="{8B2E7AAA-6209-4E9E-A71A-E70E4BECD7C0}" destId="{E08F74DD-992F-452A-8D15-39FBD477E6DE}" srcOrd="1" destOrd="0" presId="urn:microsoft.com/office/officeart/2005/8/layout/hierarchy6"/>
-    <dgm:cxn modelId="{F18EF089-5323-4365-A826-617CEE51C9AA}" srcId="{F70C9F93-A607-45D1-83D0-1067A02D3E9A}" destId="{8B2E7AAA-6209-4E9E-A71A-E70E4BECD7C0}" srcOrd="2" destOrd="0" parTransId="{8D716686-5571-44F7-9F19-BA6AAACD8316}" sibTransId="{12E536F9-7ACB-4536-85CD-F7A07F569E94}"/>
-    <dgm:cxn modelId="{7F192625-85F3-434D-B77C-DD7CFC5E52F7}" type="presOf" srcId="{7CCAE011-7768-42D8-8C69-6C6F64038F2C}" destId="{B9D6060F-61A6-42BB-AD74-53083DF3A134}" srcOrd="0" destOrd="0" presId="urn:microsoft.com/office/officeart/2005/8/layout/hierarchy6"/>
-    <dgm:cxn modelId="{F6900180-4027-4C2D-B2CD-DC61945769F5}" type="presOf" srcId="{7CCAE011-7768-42D8-8C69-6C6F64038F2C}" destId="{6BC7F901-FC96-4404-893E-328CCAD99F44}" srcOrd="1" destOrd="0" presId="urn:microsoft.com/office/officeart/2005/8/layout/hierarchy6"/>
-    <dgm:cxn modelId="{E36EE1AF-9ADA-47F8-988B-4154FDBDB4DB}" srcId="{BF419F3F-605F-4EE1-9311-6D3D699BC665}" destId="{C02ACAA5-DA2F-44AC-A9D1-BD600982431D}" srcOrd="0" destOrd="0" parTransId="{8E64424B-61FE-46AA-B9E7-728E2F96BAAD}" sibTransId="{E64852DE-EDCF-400B-AC8E-C750AABB077C}"/>
-    <dgm:cxn modelId="{C9FFAB0A-C892-46EB-A54B-CD4593D6990B}" type="presOf" srcId="{4BFE0616-1C6D-4077-AC5C-77CA136CDDE8}" destId="{C76BDE3C-4432-4378-9C32-A17A40296C4C}" srcOrd="1" destOrd="0" presId="urn:microsoft.com/office/officeart/2005/8/layout/hierarchy6"/>
-    <dgm:cxn modelId="{3E7EBDCD-9C4D-44B9-98B8-51A217F2179F}" srcId="{8B2E7AAA-6209-4E9E-A71A-E70E4BECD7C0}" destId="{BF419F3F-605F-4EE1-9311-6D3D699BC665}" srcOrd="0" destOrd="0" parTransId="{17311551-908E-4829-8F22-18137EE9A6DC}" sibTransId="{7246E9EE-EEBB-4188-BA23-4BB571A9B536}"/>
-    <dgm:cxn modelId="{B0049646-C90B-421C-821C-88A61AB686BB}" type="presOf" srcId="{833099B0-1858-4D29-A551-9ACEDC973825}" destId="{92C1001B-0E60-427C-8957-C42E263B2082}" srcOrd="1" destOrd="0" presId="urn:microsoft.com/office/officeart/2005/8/layout/hierarchy6"/>
-    <dgm:cxn modelId="{65983E0E-B647-449F-A52B-C908BE2A4C12}" type="presOf" srcId="{C02ACAA5-DA2F-44AC-A9D1-BD600982431D}" destId="{65D5A872-4ED2-4F6F-A2FA-BEA26F326F9A}" srcOrd="0" destOrd="2" presId="urn:microsoft.com/office/officeart/2005/8/layout/hierarchy6"/>
-    <dgm:cxn modelId="{28223F14-8FE5-4B9D-8350-C2873AC308BB}" type="presOf" srcId="{61493591-428C-460C-80A3-1923A0E946FE}" destId="{92C1001B-0E60-427C-8957-C42E263B2082}" srcOrd="1" destOrd="1" presId="urn:microsoft.com/office/officeart/2005/8/layout/hierarchy6"/>
-    <dgm:cxn modelId="{0C142CD6-D5AA-48BC-9C6F-BB2FF54677DE}" srcId="{F70C9F93-A607-45D1-83D0-1067A02D3E9A}" destId="{8E030639-A11C-46E3-AF3A-38CF08F436DE}" srcOrd="4" destOrd="0" parTransId="{DBA358B8-1761-46C8-B0CE-E1FF2A0D993F}" sibTransId="{2EEBE860-49C4-4F67-856C-DABF541885DA}"/>
-    <dgm:cxn modelId="{00704533-97E1-49FB-9894-C722AF5370CF}" type="presOf" srcId="{BF419F3F-605F-4EE1-9311-6D3D699BC665}" destId="{E08F74DD-992F-452A-8D15-39FBD477E6DE}" srcOrd="1" destOrd="1" presId="urn:microsoft.com/office/officeart/2005/8/layout/hierarchy6"/>
     <dgm:cxn modelId="{36EE5094-F015-43C2-A9B4-590D22712F2C}" type="presParOf" srcId="{2DE1E564-25EF-4A1C-800B-7999A44E592C}" destId="{9D974C72-8469-47A1-876F-4D599CD0809E}" srcOrd="0" destOrd="0" presId="urn:microsoft.com/office/officeart/2005/8/layout/hierarchy6"/>
     <dgm:cxn modelId="{45E00DAE-0AFC-400E-91AD-27949D122F19}" type="presParOf" srcId="{9D974C72-8469-47A1-876F-4D599CD0809E}" destId="{A4AD5081-01B6-4144-AAC3-9C10516FA500}" srcOrd="0" destOrd="0" presId="urn:microsoft.com/office/officeart/2005/8/layout/hierarchy6"/>
     <dgm:cxn modelId="{70F77098-66FA-4AAB-B42D-B62205C07407}" type="presParOf" srcId="{9D974C72-8469-47A1-876F-4D599CD0809E}" destId="{EB394081-CD5F-4579-A453-32BBBD45BFD4}" srcOrd="1" destOrd="0" presId="urn:microsoft.com/office/officeart/2005/8/layout/hierarchy6"/>
@@ -3613,250 +3528,8 @@
       </dsp:nvSpPr>
       <dsp:spPr>
         <a:xfrm>
-          <a:off x="3091620" y="2520950"/>
-          <a:ext cx="1625600" cy="1625600"/>
-        </a:xfrm>
-        <a:prstGeom prst="roundRect">
-          <a:avLst/>
-        </a:prstGeom>
-        <a:solidFill>
-          <a:srgbClr val="C00000"/>
-        </a:solidFill>
-        <a:ln>
-          <a:noFill/>
-        </a:ln>
-        <a:effectLst>
-          <a:outerShdw blurRad="57150" dist="19050" dir="5400000" algn="ctr" rotWithShape="0">
-            <a:srgbClr val="000000">
-              <a:alpha val="63000"/>
-            </a:srgbClr>
-          </a:outerShdw>
-        </a:effectLst>
-      </dsp:spPr>
-      <dsp:style>
-        <a:lnRef idx="0">
-          <a:scrgbClr r="0" g="0" b="0"/>
-        </a:lnRef>
-        <a:fillRef idx="3">
-          <a:scrgbClr r="0" g="0" b="0"/>
-        </a:fillRef>
-        <a:effectRef idx="3">
-          <a:scrgbClr r="0" g="0" b="0"/>
-        </a:effectRef>
-        <a:fontRef idx="minor">
-          <a:schemeClr val="lt1"/>
-        </a:fontRef>
-      </dsp:style>
-      <dsp:txBody>
-        <a:bodyPr spcFirstLastPara="0" vert="horz" wrap="square" lIns="55880" tIns="55880" rIns="55880" bIns="55880" numCol="1" spcCol="1270" anchor="ctr" anchorCtr="0">
-          <a:noAutofit/>
-        </a:bodyPr>
-        <a:lstStyle/>
-        <a:p>
-          <a:pPr lvl="0" algn="ctr" defTabSz="977900">
-            <a:lnSpc>
-              <a:spcPct val="90000"/>
-            </a:lnSpc>
-            <a:spcBef>
-              <a:spcPct val="0"/>
-            </a:spcBef>
-            <a:spcAft>
-              <a:spcPct val="35000"/>
-            </a:spcAft>
-          </a:pPr>
-          <a:r>
-            <a:rPr lang="de-DE" sz="2200" kern="1200" dirty="0"/>
-            <a:t>AppModule</a:t>
-          </a:r>
-        </a:p>
-      </dsp:txBody>
-      <dsp:txXfrm>
-        <a:off x="3170975" y="2600305"/>
-        <a:ext cx="1466890" cy="1466890"/>
-      </dsp:txXfrm>
-    </dsp:sp>
-    <dsp:sp modelId="{29A9ABC8-8B7E-4AF2-B179-379C32D9962E}">
-      <dsp:nvSpPr>
-        <dsp:cNvPr id="0" name=""/>
-        <dsp:cNvSpPr/>
-      </dsp:nvSpPr>
-      <dsp:spPr>
-        <a:xfrm rot="16200000">
-          <a:off x="3404609" y="2021139"/>
-          <a:ext cx="999622" cy="0"/>
-        </a:xfrm>
-        <a:custGeom>
-          <a:avLst/>
-          <a:gdLst/>
-          <a:ahLst/>
-          <a:cxnLst/>
-          <a:rect l="0" t="0" r="0" b="0"/>
-          <a:pathLst>
-            <a:path>
-              <a:moveTo>
-                <a:pt x="0" y="0"/>
-              </a:moveTo>
-              <a:lnTo>
-                <a:pt x="999622" y="0"/>
-              </a:lnTo>
-            </a:path>
-          </a:pathLst>
-        </a:custGeom>
-        <a:noFill/>
-        <a:ln w="38100" cap="flat" cmpd="sng" algn="ctr">
-          <a:solidFill>
-            <a:schemeClr val="bg1">
-              <a:lumMod val="50000"/>
-            </a:schemeClr>
-          </a:solidFill>
-          <a:prstDash val="solid"/>
-          <a:miter lim="800000"/>
-        </a:ln>
-        <a:effectLst/>
-      </dsp:spPr>
-      <dsp:style>
-        <a:lnRef idx="2">
-          <a:scrgbClr r="0" g="0" b="0"/>
-        </a:lnRef>
-        <a:fillRef idx="0">
-          <a:scrgbClr r="0" g="0" b="0"/>
-        </a:fillRef>
-        <a:effectRef idx="0">
-          <a:scrgbClr r="0" g="0" b="0"/>
-        </a:effectRef>
-        <a:fontRef idx="minor"/>
-      </dsp:style>
-    </dsp:sp>
-    <dsp:sp modelId="{207C128E-7FBD-4C97-84F7-E0792C9CFEEC}">
-      <dsp:nvSpPr>
-        <dsp:cNvPr id="0" name=""/>
-        <dsp:cNvSpPr/>
-      </dsp:nvSpPr>
-      <dsp:spPr>
-        <a:xfrm>
-          <a:off x="2793321" y="432175"/>
-          <a:ext cx="2222196" cy="1089152"/>
-        </a:xfrm>
-        <a:prstGeom prst="roundRect">
-          <a:avLst/>
-        </a:prstGeom>
-        <a:solidFill>
-          <a:srgbClr val="C00000"/>
-        </a:solidFill>
-        <a:ln>
-          <a:noFill/>
-        </a:ln>
-        <a:effectLst>
-          <a:outerShdw blurRad="57150" dist="19050" dir="5400000" algn="ctr" rotWithShape="0">
-            <a:srgbClr val="000000">
-              <a:alpha val="63000"/>
-            </a:srgbClr>
-          </a:outerShdw>
-        </a:effectLst>
-      </dsp:spPr>
-      <dsp:style>
-        <a:lnRef idx="0">
-          <a:scrgbClr r="0" g="0" b="0"/>
-        </a:lnRef>
-        <a:fillRef idx="3">
-          <a:scrgbClr r="0" g="0" b="0"/>
-        </a:fillRef>
-        <a:effectRef idx="3">
-          <a:scrgbClr r="0" g="0" b="0"/>
-        </a:effectRef>
-        <a:fontRef idx="minor">
-          <a:schemeClr val="lt1"/>
-        </a:fontRef>
-      </dsp:style>
-      <dsp:txBody>
-        <a:bodyPr spcFirstLastPara="0" vert="horz" wrap="square" lIns="66040" tIns="66040" rIns="66040" bIns="66040" numCol="1" spcCol="1270" anchor="ctr" anchorCtr="0">
-          <a:noAutofit/>
-        </a:bodyPr>
-        <a:lstStyle/>
-        <a:p>
-          <a:pPr lvl="0" algn="ctr" defTabSz="1155700">
-            <a:lnSpc>
-              <a:spcPct val="90000"/>
-            </a:lnSpc>
-            <a:spcBef>
-              <a:spcPct val="0"/>
-            </a:spcBef>
-            <a:spcAft>
-              <a:spcPct val="35000"/>
-            </a:spcAft>
-          </a:pPr>
-          <a:r>
-            <a:rPr lang="de-DE" sz="2600" kern="1200" dirty="0"/>
-            <a:t>LayoutModule</a:t>
-          </a:r>
-        </a:p>
-      </dsp:txBody>
-      <dsp:txXfrm>
-        <a:off x="2846489" y="485343"/>
-        <a:ext cx="2115860" cy="982816"/>
-      </dsp:txXfrm>
-    </dsp:sp>
-    <dsp:sp modelId="{23FD41E1-F2C3-4873-8068-45FA95BC5F66}">
-      <dsp:nvSpPr>
-        <dsp:cNvPr id="0" name=""/>
-        <dsp:cNvSpPr/>
-      </dsp:nvSpPr>
-      <dsp:spPr>
-        <a:xfrm rot="948456">
-          <a:off x="4700246" y="3686125"/>
-          <a:ext cx="897623" cy="0"/>
-        </a:xfrm>
-        <a:custGeom>
-          <a:avLst/>
-          <a:gdLst/>
-          <a:ahLst/>
-          <a:cxnLst/>
-          <a:rect l="0" t="0" r="0" b="0"/>
-          <a:pathLst>
-            <a:path>
-              <a:moveTo>
-                <a:pt x="0" y="0"/>
-              </a:moveTo>
-              <a:lnTo>
-                <a:pt x="897623" y="0"/>
-              </a:lnTo>
-            </a:path>
-          </a:pathLst>
-        </a:custGeom>
-        <a:noFill/>
-        <a:ln w="38100" cap="flat" cmpd="sng" algn="ctr">
-          <a:solidFill>
-            <a:schemeClr val="bg1">
-              <a:lumMod val="50000"/>
-            </a:schemeClr>
-          </a:solidFill>
-          <a:prstDash val="solid"/>
-          <a:miter lim="800000"/>
-        </a:ln>
-        <a:effectLst/>
-      </dsp:spPr>
-      <dsp:style>
-        <a:lnRef idx="2">
-          <a:scrgbClr r="0" g="0" b="0"/>
-        </a:lnRef>
-        <a:fillRef idx="0">
-          <a:scrgbClr r="0" g="0" b="0"/>
-        </a:fillRef>
-        <a:effectRef idx="0">
-          <a:scrgbClr r="0" g="0" b="0"/>
-        </a:effectRef>
-        <a:fontRef idx="minor"/>
-      </dsp:style>
-    </dsp:sp>
-    <dsp:sp modelId="{40EA4F8F-38A3-421E-97C9-6DD70090178B}">
-      <dsp:nvSpPr>
-        <dsp:cNvPr id="0" name=""/>
-        <dsp:cNvSpPr/>
-      </dsp:nvSpPr>
-      <dsp:spPr>
-        <a:xfrm>
-          <a:off x="5580897" y="3580807"/>
-          <a:ext cx="2239361" cy="1089152"/>
+          <a:off x="3187054" y="3031632"/>
+          <a:ext cx="1625600" cy="604235"/>
         </a:xfrm>
         <a:prstGeom prst="roundRect">
           <a:avLst/>
@@ -3895,7 +3568,7 @@
         </a:bodyPr>
         <a:lstStyle/>
         <a:p>
-          <a:pPr lvl="0" algn="ctr" defTabSz="1022350">
+          <a:pPr marL="0" lvl="0" indent="0" algn="ctr" defTabSz="1022350">
             <a:lnSpc>
               <a:spcPct val="90000"/>
             </a:lnSpc>
@@ -3905,27 +3578,28 @@
             <a:spcAft>
               <a:spcPct val="35000"/>
             </a:spcAft>
+            <a:buNone/>
           </a:pPr>
           <a:r>
             <a:rPr lang="de-DE" sz="2300" kern="1200" dirty="0"/>
-            <a:t>TopologyModule</a:t>
+            <a:t>AppModule</a:t>
           </a:r>
         </a:p>
       </dsp:txBody>
       <dsp:txXfrm>
-        <a:off x="5634065" y="3633975"/>
-        <a:ext cx="2133025" cy="982816"/>
+        <a:off x="3216550" y="3061128"/>
+        <a:ext cx="1566608" cy="545243"/>
       </dsp:txXfrm>
     </dsp:sp>
-    <dsp:sp modelId="{41C0591F-4423-4696-A541-7927A488956C}">
+    <dsp:sp modelId="{29A9ABC8-8B7E-4AF2-B179-379C32D9962E}">
       <dsp:nvSpPr>
         <dsp:cNvPr id="0" name=""/>
         <dsp:cNvSpPr/>
       </dsp:nvSpPr>
       <dsp:spPr>
-        <a:xfrm rot="9728208">
-          <a:off x="2171302" y="3740339"/>
-          <a:ext cx="943049" cy="0"/>
+        <a:xfrm rot="16237512">
+          <a:off x="3449280" y="2471684"/>
+          <a:ext cx="1119962" cy="0"/>
         </a:xfrm>
         <a:custGeom>
           <a:avLst/>
@@ -3939,7 +3613,7 @@
                 <a:pt x="0" y="0"/>
               </a:moveTo>
               <a:lnTo>
-                <a:pt x="943049" y="0"/>
+                <a:pt x="1119962" y="0"/>
               </a:lnTo>
             </a:path>
           </a:pathLst>
@@ -3953,6 +3627,7 @@
           </a:solidFill>
           <a:prstDash val="solid"/>
           <a:miter lim="800000"/>
+          <a:tailEnd type="triangle"/>
         </a:ln>
         <a:effectLst/>
       </dsp:spPr>
@@ -3969,15 +3644,15 @@
         <a:fontRef idx="minor"/>
       </dsp:style>
     </dsp:sp>
-    <dsp:sp modelId="{4866A4C8-4026-4C06-A161-E4D4272C89A7}">
+    <dsp:sp modelId="{207C128E-7FBD-4C97-84F7-E0792C9CFEEC}">
       <dsp:nvSpPr>
         <dsp:cNvPr id="0" name=""/>
         <dsp:cNvSpPr/>
       </dsp:nvSpPr>
       <dsp:spPr>
         <a:xfrm>
-          <a:off x="592991" y="3598394"/>
-          <a:ext cx="1601042" cy="1089152"/>
+          <a:off x="2907808" y="1263734"/>
+          <a:ext cx="2222196" cy="648001"/>
         </a:xfrm>
         <a:prstGeom prst="roundRect">
           <a:avLst/>
@@ -4011,12 +3686,12 @@
         </a:fontRef>
       </dsp:style>
       <dsp:txBody>
-        <a:bodyPr spcFirstLastPara="0" vert="horz" wrap="square" lIns="53340" tIns="53340" rIns="53340" bIns="53340" numCol="1" spcCol="1270" anchor="ctr" anchorCtr="0">
+        <a:bodyPr spcFirstLastPara="0" vert="horz" wrap="square" lIns="58420" tIns="58420" rIns="58420" bIns="58420" numCol="1" spcCol="1270" anchor="ctr" anchorCtr="0">
           <a:noAutofit/>
         </a:bodyPr>
         <a:lstStyle/>
         <a:p>
-          <a:pPr lvl="0" algn="ctr" defTabSz="933450">
+          <a:pPr marL="0" lvl="0" indent="0" algn="ctr" defTabSz="1022350">
             <a:lnSpc>
               <a:spcPct val="90000"/>
             </a:lnSpc>
@@ -4026,16 +3701,263 @@
             <a:spcAft>
               <a:spcPct val="35000"/>
             </a:spcAft>
+            <a:buNone/>
           </a:pPr>
           <a:r>
-            <a:rPr lang="de-DE" sz="2100" kern="1200" dirty="0"/>
+            <a:rPr lang="de-DE" sz="2300" kern="1200" dirty="0"/>
+            <a:t>LayoutModule</a:t>
+          </a:r>
+        </a:p>
+      </dsp:txBody>
+      <dsp:txXfrm>
+        <a:off x="2939441" y="1295367"/>
+        <a:ext cx="2158930" cy="584735"/>
+      </dsp:txXfrm>
+    </dsp:sp>
+    <dsp:sp modelId="{23FD41E1-F2C3-4873-8068-45FA95BC5F66}">
+      <dsp:nvSpPr>
+        <dsp:cNvPr id="0" name=""/>
+        <dsp:cNvSpPr/>
+      </dsp:nvSpPr>
+      <dsp:spPr>
+        <a:xfrm rot="392040">
+          <a:off x="4809668" y="3479156"/>
+          <a:ext cx="919408" cy="0"/>
+        </a:xfrm>
+        <a:custGeom>
+          <a:avLst/>
+          <a:gdLst/>
+          <a:ahLst/>
+          <a:cxnLst/>
+          <a:rect l="0" t="0" r="0" b="0"/>
+          <a:pathLst>
+            <a:path>
+              <a:moveTo>
+                <a:pt x="0" y="0"/>
+              </a:moveTo>
+              <a:lnTo>
+                <a:pt x="919408" y="0"/>
+              </a:lnTo>
+            </a:path>
+          </a:pathLst>
+        </a:custGeom>
+        <a:noFill/>
+        <a:ln w="38100" cap="flat" cmpd="sng" algn="ctr">
+          <a:solidFill>
+            <a:schemeClr val="bg1">
+              <a:lumMod val="50000"/>
+            </a:schemeClr>
+          </a:solidFill>
+          <a:prstDash val="solid"/>
+          <a:miter lim="800000"/>
+          <a:tailEnd type="triangle"/>
+        </a:ln>
+        <a:effectLst/>
+      </dsp:spPr>
+      <dsp:style>
+        <a:lnRef idx="2">
+          <a:scrgbClr r="0" g="0" b="0"/>
+        </a:lnRef>
+        <a:fillRef idx="0">
+          <a:scrgbClr r="0" g="0" b="0"/>
+        </a:fillRef>
+        <a:effectRef idx="0">
+          <a:scrgbClr r="0" g="0" b="0"/>
+        </a:effectRef>
+        <a:fontRef idx="minor"/>
+      </dsp:style>
+    </dsp:sp>
+    <dsp:sp modelId="{40EA4F8F-38A3-421E-97C9-6DD70090178B}">
+      <dsp:nvSpPr>
+        <dsp:cNvPr id="0" name=""/>
+        <dsp:cNvSpPr/>
+      </dsp:nvSpPr>
+      <dsp:spPr>
+        <a:xfrm>
+          <a:off x="5726091" y="3335711"/>
+          <a:ext cx="2239361" cy="648001"/>
+        </a:xfrm>
+        <a:prstGeom prst="roundRect">
+          <a:avLst/>
+        </a:prstGeom>
+        <a:solidFill>
+          <a:srgbClr val="C00000"/>
+        </a:solidFill>
+        <a:ln>
+          <a:noFill/>
+        </a:ln>
+        <a:effectLst>
+          <a:outerShdw blurRad="57150" dist="19050" dir="5400000" algn="ctr" rotWithShape="0">
+            <a:srgbClr val="000000">
+              <a:alpha val="63000"/>
+            </a:srgbClr>
+          </a:outerShdw>
+        </a:effectLst>
+      </dsp:spPr>
+      <dsp:style>
+        <a:lnRef idx="0">
+          <a:scrgbClr r="0" g="0" b="0"/>
+        </a:lnRef>
+        <a:fillRef idx="3">
+          <a:scrgbClr r="0" g="0" b="0"/>
+        </a:fillRef>
+        <a:effectRef idx="3">
+          <a:scrgbClr r="0" g="0" b="0"/>
+        </a:effectRef>
+        <a:fontRef idx="minor">
+          <a:schemeClr val="lt1"/>
+        </a:fontRef>
+      </dsp:style>
+      <dsp:txBody>
+        <a:bodyPr spcFirstLastPara="0" vert="horz" wrap="square" lIns="58420" tIns="58420" rIns="58420" bIns="58420" numCol="1" spcCol="1270" anchor="ctr" anchorCtr="0">
+          <a:noAutofit/>
+        </a:bodyPr>
+        <a:lstStyle/>
+        <a:p>
+          <a:pPr marL="0" lvl="0" indent="0" algn="ctr" defTabSz="1022350">
+            <a:lnSpc>
+              <a:spcPct val="90000"/>
+            </a:lnSpc>
+            <a:spcBef>
+              <a:spcPct val="0"/>
+            </a:spcBef>
+            <a:spcAft>
+              <a:spcPct val="35000"/>
+            </a:spcAft>
+            <a:buNone/>
+          </a:pPr>
+          <a:r>
+            <a:rPr lang="de-DE" sz="2300" kern="1200" dirty="0"/>
+            <a:t>TopologyModule</a:t>
+          </a:r>
+        </a:p>
+      </dsp:txBody>
+      <dsp:txXfrm>
+        <a:off x="5757724" y="3367344"/>
+        <a:ext cx="2176095" cy="584735"/>
+      </dsp:txXfrm>
+    </dsp:sp>
+    <dsp:sp modelId="{41C0591F-4423-4696-A541-7927A488956C}">
+      <dsp:nvSpPr>
+        <dsp:cNvPr id="0" name=""/>
+        <dsp:cNvSpPr/>
+      </dsp:nvSpPr>
+      <dsp:spPr>
+        <a:xfrm rot="10298232">
+          <a:off x="2486117" y="3504479"/>
+          <a:ext cx="704683" cy="0"/>
+        </a:xfrm>
+        <a:custGeom>
+          <a:avLst/>
+          <a:gdLst/>
+          <a:ahLst/>
+          <a:cxnLst/>
+          <a:rect l="0" t="0" r="0" b="0"/>
+          <a:pathLst>
+            <a:path>
+              <a:moveTo>
+                <a:pt x="0" y="0"/>
+              </a:moveTo>
+              <a:lnTo>
+                <a:pt x="704683" y="0"/>
+              </a:lnTo>
+            </a:path>
+          </a:pathLst>
+        </a:custGeom>
+        <a:noFill/>
+        <a:ln w="38100" cap="flat" cmpd="sng" algn="ctr">
+          <a:solidFill>
+            <a:schemeClr val="bg1">
+              <a:lumMod val="50000"/>
+            </a:schemeClr>
+          </a:solidFill>
+          <a:prstDash val="solid"/>
+          <a:miter lim="800000"/>
+          <a:tailEnd type="triangle"/>
+        </a:ln>
+        <a:effectLst/>
+      </dsp:spPr>
+      <dsp:style>
+        <a:lnRef idx="2">
+          <a:scrgbClr r="0" g="0" b="0"/>
+        </a:lnRef>
+        <a:fillRef idx="0">
+          <a:scrgbClr r="0" g="0" b="0"/>
+        </a:fillRef>
+        <a:effectRef idx="0">
+          <a:scrgbClr r="0" g="0" b="0"/>
+        </a:effectRef>
+        <a:fontRef idx="minor"/>
+      </dsp:style>
+    </dsp:sp>
+    <dsp:sp modelId="{4866A4C8-4026-4C06-A161-E4D4272C89A7}">
+      <dsp:nvSpPr>
+        <dsp:cNvPr id="0" name=""/>
+        <dsp:cNvSpPr/>
+      </dsp:nvSpPr>
+      <dsp:spPr>
+        <a:xfrm>
+          <a:off x="507084" y="3377461"/>
+          <a:ext cx="1982779" cy="648001"/>
+        </a:xfrm>
+        <a:prstGeom prst="roundRect">
+          <a:avLst/>
+        </a:prstGeom>
+        <a:solidFill>
+          <a:srgbClr val="C00000"/>
+        </a:solidFill>
+        <a:ln>
+          <a:noFill/>
+        </a:ln>
+        <a:effectLst>
+          <a:outerShdw blurRad="57150" dist="19050" dir="5400000" algn="ctr" rotWithShape="0">
+            <a:srgbClr val="000000">
+              <a:alpha val="63000"/>
+            </a:srgbClr>
+          </a:outerShdw>
+        </a:effectLst>
+      </dsp:spPr>
+      <dsp:style>
+        <a:lnRef idx="0">
+          <a:scrgbClr r="0" g="0" b="0"/>
+        </a:lnRef>
+        <a:fillRef idx="3">
+          <a:scrgbClr r="0" g="0" b="0"/>
+        </a:fillRef>
+        <a:effectRef idx="3">
+          <a:scrgbClr r="0" g="0" b="0"/>
+        </a:effectRef>
+        <a:fontRef idx="minor">
+          <a:schemeClr val="lt1"/>
+        </a:fontRef>
+      </dsp:style>
+      <dsp:txBody>
+        <a:bodyPr spcFirstLastPara="0" vert="horz" wrap="square" lIns="58420" tIns="58420" rIns="58420" bIns="58420" numCol="1" spcCol="1270" anchor="ctr" anchorCtr="0">
+          <a:noAutofit/>
+        </a:bodyPr>
+        <a:lstStyle/>
+        <a:p>
+          <a:pPr marL="0" lvl="0" indent="0" algn="ctr" defTabSz="1022350">
+            <a:lnSpc>
+              <a:spcPct val="90000"/>
+            </a:lnSpc>
+            <a:spcBef>
+              <a:spcPct val="0"/>
+            </a:spcBef>
+            <a:spcAft>
+              <a:spcPct val="35000"/>
+            </a:spcAft>
+            <a:buNone/>
+          </a:pPr>
+          <a:r>
+            <a:rPr lang="de-DE" sz="2300" kern="1200" dirty="0"/>
             <a:t>CoreModule</a:t>
           </a:r>
         </a:p>
       </dsp:txBody>
       <dsp:txXfrm>
-        <a:off x="646159" y="3651562"/>
-        <a:ext cx="1494706" cy="982816"/>
+        <a:off x="538717" y="3409094"/>
+        <a:ext cx="1919513" cy="584735"/>
       </dsp:txXfrm>
     </dsp:sp>
   </dsp:spTree>
@@ -4105,7 +4027,7 @@
         </a:bodyPr>
         <a:lstStyle/>
         <a:p>
-          <a:pPr lvl="0" algn="ctr" defTabSz="1733550">
+          <a:pPr marL="0" lvl="0" indent="0" algn="ctr" defTabSz="1733550">
             <a:lnSpc>
               <a:spcPct val="90000"/>
             </a:lnSpc>
@@ -4115,16 +4037,16 @@
             <a:spcAft>
               <a:spcPct val="35000"/>
             </a:spcAft>
+            <a:buNone/>
           </a:pPr>
           <a:r>
-            <a:rPr lang="de-DE" sz="3900" kern="1200" dirty="0" err="1" smtClean="0"/>
+            <a:rPr lang="de-DE" sz="3900" kern="1200" dirty="0" err="1"/>
             <a:t>Topology</a:t>
           </a:r>
           <a:r>
-            <a:rPr lang="de-DE" sz="3900" kern="1200" dirty="0" smtClean="0"/>
+            <a:rPr lang="de-DE" sz="3900" kern="1200" dirty="0"/>
             <a:t>-Editor-Client</a:t>
           </a:r>
-          <a:endParaRPr lang="de-DE" sz="3900" kern="1200" dirty="0"/>
         </a:p>
       </dsp:txBody>
       <dsp:txXfrm>
@@ -4232,7 +4154,7 @@
         </a:bodyPr>
         <a:lstStyle/>
         <a:p>
-          <a:pPr lvl="0" algn="ctr" defTabSz="1733550">
+          <a:pPr marL="0" lvl="0" indent="0" algn="ctr" defTabSz="1733550">
             <a:lnSpc>
               <a:spcPct val="90000"/>
             </a:lnSpc>
@@ -4242,6 +4164,7 @@
             <a:spcAft>
               <a:spcPct val="35000"/>
             </a:spcAft>
+            <a:buNone/>
           </a:pPr>
           <a:endParaRPr lang="de-DE" sz="3900" kern="1200" dirty="0"/>
         </a:p>
@@ -4351,7 +4274,7 @@
         </a:bodyPr>
         <a:lstStyle/>
         <a:p>
-          <a:pPr lvl="0" algn="ctr" defTabSz="1733550">
+          <a:pPr marL="0" lvl="0" indent="0" algn="ctr" defTabSz="1733550">
             <a:lnSpc>
               <a:spcPct val="90000"/>
             </a:lnSpc>
@@ -4361,6 +4284,7 @@
             <a:spcAft>
               <a:spcPct val="35000"/>
             </a:spcAft>
+            <a:buNone/>
           </a:pPr>
           <a:endParaRPr lang="de-DE" sz="3900" kern="1200" dirty="0"/>
         </a:p>
@@ -4474,7 +4398,7 @@
         </a:bodyPr>
         <a:lstStyle/>
         <a:p>
-          <a:pPr lvl="0" algn="ctr" defTabSz="488950">
+          <a:pPr marL="0" lvl="0" indent="0" algn="ctr" defTabSz="488950">
             <a:lnSpc>
               <a:spcPct val="90000"/>
             </a:lnSpc>
@@ -4484,6 +4408,7 @@
             <a:spcAft>
               <a:spcPct val="35000"/>
             </a:spcAft>
+            <a:buNone/>
           </a:pPr>
           <a:endParaRPr lang="de-DE" sz="1100" kern="1200" dirty="0"/>
         </a:p>
@@ -4534,7 +4459,7 @@
         </a:bodyPr>
         <a:lstStyle/>
         <a:p>
-          <a:pPr lvl="0" algn="ctr" defTabSz="488950">
+          <a:pPr marL="0" lvl="0" indent="0" algn="ctr" defTabSz="488950">
             <a:lnSpc>
               <a:spcPct val="90000"/>
             </a:lnSpc>
@@ -4544,16 +4469,16 @@
             <a:spcAft>
               <a:spcPct val="35000"/>
             </a:spcAft>
+            <a:buNone/>
           </a:pPr>
           <a:r>
-            <a:rPr lang="de-DE" sz="1100" kern="1200" dirty="0" err="1" smtClean="0"/>
+            <a:rPr lang="de-DE" sz="1100" kern="1200" dirty="0" err="1"/>
             <a:t>Topology</a:t>
           </a:r>
           <a:r>
-            <a:rPr lang="de-DE" sz="1100" kern="1200" dirty="0" smtClean="0"/>
+            <a:rPr lang="de-DE" sz="1100" kern="1200" dirty="0"/>
             <a:t>-Editor-Server</a:t>
           </a:r>
-          <a:endParaRPr lang="de-DE" sz="1100" kern="1200" dirty="0"/>
         </a:p>
       </dsp:txBody>
       <dsp:txXfrm>
@@ -4608,7 +4533,7 @@
         </a:bodyPr>
         <a:lstStyle/>
         <a:p>
-          <a:pPr lvl="0" algn="ctr" defTabSz="488950">
+          <a:pPr marL="0" lvl="0" indent="0" algn="ctr" defTabSz="488950">
             <a:lnSpc>
               <a:spcPct val="90000"/>
             </a:lnSpc>
@@ -4618,6 +4543,7 @@
             <a:spcAft>
               <a:spcPct val="35000"/>
             </a:spcAft>
+            <a:buNone/>
           </a:pPr>
           <a:endParaRPr lang="de-DE" sz="1100" kern="1200"/>
         </a:p>
@@ -4674,7 +4600,7 @@
         </a:bodyPr>
         <a:lstStyle/>
         <a:p>
-          <a:pPr lvl="0" algn="l" defTabSz="400050">
+          <a:pPr marL="0" lvl="0" indent="0" algn="l" defTabSz="400050">
             <a:lnSpc>
               <a:spcPct val="90000"/>
             </a:lnSpc>
@@ -4684,6 +4610,7 @@
             <a:spcAft>
               <a:spcPct val="35000"/>
             </a:spcAft>
+            <a:buNone/>
           </a:pPr>
           <a:endParaRPr lang="de-DE" sz="900" kern="1200" dirty="0"/>
         </a:p>
@@ -4698,7 +4625,7 @@
             <a:spcAft>
               <a:spcPct val="15000"/>
             </a:spcAft>
-            <a:buChar char="••"/>
+            <a:buChar char="•"/>
           </a:pPr>
           <a:endParaRPr lang="de-DE" sz="700" kern="1200"/>
         </a:p>
@@ -4713,7 +4640,7 @@
             <a:spcAft>
               <a:spcPct val="15000"/>
             </a:spcAft>
-            <a:buChar char="••"/>
+            <a:buChar char="•"/>
           </a:pPr>
           <a:endParaRPr lang="de-DE" sz="700" kern="1200" dirty="0"/>
         </a:p>
@@ -4770,7 +4697,7 @@
         </a:bodyPr>
         <a:lstStyle/>
         <a:p>
-          <a:pPr lvl="0" algn="l" defTabSz="488950">
+          <a:pPr marL="0" lvl="0" indent="0" algn="l" defTabSz="488950">
             <a:lnSpc>
               <a:spcPct val="90000"/>
             </a:lnSpc>
@@ -4780,20 +4707,20 @@
             <a:spcAft>
               <a:spcPct val="35000"/>
             </a:spcAft>
+            <a:buNone/>
           </a:pPr>
           <a:r>
-            <a:rPr lang="de-DE" sz="1100" kern="1200" dirty="0" smtClean="0"/>
+            <a:rPr lang="de-DE" sz="1100" kern="1200" dirty="0"/>
             <a:t>Client-</a:t>
           </a:r>
           <a:r>
-            <a:rPr lang="de-DE" sz="1100" kern="1200" dirty="0" err="1" smtClean="0"/>
+            <a:rPr lang="de-DE" sz="1100" kern="1200" dirty="0" err="1"/>
             <a:t>Topology</a:t>
           </a:r>
           <a:r>
-            <a:rPr lang="de-DE" sz="1100" kern="1200" dirty="0" smtClean="0"/>
+            <a:rPr lang="de-DE" sz="1100" kern="1200" dirty="0"/>
             <a:t>-Editor</a:t>
           </a:r>
-          <a:endParaRPr lang="de-DE" sz="1100" kern="1200" dirty="0"/>
         </a:p>
         <a:p>
           <a:pPr marL="57150" lvl="1" indent="-57150" algn="l" defTabSz="400050">
@@ -4806,7 +4733,7 @@
             <a:spcAft>
               <a:spcPct val="15000"/>
             </a:spcAft>
-            <a:buChar char="••"/>
+            <a:buChar char="•"/>
           </a:pPr>
           <a:endParaRPr lang="de-DE" sz="900" kern="1200"/>
         </a:p>
@@ -4873,7 +4800,7 @@
         </a:bodyPr>
         <a:lstStyle/>
         <a:p>
-          <a:pPr lvl="0" algn="ctr" defTabSz="1733550">
+          <a:pPr marL="0" lvl="0" indent="0" algn="ctr" defTabSz="1733550">
             <a:lnSpc>
               <a:spcPct val="90000"/>
             </a:lnSpc>
@@ -4883,12 +4810,12 @@
             <a:spcAft>
               <a:spcPct val="35000"/>
             </a:spcAft>
+            <a:buNone/>
           </a:pPr>
           <a:r>
-            <a:rPr lang="de-DE" sz="3900" kern="1200" dirty="0" smtClean="0"/>
+            <a:rPr lang="de-DE" sz="3900" kern="1200" dirty="0"/>
             <a:t>Client</a:t>
           </a:r>
-          <a:endParaRPr lang="de-DE" sz="3900" kern="1200" dirty="0"/>
         </a:p>
       </dsp:txBody>
       <dsp:txXfrm rot="-10800000">
@@ -11918,7 +11845,7 @@
           <a:p>
             <a:fld id="{F685A47D-EFC9-488A-898F-323BF2EBD74D}" type="datetimeFigureOut">
               <a:rPr lang="de-DE" smtClean="0"/>
-              <a:t>07.08.2018</a:t>
+              <a:t>20.08.2018</a:t>
             </a:fld>
             <a:endParaRPr lang="de-DE"/>
           </a:p>
@@ -12116,7 +12043,7 @@
           <a:p>
             <a:fld id="{F685A47D-EFC9-488A-898F-323BF2EBD74D}" type="datetimeFigureOut">
               <a:rPr lang="de-DE" smtClean="0"/>
-              <a:t>07.08.2018</a:t>
+              <a:t>20.08.2018</a:t>
             </a:fld>
             <a:endParaRPr lang="de-DE"/>
           </a:p>
@@ -12324,7 +12251,7 @@
           <a:p>
             <a:fld id="{F685A47D-EFC9-488A-898F-323BF2EBD74D}" type="datetimeFigureOut">
               <a:rPr lang="de-DE" smtClean="0"/>
-              <a:t>07.08.2018</a:t>
+              <a:t>20.08.2018</a:t>
             </a:fld>
             <a:endParaRPr lang="de-DE"/>
           </a:p>
@@ -12522,7 +12449,7 @@
           <a:p>
             <a:fld id="{F685A47D-EFC9-488A-898F-323BF2EBD74D}" type="datetimeFigureOut">
               <a:rPr lang="de-DE" smtClean="0"/>
-              <a:t>07.08.2018</a:t>
+              <a:t>20.08.2018</a:t>
             </a:fld>
             <a:endParaRPr lang="de-DE"/>
           </a:p>
@@ -12797,7 +12724,7 @@
           <a:p>
             <a:fld id="{F685A47D-EFC9-488A-898F-323BF2EBD74D}" type="datetimeFigureOut">
               <a:rPr lang="de-DE" smtClean="0"/>
-              <a:t>07.08.2018</a:t>
+              <a:t>20.08.2018</a:t>
             </a:fld>
             <a:endParaRPr lang="de-DE"/>
           </a:p>
@@ -13062,7 +12989,7 @@
           <a:p>
             <a:fld id="{F685A47D-EFC9-488A-898F-323BF2EBD74D}" type="datetimeFigureOut">
               <a:rPr lang="de-DE" smtClean="0"/>
-              <a:t>07.08.2018</a:t>
+              <a:t>20.08.2018</a:t>
             </a:fld>
             <a:endParaRPr lang="de-DE"/>
           </a:p>
@@ -13474,7 +13401,7 @@
           <a:p>
             <a:fld id="{F685A47D-EFC9-488A-898F-323BF2EBD74D}" type="datetimeFigureOut">
               <a:rPr lang="de-DE" smtClean="0"/>
-              <a:t>07.08.2018</a:t>
+              <a:t>20.08.2018</a:t>
             </a:fld>
             <a:endParaRPr lang="de-DE"/>
           </a:p>
@@ -13615,7 +13542,7 @@
           <a:p>
             <a:fld id="{F685A47D-EFC9-488A-898F-323BF2EBD74D}" type="datetimeFigureOut">
               <a:rPr lang="de-DE" smtClean="0"/>
-              <a:t>07.08.2018</a:t>
+              <a:t>20.08.2018</a:t>
             </a:fld>
             <a:endParaRPr lang="de-DE"/>
           </a:p>
@@ -13728,7 +13655,7 @@
           <a:p>
             <a:fld id="{F685A47D-EFC9-488A-898F-323BF2EBD74D}" type="datetimeFigureOut">
               <a:rPr lang="de-DE" smtClean="0"/>
-              <a:t>07.08.2018</a:t>
+              <a:t>20.08.2018</a:t>
             </a:fld>
             <a:endParaRPr lang="de-DE"/>
           </a:p>
@@ -14039,7 +13966,7 @@
           <a:p>
             <a:fld id="{F685A47D-EFC9-488A-898F-323BF2EBD74D}" type="datetimeFigureOut">
               <a:rPr lang="de-DE" smtClean="0"/>
-              <a:t>07.08.2018</a:t>
+              <a:t>20.08.2018</a:t>
             </a:fld>
             <a:endParaRPr lang="de-DE"/>
           </a:p>
@@ -14327,7 +14254,7 @@
           <a:p>
             <a:fld id="{F685A47D-EFC9-488A-898F-323BF2EBD74D}" type="datetimeFigureOut">
               <a:rPr lang="de-DE" smtClean="0"/>
-              <a:t>07.08.2018</a:t>
+              <a:t>20.08.2018</a:t>
             </a:fld>
             <a:endParaRPr lang="de-DE"/>
           </a:p>
@@ -14568,7 +14495,7 @@
           <a:p>
             <a:fld id="{F685A47D-EFC9-488A-898F-323BF2EBD74D}" type="datetimeFigureOut">
               <a:rPr lang="de-DE" smtClean="0"/>
-              <a:t>07.08.2018</a:t>
+              <a:t>20.08.2018</a:t>
             </a:fld>
             <a:endParaRPr lang="de-DE"/>
           </a:p>
@@ -15078,7 +15005,7 @@
           <p:nvPr>
             <p:extLst>
               <p:ext uri="{D42A27DB-BD31-4B8C-83A1-F6EECF244321}">
-                <p14:modId xmlns:p14="http://schemas.microsoft.com/office/powerpoint/2010/main" val="553521707"/>
+                <p14:modId xmlns:p14="http://schemas.microsoft.com/office/powerpoint/2010/main" val="1120878824"/>
               </p:ext>
             </p:extLst>
           </p:nvPr>
@@ -15093,96 +15020,6 @@
           </a:graphicData>
         </a:graphic>
       </p:graphicFrame>
-      <p:cxnSp>
-        <p:nvCxnSpPr>
-          <p:cNvPr id="4" name="Gerader Verbinder 3">
-            <a:extLst>
-              <a:ext uri="{FF2B5EF4-FFF2-40B4-BE49-F238E27FC236}">
-                <a16:creationId xmlns:a16="http://schemas.microsoft.com/office/drawing/2014/main" id="{9F3810C2-E46B-4C93-A2EC-8531677527C0}"/>
-              </a:ext>
-            </a:extLst>
-          </p:cNvPr>
-          <p:cNvCxnSpPr>
-            <a:cxnSpLocks/>
-          </p:cNvCxnSpPr>
-          <p:nvPr/>
-        </p:nvCxnSpPr>
-        <p:spPr>
-          <a:xfrm>
-            <a:off x="7513027" y="4305300"/>
-            <a:ext cx="118696" cy="196362"/>
-          </a:xfrm>
-          <a:prstGeom prst="line">
-            <a:avLst/>
-          </a:prstGeom>
-          <a:ln w="38100">
-            <a:solidFill>
-              <a:schemeClr val="bg1">
-                <a:lumMod val="50000"/>
-              </a:schemeClr>
-            </a:solidFill>
-          </a:ln>
-        </p:spPr>
-        <p:style>
-          <a:lnRef idx="1">
-            <a:schemeClr val="accent1"/>
-          </a:lnRef>
-          <a:fillRef idx="0">
-            <a:schemeClr val="accent1"/>
-          </a:fillRef>
-          <a:effectRef idx="0">
-            <a:schemeClr val="accent1"/>
-          </a:effectRef>
-          <a:fontRef idx="minor">
-            <a:schemeClr val="tx1"/>
-          </a:fontRef>
-        </p:style>
-      </p:cxnSp>
-      <p:cxnSp>
-        <p:nvCxnSpPr>
-          <p:cNvPr id="6" name="Gerader Verbinder 5">
-            <a:extLst>
-              <a:ext uri="{FF2B5EF4-FFF2-40B4-BE49-F238E27FC236}">
-                <a16:creationId xmlns:a16="http://schemas.microsoft.com/office/drawing/2014/main" id="{43AF24E8-ED77-4E77-AC76-B9B379C9EEC2}"/>
-              </a:ext>
-            </a:extLst>
-          </p:cNvPr>
-          <p:cNvCxnSpPr>
-            <a:cxnSpLocks/>
-          </p:cNvCxnSpPr>
-          <p:nvPr/>
-        </p:nvCxnSpPr>
-        <p:spPr>
-          <a:xfrm flipV="1">
-            <a:off x="7394331" y="4572000"/>
-            <a:ext cx="237392" cy="61546"/>
-          </a:xfrm>
-          <a:prstGeom prst="line">
-            <a:avLst/>
-          </a:prstGeom>
-          <a:ln w="38100">
-            <a:solidFill>
-              <a:schemeClr val="bg1">
-                <a:lumMod val="50000"/>
-              </a:schemeClr>
-            </a:solidFill>
-          </a:ln>
-        </p:spPr>
-        <p:style>
-          <a:lnRef idx="1">
-            <a:schemeClr val="accent1"/>
-          </a:lnRef>
-          <a:fillRef idx="0">
-            <a:schemeClr val="accent1"/>
-          </a:fillRef>
-          <a:effectRef idx="0">
-            <a:schemeClr val="accent1"/>
-          </a:effectRef>
-          <a:fontRef idx="minor">
-            <a:schemeClr val="tx1"/>
-          </a:fontRef>
-        </p:style>
-      </p:cxnSp>
       <p:sp>
         <p:nvSpPr>
           <p:cNvPr id="8" name="Geschweifte Klammer rechts 7">
@@ -15262,186 +15099,6 @@
           </a:p>
         </p:txBody>
       </p:sp>
-      <p:cxnSp>
-        <p:nvCxnSpPr>
-          <p:cNvPr id="11" name="Gerader Verbinder 10">
-            <a:extLst>
-              <a:ext uri="{FF2B5EF4-FFF2-40B4-BE49-F238E27FC236}">
-                <a16:creationId xmlns:a16="http://schemas.microsoft.com/office/drawing/2014/main" id="{AC5393BB-53DC-4377-8331-4BCF2865EBB7}"/>
-              </a:ext>
-            </a:extLst>
-          </p:cNvPr>
-          <p:cNvCxnSpPr>
-            <a:cxnSpLocks/>
-          </p:cNvCxnSpPr>
-          <p:nvPr/>
-        </p:nvCxnSpPr>
-        <p:spPr>
-          <a:xfrm>
-            <a:off x="4238625" y="4633546"/>
-            <a:ext cx="240323" cy="13921"/>
-          </a:xfrm>
-          <a:prstGeom prst="line">
-            <a:avLst/>
-          </a:prstGeom>
-          <a:ln w="38100">
-            <a:solidFill>
-              <a:schemeClr val="bg1">
-                <a:lumMod val="50000"/>
-              </a:schemeClr>
-            </a:solidFill>
-          </a:ln>
-        </p:spPr>
-        <p:style>
-          <a:lnRef idx="1">
-            <a:schemeClr val="accent1"/>
-          </a:lnRef>
-          <a:fillRef idx="0">
-            <a:schemeClr val="accent1"/>
-          </a:fillRef>
-          <a:effectRef idx="0">
-            <a:schemeClr val="accent1"/>
-          </a:effectRef>
-          <a:fontRef idx="minor">
-            <a:schemeClr val="tx1"/>
-          </a:fontRef>
-        </p:style>
-      </p:cxnSp>
-      <p:cxnSp>
-        <p:nvCxnSpPr>
-          <p:cNvPr id="13" name="Gerader Verbinder 12">
-            <a:extLst>
-              <a:ext uri="{FF2B5EF4-FFF2-40B4-BE49-F238E27FC236}">
-                <a16:creationId xmlns:a16="http://schemas.microsoft.com/office/drawing/2014/main" id="{F4FA8149-C55A-4B3F-980F-9BE48D2BC2FB}"/>
-              </a:ext>
-            </a:extLst>
-          </p:cNvPr>
-          <p:cNvCxnSpPr>
-            <a:cxnSpLocks/>
-          </p:cNvCxnSpPr>
-          <p:nvPr/>
-        </p:nvCxnSpPr>
-        <p:spPr>
-          <a:xfrm flipV="1">
-            <a:off x="4238625" y="4391758"/>
-            <a:ext cx="120161" cy="180242"/>
-          </a:xfrm>
-          <a:prstGeom prst="line">
-            <a:avLst/>
-          </a:prstGeom>
-          <a:ln w="38100">
-            <a:solidFill>
-              <a:schemeClr val="bg1">
-                <a:lumMod val="50000"/>
-              </a:schemeClr>
-            </a:solidFill>
-          </a:ln>
-        </p:spPr>
-        <p:style>
-          <a:lnRef idx="1">
-            <a:schemeClr val="accent1"/>
-          </a:lnRef>
-          <a:fillRef idx="0">
-            <a:schemeClr val="accent1"/>
-          </a:fillRef>
-          <a:effectRef idx="0">
-            <a:schemeClr val="accent1"/>
-          </a:effectRef>
-          <a:fontRef idx="minor">
-            <a:schemeClr val="tx1"/>
-          </a:fontRef>
-        </p:style>
-      </p:cxnSp>
-      <p:cxnSp>
-        <p:nvCxnSpPr>
-          <p:cNvPr id="17" name="Gerader Verbinder 16">
-            <a:extLst>
-              <a:ext uri="{FF2B5EF4-FFF2-40B4-BE49-F238E27FC236}">
-                <a16:creationId xmlns:a16="http://schemas.microsoft.com/office/drawing/2014/main" id="{FA5C83F7-ABD3-4600-B15F-EAF8429462F9}"/>
-              </a:ext>
-            </a:extLst>
-          </p:cNvPr>
-          <p:cNvCxnSpPr>
-            <a:cxnSpLocks/>
-          </p:cNvCxnSpPr>
-          <p:nvPr/>
-        </p:nvCxnSpPr>
-        <p:spPr>
-          <a:xfrm>
-            <a:off x="5972175" y="2274277"/>
-            <a:ext cx="123825" cy="171450"/>
-          </a:xfrm>
-          <a:prstGeom prst="line">
-            <a:avLst/>
-          </a:prstGeom>
-          <a:ln w="38100">
-            <a:solidFill>
-              <a:schemeClr val="bg1">
-                <a:lumMod val="50000"/>
-              </a:schemeClr>
-            </a:solidFill>
-          </a:ln>
-        </p:spPr>
-        <p:style>
-          <a:lnRef idx="1">
-            <a:schemeClr val="accent1"/>
-          </a:lnRef>
-          <a:fillRef idx="0">
-            <a:schemeClr val="accent1"/>
-          </a:fillRef>
-          <a:effectRef idx="0">
-            <a:schemeClr val="accent1"/>
-          </a:effectRef>
-          <a:fontRef idx="minor">
-            <a:schemeClr val="tx1"/>
-          </a:fontRef>
-        </p:style>
-      </p:cxnSp>
-      <p:cxnSp>
-        <p:nvCxnSpPr>
-          <p:cNvPr id="20" name="Gerader Verbinder 19">
-            <a:extLst>
-              <a:ext uri="{FF2B5EF4-FFF2-40B4-BE49-F238E27FC236}">
-                <a16:creationId xmlns:a16="http://schemas.microsoft.com/office/drawing/2014/main" id="{86F6B0FB-E6CE-48FD-9909-9EC52C9BCA11}"/>
-              </a:ext>
-            </a:extLst>
-          </p:cNvPr>
-          <p:cNvCxnSpPr>
-            <a:cxnSpLocks/>
-          </p:cNvCxnSpPr>
-          <p:nvPr/>
-        </p:nvCxnSpPr>
-        <p:spPr>
-          <a:xfrm flipV="1">
-            <a:off x="5810250" y="2274277"/>
-            <a:ext cx="95250" cy="171450"/>
-          </a:xfrm>
-          <a:prstGeom prst="line">
-            <a:avLst/>
-          </a:prstGeom>
-          <a:ln w="38100">
-            <a:solidFill>
-              <a:schemeClr val="bg1">
-                <a:lumMod val="50000"/>
-              </a:schemeClr>
-            </a:solidFill>
-          </a:ln>
-        </p:spPr>
-        <p:style>
-          <a:lnRef idx="1">
-            <a:schemeClr val="accent1"/>
-          </a:lnRef>
-          <a:fillRef idx="0">
-            <a:schemeClr val="accent1"/>
-          </a:fillRef>
-          <a:effectRef idx="0">
-            <a:schemeClr val="accent1"/>
-          </a:effectRef>
-          <a:fontRef idx="minor">
-            <a:schemeClr val="tx1"/>
-          </a:fontRef>
-        </p:style>
-      </p:cxnSp>
       <p:sp>
         <p:nvSpPr>
           <p:cNvPr id="25" name="Geschweifte Klammer links 24">
@@ -15456,8 +15113,8 @@
         </p:nvSpPr>
         <p:spPr>
           <a:xfrm rot="5400000">
-            <a:off x="3156469" y="3102983"/>
-            <a:ext cx="369333" cy="2035300"/>
+            <a:off x="3334643" y="3078332"/>
+            <a:ext cx="288000" cy="1728000"/>
           </a:xfrm>
           <a:prstGeom prst="leftBrace">
             <a:avLst/>
